--- a/総合演習資料/2.外部設計/画面・状態遷移図_DB.pptx
+++ b/総合演習資料/2.外部設計/画面・状態遷移図_DB.pptx
@@ -18138,7 +18138,7 @@
         <p:spPr>
           <a:xfrm>
             <a:off x="3824982" y="5330737"/>
-            <a:ext cx="2880274" cy="331518"/>
+            <a:ext cx="3277930" cy="331518"/>
           </a:xfrm>
           <a:prstGeom prst="rect">
             <a:avLst/>
@@ -18201,6 +18201,28 @@
                 <a:cs typeface="メイリオ" panose="020B0604030504040204" pitchFamily="50" charset="-128"/>
               </a:rPr>
               <a:t>ハイパーリンク</a:t>
+            </a:r>
+            <a:r>
+              <a:rPr kumimoji="1" lang="en-US" altLang="ja-JP" sz="1100" dirty="0" smtClean="0">
+                <a:solidFill>
+                  <a:schemeClr val="tx1"/>
+                </a:solidFill>
+                <a:latin typeface="メイリオ" panose="020B0604030504040204" pitchFamily="50" charset="-128"/>
+                <a:ea typeface="メイリオ" panose="020B0604030504040204" pitchFamily="50" charset="-128"/>
+                <a:cs typeface="メイリオ" panose="020B0604030504040204" pitchFamily="50" charset="-128"/>
+              </a:rPr>
+              <a:t>) (</a:t>
+            </a:r>
+            <a:r>
+              <a:rPr kumimoji="1" lang="ja-JP" altLang="en-US" sz="1100" dirty="0" smtClean="0">
+                <a:solidFill>
+                  <a:schemeClr val="tx1"/>
+                </a:solidFill>
+                <a:latin typeface="メイリオ" panose="020B0604030504040204" pitchFamily="50" charset="-128"/>
+                <a:ea typeface="メイリオ" panose="020B0604030504040204" pitchFamily="50" charset="-128"/>
+                <a:cs typeface="メイリオ" panose="020B0604030504040204" pitchFamily="50" charset="-128"/>
+              </a:rPr>
+              <a:t>成功</a:t>
             </a:r>
             <a:r>
               <a:rPr kumimoji="1" lang="en-US" altLang="ja-JP" sz="1100" dirty="0" smtClean="0">
@@ -19017,7 +19039,7 @@
           </a:prstGeom>
           <a:ln w="38100">
             <a:solidFill>
-              <a:schemeClr val="tx1"/>
+              <a:srgbClr val="FF0000"/>
             </a:solidFill>
             <a:prstDash val="solid"/>
             <a:headEnd type="none" w="med" len="med"/>
@@ -19055,7 +19077,7 @@
           </a:prstGeom>
           <a:ln w="38100">
             <a:solidFill>
-              <a:schemeClr val="tx1"/>
+              <a:srgbClr val="FF0000"/>
             </a:solidFill>
             <a:prstDash val="solid"/>
             <a:headEnd type="none" w="med" len="med"/>
@@ -19093,7 +19115,7 @@
           </a:prstGeom>
           <a:ln w="38100">
             <a:solidFill>
-              <a:schemeClr val="tx1"/>
+              <a:srgbClr val="FF0000"/>
             </a:solidFill>
             <a:prstDash val="solid"/>
             <a:headEnd type="none" w="med" len="med"/>
@@ -19131,7 +19153,7 @@
           </a:prstGeom>
           <a:ln w="38100">
             <a:solidFill>
-              <a:schemeClr val="tx1"/>
+              <a:srgbClr val="FF0000"/>
             </a:solidFill>
             <a:prstDash val="solid"/>
             <a:tailEnd type="triangle" w="lg" len="lg"/>
@@ -19152,6 +19174,123 @@
           </a:fontRef>
         </p:style>
       </p:cxnSp>
+      <p:sp>
+        <p:nvSpPr>
+          <p:cNvPr id="65" name="正方形/長方形 56"/>
+          <p:cNvSpPr/>
+          <p:nvPr/>
+        </p:nvSpPr>
+        <p:spPr>
+          <a:xfrm>
+            <a:off x="8715027" y="5174240"/>
+            <a:ext cx="3277930" cy="331518"/>
+          </a:xfrm>
+          <a:prstGeom prst="rect">
+            <a:avLst/>
+          </a:prstGeom>
+          <a:noFill/>
+          <a:ln>
+            <a:noFill/>
+          </a:ln>
+        </p:spPr>
+        <p:style>
+          <a:lnRef idx="2">
+            <a:schemeClr val="accent1">
+              <a:shade val="50000"/>
+            </a:schemeClr>
+          </a:lnRef>
+          <a:fillRef idx="1">
+            <a:schemeClr val="accent1"/>
+          </a:fillRef>
+          <a:effectRef idx="0">
+            <a:schemeClr val="accent1"/>
+          </a:effectRef>
+          <a:fontRef idx="minor">
+            <a:schemeClr val="lt1"/>
+          </a:fontRef>
+        </p:style>
+        <p:txBody>
+          <a:bodyPr rtlCol="0" anchor="t"/>
+          <a:lstStyle/>
+          <a:p>
+            <a:pPr algn="ctr"/>
+            <a:r>
+              <a:rPr lang="en-US" altLang="ja-JP" sz="1100" dirty="0" smtClean="0">
+                <a:solidFill>
+                  <a:srgbClr val="FF0000"/>
+                </a:solidFill>
+                <a:latin typeface="メイリオ" panose="020B0604030504040204" pitchFamily="50" charset="-128"/>
+                <a:ea typeface="メイリオ" panose="020B0604030504040204" pitchFamily="50" charset="-128"/>
+                <a:cs typeface="メイリオ" panose="020B0604030504040204" pitchFamily="50" charset="-128"/>
+              </a:rPr>
+              <a:t>GET action = delete </a:t>
+            </a:r>
+            <a:r>
+              <a:rPr kumimoji="1" lang="en-US" altLang="ja-JP" sz="1100" dirty="0" smtClean="0">
+                <a:solidFill>
+                  <a:srgbClr val="FF0000"/>
+                </a:solidFill>
+                <a:latin typeface="メイリオ" panose="020B0604030504040204" pitchFamily="50" charset="-128"/>
+                <a:ea typeface="メイリオ" panose="020B0604030504040204" pitchFamily="50" charset="-128"/>
+                <a:cs typeface="メイリオ" panose="020B0604030504040204" pitchFamily="50" charset="-128"/>
+              </a:rPr>
+              <a:t>(</a:t>
+            </a:r>
+            <a:r>
+              <a:rPr kumimoji="1" lang="ja-JP" altLang="en-US" sz="1100" dirty="0" smtClean="0">
+                <a:solidFill>
+                  <a:srgbClr val="FF0000"/>
+                </a:solidFill>
+                <a:latin typeface="メイリオ" panose="020B0604030504040204" pitchFamily="50" charset="-128"/>
+                <a:ea typeface="メイリオ" panose="020B0604030504040204" pitchFamily="50" charset="-128"/>
+                <a:cs typeface="メイリオ" panose="020B0604030504040204" pitchFamily="50" charset="-128"/>
+              </a:rPr>
+              <a:t>ハイパーリンク</a:t>
+            </a:r>
+            <a:r>
+              <a:rPr kumimoji="1" lang="en-US" altLang="ja-JP" sz="1100" dirty="0" smtClean="0">
+                <a:solidFill>
+                  <a:srgbClr val="FF0000"/>
+                </a:solidFill>
+                <a:latin typeface="メイリオ" panose="020B0604030504040204" pitchFamily="50" charset="-128"/>
+                <a:ea typeface="メイリオ" panose="020B0604030504040204" pitchFamily="50" charset="-128"/>
+                <a:cs typeface="メイリオ" panose="020B0604030504040204" pitchFamily="50" charset="-128"/>
+              </a:rPr>
+              <a:t>) (</a:t>
+            </a:r>
+            <a:r>
+              <a:rPr lang="ja-JP" altLang="en-US" sz="1100" dirty="0">
+                <a:solidFill>
+                  <a:srgbClr val="FF0000"/>
+                </a:solidFill>
+                <a:latin typeface="メイリオ" panose="020B0604030504040204" pitchFamily="50" charset="-128"/>
+                <a:ea typeface="メイリオ" panose="020B0604030504040204" pitchFamily="50" charset="-128"/>
+                <a:cs typeface="メイリオ" panose="020B0604030504040204" pitchFamily="50" charset="-128"/>
+              </a:rPr>
+              <a:t>失敗</a:t>
+            </a:r>
+            <a:r>
+              <a:rPr kumimoji="1" lang="en-US" altLang="ja-JP" sz="1100" dirty="0" smtClean="0">
+                <a:solidFill>
+                  <a:srgbClr val="FF0000"/>
+                </a:solidFill>
+                <a:latin typeface="メイリオ" panose="020B0604030504040204" pitchFamily="50" charset="-128"/>
+                <a:ea typeface="メイリオ" panose="020B0604030504040204" pitchFamily="50" charset="-128"/>
+                <a:cs typeface="メイリオ" panose="020B0604030504040204" pitchFamily="50" charset="-128"/>
+              </a:rPr>
+              <a:t>)</a:t>
+            </a:r>
+            <a:endParaRPr kumimoji="1" lang="ja-JP" altLang="en-US" sz="1100" dirty="0">
+              <a:solidFill>
+                <a:srgbClr val="FF0000"/>
+              </a:solidFill>
+              <a:latin typeface="メイリオ" panose="020B0604030504040204" pitchFamily="50" charset="-128"/>
+              <a:ea typeface="メイリオ" panose="020B0604030504040204" pitchFamily="50" charset="-128"/>
+              <a:cs typeface="メイリオ" panose="020B0604030504040204" pitchFamily="50" charset="-128"/>
+            </a:endParaRPr>
+          </a:p>
+        </p:txBody>
+      </p:sp>
     </p:spTree>
     <p:extLst>
       <p:ext uri="{BB962C8B-B14F-4D97-AF65-F5344CB8AC3E}">
@@ -23856,8 +23995,8 @@
         </p:nvSpPr>
         <p:spPr>
           <a:xfrm>
-            <a:off x="3747457" y="5697312"/>
-            <a:ext cx="2880274" cy="331518"/>
+            <a:off x="3747456" y="5697312"/>
+            <a:ext cx="3237643" cy="331518"/>
           </a:xfrm>
           <a:prstGeom prst="rect">
             <a:avLst/>
@@ -23923,6 +24062,50 @@
             </a:r>
             <a:r>
               <a:rPr kumimoji="1" lang="en-US" altLang="ja-JP" sz="1100" dirty="0" smtClean="0">
+                <a:solidFill>
+                  <a:schemeClr val="tx1"/>
+                </a:solidFill>
+                <a:latin typeface="メイリオ" panose="020B0604030504040204" pitchFamily="50" charset="-128"/>
+                <a:ea typeface="メイリオ" panose="020B0604030504040204" pitchFamily="50" charset="-128"/>
+                <a:cs typeface="メイリオ" panose="020B0604030504040204" pitchFamily="50" charset="-128"/>
+              </a:rPr>
+              <a:t>)</a:t>
+            </a:r>
+            <a:r>
+              <a:rPr lang="ja-JP" altLang="en-US" sz="1100" dirty="0">
+                <a:solidFill>
+                  <a:schemeClr val="tx1"/>
+                </a:solidFill>
+                <a:latin typeface="メイリオ" panose="020B0604030504040204" pitchFamily="50" charset="-128"/>
+                <a:ea typeface="メイリオ" panose="020B0604030504040204" pitchFamily="50" charset="-128"/>
+                <a:cs typeface="メイリオ" panose="020B0604030504040204" pitchFamily="50" charset="-128"/>
+              </a:rPr>
+              <a:t> </a:t>
+            </a:r>
+            <a:r>
+              <a:rPr lang="en-US" altLang="ja-JP" sz="1100" dirty="0" smtClean="0">
+                <a:solidFill>
+                  <a:schemeClr val="tx1"/>
+                </a:solidFill>
+                <a:latin typeface="メイリオ" panose="020B0604030504040204" pitchFamily="50" charset="-128"/>
+                <a:ea typeface="メイリオ" panose="020B0604030504040204" pitchFamily="50" charset="-128"/>
+                <a:cs typeface="メイリオ" panose="020B0604030504040204" pitchFamily="50" charset="-128"/>
+              </a:rPr>
+              <a:t>(</a:t>
+            </a:r>
+            <a:r>
+              <a:rPr lang="ja-JP" altLang="en-US" sz="1100" dirty="0">
+                <a:solidFill>
+                  <a:schemeClr val="tx1"/>
+                </a:solidFill>
+                <a:latin typeface="メイリオ" panose="020B0604030504040204" pitchFamily="50" charset="-128"/>
+                <a:ea typeface="メイリオ" panose="020B0604030504040204" pitchFamily="50" charset="-128"/>
+                <a:cs typeface="メイリオ" panose="020B0604030504040204" pitchFamily="50" charset="-128"/>
+              </a:rPr>
+              <a:t>成功</a:t>
+            </a:r>
+            <a:r>
+              <a:rPr lang="en-US" altLang="ja-JP" sz="1100" dirty="0" smtClean="0">
                 <a:solidFill>
                   <a:schemeClr val="tx1"/>
                 </a:solidFill>
@@ -24066,7 +24249,7 @@
         </p:nvSpPr>
         <p:spPr>
           <a:xfrm>
-            <a:off x="10295644" y="3875935"/>
+            <a:off x="9779393" y="4455160"/>
             <a:ext cx="1685529" cy="331518"/>
           </a:xfrm>
           <a:prstGeom prst="rect">
@@ -24121,15 +24304,59 @@
               <a:t> </a:t>
             </a:r>
             <a:r>
-              <a:rPr kumimoji="1" lang="ja-JP" altLang="en-US" sz="1100" dirty="0" smtClean="0">
-                <a:solidFill>
-                  <a:schemeClr val="tx1"/>
-                </a:solidFill>
-                <a:latin typeface="メイリオ" panose="020B0604030504040204" pitchFamily="50" charset="-128"/>
-                <a:ea typeface="メイリオ" panose="020B0604030504040204" pitchFamily="50" charset="-128"/>
-                <a:cs typeface="メイリオ" panose="020B0604030504040204" pitchFamily="50" charset="-128"/>
-              </a:rPr>
-              <a:t>パラメータなし </a:t>
+              <a:rPr lang="en-US" altLang="ja-JP" sz="1100" dirty="0" smtClean="0">
+                <a:solidFill>
+                  <a:schemeClr val="tx1"/>
+                </a:solidFill>
+                <a:latin typeface="メイリオ" panose="020B0604030504040204" pitchFamily="50" charset="-128"/>
+                <a:ea typeface="メイリオ" panose="020B0604030504040204" pitchFamily="50" charset="-128"/>
+                <a:cs typeface="メイリオ" panose="020B0604030504040204" pitchFamily="50" charset="-128"/>
+              </a:rPr>
+              <a:t>page = </a:t>
+            </a:r>
+            <a:r>
+              <a:rPr lang="en-US" altLang="ja-JP" sz="1100" dirty="0" err="1" smtClean="0">
+                <a:solidFill>
+                  <a:schemeClr val="tx1"/>
+                </a:solidFill>
+                <a:latin typeface="メイリオ" panose="020B0604030504040204" pitchFamily="50" charset="-128"/>
+                <a:ea typeface="メイリオ" panose="020B0604030504040204" pitchFamily="50" charset="-128"/>
+                <a:cs typeface="メイリオ" panose="020B0604030504040204" pitchFamily="50" charset="-128"/>
+              </a:rPr>
+              <a:t>updateUser</a:t>
+            </a:r>
+            <a:r>
+              <a:rPr lang="en-US" altLang="ja-JP" sz="1100" dirty="0" smtClean="0">
+                <a:solidFill>
+                  <a:schemeClr val="tx1"/>
+                </a:solidFill>
+                <a:latin typeface="メイリオ" panose="020B0604030504040204" pitchFamily="50" charset="-128"/>
+                <a:ea typeface="メイリオ" panose="020B0604030504040204" pitchFamily="50" charset="-128"/>
+                <a:cs typeface="メイリオ" panose="020B0604030504040204" pitchFamily="50" charset="-128"/>
+              </a:rPr>
+              <a:t>, user = </a:t>
+            </a:r>
+            <a:r>
+              <a:rPr lang="ja-JP" altLang="en-US" sz="1100" dirty="0" smtClean="0">
+                <a:solidFill>
+                  <a:schemeClr val="tx1"/>
+                </a:solidFill>
+                <a:latin typeface="メイリオ" panose="020B0604030504040204" pitchFamily="50" charset="-128"/>
+                <a:ea typeface="メイリオ" panose="020B0604030504040204" pitchFamily="50" charset="-128"/>
+                <a:cs typeface="メイリオ" panose="020B0604030504040204" pitchFamily="50" charset="-128"/>
+              </a:rPr>
+              <a:t>社員Ｉ</a:t>
+            </a:r>
+            <a:r>
+              <a:rPr lang="en-US" altLang="ja-JP" sz="1100" dirty="0" smtClean="0">
+                <a:solidFill>
+                  <a:schemeClr val="tx1"/>
+                </a:solidFill>
+                <a:latin typeface="メイリオ" panose="020B0604030504040204" pitchFamily="50" charset="-128"/>
+                <a:ea typeface="メイリオ" panose="020B0604030504040204" pitchFamily="50" charset="-128"/>
+                <a:cs typeface="メイリオ" panose="020B0604030504040204" pitchFamily="50" charset="-128"/>
+              </a:rPr>
+              <a:t>D</a:t>
             </a:r>
             <a:endParaRPr kumimoji="1" lang="en-US" altLang="ja-JP" sz="1100" dirty="0" smtClean="0">
               <a:solidFill>
@@ -24522,6 +24749,298 @@
             <a:endParaRPr kumimoji="1" lang="ja-JP" altLang="en-US" sz="1100" dirty="0">
               <a:solidFill>
                 <a:schemeClr val="tx1"/>
+              </a:solidFill>
+              <a:latin typeface="メイリオ" panose="020B0604030504040204" pitchFamily="50" charset="-128"/>
+              <a:ea typeface="メイリオ" panose="020B0604030504040204" pitchFamily="50" charset="-128"/>
+              <a:cs typeface="メイリオ" panose="020B0604030504040204" pitchFamily="50" charset="-128"/>
+            </a:endParaRPr>
+          </a:p>
+        </p:txBody>
+      </p:sp>
+      <p:cxnSp>
+        <p:nvCxnSpPr>
+          <p:cNvPr id="57" name="直線矢印コネクタ 40"/>
+          <p:cNvCxnSpPr>
+            <a:stCxn id="74" idx="2"/>
+          </p:cNvCxnSpPr>
+          <p:nvPr/>
+        </p:nvCxnSpPr>
+        <p:spPr>
+          <a:xfrm flipH="1">
+            <a:off x="8640817" y="6103275"/>
+            <a:ext cx="1" cy="426097"/>
+          </a:xfrm>
+          <a:prstGeom prst="straightConnector1">
+            <a:avLst/>
+          </a:prstGeom>
+          <a:ln w="38100">
+            <a:solidFill>
+              <a:srgbClr val="FF0000"/>
+            </a:solidFill>
+            <a:prstDash val="solid"/>
+            <a:headEnd type="none" w="med" len="med"/>
+            <a:tailEnd type="none" w="med" len="med"/>
+          </a:ln>
+        </p:spPr>
+        <p:style>
+          <a:lnRef idx="1">
+            <a:schemeClr val="accent1"/>
+          </a:lnRef>
+          <a:fillRef idx="0">
+            <a:schemeClr val="accent1"/>
+          </a:fillRef>
+          <a:effectRef idx="0">
+            <a:schemeClr val="accent1"/>
+          </a:effectRef>
+          <a:fontRef idx="minor">
+            <a:schemeClr val="tx1"/>
+          </a:fontRef>
+        </p:style>
+      </p:cxnSp>
+      <p:cxnSp>
+        <p:nvCxnSpPr>
+          <p:cNvPr id="58" name="直線矢印コネクタ 40"/>
+          <p:cNvCxnSpPr/>
+          <p:nvPr/>
+        </p:nvCxnSpPr>
+        <p:spPr>
+          <a:xfrm flipV="1">
+            <a:off x="8640817" y="6514357"/>
+            <a:ext cx="2824105" cy="10788"/>
+          </a:xfrm>
+          <a:prstGeom prst="straightConnector1">
+            <a:avLst/>
+          </a:prstGeom>
+          <a:ln w="38100">
+            <a:solidFill>
+              <a:srgbClr val="FF0000"/>
+            </a:solidFill>
+            <a:prstDash val="solid"/>
+            <a:headEnd type="none" w="med" len="med"/>
+            <a:tailEnd type="none" w="med" len="med"/>
+          </a:ln>
+        </p:spPr>
+        <p:style>
+          <a:lnRef idx="1">
+            <a:schemeClr val="accent1"/>
+          </a:lnRef>
+          <a:fillRef idx="0">
+            <a:schemeClr val="accent1"/>
+          </a:fillRef>
+          <a:effectRef idx="0">
+            <a:schemeClr val="accent1"/>
+          </a:effectRef>
+          <a:fontRef idx="minor">
+            <a:schemeClr val="tx1"/>
+          </a:fontRef>
+        </p:style>
+      </p:cxnSp>
+      <p:cxnSp>
+        <p:nvCxnSpPr>
+          <p:cNvPr id="59" name="直線矢印コネクタ 40"/>
+          <p:cNvCxnSpPr/>
+          <p:nvPr/>
+        </p:nvCxnSpPr>
+        <p:spPr>
+          <a:xfrm flipH="1">
+            <a:off x="11452264" y="2070847"/>
+            <a:ext cx="31524" cy="4430229"/>
+          </a:xfrm>
+          <a:prstGeom prst="straightConnector1">
+            <a:avLst/>
+          </a:prstGeom>
+          <a:ln w="38100">
+            <a:solidFill>
+              <a:srgbClr val="FF0000"/>
+            </a:solidFill>
+            <a:prstDash val="solid"/>
+            <a:headEnd type="none" w="med" len="med"/>
+            <a:tailEnd type="none" w="med" len="med"/>
+          </a:ln>
+        </p:spPr>
+        <p:style>
+          <a:lnRef idx="1">
+            <a:schemeClr val="accent1"/>
+          </a:lnRef>
+          <a:fillRef idx="0">
+            <a:schemeClr val="accent1"/>
+          </a:fillRef>
+          <a:effectRef idx="0">
+            <a:schemeClr val="accent1"/>
+          </a:effectRef>
+          <a:fontRef idx="minor">
+            <a:schemeClr val="tx1"/>
+          </a:fontRef>
+        </p:style>
+      </p:cxnSp>
+      <p:cxnSp>
+        <p:nvCxnSpPr>
+          <p:cNvPr id="62" name="直線矢印コネクタ 29"/>
+          <p:cNvCxnSpPr/>
+          <p:nvPr/>
+        </p:nvCxnSpPr>
+        <p:spPr>
+          <a:xfrm flipH="1" flipV="1">
+            <a:off x="10305360" y="2063548"/>
+            <a:ext cx="1178428" cy="7298"/>
+          </a:xfrm>
+          <a:prstGeom prst="straightConnector1">
+            <a:avLst/>
+          </a:prstGeom>
+          <a:ln w="38100">
+            <a:solidFill>
+              <a:srgbClr val="FF0000"/>
+            </a:solidFill>
+            <a:prstDash val="solid"/>
+            <a:tailEnd type="triangle" w="lg" len="lg"/>
+          </a:ln>
+        </p:spPr>
+        <p:style>
+          <a:lnRef idx="1">
+            <a:schemeClr val="accent1"/>
+          </a:lnRef>
+          <a:fillRef idx="0">
+            <a:schemeClr val="accent1"/>
+          </a:fillRef>
+          <a:effectRef idx="0">
+            <a:schemeClr val="accent1"/>
+          </a:effectRef>
+          <a:fontRef idx="minor">
+            <a:schemeClr val="tx1"/>
+          </a:fontRef>
+        </p:style>
+      </p:cxnSp>
+      <p:sp>
+        <p:nvSpPr>
+          <p:cNvPr id="68" name="正方形/長方形 56"/>
+          <p:cNvSpPr/>
+          <p:nvPr/>
+        </p:nvSpPr>
+        <p:spPr>
+          <a:xfrm>
+            <a:off x="10230668" y="1571899"/>
+            <a:ext cx="1800210" cy="331518"/>
+          </a:xfrm>
+          <a:prstGeom prst="rect">
+            <a:avLst/>
+          </a:prstGeom>
+          <a:noFill/>
+          <a:ln>
+            <a:noFill/>
+          </a:ln>
+        </p:spPr>
+        <p:style>
+          <a:lnRef idx="2">
+            <a:schemeClr val="accent1">
+              <a:shade val="50000"/>
+            </a:schemeClr>
+          </a:lnRef>
+          <a:fillRef idx="1">
+            <a:schemeClr val="accent1"/>
+          </a:fillRef>
+          <a:effectRef idx="0">
+            <a:schemeClr val="accent1"/>
+          </a:effectRef>
+          <a:fontRef idx="minor">
+            <a:schemeClr val="lt1"/>
+          </a:fontRef>
+        </p:style>
+        <p:txBody>
+          <a:bodyPr rtlCol="0" anchor="t"/>
+          <a:lstStyle/>
+          <a:p>
+            <a:pPr algn="ctr"/>
+            <a:r>
+              <a:rPr lang="en-US" altLang="ja-JP" sz="1100" dirty="0" smtClean="0">
+                <a:solidFill>
+                  <a:srgbClr val="FF0000"/>
+                </a:solidFill>
+                <a:latin typeface="メイリオ" panose="020B0604030504040204" pitchFamily="50" charset="-128"/>
+                <a:ea typeface="メイリオ" panose="020B0604030504040204" pitchFamily="50" charset="-128"/>
+                <a:cs typeface="メイリオ" panose="020B0604030504040204" pitchFamily="50" charset="-128"/>
+              </a:rPr>
+              <a:t>GET action = update </a:t>
+            </a:r>
+            <a:r>
+              <a:rPr kumimoji="1" lang="en-US" altLang="ja-JP" sz="1100" dirty="0" smtClean="0">
+                <a:solidFill>
+                  <a:srgbClr val="FF0000"/>
+                </a:solidFill>
+                <a:latin typeface="メイリオ" panose="020B0604030504040204" pitchFamily="50" charset="-128"/>
+                <a:ea typeface="メイリオ" panose="020B0604030504040204" pitchFamily="50" charset="-128"/>
+                <a:cs typeface="メイリオ" panose="020B0604030504040204" pitchFamily="50" charset="-128"/>
+              </a:rPr>
+              <a:t>(</a:t>
+            </a:r>
+            <a:r>
+              <a:rPr kumimoji="1" lang="ja-JP" altLang="en-US" sz="1100" dirty="0" smtClean="0">
+                <a:solidFill>
+                  <a:srgbClr val="FF0000"/>
+                </a:solidFill>
+                <a:latin typeface="メイリオ" panose="020B0604030504040204" pitchFamily="50" charset="-128"/>
+                <a:ea typeface="メイリオ" panose="020B0604030504040204" pitchFamily="50" charset="-128"/>
+                <a:cs typeface="メイリオ" panose="020B0604030504040204" pitchFamily="50" charset="-128"/>
+              </a:rPr>
+              <a:t>ハイパーリンク</a:t>
+            </a:r>
+            <a:r>
+              <a:rPr kumimoji="1" lang="en-US" altLang="ja-JP" sz="1100" dirty="0" smtClean="0">
+                <a:solidFill>
+                  <a:srgbClr val="FF0000"/>
+                </a:solidFill>
+                <a:latin typeface="メイリオ" panose="020B0604030504040204" pitchFamily="50" charset="-128"/>
+                <a:ea typeface="メイリオ" panose="020B0604030504040204" pitchFamily="50" charset="-128"/>
+                <a:cs typeface="メイリオ" panose="020B0604030504040204" pitchFamily="50" charset="-128"/>
+              </a:rPr>
+              <a:t>)</a:t>
+            </a:r>
+            <a:r>
+              <a:rPr lang="ja-JP" altLang="en-US" sz="1100" dirty="0">
+                <a:solidFill>
+                  <a:srgbClr val="FF0000"/>
+                </a:solidFill>
+                <a:latin typeface="メイリオ" panose="020B0604030504040204" pitchFamily="50" charset="-128"/>
+                <a:ea typeface="メイリオ" panose="020B0604030504040204" pitchFamily="50" charset="-128"/>
+                <a:cs typeface="メイリオ" panose="020B0604030504040204" pitchFamily="50" charset="-128"/>
+              </a:rPr>
+              <a:t> </a:t>
+            </a:r>
+            <a:r>
+              <a:rPr lang="en-US" altLang="ja-JP" sz="1100" dirty="0" smtClean="0">
+                <a:solidFill>
+                  <a:srgbClr val="FF0000"/>
+                </a:solidFill>
+                <a:latin typeface="メイリオ" panose="020B0604030504040204" pitchFamily="50" charset="-128"/>
+                <a:ea typeface="メイリオ" panose="020B0604030504040204" pitchFamily="50" charset="-128"/>
+                <a:cs typeface="メイリオ" panose="020B0604030504040204" pitchFamily="50" charset="-128"/>
+              </a:rPr>
+              <a:t>(</a:t>
+            </a:r>
+            <a:r>
+              <a:rPr lang="ja-JP" altLang="en-US" sz="1100" dirty="0" smtClean="0">
+                <a:solidFill>
+                  <a:srgbClr val="FF0000"/>
+                </a:solidFill>
+                <a:latin typeface="メイリオ" panose="020B0604030504040204" pitchFamily="50" charset="-128"/>
+                <a:ea typeface="メイリオ" panose="020B0604030504040204" pitchFamily="50" charset="-128"/>
+                <a:cs typeface="メイリオ" panose="020B0604030504040204" pitchFamily="50" charset="-128"/>
+              </a:rPr>
+              <a:t>失敗</a:t>
+            </a:r>
+            <a:r>
+              <a:rPr lang="en-US" altLang="ja-JP" sz="1100" dirty="0" smtClean="0">
+                <a:solidFill>
+                  <a:srgbClr val="FF0000"/>
+                </a:solidFill>
+                <a:latin typeface="メイリオ" panose="020B0604030504040204" pitchFamily="50" charset="-128"/>
+                <a:ea typeface="メイリオ" panose="020B0604030504040204" pitchFamily="50" charset="-128"/>
+                <a:cs typeface="メイリオ" panose="020B0604030504040204" pitchFamily="50" charset="-128"/>
+              </a:rPr>
+              <a:t>)</a:t>
+            </a:r>
+            <a:endParaRPr kumimoji="1" lang="ja-JP" altLang="en-US" sz="1100" dirty="0">
+              <a:solidFill>
+                <a:srgbClr val="FF0000"/>
               </a:solidFill>
               <a:latin typeface="メイリオ" panose="020B0604030504040204" pitchFamily="50" charset="-128"/>
               <a:ea typeface="メイリオ" panose="020B0604030504040204" pitchFamily="50" charset="-128"/>

--- a/総合演習資料/2.外部設計/画面・状態遷移図_DB.pptx
+++ b/総合演習資料/2.外部設計/画面・状態遷移図_DB.pptx
@@ -3760,18 +3760,7 @@
                 <a:ea typeface="メイリオ" panose="020B0604030504040204" pitchFamily="50" charset="-128"/>
                 <a:cs typeface="メイリオ" panose="020B0604030504040204" pitchFamily="50" charset="-128"/>
               </a:rPr>
-              <a:t>POST action = </a:t>
-            </a:r>
-            <a:r>
-              <a:rPr lang="en-US" altLang="ja-JP" sz="1100" dirty="0" smtClean="0">
-                <a:solidFill>
-                  <a:schemeClr val="tx1"/>
-                </a:solidFill>
-                <a:latin typeface="メイリオ" panose="020B0604030504040204" pitchFamily="50" charset="-128"/>
-                <a:ea typeface="メイリオ" panose="020B0604030504040204" pitchFamily="50" charset="-128"/>
-                <a:cs typeface="メイリオ" panose="020B0604030504040204" pitchFamily="50" charset="-128"/>
-              </a:rPr>
-              <a:t>login(</a:t>
+              <a:t>POST action = login(</a:t>
             </a:r>
             <a:r>
               <a:rPr lang="ja-JP" altLang="en-US" sz="1100" dirty="0" smtClean="0">
@@ -3941,27 +3930,8 @@
                 <a:ea typeface="メイリオ" panose="020B0604030504040204" pitchFamily="50" charset="-128"/>
                 <a:cs typeface="メイリオ" panose="020B0604030504040204" pitchFamily="50" charset="-128"/>
               </a:rPr>
-              <a:t>http</a:t>
-            </a:r>
-            <a:r>
-              <a:rPr kumimoji="1" lang="en-US" altLang="ja-JP" sz="1600" u="sng" dirty="0" smtClean="0">
-                <a:solidFill>
-                  <a:schemeClr val="tx1"/>
-                </a:solidFill>
-                <a:latin typeface="メイリオ" panose="020B0604030504040204" pitchFamily="50" charset="-128"/>
-                <a:ea typeface="メイリオ" panose="020B0604030504040204" pitchFamily="50" charset="-128"/>
-                <a:cs typeface="メイリオ" panose="020B0604030504040204" pitchFamily="50" charset="-128"/>
-              </a:rPr>
-              <a:t>://…</a:t>
-            </a:r>
-            <a:endParaRPr kumimoji="1" lang="en-US" altLang="ja-JP" sz="1600" u="sng" dirty="0" smtClean="0">
-              <a:solidFill>
-                <a:schemeClr val="tx1"/>
-              </a:solidFill>
-              <a:latin typeface="メイリオ" panose="020B0604030504040204" pitchFamily="50" charset="-128"/>
-              <a:ea typeface="メイリオ" panose="020B0604030504040204" pitchFamily="50" charset="-128"/>
-              <a:cs typeface="メイリオ" panose="020B0604030504040204" pitchFamily="50" charset="-128"/>
-            </a:endParaRPr>
+              <a:t>http://…</a:t>
+            </a:r>
           </a:p>
         </p:txBody>
       </p:sp>
@@ -5996,7 +5966,18 @@
                 <a:ea typeface="メイリオ" panose="020B0604030504040204" pitchFamily="50" charset="-128"/>
                 <a:cs typeface="メイリオ" panose="020B0604030504040204" pitchFamily="50" charset="-128"/>
               </a:rPr>
-              <a:t>POST action = </a:t>
+              <a:t>POST action = login(</a:t>
+            </a:r>
+            <a:r>
+              <a:rPr lang="ja-JP" altLang="en-US" sz="1100" dirty="0" smtClean="0">
+                <a:solidFill>
+                  <a:srgbClr val="FF0000"/>
+                </a:solidFill>
+                <a:latin typeface="メイリオ" panose="020B0604030504040204" pitchFamily="50" charset="-128"/>
+                <a:ea typeface="メイリオ" panose="020B0604030504040204" pitchFamily="50" charset="-128"/>
+                <a:cs typeface="メイリオ" panose="020B0604030504040204" pitchFamily="50" charset="-128"/>
+              </a:rPr>
+              <a:t>失敗</a:t>
             </a:r>
             <a:r>
               <a:rPr lang="en-US" altLang="ja-JP" sz="1100" dirty="0" smtClean="0">
@@ -6007,38 +5988,8 @@
                 <a:ea typeface="メイリオ" panose="020B0604030504040204" pitchFamily="50" charset="-128"/>
                 <a:cs typeface="メイリオ" panose="020B0604030504040204" pitchFamily="50" charset="-128"/>
               </a:rPr>
-              <a:t>login(</a:t>
-            </a:r>
-            <a:r>
-              <a:rPr lang="ja-JP" altLang="en-US" sz="1100" dirty="0" smtClean="0">
-                <a:solidFill>
-                  <a:srgbClr val="FF0000"/>
-                </a:solidFill>
-                <a:latin typeface="メイリオ" panose="020B0604030504040204" pitchFamily="50" charset="-128"/>
-                <a:ea typeface="メイリオ" panose="020B0604030504040204" pitchFamily="50" charset="-128"/>
-                <a:cs typeface="メイリオ" panose="020B0604030504040204" pitchFamily="50" charset="-128"/>
-              </a:rPr>
-              <a:t>失敗</a:t>
-            </a:r>
-            <a:r>
-              <a:rPr lang="en-US" altLang="ja-JP" sz="1100" dirty="0" smtClean="0">
-                <a:solidFill>
-                  <a:srgbClr val="FF0000"/>
-                </a:solidFill>
-                <a:latin typeface="メイリオ" panose="020B0604030504040204" pitchFamily="50" charset="-128"/>
-                <a:ea typeface="メイリオ" panose="020B0604030504040204" pitchFamily="50" charset="-128"/>
-                <a:cs typeface="メイリオ" panose="020B0604030504040204" pitchFamily="50" charset="-128"/>
-              </a:rPr>
               <a:t>)</a:t>
             </a:r>
-            <a:endParaRPr lang="en-US" altLang="ja-JP" sz="1100" dirty="0" smtClean="0">
-              <a:solidFill>
-                <a:srgbClr val="FF0000"/>
-              </a:solidFill>
-              <a:latin typeface="メイリオ" panose="020B0604030504040204" pitchFamily="50" charset="-128"/>
-              <a:ea typeface="メイリオ" panose="020B0604030504040204" pitchFamily="50" charset="-128"/>
-              <a:cs typeface="メイリオ" panose="020B0604030504040204" pitchFamily="50" charset="-128"/>
-            </a:endParaRPr>
           </a:p>
         </p:txBody>
       </p:sp>
@@ -6557,17 +6508,6 @@
                 <a:cs typeface="メイリオ" panose="020B0604030504040204" pitchFamily="50" charset="-128"/>
               </a:rPr>
               <a:t>.java</a:t>
-            </a:r>
-            <a:r>
-              <a:rPr lang="en-US" altLang="ja-JP" sz="1400" dirty="0" smtClean="0">
-                <a:solidFill>
-                  <a:schemeClr val="tx1"/>
-                </a:solidFill>
-                <a:latin typeface="メイリオ" panose="020B0604030504040204" pitchFamily="50" charset="-128"/>
-                <a:ea typeface="メイリオ" panose="020B0604030504040204" pitchFamily="50" charset="-128"/>
-                <a:cs typeface="メイリオ" panose="020B0604030504040204" pitchFamily="50" charset="-128"/>
-              </a:rPr>
-              <a:t/>
             </a:r>
             <a:br>
               <a:rPr lang="en-US" altLang="ja-JP" sz="1400" dirty="0" smtClean="0">
@@ -7830,14 +7770,6 @@
               </a:rPr>
               <a:t>.java</a:t>
             </a:r>
-            <a:endParaRPr lang="en-US" altLang="ja-JP" sz="1400" dirty="0" smtClean="0">
-              <a:solidFill>
-                <a:schemeClr val="tx1"/>
-              </a:solidFill>
-              <a:latin typeface="メイリオ" panose="020B0604030504040204" pitchFamily="50" charset="-128"/>
-              <a:ea typeface="メイリオ" panose="020B0604030504040204" pitchFamily="50" charset="-128"/>
-              <a:cs typeface="メイリオ" panose="020B0604030504040204" pitchFamily="50" charset="-128"/>
-            </a:endParaRPr>
           </a:p>
           <a:p>
             <a:r>
@@ -8544,7 +8476,289 @@
               </a:rPr>
               <a:t>スコープ</a:t>
             </a:r>
-            <a:endParaRPr kumimoji="1" lang="ja-JP" altLang="en-US" sz="1400" dirty="0">
+            <a:endParaRPr lang="en-US" altLang="ja-JP" sz="1400" dirty="0" smtClean="0">
+              <a:solidFill>
+                <a:schemeClr val="tx1"/>
+              </a:solidFill>
+              <a:latin typeface="メイリオ" panose="020B0604030504040204" pitchFamily="50" charset="-128"/>
+              <a:ea typeface="メイリオ" panose="020B0604030504040204" pitchFamily="50" charset="-128"/>
+              <a:cs typeface="メイリオ" panose="020B0604030504040204" pitchFamily="50" charset="-128"/>
+            </a:endParaRPr>
+          </a:p>
+          <a:p>
+            <a:pPr algn="ctr"/>
+            <a:endParaRPr kumimoji="1" lang="en-US" altLang="ja-JP" sz="1400" dirty="0">
+              <a:solidFill>
+                <a:schemeClr val="tx1"/>
+              </a:solidFill>
+              <a:latin typeface="メイリオ" panose="020B0604030504040204" pitchFamily="50" charset="-128"/>
+              <a:ea typeface="メイリオ" panose="020B0604030504040204" pitchFamily="50" charset="-128"/>
+              <a:cs typeface="メイリオ" panose="020B0604030504040204" pitchFamily="50" charset="-128"/>
+            </a:endParaRPr>
+          </a:p>
+          <a:p>
+            <a:pPr algn="ctr"/>
+            <a:r>
+              <a:rPr lang="ja-JP" altLang="en-US" sz="1100" dirty="0" smtClean="0">
+                <a:solidFill>
+                  <a:schemeClr val="tx1"/>
+                </a:solidFill>
+                <a:latin typeface="メイリオ" panose="020B0604030504040204" pitchFamily="50" charset="-128"/>
+                <a:ea typeface="メイリオ" panose="020B0604030504040204" pitchFamily="50" charset="-128"/>
+                <a:cs typeface="メイリオ" panose="020B0604030504040204" pitchFamily="50" charset="-128"/>
+              </a:rPr>
+              <a:t>・自分の社員</a:t>
+            </a:r>
+            <a:r>
+              <a:rPr lang="en-US" altLang="ja-JP" sz="1100" dirty="0" smtClean="0">
+                <a:solidFill>
+                  <a:schemeClr val="tx1"/>
+                </a:solidFill>
+                <a:latin typeface="メイリオ" panose="020B0604030504040204" pitchFamily="50" charset="-128"/>
+                <a:ea typeface="メイリオ" panose="020B0604030504040204" pitchFamily="50" charset="-128"/>
+                <a:cs typeface="メイリオ" panose="020B0604030504040204" pitchFamily="50" charset="-128"/>
+              </a:rPr>
+              <a:t>ID</a:t>
+            </a:r>
+            <a:br>
+              <a:rPr lang="en-US" altLang="ja-JP" sz="1100" dirty="0" smtClean="0">
+                <a:solidFill>
+                  <a:schemeClr val="tx1"/>
+                </a:solidFill>
+                <a:latin typeface="メイリオ" panose="020B0604030504040204" pitchFamily="50" charset="-128"/>
+                <a:ea typeface="メイリオ" panose="020B0604030504040204" pitchFamily="50" charset="-128"/>
+                <a:cs typeface="メイリオ" panose="020B0604030504040204" pitchFamily="50" charset="-128"/>
+              </a:rPr>
+            </a:br>
+            <a:r>
+              <a:rPr lang="ja-JP" altLang="en-US" sz="1100" dirty="0" smtClean="0">
+                <a:solidFill>
+                  <a:schemeClr val="tx1"/>
+                </a:solidFill>
+                <a:latin typeface="メイリオ" panose="020B0604030504040204" pitchFamily="50" charset="-128"/>
+                <a:ea typeface="メイリオ" panose="020B0604030504040204" pitchFamily="50" charset="-128"/>
+                <a:cs typeface="メイリオ" panose="020B0604030504040204" pitchFamily="50" charset="-128"/>
+              </a:rPr>
+              <a:t>・</a:t>
+            </a:r>
+            <a:r>
+              <a:rPr lang="ja-JP" altLang="en-US" sz="1100" dirty="0" smtClean="0">
+                <a:solidFill>
+                  <a:schemeClr val="tx1"/>
+                </a:solidFill>
+                <a:latin typeface="メイリオ" panose="020B0604030504040204" pitchFamily="50" charset="-128"/>
+                <a:ea typeface="メイリオ" panose="020B0604030504040204" pitchFamily="50" charset="-128"/>
+                <a:cs typeface="メイリオ" panose="020B0604030504040204" pitchFamily="50" charset="-128"/>
+              </a:rPr>
+              <a:t>自分</a:t>
+            </a:r>
+            <a:r>
+              <a:rPr lang="ja-JP" altLang="en-US" sz="1100" dirty="0">
+                <a:solidFill>
+                  <a:schemeClr val="tx1"/>
+                </a:solidFill>
+                <a:latin typeface="メイリオ" panose="020B0604030504040204" pitchFamily="50" charset="-128"/>
+                <a:ea typeface="メイリオ" panose="020B0604030504040204" pitchFamily="50" charset="-128"/>
+                <a:cs typeface="メイリオ" panose="020B0604030504040204" pitchFamily="50" charset="-128"/>
+              </a:rPr>
+              <a:t>の</a:t>
+            </a:r>
+            <a:r>
+              <a:rPr lang="ja-JP" altLang="en-US" sz="1100" dirty="0" smtClean="0">
+                <a:solidFill>
+                  <a:schemeClr val="tx1"/>
+                </a:solidFill>
+                <a:latin typeface="メイリオ" panose="020B0604030504040204" pitchFamily="50" charset="-128"/>
+                <a:ea typeface="メイリオ" panose="020B0604030504040204" pitchFamily="50" charset="-128"/>
+                <a:cs typeface="メイリオ" panose="020B0604030504040204" pitchFamily="50" charset="-128"/>
+              </a:rPr>
+              <a:t>権限</a:t>
+            </a:r>
+            <a:endParaRPr kumimoji="1" lang="en-US" altLang="ja-JP" sz="1100" dirty="0">
+              <a:solidFill>
+                <a:schemeClr val="tx1"/>
+              </a:solidFill>
+              <a:latin typeface="メイリオ" panose="020B0604030504040204" pitchFamily="50" charset="-128"/>
+              <a:ea typeface="メイリオ" panose="020B0604030504040204" pitchFamily="50" charset="-128"/>
+              <a:cs typeface="メイリオ" panose="020B0604030504040204" pitchFamily="50" charset="-128"/>
+            </a:endParaRPr>
+          </a:p>
+          <a:p>
+            <a:pPr algn="ctr"/>
+            <a:r>
+              <a:rPr lang="ja-JP" altLang="en-US" sz="1100" dirty="0" smtClean="0">
+                <a:solidFill>
+                  <a:schemeClr val="tx1"/>
+                </a:solidFill>
+                <a:latin typeface="メイリオ" panose="020B0604030504040204" pitchFamily="50" charset="-128"/>
+                <a:ea typeface="メイリオ" panose="020B0604030504040204" pitchFamily="50" charset="-128"/>
+                <a:cs typeface="メイリオ" panose="020B0604030504040204" pitchFamily="50" charset="-128"/>
+              </a:rPr>
+              <a:t>・参照・編集している社員</a:t>
+            </a:r>
+            <a:r>
+              <a:rPr lang="en-US" altLang="ja-JP" sz="1100" dirty="0" smtClean="0">
+                <a:solidFill>
+                  <a:schemeClr val="tx1"/>
+                </a:solidFill>
+                <a:latin typeface="メイリオ" panose="020B0604030504040204" pitchFamily="50" charset="-128"/>
+                <a:ea typeface="メイリオ" panose="020B0604030504040204" pitchFamily="50" charset="-128"/>
+                <a:cs typeface="メイリオ" panose="020B0604030504040204" pitchFamily="50" charset="-128"/>
+              </a:rPr>
+              <a:t>ID</a:t>
+            </a:r>
+            <a:br>
+              <a:rPr lang="en-US" altLang="ja-JP" sz="1100" dirty="0" smtClean="0">
+                <a:solidFill>
+                  <a:schemeClr val="tx1"/>
+                </a:solidFill>
+                <a:latin typeface="メイリオ" panose="020B0604030504040204" pitchFamily="50" charset="-128"/>
+                <a:ea typeface="メイリオ" panose="020B0604030504040204" pitchFamily="50" charset="-128"/>
+                <a:cs typeface="メイリオ" panose="020B0604030504040204" pitchFamily="50" charset="-128"/>
+              </a:rPr>
+            </a:br>
+            <a:r>
+              <a:rPr lang="ja-JP" altLang="en-US" sz="1100" dirty="0" smtClean="0">
+                <a:solidFill>
+                  <a:schemeClr val="tx1"/>
+                </a:solidFill>
+                <a:latin typeface="メイリオ" panose="020B0604030504040204" pitchFamily="50" charset="-128"/>
+                <a:ea typeface="メイリオ" panose="020B0604030504040204" pitchFamily="50" charset="-128"/>
+                <a:cs typeface="メイリオ" panose="020B0604030504040204" pitchFamily="50" charset="-128"/>
+              </a:rPr>
+              <a:t>・前のページ</a:t>
+            </a:r>
+            <a:endParaRPr lang="en-US" altLang="ja-JP" sz="1100" dirty="0" smtClean="0">
+              <a:solidFill>
+                <a:schemeClr val="tx1"/>
+              </a:solidFill>
+              <a:latin typeface="メイリオ" panose="020B0604030504040204" pitchFamily="50" charset="-128"/>
+              <a:ea typeface="メイリオ" panose="020B0604030504040204" pitchFamily="50" charset="-128"/>
+              <a:cs typeface="メイリオ" panose="020B0604030504040204" pitchFamily="50" charset="-128"/>
+            </a:endParaRPr>
+          </a:p>
+          <a:p>
+            <a:pPr algn="ctr"/>
+            <a:r>
+              <a:rPr lang="ja-JP" altLang="en-US" sz="1100" dirty="0" smtClean="0">
+                <a:solidFill>
+                  <a:schemeClr val="tx1"/>
+                </a:solidFill>
+                <a:latin typeface="メイリオ" panose="020B0604030504040204" pitchFamily="50" charset="-128"/>
+                <a:ea typeface="メイリオ" panose="020B0604030504040204" pitchFamily="50" charset="-128"/>
+                <a:cs typeface="メイリオ" panose="020B0604030504040204" pitchFamily="50" charset="-128"/>
+              </a:rPr>
+              <a:t>・社員情報</a:t>
+            </a:r>
+            <a:r>
+              <a:rPr lang="en-US" altLang="ja-JP" sz="1100" dirty="0" smtClean="0">
+                <a:solidFill>
+                  <a:schemeClr val="tx1"/>
+                </a:solidFill>
+                <a:latin typeface="メイリオ" panose="020B0604030504040204" pitchFamily="50" charset="-128"/>
+                <a:ea typeface="メイリオ" panose="020B0604030504040204" pitchFamily="50" charset="-128"/>
+                <a:cs typeface="メイリオ" panose="020B0604030504040204" pitchFamily="50" charset="-128"/>
+              </a:rPr>
+              <a:t>Bean</a:t>
+            </a:r>
+            <a:endParaRPr lang="en-US" altLang="ja-JP" sz="1100" dirty="0">
+              <a:solidFill>
+                <a:schemeClr val="tx1"/>
+              </a:solidFill>
+              <a:latin typeface="メイリオ" panose="020B0604030504040204" pitchFamily="50" charset="-128"/>
+              <a:ea typeface="メイリオ" panose="020B0604030504040204" pitchFamily="50" charset="-128"/>
+              <a:cs typeface="メイリオ" panose="020B0604030504040204" pitchFamily="50" charset="-128"/>
+            </a:endParaRPr>
+          </a:p>
+          <a:p>
+            <a:pPr algn="ctr"/>
+            <a:r>
+              <a:rPr lang="ja-JP" altLang="en-US" sz="1100" dirty="0" smtClean="0">
+                <a:solidFill>
+                  <a:schemeClr val="tx1"/>
+                </a:solidFill>
+                <a:latin typeface="メイリオ" panose="020B0604030504040204" pitchFamily="50" charset="-128"/>
+                <a:ea typeface="メイリオ" panose="020B0604030504040204" pitchFamily="50" charset="-128"/>
+                <a:cs typeface="メイリオ" panose="020B0604030504040204" pitchFamily="50" charset="-128"/>
+              </a:rPr>
+              <a:t>・社員情報</a:t>
+            </a:r>
+            <a:r>
+              <a:rPr lang="en-US" altLang="ja-JP" sz="1100" dirty="0" smtClean="0">
+                <a:solidFill>
+                  <a:schemeClr val="tx1"/>
+                </a:solidFill>
+                <a:latin typeface="メイリオ" panose="020B0604030504040204" pitchFamily="50" charset="-128"/>
+                <a:ea typeface="メイリオ" panose="020B0604030504040204" pitchFamily="50" charset="-128"/>
+                <a:cs typeface="メイリオ" panose="020B0604030504040204" pitchFamily="50" charset="-128"/>
+              </a:rPr>
+              <a:t>Bean</a:t>
+            </a:r>
+            <a:r>
+              <a:rPr lang="ja-JP" altLang="en-US" sz="1100" dirty="0" smtClean="0">
+                <a:solidFill>
+                  <a:schemeClr val="tx1"/>
+                </a:solidFill>
+                <a:latin typeface="メイリオ" panose="020B0604030504040204" pitchFamily="50" charset="-128"/>
+                <a:ea typeface="メイリオ" panose="020B0604030504040204" pitchFamily="50" charset="-128"/>
+                <a:cs typeface="メイリオ" panose="020B0604030504040204" pitchFamily="50" charset="-128"/>
+              </a:rPr>
+              <a:t>リスト</a:t>
+            </a:r>
+            <a:r>
+              <a:rPr lang="en-US" altLang="ja-JP" sz="1100" dirty="0" smtClean="0">
+                <a:solidFill>
+                  <a:schemeClr val="tx1"/>
+                </a:solidFill>
+                <a:latin typeface="メイリオ" panose="020B0604030504040204" pitchFamily="50" charset="-128"/>
+                <a:ea typeface="メイリオ" panose="020B0604030504040204" pitchFamily="50" charset="-128"/>
+                <a:cs typeface="メイリオ" panose="020B0604030504040204" pitchFamily="50" charset="-128"/>
+              </a:rPr>
+              <a:t/>
+            </a:r>
+            <a:br>
+              <a:rPr lang="en-US" altLang="ja-JP" sz="1100" dirty="0" smtClean="0">
+                <a:solidFill>
+                  <a:schemeClr val="tx1"/>
+                </a:solidFill>
+                <a:latin typeface="メイリオ" panose="020B0604030504040204" pitchFamily="50" charset="-128"/>
+                <a:ea typeface="メイリオ" panose="020B0604030504040204" pitchFamily="50" charset="-128"/>
+                <a:cs typeface="メイリオ" panose="020B0604030504040204" pitchFamily="50" charset="-128"/>
+              </a:rPr>
+            </a:br>
+            <a:endParaRPr lang="en-US" altLang="ja-JP" sz="1100" dirty="0" smtClean="0">
+              <a:solidFill>
+                <a:schemeClr val="tx1"/>
+              </a:solidFill>
+              <a:latin typeface="メイリオ" panose="020B0604030504040204" pitchFamily="50" charset="-128"/>
+              <a:ea typeface="メイリオ" panose="020B0604030504040204" pitchFamily="50" charset="-128"/>
+              <a:cs typeface="メイリオ" panose="020B0604030504040204" pitchFamily="50" charset="-128"/>
+            </a:endParaRPr>
+          </a:p>
+          <a:p>
+            <a:pPr algn="ctr"/>
+            <a:r>
+              <a:rPr lang="en-US" altLang="ja-JP" sz="1100" dirty="0">
+                <a:solidFill>
+                  <a:schemeClr val="tx1"/>
+                </a:solidFill>
+                <a:latin typeface="メイリオ" panose="020B0604030504040204" pitchFamily="50" charset="-128"/>
+                <a:ea typeface="メイリオ" panose="020B0604030504040204" pitchFamily="50" charset="-128"/>
+                <a:cs typeface="メイリオ" panose="020B0604030504040204" pitchFamily="50" charset="-128"/>
+              </a:rPr>
+              <a:t/>
+            </a:r>
+            <a:br>
+              <a:rPr lang="en-US" altLang="ja-JP" sz="1100" dirty="0">
+                <a:solidFill>
+                  <a:schemeClr val="tx1"/>
+                </a:solidFill>
+                <a:latin typeface="メイリオ" panose="020B0604030504040204" pitchFamily="50" charset="-128"/>
+                <a:ea typeface="メイリオ" panose="020B0604030504040204" pitchFamily="50" charset="-128"/>
+                <a:cs typeface="メイリオ" panose="020B0604030504040204" pitchFamily="50" charset="-128"/>
+              </a:rPr>
+            </a:br>
+            <a:endParaRPr kumimoji="1" lang="ja-JP" altLang="en-US" sz="1100" dirty="0">
               <a:solidFill>
                 <a:schemeClr val="tx1"/>
               </a:solidFill>
@@ -9574,17 +9788,6 @@
               </a:rPr>
               <a:t>.java</a:t>
             </a:r>
-            <a:r>
-              <a:rPr lang="en-US" altLang="ja-JP" sz="1400" dirty="0" smtClean="0">
-                <a:solidFill>
-                  <a:schemeClr val="tx1"/>
-                </a:solidFill>
-                <a:latin typeface="メイリオ" panose="020B0604030504040204" pitchFamily="50" charset="-128"/>
-                <a:ea typeface="メイリオ" panose="020B0604030504040204" pitchFamily="50" charset="-128"/>
-                <a:cs typeface="メイリオ" panose="020B0604030504040204" pitchFamily="50" charset="-128"/>
-              </a:rPr>
-              <a:t/>
-            </a:r>
             <a:br>
               <a:rPr lang="en-US" altLang="ja-JP" sz="1400" dirty="0" smtClean="0">
                 <a:solidFill>
@@ -9723,18 +9926,7 @@
                 <a:ea typeface="メイリオ" panose="020B0604030504040204" pitchFamily="50" charset="-128"/>
                 <a:cs typeface="メイリオ" panose="020B0604030504040204" pitchFamily="50" charset="-128"/>
               </a:rPr>
-              <a:t>(Using Session Scop</a:t>
-            </a:r>
-            <a:r>
-              <a:rPr lang="en-US" altLang="ja-JP" sz="1400" dirty="0" smtClean="0">
-                <a:solidFill>
-                  <a:srgbClr val="FF0000"/>
-                </a:solidFill>
-                <a:latin typeface="メイリオ" panose="020B0604030504040204" pitchFamily="50" charset="-128"/>
-                <a:ea typeface="メイリオ" panose="020B0604030504040204" pitchFamily="50" charset="-128"/>
-                <a:cs typeface="メイリオ" panose="020B0604030504040204" pitchFamily="50" charset="-128"/>
-              </a:rPr>
-              <a:t>e in the case that we go back from confirmation page)</a:t>
+              <a:t>(Using Session Scope in the case that we go back from confirmation page)</a:t>
             </a:r>
             <a:endParaRPr kumimoji="1" lang="ja-JP" altLang="en-US" sz="1400" dirty="0">
               <a:solidFill>
@@ -10801,14 +10993,6 @@
               </a:rPr>
               <a:t>.java</a:t>
             </a:r>
-            <a:endParaRPr lang="en-US" altLang="ja-JP" sz="1400" dirty="0" smtClean="0">
-              <a:solidFill>
-                <a:schemeClr val="tx1"/>
-              </a:solidFill>
-              <a:latin typeface="メイリオ" panose="020B0604030504040204" pitchFamily="50" charset="-128"/>
-              <a:ea typeface="メイリオ" panose="020B0604030504040204" pitchFamily="50" charset="-128"/>
-              <a:cs typeface="メイリオ" panose="020B0604030504040204" pitchFamily="50" charset="-128"/>
-            </a:endParaRPr>
           </a:p>
           <a:p>
             <a:r>
@@ -11181,29 +11365,7 @@
                 <a:ea typeface="メイリオ" panose="020B0604030504040204" pitchFamily="50" charset="-128"/>
                 <a:cs typeface="メイリオ" panose="020B0604030504040204" pitchFamily="50" charset="-128"/>
               </a:rPr>
-              <a:t>c</a:t>
-            </a:r>
-            <a:r>
-              <a:rPr lang="en-US" altLang="ja-JP" sz="1400" dirty="0" err="1" smtClean="0">
-                <a:solidFill>
-                  <a:schemeClr val="tx1"/>
-                </a:solidFill>
-                <a:latin typeface="メイリオ" panose="020B0604030504040204" pitchFamily="50" charset="-128"/>
-                <a:ea typeface="メイリオ" panose="020B0604030504040204" pitchFamily="50" charset="-128"/>
-                <a:cs typeface="メイリオ" panose="020B0604030504040204" pitchFamily="50" charset="-128"/>
-              </a:rPr>
-              <a:t>onfirmRegisterUser</a:t>
-            </a:r>
-            <a:r>
-              <a:rPr lang="en-US" altLang="ja-JP" sz="1400" dirty="0" err="1" smtClean="0">
-                <a:solidFill>
-                  <a:schemeClr val="tx1"/>
-                </a:solidFill>
-                <a:latin typeface="メイリオ" panose="020B0604030504040204" pitchFamily="50" charset="-128"/>
-                <a:ea typeface="メイリオ" panose="020B0604030504040204" pitchFamily="50" charset="-128"/>
-                <a:cs typeface="メイリオ" panose="020B0604030504040204" pitchFamily="50" charset="-128"/>
-              </a:rPr>
-              <a:t>.JSP</a:t>
+              <a:t>confirmRegisterUser.JSP</a:t>
             </a:r>
             <a:endParaRPr kumimoji="1" lang="ja-JP" altLang="en-US" sz="1400" dirty="0">
               <a:solidFill>
@@ -11553,14 +11715,6 @@
               </a:rPr>
               <a:t>.java</a:t>
             </a:r>
-            <a:endParaRPr lang="en-US" altLang="ja-JP" sz="1400" dirty="0" smtClean="0">
-              <a:solidFill>
-                <a:schemeClr val="tx1"/>
-              </a:solidFill>
-              <a:latin typeface="メイリオ" panose="020B0604030504040204" pitchFamily="50" charset="-128"/>
-              <a:ea typeface="メイリオ" panose="020B0604030504040204" pitchFamily="50" charset="-128"/>
-              <a:cs typeface="メイリオ" panose="020B0604030504040204" pitchFamily="50" charset="-128"/>
-            </a:endParaRPr>
           </a:p>
           <a:p>
             <a:r>
@@ -12238,17 +12392,6 @@
                 <a:cs typeface="メイリオ" panose="020B0604030504040204" pitchFamily="50" charset="-128"/>
               </a:rPr>
               <a:t>.java</a:t>
-            </a:r>
-            <a:r>
-              <a:rPr lang="en-US" altLang="ja-JP" sz="1400" dirty="0" smtClean="0">
-                <a:solidFill>
-                  <a:schemeClr val="tx1"/>
-                </a:solidFill>
-                <a:latin typeface="メイリオ" panose="020B0604030504040204" pitchFamily="50" charset="-128"/>
-                <a:ea typeface="メイリオ" panose="020B0604030504040204" pitchFamily="50" charset="-128"/>
-                <a:cs typeface="メイリオ" panose="020B0604030504040204" pitchFamily="50" charset="-128"/>
-              </a:rPr>
-              <a:t/>
             </a:r>
             <a:br>
               <a:rPr lang="en-US" altLang="ja-JP" sz="1400" dirty="0" smtClean="0">
@@ -13400,14 +13543,6 @@
               </a:rPr>
               <a:t>.java</a:t>
             </a:r>
-            <a:endParaRPr lang="en-US" altLang="ja-JP" sz="1400" dirty="0" smtClean="0">
-              <a:solidFill>
-                <a:schemeClr val="tx1"/>
-              </a:solidFill>
-              <a:latin typeface="メイリオ" panose="020B0604030504040204" pitchFamily="50" charset="-128"/>
-              <a:ea typeface="メイリオ" panose="020B0604030504040204" pitchFamily="50" charset="-128"/>
-              <a:cs typeface="メイリオ" panose="020B0604030504040204" pitchFamily="50" charset="-128"/>
-            </a:endParaRPr>
           </a:p>
           <a:p>
             <a:r>
@@ -14130,14 +14265,6 @@
               </a:rPr>
               <a:t>.java</a:t>
             </a:r>
-            <a:endParaRPr lang="en-US" altLang="ja-JP" sz="1400" dirty="0" smtClean="0">
-              <a:solidFill>
-                <a:schemeClr val="tx1"/>
-              </a:solidFill>
-              <a:latin typeface="メイリオ" panose="020B0604030504040204" pitchFamily="50" charset="-128"/>
-              <a:ea typeface="メイリオ" panose="020B0604030504040204" pitchFamily="50" charset="-128"/>
-              <a:cs typeface="メイリオ" panose="020B0604030504040204" pitchFamily="50" charset="-128"/>
-            </a:endParaRPr>
           </a:p>
           <a:p>
             <a:r>
@@ -14969,17 +15096,6 @@
                 <a:cs typeface="メイリオ" panose="020B0604030504040204" pitchFamily="50" charset="-128"/>
               </a:rPr>
               <a:t>.java</a:t>
-            </a:r>
-            <a:r>
-              <a:rPr lang="en-US" altLang="ja-JP" sz="1400" dirty="0" smtClean="0">
-                <a:solidFill>
-                  <a:schemeClr val="tx1"/>
-                </a:solidFill>
-                <a:latin typeface="メイリオ" panose="020B0604030504040204" pitchFamily="50" charset="-128"/>
-                <a:ea typeface="メイリオ" panose="020B0604030504040204" pitchFamily="50" charset="-128"/>
-                <a:cs typeface="メイリオ" panose="020B0604030504040204" pitchFamily="50" charset="-128"/>
-              </a:rPr>
-              <a:t/>
             </a:r>
             <a:br>
               <a:rPr lang="en-US" altLang="ja-JP" sz="1400" dirty="0" smtClean="0">
@@ -16117,14 +16233,6 @@
               </a:rPr>
               <a:t>.java</a:t>
             </a:r>
-            <a:endParaRPr lang="en-US" altLang="ja-JP" sz="1400" dirty="0" smtClean="0">
-              <a:solidFill>
-                <a:schemeClr val="tx1"/>
-              </a:solidFill>
-              <a:latin typeface="メイリオ" panose="020B0604030504040204" pitchFamily="50" charset="-128"/>
-              <a:ea typeface="メイリオ" panose="020B0604030504040204" pitchFamily="50" charset="-128"/>
-              <a:cs typeface="メイリオ" panose="020B0604030504040204" pitchFamily="50" charset="-128"/>
-            </a:endParaRPr>
           </a:p>
           <a:p>
             <a:r>
@@ -16673,14 +16781,6 @@
               </a:rPr>
               <a:t>.java</a:t>
             </a:r>
-            <a:endParaRPr lang="en-US" altLang="ja-JP" sz="1400" dirty="0" smtClean="0">
-              <a:solidFill>
-                <a:schemeClr val="tx1"/>
-              </a:solidFill>
-              <a:latin typeface="メイリオ" panose="020B0604030504040204" pitchFamily="50" charset="-128"/>
-              <a:ea typeface="メイリオ" panose="020B0604030504040204" pitchFamily="50" charset="-128"/>
-              <a:cs typeface="メイリオ" panose="020B0604030504040204" pitchFamily="50" charset="-128"/>
-            </a:endParaRPr>
           </a:p>
           <a:p>
             <a:r>
@@ -25402,18 +25502,7 @@
                 <a:ea typeface="メイリオ" panose="020B0604030504040204" pitchFamily="50" charset="-128"/>
                 <a:cs typeface="メイリオ" panose="020B0604030504040204" pitchFamily="50" charset="-128"/>
               </a:rPr>
-              <a:t> = “”, user </a:t>
-            </a:r>
-            <a:r>
-              <a:rPr lang="en-US" altLang="ja-JP" sz="1100" dirty="0" smtClean="0">
-                <a:solidFill>
-                  <a:schemeClr val="tx1"/>
-                </a:solidFill>
-                <a:latin typeface="メイリオ" panose="020B0604030504040204" pitchFamily="50" charset="-128"/>
-                <a:ea typeface="メイリオ" panose="020B0604030504040204" pitchFamily="50" charset="-128"/>
-                <a:cs typeface="メイリオ" panose="020B0604030504040204" pitchFamily="50" charset="-128"/>
-              </a:rPr>
-              <a:t>= </a:t>
+              <a:t> = “”, user = </a:t>
             </a:r>
             <a:r>
               <a:rPr lang="ja-JP" altLang="en-US" sz="1100" dirty="0" smtClean="0">
@@ -26396,50 +26485,6 @@
               </a:rPr>
               <a:t>viewUser</a:t>
             </a:r>
-            <a:r>
-              <a:rPr lang="en-US" altLang="ja-JP" sz="1100" dirty="0" smtClean="0">
-                <a:solidFill>
-                  <a:schemeClr val="tx1"/>
-                </a:solidFill>
-                <a:latin typeface="メイリオ" panose="020B0604030504040204" pitchFamily="50" charset="-128"/>
-                <a:ea typeface="メイリオ" panose="020B0604030504040204" pitchFamily="50" charset="-128"/>
-                <a:cs typeface="メイリオ" panose="020B0604030504040204" pitchFamily="50" charset="-128"/>
-              </a:rPr>
-              <a:t>, user </a:t>
-            </a:r>
-            <a:r>
-              <a:rPr lang="en-US" altLang="ja-JP" sz="1100" dirty="0" smtClean="0">
-                <a:solidFill>
-                  <a:schemeClr val="tx1"/>
-                </a:solidFill>
-                <a:latin typeface="メイリオ" panose="020B0604030504040204" pitchFamily="50" charset="-128"/>
-                <a:ea typeface="メイリオ" panose="020B0604030504040204" pitchFamily="50" charset="-128"/>
-                <a:cs typeface="メイリオ" panose="020B0604030504040204" pitchFamily="50" charset="-128"/>
-              </a:rPr>
-              <a:t>= </a:t>
-            </a:r>
-            <a:r>
-              <a:rPr lang="ja-JP" altLang="en-US" sz="1100" dirty="0" smtClean="0">
-                <a:solidFill>
-                  <a:schemeClr val="tx1"/>
-                </a:solidFill>
-                <a:latin typeface="メイリオ" panose="020B0604030504040204" pitchFamily="50" charset="-128"/>
-                <a:ea typeface="メイリオ" panose="020B0604030504040204" pitchFamily="50" charset="-128"/>
-                <a:cs typeface="メイリオ" panose="020B0604030504040204" pitchFamily="50" charset="-128"/>
-              </a:rPr>
-              <a:t>社員</a:t>
-            </a:r>
-            <a:r>
-              <a:rPr lang="en-US" altLang="ja-JP" sz="1100" dirty="0" smtClean="0">
-                <a:solidFill>
-                  <a:schemeClr val="tx1"/>
-                </a:solidFill>
-                <a:latin typeface="メイリオ" panose="020B0604030504040204" pitchFamily="50" charset="-128"/>
-                <a:ea typeface="メイリオ" panose="020B0604030504040204" pitchFamily="50" charset="-128"/>
-                <a:cs typeface="メイリオ" panose="020B0604030504040204" pitchFamily="50" charset="-128"/>
-              </a:rPr>
-              <a:t>ID</a:t>
-            </a:r>
             <a:endParaRPr kumimoji="1" lang="en-US" altLang="ja-JP" sz="1100" dirty="0" smtClean="0">
               <a:solidFill>
                 <a:schemeClr val="tx1"/>
@@ -26580,50 +26625,6 @@
               <a:t>userVeiw</a:t>
             </a:r>
             <a:r>
-              <a:rPr lang="en-US" altLang="ja-JP" sz="1100" dirty="0" smtClean="0">
-                <a:solidFill>
-                  <a:schemeClr val="tx1"/>
-                </a:solidFill>
-                <a:latin typeface="メイリオ" panose="020B0604030504040204" pitchFamily="50" charset="-128"/>
-                <a:ea typeface="メイリオ" panose="020B0604030504040204" pitchFamily="50" charset="-128"/>
-                <a:cs typeface="メイリオ" panose="020B0604030504040204" pitchFamily="50" charset="-128"/>
-              </a:rPr>
-              <a:t>, user </a:t>
-            </a:r>
-            <a:r>
-              <a:rPr lang="en-US" altLang="ja-JP" sz="1100" dirty="0">
-                <a:solidFill>
-                  <a:schemeClr val="tx1"/>
-                </a:solidFill>
-                <a:latin typeface="メイリオ" panose="020B0604030504040204" pitchFamily="50" charset="-128"/>
-                <a:ea typeface="メイリオ" panose="020B0604030504040204" pitchFamily="50" charset="-128"/>
-                <a:cs typeface="メイリオ" panose="020B0604030504040204" pitchFamily="50" charset="-128"/>
-              </a:rPr>
-              <a:t>= </a:t>
-            </a:r>
-            <a:r>
-              <a:rPr lang="ja-JP" altLang="en-US" sz="1100" dirty="0">
-                <a:solidFill>
-                  <a:schemeClr val="tx1"/>
-                </a:solidFill>
-                <a:latin typeface="メイリオ" panose="020B0604030504040204" pitchFamily="50" charset="-128"/>
-                <a:ea typeface="メイリオ" panose="020B0604030504040204" pitchFamily="50" charset="-128"/>
-                <a:cs typeface="メイリオ" panose="020B0604030504040204" pitchFamily="50" charset="-128"/>
-              </a:rPr>
-              <a:t>社員</a:t>
-            </a:r>
-            <a:r>
-              <a:rPr lang="en-US" altLang="ja-JP" sz="1100" dirty="0" smtClean="0">
-                <a:solidFill>
-                  <a:schemeClr val="tx1"/>
-                </a:solidFill>
-                <a:latin typeface="メイリオ" panose="020B0604030504040204" pitchFamily="50" charset="-128"/>
-                <a:ea typeface="メイリオ" panose="020B0604030504040204" pitchFamily="50" charset="-128"/>
-                <a:cs typeface="メイリオ" panose="020B0604030504040204" pitchFamily="50" charset="-128"/>
-              </a:rPr>
-              <a:t>ID</a:t>
-            </a:r>
-            <a:r>
               <a:rPr kumimoji="1" lang="ja-JP" altLang="en-US" sz="1100" dirty="0" smtClean="0">
                 <a:solidFill>
                   <a:schemeClr val="tx1"/>
@@ -26889,18 +26890,7 @@
                 <a:ea typeface="メイリオ" panose="020B0604030504040204" pitchFamily="50" charset="-128"/>
                 <a:cs typeface="メイリオ" panose="020B0604030504040204" pitchFamily="50" charset="-128"/>
               </a:rPr>
-              <a:t>GET action = </a:t>
-            </a:r>
-            <a:r>
-              <a:rPr lang="en-US" altLang="ja-JP" sz="1100" dirty="0" smtClean="0">
-                <a:solidFill>
-                  <a:srgbClr val="FF0000"/>
-                </a:solidFill>
-                <a:latin typeface="メイリオ" panose="020B0604030504040204" pitchFamily="50" charset="-128"/>
-                <a:ea typeface="メイリオ" panose="020B0604030504040204" pitchFamily="50" charset="-128"/>
-                <a:cs typeface="メイリオ" panose="020B0604030504040204" pitchFamily="50" charset="-128"/>
-              </a:rPr>
-              <a:t>update </a:t>
+              <a:t>GET action = update </a:t>
             </a:r>
             <a:r>
               <a:rPr kumimoji="1" lang="en-US" altLang="ja-JP" sz="1100" dirty="0" smtClean="0">
@@ -28928,50 +28918,14 @@
               </a:rPr>
               <a:t>viewUser</a:t>
             </a:r>
-            <a:r>
-              <a:rPr lang="en-US" altLang="ja-JP" sz="1100" dirty="0" smtClean="0">
-                <a:solidFill>
-                  <a:schemeClr val="tx1"/>
-                </a:solidFill>
-                <a:latin typeface="メイリオ" panose="020B0604030504040204" pitchFamily="50" charset="-128"/>
-                <a:ea typeface="メイリオ" panose="020B0604030504040204" pitchFamily="50" charset="-128"/>
-                <a:cs typeface="メイリオ" panose="020B0604030504040204" pitchFamily="50" charset="-128"/>
-              </a:rPr>
-              <a:t>, user </a:t>
-            </a:r>
-            <a:r>
-              <a:rPr lang="en-US" altLang="ja-JP" sz="1100" dirty="0" smtClean="0">
-                <a:solidFill>
-                  <a:schemeClr val="tx1"/>
-                </a:solidFill>
-                <a:latin typeface="メイリオ" panose="020B0604030504040204" pitchFamily="50" charset="-128"/>
-                <a:ea typeface="メイリオ" panose="020B0604030504040204" pitchFamily="50" charset="-128"/>
-                <a:cs typeface="メイリオ" panose="020B0604030504040204" pitchFamily="50" charset="-128"/>
-              </a:rPr>
-              <a:t>= </a:t>
-            </a:r>
-            <a:r>
-              <a:rPr lang="ja-JP" altLang="en-US" sz="1100" dirty="0" smtClean="0">
-                <a:solidFill>
-                  <a:schemeClr val="tx1"/>
-                </a:solidFill>
-                <a:latin typeface="メイリオ" panose="020B0604030504040204" pitchFamily="50" charset="-128"/>
-                <a:ea typeface="メイリオ" panose="020B0604030504040204" pitchFamily="50" charset="-128"/>
-                <a:cs typeface="メイリオ" panose="020B0604030504040204" pitchFamily="50" charset="-128"/>
-              </a:rPr>
-              <a:t>社員</a:t>
-            </a:r>
-            <a:r>
-              <a:rPr lang="en-US" altLang="ja-JP" sz="1100" dirty="0" smtClean="0">
-                <a:solidFill>
-                  <a:schemeClr val="tx1"/>
-                </a:solidFill>
-                <a:latin typeface="メイリオ" panose="020B0604030504040204" pitchFamily="50" charset="-128"/>
-                <a:ea typeface="メイリオ" panose="020B0604030504040204" pitchFamily="50" charset="-128"/>
-                <a:cs typeface="メイリオ" panose="020B0604030504040204" pitchFamily="50" charset="-128"/>
-              </a:rPr>
-              <a:t>ID</a:t>
-            </a:r>
+            <a:endParaRPr lang="en-US" altLang="ja-JP" sz="1100" dirty="0" smtClean="0">
+              <a:solidFill>
+                <a:schemeClr val="tx1"/>
+              </a:solidFill>
+              <a:latin typeface="メイリオ" panose="020B0604030504040204" pitchFamily="50" charset="-128"/>
+              <a:ea typeface="メイリオ" panose="020B0604030504040204" pitchFamily="50" charset="-128"/>
+              <a:cs typeface="メイリオ" panose="020B0604030504040204" pitchFamily="50" charset="-128"/>
+            </a:endParaRPr>
           </a:p>
           <a:p>
             <a:pPr algn="ctr"/>
@@ -29364,29 +29318,7 @@
                 <a:ea typeface="メイリオ" panose="020B0604030504040204" pitchFamily="50" charset="-128"/>
                 <a:cs typeface="メイリオ" panose="020B0604030504040204" pitchFamily="50" charset="-128"/>
               </a:rPr>
-              <a:t> = “”, </a:t>
-            </a:r>
-            <a:r>
-              <a:rPr lang="en-US" altLang="ja-JP" sz="1100" dirty="0" smtClean="0">
-                <a:solidFill>
-                  <a:schemeClr val="tx1"/>
-                </a:solidFill>
-                <a:latin typeface="メイリオ" panose="020B0604030504040204" pitchFamily="50" charset="-128"/>
-                <a:ea typeface="メイリオ" panose="020B0604030504040204" pitchFamily="50" charset="-128"/>
-                <a:cs typeface="メイリオ" panose="020B0604030504040204" pitchFamily="50" charset="-128"/>
-              </a:rPr>
-              <a:t>user </a:t>
-            </a:r>
-            <a:r>
-              <a:rPr lang="en-US" altLang="ja-JP" sz="1100" dirty="0" smtClean="0">
-                <a:solidFill>
-                  <a:schemeClr val="tx1"/>
-                </a:solidFill>
-                <a:latin typeface="メイリオ" panose="020B0604030504040204" pitchFamily="50" charset="-128"/>
-                <a:ea typeface="メイリオ" panose="020B0604030504040204" pitchFamily="50" charset="-128"/>
-                <a:cs typeface="メイリオ" panose="020B0604030504040204" pitchFamily="50" charset="-128"/>
-              </a:rPr>
-              <a:t>= </a:t>
+              <a:t> = “”, user = </a:t>
             </a:r>
             <a:r>
               <a:rPr lang="ja-JP" altLang="en-US" sz="1100" dirty="0" smtClean="0">
@@ -29949,50 +29881,6 @@
               </a:rPr>
               <a:t>viewUser</a:t>
             </a:r>
-            <a:r>
-              <a:rPr lang="en-US" altLang="ja-JP" sz="1100" dirty="0" smtClean="0">
-                <a:solidFill>
-                  <a:schemeClr val="tx1"/>
-                </a:solidFill>
-                <a:latin typeface="メイリオ" panose="020B0604030504040204" pitchFamily="50" charset="-128"/>
-                <a:ea typeface="メイリオ" panose="020B0604030504040204" pitchFamily="50" charset="-128"/>
-                <a:cs typeface="メイリオ" panose="020B0604030504040204" pitchFamily="50" charset="-128"/>
-              </a:rPr>
-              <a:t>, user </a:t>
-            </a:r>
-            <a:r>
-              <a:rPr lang="en-US" altLang="ja-JP" sz="1100" dirty="0" smtClean="0">
-                <a:solidFill>
-                  <a:schemeClr val="tx1"/>
-                </a:solidFill>
-                <a:latin typeface="メイリオ" panose="020B0604030504040204" pitchFamily="50" charset="-128"/>
-                <a:ea typeface="メイリオ" panose="020B0604030504040204" pitchFamily="50" charset="-128"/>
-                <a:cs typeface="メイリオ" panose="020B0604030504040204" pitchFamily="50" charset="-128"/>
-              </a:rPr>
-              <a:t>= </a:t>
-            </a:r>
-            <a:r>
-              <a:rPr lang="ja-JP" altLang="en-US" sz="1100" dirty="0" smtClean="0">
-                <a:solidFill>
-                  <a:schemeClr val="tx1"/>
-                </a:solidFill>
-                <a:latin typeface="メイリオ" panose="020B0604030504040204" pitchFamily="50" charset="-128"/>
-                <a:ea typeface="メイリオ" panose="020B0604030504040204" pitchFamily="50" charset="-128"/>
-                <a:cs typeface="メイリオ" panose="020B0604030504040204" pitchFamily="50" charset="-128"/>
-              </a:rPr>
-              <a:t>社員</a:t>
-            </a:r>
-            <a:r>
-              <a:rPr lang="en-US" altLang="ja-JP" sz="1100" dirty="0" smtClean="0">
-                <a:solidFill>
-                  <a:schemeClr val="tx1"/>
-                </a:solidFill>
-                <a:latin typeface="メイリオ" panose="020B0604030504040204" pitchFamily="50" charset="-128"/>
-                <a:ea typeface="メイリオ" panose="020B0604030504040204" pitchFamily="50" charset="-128"/>
-                <a:cs typeface="メイリオ" panose="020B0604030504040204" pitchFamily="50" charset="-128"/>
-              </a:rPr>
-              <a:t>ID</a:t>
-            </a:r>
             <a:endParaRPr kumimoji="1" lang="en-US" altLang="ja-JP" sz="1100" dirty="0" smtClean="0">
               <a:solidFill>
                 <a:schemeClr val="tx1"/>
@@ -30259,41 +30147,11 @@
                 <a:ea typeface="メイリオ" panose="020B0604030504040204" pitchFamily="50" charset="-128"/>
                 <a:cs typeface="メイリオ" panose="020B0604030504040204" pitchFamily="50" charset="-128"/>
               </a:rPr>
-              <a:t>delete, </a:t>
-            </a:r>
-            <a:r>
-              <a:rPr lang="en-US" altLang="ja-JP" sz="1100" dirty="0" err="1" smtClean="0">
-                <a:solidFill>
-                  <a:srgbClr val="FF0000"/>
-                </a:solidFill>
-                <a:latin typeface="メイリオ" panose="020B0604030504040204" pitchFamily="50" charset="-128"/>
-                <a:ea typeface="メイリオ" panose="020B0604030504040204" pitchFamily="50" charset="-128"/>
-                <a:cs typeface="メイリオ" panose="020B0604030504040204" pitchFamily="50" charset="-128"/>
-              </a:rPr>
-              <a:t>lastpage</a:t>
-            </a:r>
-            <a:r>
-              <a:rPr lang="en-US" altLang="ja-JP" sz="1100" dirty="0" smtClean="0">
-                <a:solidFill>
-                  <a:srgbClr val="FF0000"/>
-                </a:solidFill>
-                <a:latin typeface="メイリオ" panose="020B0604030504040204" pitchFamily="50" charset="-128"/>
-                <a:ea typeface="メイリオ" panose="020B0604030504040204" pitchFamily="50" charset="-128"/>
-                <a:cs typeface="メイリオ" panose="020B0604030504040204" pitchFamily="50" charset="-128"/>
-              </a:rPr>
-              <a:t> = “”/</a:t>
-            </a:r>
-            <a:r>
-              <a:rPr lang="en-US" altLang="ja-JP" sz="1100" dirty="0" err="1" smtClean="0">
-                <a:solidFill>
-                  <a:srgbClr val="FF0000"/>
-                </a:solidFill>
-                <a:latin typeface="メイリオ" panose="020B0604030504040204" pitchFamily="50" charset="-128"/>
-                <a:ea typeface="メイリオ" panose="020B0604030504040204" pitchFamily="50" charset="-128"/>
-                <a:cs typeface="メイリオ" panose="020B0604030504040204" pitchFamily="50" charset="-128"/>
-              </a:rPr>
-              <a:t>viewUser</a:t>
-            </a:r>
+              <a:t>delete</a:t>
+            </a:r>
+          </a:p>
+          <a:p>
+            <a:pPr algn="ctr"/>
             <a:r>
               <a:rPr lang="en-US" altLang="ja-JP" sz="1100" dirty="0" smtClean="0">
                 <a:solidFill>
@@ -32008,7 +31866,7 @@
               <a:t>, user </a:t>
             </a:r>
             <a:r>
-              <a:rPr lang="en-US" altLang="ja-JP" sz="1100" dirty="0">
+              <a:rPr lang="en-US" altLang="ja-JP" sz="1100" dirty="0" smtClean="0">
                 <a:solidFill>
                   <a:schemeClr val="tx1"/>
                 </a:solidFill>
@@ -32019,7 +31877,7 @@
               <a:t>= </a:t>
             </a:r>
             <a:r>
-              <a:rPr lang="ja-JP" altLang="en-US" sz="1100" dirty="0">
+              <a:rPr lang="ja-JP" altLang="en-US" sz="1100" dirty="0" smtClean="0">
                 <a:solidFill>
                   <a:schemeClr val="tx1"/>
                 </a:solidFill>
@@ -34805,61 +34663,6 @@
               </a:rPr>
               <a:t>viewUser</a:t>
             </a:r>
-            <a:r>
-              <a:rPr lang="en-US" altLang="ja-JP" sz="1100" dirty="0" smtClean="0">
-                <a:solidFill>
-                  <a:schemeClr val="tx1"/>
-                </a:solidFill>
-                <a:latin typeface="メイリオ" panose="020B0604030504040204" pitchFamily="50" charset="-128"/>
-                <a:ea typeface="メイリオ" panose="020B0604030504040204" pitchFamily="50" charset="-128"/>
-                <a:cs typeface="メイリオ" panose="020B0604030504040204" pitchFamily="50" charset="-128"/>
-              </a:rPr>
-              <a:t>, </a:t>
-            </a:r>
-            <a:r>
-              <a:rPr lang="en-US" altLang="ja-JP" sz="1100" dirty="0" smtClean="0">
-                <a:solidFill>
-                  <a:schemeClr val="tx1"/>
-                </a:solidFill>
-                <a:latin typeface="メイリオ" panose="020B0604030504040204" pitchFamily="50" charset="-128"/>
-                <a:ea typeface="メイリオ" panose="020B0604030504040204" pitchFamily="50" charset="-128"/>
-                <a:cs typeface="メイリオ" panose="020B0604030504040204" pitchFamily="50" charset="-128"/>
-              </a:rPr>
-              <a:t>user </a:t>
-            </a:r>
-            <a:r>
-              <a:rPr lang="en-US" altLang="ja-JP" sz="1100" dirty="0" smtClean="0">
-                <a:solidFill>
-                  <a:schemeClr val="tx1"/>
-                </a:solidFill>
-                <a:latin typeface="メイリオ" panose="020B0604030504040204" pitchFamily="50" charset="-128"/>
-                <a:ea typeface="メイリオ" panose="020B0604030504040204" pitchFamily="50" charset="-128"/>
-                <a:cs typeface="メイリオ" panose="020B0604030504040204" pitchFamily="50" charset="-128"/>
-              </a:rPr>
-              <a:t>= </a:t>
-            </a:r>
-            <a:r>
-              <a:rPr lang="ja-JP" altLang="en-US" sz="1100" dirty="0" smtClean="0">
-                <a:solidFill>
-                  <a:schemeClr val="tx1"/>
-                </a:solidFill>
-                <a:latin typeface="メイリオ" panose="020B0604030504040204" pitchFamily="50" charset="-128"/>
-                <a:ea typeface="メイリオ" panose="020B0604030504040204" pitchFamily="50" charset="-128"/>
-                <a:cs typeface="メイリオ" panose="020B0604030504040204" pitchFamily="50" charset="-128"/>
-              </a:rPr>
-              <a:t>社員</a:t>
-            </a:r>
-            <a:r>
-              <a:rPr lang="en-US" altLang="ja-JP" sz="1100" dirty="0" smtClean="0">
-                <a:solidFill>
-                  <a:schemeClr val="tx1"/>
-                </a:solidFill>
-                <a:latin typeface="メイリオ" panose="020B0604030504040204" pitchFamily="50" charset="-128"/>
-                <a:ea typeface="メイリオ" panose="020B0604030504040204" pitchFamily="50" charset="-128"/>
-                <a:cs typeface="メイリオ" panose="020B0604030504040204" pitchFamily="50" charset="-128"/>
-              </a:rPr>
-              <a:t>ID</a:t>
-            </a:r>
             <a:endParaRPr kumimoji="1" lang="en-US" altLang="ja-JP" sz="1100" dirty="0" smtClean="0">
               <a:solidFill>
                 <a:schemeClr val="tx1"/>
@@ -35414,7 +35217,112 @@
                 <a:ea typeface="メイリオ" panose="020B0604030504040204" pitchFamily="50" charset="-128"/>
                 <a:cs typeface="メイリオ" panose="020B0604030504040204" pitchFamily="50" charset="-128"/>
               </a:rPr>
-              <a:t>, , </a:t>
+              <a:t/>
+            </a:r>
+            <a:br>
+              <a:rPr lang="en-US" altLang="ja-JP" sz="1100" dirty="0" smtClean="0">
+                <a:solidFill>
+                  <a:schemeClr val="tx1"/>
+                </a:solidFill>
+                <a:latin typeface="メイリオ" panose="020B0604030504040204" pitchFamily="50" charset="-128"/>
+                <a:ea typeface="メイリオ" panose="020B0604030504040204" pitchFamily="50" charset="-128"/>
+                <a:cs typeface="メイリオ" panose="020B0604030504040204" pitchFamily="50" charset="-128"/>
+              </a:rPr>
+            </a:br>
+            <a:r>
+              <a:rPr kumimoji="1" lang="en-US" altLang="ja-JP" sz="1100" dirty="0" smtClean="0">
+                <a:solidFill>
+                  <a:schemeClr val="tx1"/>
+                </a:solidFill>
+                <a:latin typeface="メイリオ" panose="020B0604030504040204" pitchFamily="50" charset="-128"/>
+                <a:ea typeface="メイリオ" panose="020B0604030504040204" pitchFamily="50" charset="-128"/>
+                <a:cs typeface="メイリオ" panose="020B0604030504040204" pitchFamily="50" charset="-128"/>
+              </a:rPr>
+              <a:t>(</a:t>
+            </a:r>
+            <a:r>
+              <a:rPr kumimoji="1" lang="ja-JP" altLang="en-US" sz="1100" dirty="0" smtClean="0">
+                <a:solidFill>
+                  <a:schemeClr val="tx1"/>
+                </a:solidFill>
+                <a:latin typeface="メイリオ" panose="020B0604030504040204" pitchFamily="50" charset="-128"/>
+                <a:ea typeface="メイリオ" panose="020B0604030504040204" pitchFamily="50" charset="-128"/>
+                <a:cs typeface="メイリオ" panose="020B0604030504040204" pitchFamily="50" charset="-128"/>
+              </a:rPr>
+              <a:t>ハイパーリンク</a:t>
+            </a:r>
+            <a:r>
+              <a:rPr kumimoji="1" lang="en-US" altLang="ja-JP" sz="1100" dirty="0" smtClean="0">
+                <a:solidFill>
+                  <a:schemeClr val="tx1"/>
+                </a:solidFill>
+                <a:latin typeface="メイリオ" panose="020B0604030504040204" pitchFamily="50" charset="-128"/>
+                <a:ea typeface="メイリオ" panose="020B0604030504040204" pitchFamily="50" charset="-128"/>
+                <a:cs typeface="メイリオ" panose="020B0604030504040204" pitchFamily="50" charset="-128"/>
+              </a:rPr>
+              <a:t>)</a:t>
+            </a:r>
+            <a:endParaRPr kumimoji="1" lang="ja-JP" altLang="en-US" sz="1100" dirty="0">
+              <a:solidFill>
+                <a:schemeClr val="tx1"/>
+              </a:solidFill>
+              <a:latin typeface="メイリオ" panose="020B0604030504040204" pitchFamily="50" charset="-128"/>
+              <a:ea typeface="メイリオ" panose="020B0604030504040204" pitchFamily="50" charset="-128"/>
+              <a:cs typeface="メイリオ" panose="020B0604030504040204" pitchFamily="50" charset="-128"/>
+            </a:endParaRPr>
+          </a:p>
+        </p:txBody>
+      </p:sp>
+      <p:sp>
+        <p:nvSpPr>
+          <p:cNvPr id="132" name="正方形/長方形 59"/>
+          <p:cNvSpPr/>
+          <p:nvPr/>
+        </p:nvSpPr>
+        <p:spPr>
+          <a:xfrm>
+            <a:off x="7462341" y="3158042"/>
+            <a:ext cx="2058038" cy="331518"/>
+          </a:xfrm>
+          <a:prstGeom prst="rect">
+            <a:avLst/>
+          </a:prstGeom>
+          <a:noFill/>
+          <a:ln>
+            <a:noFill/>
+          </a:ln>
+        </p:spPr>
+        <p:style>
+          <a:lnRef idx="2">
+            <a:schemeClr val="accent1">
+              <a:shade val="50000"/>
+            </a:schemeClr>
+          </a:lnRef>
+          <a:fillRef idx="1">
+            <a:schemeClr val="accent1"/>
+          </a:fillRef>
+          <a:effectRef idx="0">
+            <a:schemeClr val="accent1"/>
+          </a:effectRef>
+          <a:fontRef idx="minor">
+            <a:schemeClr val="lt1"/>
+          </a:fontRef>
+        </p:style>
+        <p:txBody>
+          <a:bodyPr rtlCol="0" anchor="t"/>
+          <a:lstStyle/>
+          <a:p>
+            <a:pPr algn="ctr"/>
+            <a:r>
+              <a:rPr lang="en-US" altLang="ja-JP" sz="1100" dirty="0" smtClean="0">
+                <a:solidFill>
+                  <a:schemeClr val="tx1"/>
+                </a:solidFill>
+                <a:latin typeface="メイリオ" panose="020B0604030504040204" pitchFamily="50" charset="-128"/>
+                <a:ea typeface="メイリオ" panose="020B0604030504040204" pitchFamily="50" charset="-128"/>
+                <a:cs typeface="メイリオ" panose="020B0604030504040204" pitchFamily="50" charset="-128"/>
+              </a:rPr>
+              <a:t>POST action = </a:t>
             </a:r>
             <a:r>
               <a:rPr lang="en-US" altLang="ja-JP" sz="1100" dirty="0" err="1" smtClean="0">
@@ -35425,21 +35333,187 @@
                 <a:ea typeface="メイリオ" panose="020B0604030504040204" pitchFamily="50" charset="-128"/>
                 <a:cs typeface="メイリオ" panose="020B0604030504040204" pitchFamily="50" charset="-128"/>
               </a:rPr>
-              <a:t>lastpage</a:t>
-            </a:r>
-            <a:r>
-              <a:rPr lang="en-US" altLang="ja-JP" sz="1100" dirty="0" smtClean="0">
-                <a:solidFill>
-                  <a:schemeClr val="tx1"/>
-                </a:solidFill>
-                <a:latin typeface="メイリオ" panose="020B0604030504040204" pitchFamily="50" charset="-128"/>
-                <a:ea typeface="メイリオ" panose="020B0604030504040204" pitchFamily="50" charset="-128"/>
-                <a:cs typeface="メイリオ" panose="020B0604030504040204" pitchFamily="50" charset="-128"/>
-              </a:rPr>
-              <a:t> = </a:t>
-            </a:r>
-            <a:r>
-              <a:rPr lang="en-US" altLang="ja-JP" sz="1100" dirty="0" err="1" smtClean="0">
+              <a:t>updateuser</a:t>
+            </a:r>
+            <a:endParaRPr lang="en-US" altLang="ja-JP" sz="1100" dirty="0" smtClean="0">
+              <a:solidFill>
+                <a:schemeClr val="tx1"/>
+              </a:solidFill>
+              <a:latin typeface="メイリオ" panose="020B0604030504040204" pitchFamily="50" charset="-128"/>
+              <a:ea typeface="メイリオ" panose="020B0604030504040204" pitchFamily="50" charset="-128"/>
+              <a:cs typeface="メイリオ" panose="020B0604030504040204" pitchFamily="50" charset="-128"/>
+            </a:endParaRPr>
+          </a:p>
+        </p:txBody>
+      </p:sp>
+      <p:cxnSp>
+        <p:nvCxnSpPr>
+          <p:cNvPr id="133" name="直線矢印コネクタ 40"/>
+          <p:cNvCxnSpPr>
+            <a:endCxn id="71" idx="2"/>
+          </p:cNvCxnSpPr>
+          <p:nvPr/>
+        </p:nvCxnSpPr>
+        <p:spPr>
+          <a:xfrm flipV="1">
+            <a:off x="9799992" y="2791633"/>
+            <a:ext cx="0" cy="1521251"/>
+          </a:xfrm>
+          <a:prstGeom prst="straightConnector1">
+            <a:avLst/>
+          </a:prstGeom>
+          <a:ln w="38100">
+            <a:solidFill>
+              <a:schemeClr val="tx1"/>
+            </a:solidFill>
+            <a:prstDash val="solid"/>
+            <a:headEnd type="none" w="med" len="med"/>
+            <a:tailEnd type="none" w="med" len="med"/>
+          </a:ln>
+        </p:spPr>
+        <p:style>
+          <a:lnRef idx="1">
+            <a:schemeClr val="accent1"/>
+          </a:lnRef>
+          <a:fillRef idx="0">
+            <a:schemeClr val="accent1"/>
+          </a:fillRef>
+          <a:effectRef idx="0">
+            <a:schemeClr val="accent1"/>
+          </a:effectRef>
+          <a:fontRef idx="minor">
+            <a:schemeClr val="tx1"/>
+          </a:fontRef>
+        </p:style>
+      </p:cxnSp>
+      <p:cxnSp>
+        <p:nvCxnSpPr>
+          <p:cNvPr id="139" name="直線矢印コネクタ 29"/>
+          <p:cNvCxnSpPr/>
+          <p:nvPr/>
+        </p:nvCxnSpPr>
+        <p:spPr>
+          <a:xfrm flipH="1">
+            <a:off x="4351864" y="4312884"/>
+            <a:ext cx="5448128" cy="11262"/>
+          </a:xfrm>
+          <a:prstGeom prst="straightConnector1">
+            <a:avLst/>
+          </a:prstGeom>
+          <a:ln w="38100">
+            <a:solidFill>
+              <a:schemeClr val="tx1"/>
+            </a:solidFill>
+            <a:prstDash val="solid"/>
+            <a:tailEnd type="triangle" w="lg" len="lg"/>
+          </a:ln>
+        </p:spPr>
+        <p:style>
+          <a:lnRef idx="1">
+            <a:schemeClr val="accent1"/>
+          </a:lnRef>
+          <a:fillRef idx="0">
+            <a:schemeClr val="accent1"/>
+          </a:fillRef>
+          <a:effectRef idx="0">
+            <a:schemeClr val="accent1"/>
+          </a:effectRef>
+          <a:fontRef idx="minor">
+            <a:schemeClr val="tx1"/>
+          </a:fontRef>
+        </p:style>
+      </p:cxnSp>
+      <p:cxnSp>
+        <p:nvCxnSpPr>
+          <p:cNvPr id="165" name="直線矢印コネクタ 40"/>
+          <p:cNvCxnSpPr/>
+          <p:nvPr/>
+        </p:nvCxnSpPr>
+        <p:spPr>
+          <a:xfrm flipH="1" flipV="1">
+            <a:off x="1212162" y="2569742"/>
+            <a:ext cx="8112" cy="3023174"/>
+          </a:xfrm>
+          <a:prstGeom prst="straightConnector1">
+            <a:avLst/>
+          </a:prstGeom>
+          <a:ln w="38100">
+            <a:solidFill>
+              <a:schemeClr val="tx1"/>
+            </a:solidFill>
+            <a:prstDash val="solid"/>
+            <a:headEnd type="none" w="med" len="med"/>
+            <a:tailEnd type="none" w="med" len="med"/>
+          </a:ln>
+        </p:spPr>
+        <p:style>
+          <a:lnRef idx="1">
+            <a:schemeClr val="accent1"/>
+          </a:lnRef>
+          <a:fillRef idx="0">
+            <a:schemeClr val="accent1"/>
+          </a:fillRef>
+          <a:effectRef idx="0">
+            <a:schemeClr val="accent1"/>
+          </a:effectRef>
+          <a:fontRef idx="minor">
+            <a:schemeClr val="tx1"/>
+          </a:fontRef>
+        </p:style>
+      </p:cxnSp>
+      <p:sp>
+        <p:nvSpPr>
+          <p:cNvPr id="166" name="正方形/長方形 56"/>
+          <p:cNvSpPr/>
+          <p:nvPr/>
+        </p:nvSpPr>
+        <p:spPr>
+          <a:xfrm>
+            <a:off x="5421315" y="4373479"/>
+            <a:ext cx="2928885" cy="331518"/>
+          </a:xfrm>
+          <a:prstGeom prst="rect">
+            <a:avLst/>
+          </a:prstGeom>
+          <a:noFill/>
+          <a:ln>
+            <a:noFill/>
+          </a:ln>
+        </p:spPr>
+        <p:style>
+          <a:lnRef idx="2">
+            <a:schemeClr val="accent1">
+              <a:shade val="50000"/>
+            </a:schemeClr>
+          </a:lnRef>
+          <a:fillRef idx="1">
+            <a:schemeClr val="accent1"/>
+          </a:fillRef>
+          <a:effectRef idx="0">
+            <a:schemeClr val="accent1"/>
+          </a:effectRef>
+          <a:fontRef idx="minor">
+            <a:schemeClr val="lt1"/>
+          </a:fontRef>
+        </p:style>
+        <p:txBody>
+          <a:bodyPr rtlCol="0" anchor="t"/>
+          <a:lstStyle/>
+          <a:p>
+            <a:pPr algn="ctr"/>
+            <a:r>
+              <a:rPr kumimoji="1" lang="en-US" altLang="ja-JP" sz="1100" dirty="0" smtClean="0">
+                <a:solidFill>
+                  <a:schemeClr val="tx1"/>
+                </a:solidFill>
+                <a:latin typeface="メイリオ" panose="020B0604030504040204" pitchFamily="50" charset="-128"/>
+                <a:ea typeface="メイリオ" panose="020B0604030504040204" pitchFamily="50" charset="-128"/>
+                <a:cs typeface="メイリオ" panose="020B0604030504040204" pitchFamily="50" charset="-128"/>
+              </a:rPr>
+              <a:t>GET page = </a:t>
+            </a:r>
+            <a:r>
+              <a:rPr kumimoji="1" lang="en-US" altLang="ja-JP" sz="1100" dirty="0" err="1" smtClean="0">
                 <a:solidFill>
                   <a:schemeClr val="tx1"/>
                 </a:solidFill>
@@ -35448,39 +35522,6 @@
                 <a:cs typeface="メイリオ" panose="020B0604030504040204" pitchFamily="50" charset="-128"/>
               </a:rPr>
               <a:t>viewUser</a:t>
-            </a:r>
-            <a:r>
-              <a:rPr lang="en-US" altLang="ja-JP" sz="1100" dirty="0" smtClean="0">
-                <a:solidFill>
-                  <a:schemeClr val="tx1"/>
-                </a:solidFill>
-                <a:latin typeface="メイリオ" panose="020B0604030504040204" pitchFamily="50" charset="-128"/>
-                <a:ea typeface="メイリオ" panose="020B0604030504040204" pitchFamily="50" charset="-128"/>
-                <a:cs typeface="メイリオ" panose="020B0604030504040204" pitchFamily="50" charset="-128"/>
-              </a:rPr>
-              <a:t>, user = </a:t>
-            </a:r>
-            <a:r>
-              <a:rPr lang="ja-JP" altLang="en-US" sz="1100" dirty="0" smtClean="0">
-                <a:solidFill>
-                  <a:schemeClr val="tx1"/>
-                </a:solidFill>
-                <a:latin typeface="メイリオ" panose="020B0604030504040204" pitchFamily="50" charset="-128"/>
-                <a:ea typeface="メイリオ" panose="020B0604030504040204" pitchFamily="50" charset="-128"/>
-                <a:cs typeface="メイリオ" panose="020B0604030504040204" pitchFamily="50" charset="-128"/>
-              </a:rPr>
-              <a:t>社員Ｉ</a:t>
-            </a:r>
-            <a:r>
-              <a:rPr lang="en-US" altLang="ja-JP" sz="1100" dirty="0" smtClean="0">
-                <a:solidFill>
-                  <a:schemeClr val="tx1"/>
-                </a:solidFill>
-                <a:latin typeface="メイリオ" panose="020B0604030504040204" pitchFamily="50" charset="-128"/>
-                <a:ea typeface="メイリオ" panose="020B0604030504040204" pitchFamily="50" charset="-128"/>
-                <a:cs typeface="メイリオ" panose="020B0604030504040204" pitchFamily="50" charset="-128"/>
-              </a:rPr>
-              <a:t>D</a:t>
             </a:r>
             <a:endParaRPr kumimoji="1" lang="en-US" altLang="ja-JP" sz="1100" dirty="0" smtClean="0">
               <a:solidFill>
@@ -35537,427 +35578,6 @@
           </a:p>
         </p:txBody>
       </p:sp>
-      <p:sp>
-        <p:nvSpPr>
-          <p:cNvPr id="132" name="正方形/長方形 59"/>
-          <p:cNvSpPr/>
-          <p:nvPr/>
-        </p:nvSpPr>
-        <p:spPr>
-          <a:xfrm>
-            <a:off x="7462341" y="3158042"/>
-            <a:ext cx="2058038" cy="331518"/>
-          </a:xfrm>
-          <a:prstGeom prst="rect">
-            <a:avLst/>
-          </a:prstGeom>
-          <a:noFill/>
-          <a:ln>
-            <a:noFill/>
-          </a:ln>
-        </p:spPr>
-        <p:style>
-          <a:lnRef idx="2">
-            <a:schemeClr val="accent1">
-              <a:shade val="50000"/>
-            </a:schemeClr>
-          </a:lnRef>
-          <a:fillRef idx="1">
-            <a:schemeClr val="accent1"/>
-          </a:fillRef>
-          <a:effectRef idx="0">
-            <a:schemeClr val="accent1"/>
-          </a:effectRef>
-          <a:fontRef idx="minor">
-            <a:schemeClr val="lt1"/>
-          </a:fontRef>
-        </p:style>
-        <p:txBody>
-          <a:bodyPr rtlCol="0" anchor="t"/>
-          <a:lstStyle/>
-          <a:p>
-            <a:pPr algn="ctr"/>
-            <a:r>
-              <a:rPr lang="en-US" altLang="ja-JP" sz="1100" dirty="0" smtClean="0">
-                <a:solidFill>
-                  <a:schemeClr val="tx1"/>
-                </a:solidFill>
-                <a:latin typeface="メイリオ" panose="020B0604030504040204" pitchFamily="50" charset="-128"/>
-                <a:ea typeface="メイリオ" panose="020B0604030504040204" pitchFamily="50" charset="-128"/>
-                <a:cs typeface="メイリオ" panose="020B0604030504040204" pitchFamily="50" charset="-128"/>
-              </a:rPr>
-              <a:t>POST action = </a:t>
-            </a:r>
-            <a:r>
-              <a:rPr lang="en-US" altLang="ja-JP" sz="1100" dirty="0" err="1" smtClean="0">
-                <a:solidFill>
-                  <a:schemeClr val="tx1"/>
-                </a:solidFill>
-                <a:latin typeface="メイリオ" panose="020B0604030504040204" pitchFamily="50" charset="-128"/>
-                <a:ea typeface="メイリオ" panose="020B0604030504040204" pitchFamily="50" charset="-128"/>
-                <a:cs typeface="メイリオ" panose="020B0604030504040204" pitchFamily="50" charset="-128"/>
-              </a:rPr>
-              <a:t>updateuser</a:t>
-            </a:r>
-            <a:r>
-              <a:rPr lang="en-US" altLang="ja-JP" sz="1100" dirty="0" smtClean="0">
-                <a:solidFill>
-                  <a:schemeClr val="tx1"/>
-                </a:solidFill>
-                <a:latin typeface="メイリオ" panose="020B0604030504040204" pitchFamily="50" charset="-128"/>
-                <a:ea typeface="メイリオ" panose="020B0604030504040204" pitchFamily="50" charset="-128"/>
-                <a:cs typeface="メイリオ" panose="020B0604030504040204" pitchFamily="50" charset="-128"/>
-              </a:rPr>
-              <a:t>,</a:t>
-            </a:r>
-          </a:p>
-          <a:p>
-            <a:pPr algn="ctr"/>
-            <a:r>
-              <a:rPr lang="en-US" altLang="ja-JP" sz="1100" dirty="0" smtClean="0">
-                <a:solidFill>
-                  <a:schemeClr val="tx1"/>
-                </a:solidFill>
-                <a:latin typeface="メイリオ" panose="020B0604030504040204" pitchFamily="50" charset="-128"/>
-                <a:ea typeface="メイリオ" panose="020B0604030504040204" pitchFamily="50" charset="-128"/>
-                <a:cs typeface="メイリオ" panose="020B0604030504040204" pitchFamily="50" charset="-128"/>
-              </a:rPr>
-              <a:t>hidden </a:t>
-            </a:r>
-            <a:r>
-              <a:rPr lang="en-US" altLang="ja-JP" sz="1100" dirty="0" err="1" smtClean="0">
-                <a:solidFill>
-                  <a:schemeClr val="tx1"/>
-                </a:solidFill>
-                <a:latin typeface="メイリオ" panose="020B0604030504040204" pitchFamily="50" charset="-128"/>
-                <a:ea typeface="メイリオ" panose="020B0604030504040204" pitchFamily="50" charset="-128"/>
-                <a:cs typeface="メイリオ" panose="020B0604030504040204" pitchFamily="50" charset="-128"/>
-              </a:rPr>
-              <a:t>laspage</a:t>
-            </a:r>
-            <a:r>
-              <a:rPr lang="en-US" altLang="ja-JP" sz="1100" dirty="0" smtClean="0">
-                <a:solidFill>
-                  <a:schemeClr val="tx1"/>
-                </a:solidFill>
-                <a:latin typeface="メイリオ" panose="020B0604030504040204" pitchFamily="50" charset="-128"/>
-                <a:ea typeface="メイリオ" panose="020B0604030504040204" pitchFamily="50" charset="-128"/>
-                <a:cs typeface="メイリオ" panose="020B0604030504040204" pitchFamily="50" charset="-128"/>
-              </a:rPr>
-              <a:t> = </a:t>
-            </a:r>
-            <a:r>
-              <a:rPr lang="en-US" altLang="ja-JP" sz="1100" dirty="0" err="1" smtClean="0">
-                <a:solidFill>
-                  <a:schemeClr val="tx1"/>
-                </a:solidFill>
-                <a:latin typeface="メイリオ" panose="020B0604030504040204" pitchFamily="50" charset="-128"/>
-                <a:ea typeface="メイリオ" panose="020B0604030504040204" pitchFamily="50" charset="-128"/>
-                <a:cs typeface="メイリオ" panose="020B0604030504040204" pitchFamily="50" charset="-128"/>
-              </a:rPr>
-              <a:t>viewUser</a:t>
-            </a:r>
-            <a:endParaRPr lang="en-US" altLang="ja-JP" sz="1100" dirty="0" smtClean="0">
-              <a:solidFill>
-                <a:schemeClr val="tx1"/>
-              </a:solidFill>
-              <a:latin typeface="メイリオ" panose="020B0604030504040204" pitchFamily="50" charset="-128"/>
-              <a:ea typeface="メイリオ" panose="020B0604030504040204" pitchFamily="50" charset="-128"/>
-              <a:cs typeface="メイリオ" panose="020B0604030504040204" pitchFamily="50" charset="-128"/>
-            </a:endParaRPr>
-          </a:p>
-        </p:txBody>
-      </p:sp>
-      <p:cxnSp>
-        <p:nvCxnSpPr>
-          <p:cNvPr id="133" name="直線矢印コネクタ 40"/>
-          <p:cNvCxnSpPr>
-            <a:endCxn id="71" idx="2"/>
-          </p:cNvCxnSpPr>
-          <p:nvPr/>
-        </p:nvCxnSpPr>
-        <p:spPr>
-          <a:xfrm flipV="1">
-            <a:off x="9799992" y="2791633"/>
-            <a:ext cx="0" cy="1521251"/>
-          </a:xfrm>
-          <a:prstGeom prst="straightConnector1">
-            <a:avLst/>
-          </a:prstGeom>
-          <a:ln w="38100">
-            <a:solidFill>
-              <a:schemeClr val="tx1"/>
-            </a:solidFill>
-            <a:prstDash val="solid"/>
-            <a:headEnd type="none" w="med" len="med"/>
-            <a:tailEnd type="none" w="med" len="med"/>
-          </a:ln>
-        </p:spPr>
-        <p:style>
-          <a:lnRef idx="1">
-            <a:schemeClr val="accent1"/>
-          </a:lnRef>
-          <a:fillRef idx="0">
-            <a:schemeClr val="accent1"/>
-          </a:fillRef>
-          <a:effectRef idx="0">
-            <a:schemeClr val="accent1"/>
-          </a:effectRef>
-          <a:fontRef idx="minor">
-            <a:schemeClr val="tx1"/>
-          </a:fontRef>
-        </p:style>
-      </p:cxnSp>
-      <p:cxnSp>
-        <p:nvCxnSpPr>
-          <p:cNvPr id="139" name="直線矢印コネクタ 29"/>
-          <p:cNvCxnSpPr/>
-          <p:nvPr/>
-        </p:nvCxnSpPr>
-        <p:spPr>
-          <a:xfrm flipH="1">
-            <a:off x="4351864" y="4312884"/>
-            <a:ext cx="5448128" cy="11262"/>
-          </a:xfrm>
-          <a:prstGeom prst="straightConnector1">
-            <a:avLst/>
-          </a:prstGeom>
-          <a:ln w="38100">
-            <a:solidFill>
-              <a:schemeClr val="tx1"/>
-            </a:solidFill>
-            <a:prstDash val="solid"/>
-            <a:tailEnd type="triangle" w="lg" len="lg"/>
-          </a:ln>
-        </p:spPr>
-        <p:style>
-          <a:lnRef idx="1">
-            <a:schemeClr val="accent1"/>
-          </a:lnRef>
-          <a:fillRef idx="0">
-            <a:schemeClr val="accent1"/>
-          </a:fillRef>
-          <a:effectRef idx="0">
-            <a:schemeClr val="accent1"/>
-          </a:effectRef>
-          <a:fontRef idx="minor">
-            <a:schemeClr val="tx1"/>
-          </a:fontRef>
-        </p:style>
-      </p:cxnSp>
-      <p:cxnSp>
-        <p:nvCxnSpPr>
-          <p:cNvPr id="165" name="直線矢印コネクタ 40"/>
-          <p:cNvCxnSpPr/>
-          <p:nvPr/>
-        </p:nvCxnSpPr>
-        <p:spPr>
-          <a:xfrm flipH="1" flipV="1">
-            <a:off x="1212162" y="2569742"/>
-            <a:ext cx="8112" cy="3023174"/>
-          </a:xfrm>
-          <a:prstGeom prst="straightConnector1">
-            <a:avLst/>
-          </a:prstGeom>
-          <a:ln w="38100">
-            <a:solidFill>
-              <a:schemeClr val="tx1"/>
-            </a:solidFill>
-            <a:prstDash val="solid"/>
-            <a:headEnd type="none" w="med" len="med"/>
-            <a:tailEnd type="none" w="med" len="med"/>
-          </a:ln>
-        </p:spPr>
-        <p:style>
-          <a:lnRef idx="1">
-            <a:schemeClr val="accent1"/>
-          </a:lnRef>
-          <a:fillRef idx="0">
-            <a:schemeClr val="accent1"/>
-          </a:fillRef>
-          <a:effectRef idx="0">
-            <a:schemeClr val="accent1"/>
-          </a:effectRef>
-          <a:fontRef idx="minor">
-            <a:schemeClr val="tx1"/>
-          </a:fontRef>
-        </p:style>
-      </p:cxnSp>
-      <p:sp>
-        <p:nvSpPr>
-          <p:cNvPr id="166" name="正方形/長方形 56"/>
-          <p:cNvSpPr/>
-          <p:nvPr/>
-        </p:nvSpPr>
-        <p:spPr>
-          <a:xfrm>
-            <a:off x="5421315" y="4373479"/>
-            <a:ext cx="2928885" cy="331518"/>
-          </a:xfrm>
-          <a:prstGeom prst="rect">
-            <a:avLst/>
-          </a:prstGeom>
-          <a:noFill/>
-          <a:ln>
-            <a:noFill/>
-          </a:ln>
-        </p:spPr>
-        <p:style>
-          <a:lnRef idx="2">
-            <a:schemeClr val="accent1">
-              <a:shade val="50000"/>
-            </a:schemeClr>
-          </a:lnRef>
-          <a:fillRef idx="1">
-            <a:schemeClr val="accent1"/>
-          </a:fillRef>
-          <a:effectRef idx="0">
-            <a:schemeClr val="accent1"/>
-          </a:effectRef>
-          <a:fontRef idx="minor">
-            <a:schemeClr val="lt1"/>
-          </a:fontRef>
-        </p:style>
-        <p:txBody>
-          <a:bodyPr rtlCol="0" anchor="t"/>
-          <a:lstStyle/>
-          <a:p>
-            <a:pPr algn="ctr"/>
-            <a:r>
-              <a:rPr kumimoji="1" lang="en-US" altLang="ja-JP" sz="1100" dirty="0" smtClean="0">
-                <a:solidFill>
-                  <a:schemeClr val="tx1"/>
-                </a:solidFill>
-                <a:latin typeface="メイリオ" panose="020B0604030504040204" pitchFamily="50" charset="-128"/>
-                <a:ea typeface="メイリオ" panose="020B0604030504040204" pitchFamily="50" charset="-128"/>
-                <a:cs typeface="メイリオ" panose="020B0604030504040204" pitchFamily="50" charset="-128"/>
-              </a:rPr>
-              <a:t>GET </a:t>
-            </a:r>
-            <a:r>
-              <a:rPr kumimoji="1" lang="en-US" altLang="ja-JP" sz="1100" dirty="0" smtClean="0">
-                <a:solidFill>
-                  <a:schemeClr val="tx1"/>
-                </a:solidFill>
-                <a:latin typeface="メイリオ" panose="020B0604030504040204" pitchFamily="50" charset="-128"/>
-                <a:ea typeface="メイリオ" panose="020B0604030504040204" pitchFamily="50" charset="-128"/>
-                <a:cs typeface="メイリオ" panose="020B0604030504040204" pitchFamily="50" charset="-128"/>
-              </a:rPr>
-              <a:t>page = </a:t>
-            </a:r>
-            <a:r>
-              <a:rPr kumimoji="1" lang="en-US" altLang="ja-JP" sz="1100" dirty="0" err="1" smtClean="0">
-                <a:solidFill>
-                  <a:schemeClr val="tx1"/>
-                </a:solidFill>
-                <a:latin typeface="メイリオ" panose="020B0604030504040204" pitchFamily="50" charset="-128"/>
-                <a:ea typeface="メイリオ" panose="020B0604030504040204" pitchFamily="50" charset="-128"/>
-                <a:cs typeface="メイリオ" panose="020B0604030504040204" pitchFamily="50" charset="-128"/>
-              </a:rPr>
-              <a:t>viewUser</a:t>
-            </a:r>
-            <a:r>
-              <a:rPr lang="en-US" altLang="ja-JP" sz="1100" dirty="0" smtClean="0">
-                <a:solidFill>
-                  <a:schemeClr val="tx1"/>
-                </a:solidFill>
-                <a:latin typeface="メイリオ" panose="020B0604030504040204" pitchFamily="50" charset="-128"/>
-                <a:ea typeface="メイリオ" panose="020B0604030504040204" pitchFamily="50" charset="-128"/>
-                <a:cs typeface="メイリオ" panose="020B0604030504040204" pitchFamily="50" charset="-128"/>
-              </a:rPr>
-              <a:t>, </a:t>
-            </a:r>
-            <a:r>
-              <a:rPr kumimoji="1" lang="en-US" altLang="ja-JP" sz="1100" dirty="0" smtClean="0">
-                <a:solidFill>
-                  <a:schemeClr val="tx1"/>
-                </a:solidFill>
-                <a:latin typeface="メイリオ" panose="020B0604030504040204" pitchFamily="50" charset="-128"/>
-                <a:ea typeface="メイリオ" panose="020B0604030504040204" pitchFamily="50" charset="-128"/>
-                <a:cs typeface="メイリオ" panose="020B0604030504040204" pitchFamily="50" charset="-128"/>
-              </a:rPr>
-              <a:t>user </a:t>
-            </a:r>
-            <a:r>
-              <a:rPr kumimoji="1" lang="en-US" altLang="ja-JP" sz="1100" dirty="0" smtClean="0">
-                <a:solidFill>
-                  <a:schemeClr val="tx1"/>
-                </a:solidFill>
-                <a:latin typeface="メイリオ" panose="020B0604030504040204" pitchFamily="50" charset="-128"/>
-                <a:ea typeface="メイリオ" panose="020B0604030504040204" pitchFamily="50" charset="-128"/>
-                <a:cs typeface="メイリオ" panose="020B0604030504040204" pitchFamily="50" charset="-128"/>
-              </a:rPr>
-              <a:t>= </a:t>
-            </a:r>
-            <a:r>
-              <a:rPr kumimoji="1" lang="ja-JP" altLang="en-US" sz="1100" dirty="0" smtClean="0">
-                <a:solidFill>
-                  <a:schemeClr val="tx1"/>
-                </a:solidFill>
-                <a:latin typeface="メイリオ" panose="020B0604030504040204" pitchFamily="50" charset="-128"/>
-                <a:ea typeface="メイリオ" panose="020B0604030504040204" pitchFamily="50" charset="-128"/>
-                <a:cs typeface="メイリオ" panose="020B0604030504040204" pitchFamily="50" charset="-128"/>
-              </a:rPr>
-              <a:t>社員</a:t>
-            </a:r>
-            <a:r>
-              <a:rPr kumimoji="1" lang="en-US" altLang="ja-JP" sz="1100" dirty="0" smtClean="0">
-                <a:solidFill>
-                  <a:schemeClr val="tx1"/>
-                </a:solidFill>
-                <a:latin typeface="メイリオ" panose="020B0604030504040204" pitchFamily="50" charset="-128"/>
-                <a:ea typeface="メイリオ" panose="020B0604030504040204" pitchFamily="50" charset="-128"/>
-                <a:cs typeface="メイリオ" panose="020B0604030504040204" pitchFamily="50" charset="-128"/>
-              </a:rPr>
-              <a:t>ID</a:t>
-            </a:r>
-          </a:p>
-          <a:p>
-            <a:pPr algn="ctr"/>
-            <a:r>
-              <a:rPr kumimoji="1" lang="en-US" altLang="ja-JP" sz="1100" dirty="0" smtClean="0">
-                <a:solidFill>
-                  <a:schemeClr val="tx1"/>
-                </a:solidFill>
-                <a:latin typeface="メイリオ" panose="020B0604030504040204" pitchFamily="50" charset="-128"/>
-                <a:ea typeface="メイリオ" panose="020B0604030504040204" pitchFamily="50" charset="-128"/>
-                <a:cs typeface="メイリオ" panose="020B0604030504040204" pitchFamily="50" charset="-128"/>
-              </a:rPr>
-              <a:t>(</a:t>
-            </a:r>
-            <a:r>
-              <a:rPr kumimoji="1" lang="ja-JP" altLang="en-US" sz="1100" dirty="0" smtClean="0">
-                <a:solidFill>
-                  <a:schemeClr val="tx1"/>
-                </a:solidFill>
-                <a:latin typeface="メイリオ" panose="020B0604030504040204" pitchFamily="50" charset="-128"/>
-                <a:ea typeface="メイリオ" panose="020B0604030504040204" pitchFamily="50" charset="-128"/>
-                <a:cs typeface="メイリオ" panose="020B0604030504040204" pitchFamily="50" charset="-128"/>
-              </a:rPr>
-              <a:t>ハイパーリンク</a:t>
-            </a:r>
-            <a:r>
-              <a:rPr kumimoji="1" lang="en-US" altLang="ja-JP" sz="1100" dirty="0" smtClean="0">
-                <a:solidFill>
-                  <a:schemeClr val="tx1"/>
-                </a:solidFill>
-                <a:latin typeface="メイリオ" panose="020B0604030504040204" pitchFamily="50" charset="-128"/>
-                <a:ea typeface="メイリオ" panose="020B0604030504040204" pitchFamily="50" charset="-128"/>
-                <a:cs typeface="メイリオ" panose="020B0604030504040204" pitchFamily="50" charset="-128"/>
-              </a:rPr>
-              <a:t>)</a:t>
-            </a:r>
-            <a:endParaRPr kumimoji="1" lang="ja-JP" altLang="en-US" sz="1100" dirty="0">
-              <a:solidFill>
-                <a:schemeClr val="tx1"/>
-              </a:solidFill>
-              <a:latin typeface="メイリオ" panose="020B0604030504040204" pitchFamily="50" charset="-128"/>
-              <a:ea typeface="メイリオ" panose="020B0604030504040204" pitchFamily="50" charset="-128"/>
-              <a:cs typeface="メイリオ" panose="020B0604030504040204" pitchFamily="50" charset="-128"/>
-            </a:endParaRPr>
-          </a:p>
-        </p:txBody>
-      </p:sp>
       <p:cxnSp>
         <p:nvCxnSpPr>
           <p:cNvPr id="57" name="直線矢印コネクタ 40"/>
@@ -36171,10 +35791,10 @@
                 <a:ea typeface="メイリオ" panose="020B0604030504040204" pitchFamily="50" charset="-128"/>
                 <a:cs typeface="メイリオ" panose="020B0604030504040204" pitchFamily="50" charset="-128"/>
               </a:rPr>
-              <a:t>update, </a:t>
-            </a:r>
-            <a:r>
-              <a:rPr lang="en-US" altLang="ja-JP" sz="1100" dirty="0" err="1" smtClean="0">
+              <a:t>update</a:t>
+            </a:r>
+            <a:r>
+              <a:rPr lang="en-US" altLang="ja-JP" sz="1100" dirty="0">
                 <a:solidFill>
                   <a:srgbClr val="FF0000"/>
                 </a:solidFill>
@@ -36182,10 +35802,10 @@
                 <a:ea typeface="メイリオ" panose="020B0604030504040204" pitchFamily="50" charset="-128"/>
                 <a:cs typeface="メイリオ" panose="020B0604030504040204" pitchFamily="50" charset="-128"/>
               </a:rPr>
-              <a:t>lastpage</a:t>
-            </a:r>
-            <a:r>
-              <a:rPr lang="en-US" altLang="ja-JP" sz="1100" dirty="0" smtClean="0">
+              <a:t/>
+            </a:r>
+            <a:br>
+              <a:rPr lang="en-US" altLang="ja-JP" sz="1100" dirty="0">
                 <a:solidFill>
                   <a:srgbClr val="FF0000"/>
                 </a:solidFill>
@@ -36193,30 +35813,7 @@
                 <a:ea typeface="メイリオ" panose="020B0604030504040204" pitchFamily="50" charset="-128"/>
                 <a:cs typeface="メイリオ" panose="020B0604030504040204" pitchFamily="50" charset="-128"/>
               </a:rPr>
-              <a:t> = </a:t>
-            </a:r>
-            <a:r>
-              <a:rPr lang="en-US" altLang="ja-JP" sz="1100" dirty="0" err="1" smtClean="0">
-                <a:solidFill>
-                  <a:srgbClr val="FF0000"/>
-                </a:solidFill>
-                <a:latin typeface="メイリオ" panose="020B0604030504040204" pitchFamily="50" charset="-128"/>
-                <a:ea typeface="メイリオ" panose="020B0604030504040204" pitchFamily="50" charset="-128"/>
-                <a:cs typeface="メイリオ" panose="020B0604030504040204" pitchFamily="50" charset="-128"/>
-              </a:rPr>
-              <a:t>viewUser</a:t>
-            </a:r>
-            <a:r>
-              <a:rPr lang="en-US" altLang="ja-JP" sz="1100" dirty="0" smtClean="0">
-                <a:solidFill>
-                  <a:srgbClr val="FF0000"/>
-                </a:solidFill>
-                <a:latin typeface="メイリオ" panose="020B0604030504040204" pitchFamily="50" charset="-128"/>
-                <a:ea typeface="メイリオ" panose="020B0604030504040204" pitchFamily="50" charset="-128"/>
-                <a:cs typeface="メイリオ" panose="020B0604030504040204" pitchFamily="50" charset="-128"/>
-              </a:rPr>
-              <a:t> </a:t>
-            </a:r>
+            </a:br>
             <a:r>
               <a:rPr kumimoji="1" lang="en-US" altLang="ja-JP" sz="1100" dirty="0" smtClean="0">
                 <a:solidFill>
@@ -36716,18 +36313,7 @@
                 <a:ea typeface="メイリオ" panose="020B0604030504040204" pitchFamily="50" charset="-128"/>
                 <a:cs typeface="メイリオ" panose="020B0604030504040204" pitchFamily="50" charset="-128"/>
               </a:rPr>
-              <a:t>POST action = login</a:t>
-            </a:r>
-            <a:r>
-              <a:rPr lang="en-US" altLang="ja-JP" sz="1100" dirty="0" smtClean="0">
-                <a:solidFill>
-                  <a:schemeClr val="tx1"/>
-                </a:solidFill>
-                <a:latin typeface="メイリオ" panose="020B0604030504040204" pitchFamily="50" charset="-128"/>
-                <a:ea typeface="メイリオ" panose="020B0604030504040204" pitchFamily="50" charset="-128"/>
-                <a:cs typeface="メイリオ" panose="020B0604030504040204" pitchFamily="50" charset="-128"/>
-              </a:rPr>
-              <a:t>,</a:t>
+              <a:t>POST action = login,</a:t>
             </a:r>
           </a:p>
           <a:p>
@@ -37941,18 +37527,7 @@
                 <a:ea typeface="メイリオ" panose="020B0604030504040204" pitchFamily="50" charset="-128"/>
                 <a:cs typeface="メイリオ" panose="020B0604030504040204" pitchFamily="50" charset="-128"/>
               </a:rPr>
-              <a:t>（</a:t>
-            </a:r>
-            <a:r>
-              <a:rPr kumimoji="1" lang="ja-JP" altLang="en-US" sz="1600" b="1" dirty="0" smtClean="0">
-                <a:solidFill>
-                  <a:schemeClr val="tx1"/>
-                </a:solidFill>
-                <a:latin typeface="メイリオ" panose="020B0604030504040204" pitchFamily="50" charset="-128"/>
-                <a:ea typeface="メイリオ" panose="020B0604030504040204" pitchFamily="50" charset="-128"/>
-                <a:cs typeface="メイリオ" panose="020B0604030504040204" pitchFamily="50" charset="-128"/>
-              </a:rPr>
-              <a:t>一般用</a:t>
+              <a:t>（一般用</a:t>
             </a:r>
             <a:r>
               <a:rPr lang="ja-JP" altLang="en-US" sz="1600" b="1" dirty="0" smtClean="0">

--- a/総合演習資料/2.外部設計/画面・状態遷移図_DB.pptx
+++ b/総合演習資料/2.外部設計/画面・状態遷移図_DB.pptx
@@ -6172,37 +6172,26 @@
               </a:rPr>
             </a:br>
             <a:r>
-              <a:rPr lang="en-US" altLang="ja-JP" sz="1400" dirty="0" smtClean="0">
-                <a:solidFill>
-                  <a:schemeClr val="tx1"/>
-                </a:solidFill>
-                <a:latin typeface="メイリオ" panose="020B0604030504040204" pitchFamily="50" charset="-128"/>
-                <a:ea typeface="メイリオ" panose="020B0604030504040204" pitchFamily="50" charset="-128"/>
-                <a:cs typeface="メイリオ" panose="020B0604030504040204" pitchFamily="50" charset="-128"/>
-              </a:rPr>
-              <a:t>(</a:t>
-            </a:r>
-            <a:r>
-              <a:rPr lang="ja-JP" altLang="en-US" sz="1400" dirty="0" smtClean="0">
-                <a:solidFill>
-                  <a:schemeClr val="tx1"/>
-                </a:solidFill>
-                <a:latin typeface="メイリオ" panose="020B0604030504040204" pitchFamily="50" charset="-128"/>
-                <a:ea typeface="メイリオ" panose="020B0604030504040204" pitchFamily="50" charset="-128"/>
-                <a:cs typeface="メイリオ" panose="020B0604030504040204" pitchFamily="50" charset="-128"/>
-              </a:rPr>
-              <a:t>ログイン</a:t>
-            </a:r>
-            <a:r>
-              <a:rPr lang="en-US" altLang="ja-JP" sz="1400" dirty="0" smtClean="0">
-                <a:solidFill>
-                  <a:schemeClr val="tx1"/>
-                </a:solidFill>
-                <a:latin typeface="メイリオ" panose="020B0604030504040204" pitchFamily="50" charset="-128"/>
-                <a:ea typeface="メイリオ" panose="020B0604030504040204" pitchFamily="50" charset="-128"/>
-                <a:cs typeface="メイリオ" panose="020B0604030504040204" pitchFamily="50" charset="-128"/>
-              </a:rPr>
-              <a:t>).JSP</a:t>
+              <a:rPr lang="en-US" altLang="ja-JP" sz="1400" dirty="0" err="1" smtClean="0">
+                <a:solidFill>
+                  <a:schemeClr val="tx1"/>
+                </a:solidFill>
+                <a:latin typeface="メイリオ" panose="020B0604030504040204" pitchFamily="50" charset="-128"/>
+                <a:ea typeface="メイリオ" panose="020B0604030504040204" pitchFamily="50" charset="-128"/>
+                <a:cs typeface="メイリオ" panose="020B0604030504040204" pitchFamily="50" charset="-128"/>
+              </a:rPr>
+              <a:t>login</a:t>
+            </a:r>
+            <a:r>
+              <a:rPr lang="en-US" altLang="ja-JP" sz="1400" dirty="0" err="1" smtClean="0">
+                <a:solidFill>
+                  <a:schemeClr val="tx1"/>
+                </a:solidFill>
+                <a:latin typeface="メイリオ" panose="020B0604030504040204" pitchFamily="50" charset="-128"/>
+                <a:ea typeface="メイリオ" panose="020B0604030504040204" pitchFamily="50" charset="-128"/>
+                <a:cs typeface="メイリオ" panose="020B0604030504040204" pitchFamily="50" charset="-128"/>
+              </a:rPr>
+              <a:t>.JSP</a:t>
             </a:r>
             <a:endParaRPr kumimoji="1" lang="ja-JP" altLang="en-US" sz="1400" dirty="0">
               <a:solidFill>
@@ -6223,8 +6212,8 @@
         </p:nvSpPr>
         <p:spPr>
           <a:xfrm>
-            <a:off x="7042653" y="815764"/>
-            <a:ext cx="1940312" cy="1319779"/>
+            <a:off x="7042652" y="815764"/>
+            <a:ext cx="2109981" cy="1319779"/>
           </a:xfrm>
           <a:prstGeom prst="rect">
             <a:avLst/>
@@ -6269,38 +6258,16 @@
               </a:rPr>
               <a:t>Controller(Servlet)</a:t>
             </a:r>
-            <a:br>
-              <a:rPr kumimoji="1" lang="en-US" altLang="ja-JP" sz="1400" dirty="0" smtClean="0">
-                <a:solidFill>
-                  <a:schemeClr val="tx1"/>
-                </a:solidFill>
-                <a:latin typeface="メイリオ" panose="020B0604030504040204" pitchFamily="50" charset="-128"/>
-                <a:ea typeface="メイリオ" panose="020B0604030504040204" pitchFamily="50" charset="-128"/>
-                <a:cs typeface="メイリオ" panose="020B0604030504040204" pitchFamily="50" charset="-128"/>
-              </a:rPr>
-            </a:br>
-            <a:r>
-              <a:rPr lang="ja-JP" altLang="en-US" sz="1400" dirty="0">
-                <a:solidFill>
-                  <a:schemeClr val="tx1"/>
-                </a:solidFill>
-                <a:latin typeface="メイリオ" panose="020B0604030504040204" pitchFamily="50" charset="-128"/>
-                <a:ea typeface="メイリオ" panose="020B0604030504040204" pitchFamily="50" charset="-128"/>
-                <a:cs typeface="メイリオ" panose="020B0604030504040204" pitchFamily="50" charset="-128"/>
-              </a:rPr>
-              <a:t>クラ</a:t>
-            </a:r>
-            <a:r>
-              <a:rPr lang="ja-JP" altLang="en-US" sz="1400" dirty="0" smtClean="0">
-                <a:solidFill>
-                  <a:schemeClr val="tx1"/>
-                </a:solidFill>
-                <a:latin typeface="メイリオ" panose="020B0604030504040204" pitchFamily="50" charset="-128"/>
-                <a:ea typeface="メイリオ" panose="020B0604030504040204" pitchFamily="50" charset="-128"/>
-                <a:cs typeface="メイリオ" panose="020B0604030504040204" pitchFamily="50" charset="-128"/>
-              </a:rPr>
-              <a:t>ス名</a:t>
-            </a:r>
+            <a:endParaRPr lang="en-US" altLang="ja-JP" sz="1400" dirty="0">
+              <a:solidFill>
+                <a:schemeClr val="tx1"/>
+              </a:solidFill>
+              <a:latin typeface="メイリオ" panose="020B0604030504040204" pitchFamily="50" charset="-128"/>
+              <a:ea typeface="メイリオ" panose="020B0604030504040204" pitchFamily="50" charset="-128"/>
+              <a:cs typeface="メイリオ" panose="020B0604030504040204" pitchFamily="50" charset="-128"/>
+            </a:endParaRPr>
+          </a:p>
+          <a:p>
             <a:r>
               <a:rPr lang="en-US" altLang="ja-JP" sz="1400" dirty="0" smtClean="0">
                 <a:solidFill>
@@ -6310,8 +6277,16 @@
                 <a:ea typeface="メイリオ" panose="020B0604030504040204" pitchFamily="50" charset="-128"/>
                 <a:cs typeface="メイリオ" panose="020B0604030504040204" pitchFamily="50" charset="-128"/>
               </a:rPr>
-              <a:t>.java</a:t>
-            </a:r>
+              <a:t>EmployeeControl.java</a:t>
+            </a:r>
+            <a:endParaRPr lang="en-US" altLang="ja-JP" sz="1400" dirty="0" smtClean="0">
+              <a:solidFill>
+                <a:schemeClr val="tx1"/>
+              </a:solidFill>
+              <a:latin typeface="メイリオ" panose="020B0604030504040204" pitchFamily="50" charset="-128"/>
+              <a:ea typeface="メイリオ" panose="020B0604030504040204" pitchFamily="50" charset="-128"/>
+              <a:cs typeface="メイリオ" panose="020B0604030504040204" pitchFamily="50" charset="-128"/>
+            </a:endParaRPr>
           </a:p>
         </p:txBody>
       </p:sp>
@@ -6367,7 +6342,18 @@
                 <a:ea typeface="メイリオ" panose="020B0604030504040204" pitchFamily="50" charset="-128"/>
                 <a:cs typeface="メイリオ" panose="020B0604030504040204" pitchFamily="50" charset="-128"/>
               </a:rPr>
-              <a:t>Model(Logic)</a:t>
+              <a:t>Model(Logic</a:t>
+            </a:r>
+            <a:r>
+              <a:rPr lang="en-US" altLang="ja-JP" sz="1400" dirty="0" smtClean="0">
+                <a:solidFill>
+                  <a:schemeClr val="tx1"/>
+                </a:solidFill>
+                <a:latin typeface="メイリオ" panose="020B0604030504040204" pitchFamily="50" charset="-128"/>
+                <a:ea typeface="メイリオ" panose="020B0604030504040204" pitchFamily="50" charset="-128"/>
+                <a:cs typeface="メイリオ" panose="020B0604030504040204" pitchFamily="50" charset="-128"/>
+              </a:rPr>
+              <a:t>)</a:t>
             </a:r>
             <a:br>
               <a:rPr lang="en-US" altLang="ja-JP" sz="1400" dirty="0" smtClean="0">
@@ -6380,17 +6366,6 @@
               </a:rPr>
             </a:br>
             <a:r>
-              <a:rPr lang="ja-JP" altLang="en-US" sz="1400" dirty="0" smtClean="0">
-                <a:solidFill>
-                  <a:schemeClr val="tx1"/>
-                </a:solidFill>
-                <a:latin typeface="メイリオ" panose="020B0604030504040204" pitchFamily="50" charset="-128"/>
-                <a:ea typeface="メイリオ" panose="020B0604030504040204" pitchFamily="50" charset="-128"/>
-                <a:cs typeface="メイリオ" panose="020B0604030504040204" pitchFamily="50" charset="-128"/>
-              </a:rPr>
-              <a:t>クラス名</a:t>
-            </a:r>
-            <a:r>
               <a:rPr lang="en-US" altLang="ja-JP" sz="1400" dirty="0" smtClean="0">
                 <a:solidFill>
                   <a:schemeClr val="tx1"/>
@@ -6399,7 +6374,7 @@
                 <a:ea typeface="メイリオ" panose="020B0604030504040204" pitchFamily="50" charset="-128"/>
                 <a:cs typeface="メイリオ" panose="020B0604030504040204" pitchFamily="50" charset="-128"/>
               </a:rPr>
-              <a:t>.java</a:t>
+              <a:t>ControlLogic.java</a:t>
             </a:r>
             <a:endParaRPr kumimoji="1" lang="ja-JP" altLang="en-US" sz="900" dirty="0">
               <a:solidFill>
@@ -6477,28 +6452,6 @@
               </a:rPr>
             </a:br>
             <a:r>
-              <a:rPr lang="ja-JP" altLang="en-US" sz="1400" dirty="0" smtClean="0">
-                <a:solidFill>
-                  <a:schemeClr val="tx1"/>
-                </a:solidFill>
-                <a:latin typeface="メイリオ" panose="020B0604030504040204" pitchFamily="50" charset="-128"/>
-                <a:ea typeface="メイリオ" panose="020B0604030504040204" pitchFamily="50" charset="-128"/>
-                <a:cs typeface="メイリオ" panose="020B0604030504040204" pitchFamily="50" charset="-128"/>
-              </a:rPr>
-              <a:t>クラス</a:t>
-            </a:r>
-            <a:r>
-              <a:rPr lang="ja-JP" altLang="en-US" sz="1400" dirty="0">
-                <a:solidFill>
-                  <a:schemeClr val="tx1"/>
-                </a:solidFill>
-                <a:latin typeface="メイリオ" panose="020B0604030504040204" pitchFamily="50" charset="-128"/>
-                <a:ea typeface="メイリオ" panose="020B0604030504040204" pitchFamily="50" charset="-128"/>
-                <a:cs typeface="メイリオ" panose="020B0604030504040204" pitchFamily="50" charset="-128"/>
-              </a:rPr>
-              <a:t>名</a:t>
-            </a:r>
-            <a:r>
               <a:rPr lang="en-US" altLang="ja-JP" sz="1400" dirty="0" smtClean="0">
                 <a:solidFill>
                   <a:schemeClr val="tx1"/>
@@ -6507,7 +6460,29 @@
                 <a:ea typeface="メイリオ" panose="020B0604030504040204" pitchFamily="50" charset="-128"/>
                 <a:cs typeface="メイリオ" panose="020B0604030504040204" pitchFamily="50" charset="-128"/>
               </a:rPr>
+              <a:t>Employee</a:t>
+            </a:r>
+            <a:r>
+              <a:rPr lang="en-US" altLang="ja-JP" sz="1400" dirty="0" smtClean="0">
+                <a:solidFill>
+                  <a:schemeClr val="tx1"/>
+                </a:solidFill>
+                <a:latin typeface="メイリオ" panose="020B0604030504040204" pitchFamily="50" charset="-128"/>
+                <a:ea typeface="メイリオ" panose="020B0604030504040204" pitchFamily="50" charset="-128"/>
+                <a:cs typeface="メイリオ" panose="020B0604030504040204" pitchFamily="50" charset="-128"/>
+              </a:rPr>
               <a:t>.java</a:t>
+            </a:r>
+            <a:r>
+              <a:rPr lang="en-US" altLang="ja-JP" sz="1400" dirty="0" smtClean="0">
+                <a:solidFill>
+                  <a:schemeClr val="tx1"/>
+                </a:solidFill>
+                <a:latin typeface="メイリオ" panose="020B0604030504040204" pitchFamily="50" charset="-128"/>
+                <a:ea typeface="メイリオ" panose="020B0604030504040204" pitchFamily="50" charset="-128"/>
+                <a:cs typeface="メイリオ" panose="020B0604030504040204" pitchFamily="50" charset="-128"/>
+              </a:rPr>
+              <a:t/>
             </a:r>
             <a:br>
               <a:rPr lang="en-US" altLang="ja-JP" sz="1400" dirty="0" smtClean="0">
@@ -6519,81 +6494,6 @@
                 <a:cs typeface="メイリオ" panose="020B0604030504040204" pitchFamily="50" charset="-128"/>
               </a:rPr>
             </a:br>
-            <a:endParaRPr kumimoji="1" lang="ja-JP" altLang="en-US" sz="1400" dirty="0">
-              <a:solidFill>
-                <a:schemeClr val="tx1"/>
-              </a:solidFill>
-              <a:latin typeface="メイリオ" panose="020B0604030504040204" pitchFamily="50" charset="-128"/>
-              <a:ea typeface="メイリオ" panose="020B0604030504040204" pitchFamily="50" charset="-128"/>
-              <a:cs typeface="メイリオ" panose="020B0604030504040204" pitchFamily="50" charset="-128"/>
-            </a:endParaRPr>
-          </a:p>
-        </p:txBody>
-      </p:sp>
-      <p:sp>
-        <p:nvSpPr>
-          <p:cNvPr id="16" name="角丸四角形 15"/>
-          <p:cNvSpPr/>
-          <p:nvPr/>
-        </p:nvSpPr>
-        <p:spPr>
-          <a:xfrm>
-            <a:off x="1544536" y="4579394"/>
-            <a:ext cx="2407353" cy="1856352"/>
-          </a:xfrm>
-          <a:prstGeom prst="roundRect">
-            <a:avLst/>
-          </a:prstGeom>
-          <a:noFill/>
-          <a:ln>
-            <a:solidFill>
-              <a:schemeClr val="tx1"/>
-            </a:solidFill>
-          </a:ln>
-        </p:spPr>
-        <p:style>
-          <a:lnRef idx="2">
-            <a:schemeClr val="accent1">
-              <a:shade val="50000"/>
-            </a:schemeClr>
-          </a:lnRef>
-          <a:fillRef idx="1">
-            <a:schemeClr val="accent1"/>
-          </a:fillRef>
-          <a:effectRef idx="0">
-            <a:schemeClr val="accent1"/>
-          </a:effectRef>
-          <a:fontRef idx="minor">
-            <a:schemeClr val="lt1"/>
-          </a:fontRef>
-        </p:style>
-        <p:txBody>
-          <a:bodyPr rtlCol="0" anchor="t"/>
-          <a:lstStyle/>
-          <a:p>
-            <a:pPr algn="ctr"/>
-            <a:r>
-              <a:rPr lang="en-US" altLang="ja-JP" sz="1400" dirty="0" smtClean="0">
-                <a:solidFill>
-                  <a:schemeClr val="tx1"/>
-                </a:solidFill>
-                <a:latin typeface="メイリオ" panose="020B0604030504040204" pitchFamily="50" charset="-128"/>
-                <a:ea typeface="メイリオ" panose="020B0604030504040204" pitchFamily="50" charset="-128"/>
-                <a:cs typeface="メイリオ" panose="020B0604030504040204" pitchFamily="50" charset="-128"/>
-              </a:rPr>
-              <a:t>request</a:t>
-            </a:r>
-            <a:r>
-              <a:rPr lang="ja-JP" altLang="en-US" sz="1400" dirty="0" smtClean="0">
-                <a:solidFill>
-                  <a:schemeClr val="tx1"/>
-                </a:solidFill>
-                <a:latin typeface="メイリオ" panose="020B0604030504040204" pitchFamily="50" charset="-128"/>
-                <a:ea typeface="メイリオ" panose="020B0604030504040204" pitchFamily="50" charset="-128"/>
-                <a:cs typeface="メイリオ" panose="020B0604030504040204" pitchFamily="50" charset="-128"/>
-              </a:rPr>
-              <a:t>スコープ</a:t>
-            </a:r>
             <a:endParaRPr kumimoji="1" lang="ja-JP" altLang="en-US" sz="1400" dirty="0">
               <a:solidFill>
                 <a:schemeClr val="tx1"/>
@@ -6687,8 +6587,8 @@
         </p:nvCxnSpPr>
         <p:spPr>
           <a:xfrm flipH="1">
-            <a:off x="5233514" y="1652975"/>
-            <a:ext cx="1814504" cy="1076059"/>
+            <a:off x="4961235" y="1652975"/>
+            <a:ext cx="2086783" cy="1529085"/>
           </a:xfrm>
           <a:prstGeom prst="straightConnector1">
             <a:avLst/>
@@ -6727,7 +6627,7 @@
         <p:spPr>
           <a:xfrm flipH="1" flipV="1">
             <a:off x="2437279" y="1966724"/>
-            <a:ext cx="961848" cy="194513"/>
+            <a:ext cx="694564" cy="512972"/>
           </a:xfrm>
           <a:prstGeom prst="straightConnector1">
             <a:avLst/>
@@ -6800,8 +6700,8 @@
         </p:nvCxnSpPr>
         <p:spPr>
           <a:xfrm>
-            <a:off x="8982965" y="1813568"/>
-            <a:ext cx="514088" cy="417118"/>
+            <a:off x="9161838" y="1801030"/>
+            <a:ext cx="335215" cy="429656"/>
           </a:xfrm>
           <a:prstGeom prst="straightConnector1">
             <a:avLst/>
@@ -6831,91 +6731,14 @@
       </p:cxnSp>
       <p:cxnSp>
         <p:nvCxnSpPr>
-          <p:cNvPr id="45" name="直線矢印コネクタ 44"/>
-          <p:cNvCxnSpPr>
-            <a:endCxn id="9" idx="0"/>
-          </p:cNvCxnSpPr>
-          <p:nvPr/>
-        </p:nvCxnSpPr>
-        <p:spPr>
-          <a:xfrm>
-            <a:off x="10862516" y="3738091"/>
-            <a:ext cx="0" cy="541250"/>
-          </a:xfrm>
-          <a:prstGeom prst="straightConnector1">
-            <a:avLst/>
-          </a:prstGeom>
-          <a:ln w="25400">
-            <a:solidFill>
-              <a:schemeClr val="tx1"/>
-            </a:solidFill>
-            <a:prstDash val="solid"/>
-            <a:tailEnd type="triangle" w="lg" len="lg"/>
-          </a:ln>
-        </p:spPr>
-        <p:style>
-          <a:lnRef idx="1">
-            <a:schemeClr val="accent1"/>
-          </a:lnRef>
-          <a:fillRef idx="0">
-            <a:schemeClr val="accent1"/>
-          </a:fillRef>
-          <a:effectRef idx="0">
-            <a:schemeClr val="accent1"/>
-          </a:effectRef>
-          <a:fontRef idx="minor">
-            <a:schemeClr val="tx1"/>
-          </a:fontRef>
-        </p:style>
-      </p:cxnSp>
-      <p:cxnSp>
-        <p:nvCxnSpPr>
-          <p:cNvPr id="51" name="直線矢印コネクタ 50"/>
-          <p:cNvCxnSpPr/>
-          <p:nvPr/>
-        </p:nvCxnSpPr>
-        <p:spPr>
-          <a:xfrm flipV="1">
-            <a:off x="3860727" y="2137558"/>
-            <a:ext cx="3604352" cy="2505147"/>
-          </a:xfrm>
-          <a:prstGeom prst="straightConnector1">
-            <a:avLst/>
-          </a:prstGeom>
-          <a:ln w="25400">
-            <a:solidFill>
-              <a:schemeClr val="tx1"/>
-            </a:solidFill>
-            <a:prstDash val="dash"/>
-            <a:headEnd type="triangle" w="lg" len="lg"/>
-            <a:tailEnd type="none" w="lg" len="lg"/>
-          </a:ln>
-        </p:spPr>
-        <p:style>
-          <a:lnRef idx="1">
-            <a:schemeClr val="accent1"/>
-          </a:lnRef>
-          <a:fillRef idx="0">
-            <a:schemeClr val="accent1"/>
-          </a:fillRef>
-          <a:effectRef idx="0">
-            <a:schemeClr val="accent1"/>
-          </a:effectRef>
-          <a:fontRef idx="minor">
-            <a:schemeClr val="tx1"/>
-          </a:fontRef>
-        </p:style>
-      </p:cxnSp>
-      <p:cxnSp>
-        <p:nvCxnSpPr>
           <p:cNvPr id="59" name="直線矢印コネクタ 58"/>
           <p:cNvCxnSpPr/>
           <p:nvPr/>
         </p:nvCxnSpPr>
         <p:spPr>
           <a:xfrm>
-            <a:off x="5256632" y="2226390"/>
-            <a:ext cx="4240421" cy="773229"/>
+            <a:off x="5245663" y="2603123"/>
+            <a:ext cx="4251390" cy="188791"/>
           </a:xfrm>
           <a:prstGeom prst="straightConnector1">
             <a:avLst/>
@@ -7738,28 +7561,6 @@
               </a:rPr>
             </a:br>
             <a:r>
-              <a:rPr lang="ja-JP" altLang="en-US" sz="1400" dirty="0" smtClean="0">
-                <a:solidFill>
-                  <a:schemeClr val="tx1"/>
-                </a:solidFill>
-                <a:latin typeface="メイリオ" panose="020B0604030504040204" pitchFamily="50" charset="-128"/>
-                <a:ea typeface="メイリオ" panose="020B0604030504040204" pitchFamily="50" charset="-128"/>
-                <a:cs typeface="メイリオ" panose="020B0604030504040204" pitchFamily="50" charset="-128"/>
-              </a:rPr>
-              <a:t>クラス</a:t>
-            </a:r>
-            <a:r>
-              <a:rPr lang="ja-JP" altLang="en-US" sz="1400" dirty="0">
-                <a:solidFill>
-                  <a:schemeClr val="tx1"/>
-                </a:solidFill>
-                <a:latin typeface="メイリオ" panose="020B0604030504040204" pitchFamily="50" charset="-128"/>
-                <a:ea typeface="メイリオ" panose="020B0604030504040204" pitchFamily="50" charset="-128"/>
-                <a:cs typeface="メイリオ" panose="020B0604030504040204" pitchFamily="50" charset="-128"/>
-              </a:rPr>
-              <a:t>名</a:t>
-            </a:r>
-            <a:r>
               <a:rPr lang="en-US" altLang="ja-JP" sz="1400" dirty="0" smtClean="0">
                 <a:solidFill>
                   <a:schemeClr val="tx1"/>
@@ -7768,34 +7569,11 @@
                 <a:ea typeface="メイリオ" panose="020B0604030504040204" pitchFamily="50" charset="-128"/>
                 <a:cs typeface="メイリオ" panose="020B0604030504040204" pitchFamily="50" charset="-128"/>
               </a:rPr>
-              <a:t>.java</a:t>
-            </a:r>
-          </a:p>
-          <a:p>
-            <a:r>
-              <a:rPr lang="en-US" altLang="ja-JP" sz="900" dirty="0">
-                <a:solidFill>
-                  <a:schemeClr val="tx1"/>
-                </a:solidFill>
-                <a:latin typeface="メイリオ" panose="020B0604030504040204" pitchFamily="50" charset="-128"/>
-                <a:ea typeface="メイリオ" panose="020B0604030504040204" pitchFamily="50" charset="-128"/>
-                <a:cs typeface="メイリオ" panose="020B0604030504040204" pitchFamily="50" charset="-128"/>
-              </a:rPr>
-              <a:t/>
-            </a:r>
-            <a:br>
-              <a:rPr lang="en-US" altLang="ja-JP" sz="900" dirty="0">
-                <a:solidFill>
-                  <a:schemeClr val="tx1"/>
-                </a:solidFill>
-                <a:latin typeface="メイリオ" panose="020B0604030504040204" pitchFamily="50" charset="-128"/>
-                <a:ea typeface="メイリオ" panose="020B0604030504040204" pitchFamily="50" charset="-128"/>
-                <a:cs typeface="メイリオ" panose="020B0604030504040204" pitchFamily="50" charset="-128"/>
-              </a:rPr>
-            </a:br>
-            <a:endParaRPr kumimoji="1" lang="ja-JP" altLang="en-US" sz="900" dirty="0">
-              <a:solidFill>
-                <a:srgbClr val="FF0000"/>
+              <a:t>EmployeeDAO.java</a:t>
+            </a:r>
+            <a:endParaRPr lang="en-US" altLang="ja-JP" sz="1400" dirty="0" smtClean="0">
+              <a:solidFill>
+                <a:schemeClr val="tx1"/>
               </a:solidFill>
               <a:latin typeface="メイリオ" panose="020B0604030504040204" pitchFamily="50" charset="-128"/>
               <a:ea typeface="メイリオ" panose="020B0604030504040204" pitchFamily="50" charset="-128"/>
@@ -8066,7 +7844,7 @@
         </p:nvSpPr>
         <p:spPr>
           <a:xfrm>
-            <a:off x="3399127" y="1922688"/>
+            <a:off x="3131843" y="2241147"/>
             <a:ext cx="2092517" cy="477097"/>
           </a:xfrm>
           <a:prstGeom prst="rect">
@@ -8134,37 +7912,15 @@
               </a:rPr>
             </a:br>
             <a:r>
-              <a:rPr lang="en-US" altLang="ja-JP" sz="1400" dirty="0" smtClean="0">
-                <a:solidFill>
-                  <a:schemeClr val="tx1"/>
-                </a:solidFill>
-                <a:latin typeface="メイリオ" panose="020B0604030504040204" pitchFamily="50" charset="-128"/>
-                <a:ea typeface="メイリオ" panose="020B0604030504040204" pitchFamily="50" charset="-128"/>
-                <a:cs typeface="メイリオ" panose="020B0604030504040204" pitchFamily="50" charset="-128"/>
-              </a:rPr>
-              <a:t>(</a:t>
-            </a:r>
-            <a:r>
-              <a:rPr lang="ja-JP" altLang="en-US" sz="1400" dirty="0" smtClean="0">
-                <a:solidFill>
-                  <a:schemeClr val="tx1"/>
-                </a:solidFill>
-                <a:latin typeface="メイリオ" panose="020B0604030504040204" pitchFamily="50" charset="-128"/>
-                <a:ea typeface="メイリオ" panose="020B0604030504040204" pitchFamily="50" charset="-128"/>
-                <a:cs typeface="メイリオ" panose="020B0604030504040204" pitchFamily="50" charset="-128"/>
-              </a:rPr>
-              <a:t>メイン</a:t>
-            </a:r>
-            <a:r>
-              <a:rPr lang="en-US" altLang="ja-JP" sz="1400" dirty="0" smtClean="0">
-                <a:solidFill>
-                  <a:schemeClr val="tx1"/>
-                </a:solidFill>
-                <a:latin typeface="メイリオ" panose="020B0604030504040204" pitchFamily="50" charset="-128"/>
-                <a:ea typeface="メイリオ" panose="020B0604030504040204" pitchFamily="50" charset="-128"/>
-                <a:cs typeface="メイリオ" panose="020B0604030504040204" pitchFamily="50" charset="-128"/>
-              </a:rPr>
-              <a:t>).JSP</a:t>
+              <a:rPr lang="en-US" altLang="ja-JP" sz="1400" dirty="0" err="1" smtClean="0">
+                <a:solidFill>
+                  <a:schemeClr val="tx1"/>
+                </a:solidFill>
+                <a:latin typeface="メイリオ" panose="020B0604030504040204" pitchFamily="50" charset="-128"/>
+                <a:ea typeface="メイリオ" panose="020B0604030504040204" pitchFamily="50" charset="-128"/>
+                <a:cs typeface="メイリオ" panose="020B0604030504040204" pitchFamily="50" charset="-128"/>
+              </a:rPr>
+              <a:t>mainPage.JSP</a:t>
             </a:r>
             <a:endParaRPr kumimoji="1" lang="ja-JP" altLang="en-US" sz="1400" dirty="0">
               <a:solidFill>
@@ -8185,7 +7941,7 @@
         </p:nvSpPr>
         <p:spPr>
           <a:xfrm>
-            <a:off x="3140997" y="2490485"/>
+            <a:off x="2847415" y="3082450"/>
             <a:ext cx="2092517" cy="477097"/>
           </a:xfrm>
           <a:prstGeom prst="rect">
@@ -8253,37 +8009,37 @@
               </a:rPr>
             </a:br>
             <a:r>
-              <a:rPr lang="en-US" altLang="ja-JP" sz="1400" dirty="0" smtClean="0">
-                <a:solidFill>
-                  <a:schemeClr val="tx1"/>
-                </a:solidFill>
-                <a:latin typeface="メイリオ" panose="020B0604030504040204" pitchFamily="50" charset="-128"/>
-                <a:ea typeface="メイリオ" panose="020B0604030504040204" pitchFamily="50" charset="-128"/>
-                <a:cs typeface="メイリオ" panose="020B0604030504040204" pitchFamily="50" charset="-128"/>
-              </a:rPr>
-              <a:t>(</a:t>
-            </a:r>
-            <a:r>
-              <a:rPr lang="ja-JP" altLang="en-US" sz="1400" dirty="0" smtClean="0">
-                <a:solidFill>
-                  <a:schemeClr val="tx1"/>
-                </a:solidFill>
-                <a:latin typeface="メイリオ" panose="020B0604030504040204" pitchFamily="50" charset="-128"/>
-                <a:ea typeface="メイリオ" panose="020B0604030504040204" pitchFamily="50" charset="-128"/>
-                <a:cs typeface="メイリオ" panose="020B0604030504040204" pitchFamily="50" charset="-128"/>
-              </a:rPr>
-              <a:t>詳細</a:t>
-            </a:r>
-            <a:r>
-              <a:rPr lang="en-US" altLang="ja-JP" sz="1400" dirty="0" smtClean="0">
-                <a:solidFill>
-                  <a:schemeClr val="tx1"/>
-                </a:solidFill>
-                <a:latin typeface="メイリオ" panose="020B0604030504040204" pitchFamily="50" charset="-128"/>
-                <a:ea typeface="メイリオ" panose="020B0604030504040204" pitchFamily="50" charset="-128"/>
-                <a:cs typeface="メイリオ" panose="020B0604030504040204" pitchFamily="50" charset="-128"/>
-              </a:rPr>
-              <a:t>).JSP</a:t>
+              <a:rPr lang="en-US" altLang="ja-JP" sz="1400" dirty="0" err="1" smtClean="0">
+                <a:solidFill>
+                  <a:schemeClr val="tx1"/>
+                </a:solidFill>
+                <a:latin typeface="メイリオ" panose="020B0604030504040204" pitchFamily="50" charset="-128"/>
+                <a:ea typeface="メイリオ" panose="020B0604030504040204" pitchFamily="50" charset="-128"/>
+                <a:cs typeface="メイリオ" panose="020B0604030504040204" pitchFamily="50" charset="-128"/>
+              </a:rPr>
+              <a:t>individual</a:t>
+            </a:r>
+            <a:r>
+              <a:rPr lang="en-US" altLang="ja-JP" sz="1400" dirty="0" err="1" smtClean="0">
+                <a:solidFill>
+                  <a:schemeClr val="tx1"/>
+                </a:solidFill>
+                <a:latin typeface="メイリオ" panose="020B0604030504040204" pitchFamily="50" charset="-128"/>
+                <a:ea typeface="メイリオ" panose="020B0604030504040204" pitchFamily="50" charset="-128"/>
+                <a:cs typeface="メイリオ" panose="020B0604030504040204" pitchFamily="50" charset="-128"/>
+              </a:rPr>
+              <a:t>View.</a:t>
+            </a:r>
+            <a:r>
+              <a:rPr lang="en-US" altLang="ja-JP" sz="1400" dirty="0" err="1" smtClean="0">
+                <a:solidFill>
+                  <a:schemeClr val="tx1"/>
+                </a:solidFill>
+                <a:latin typeface="メイリオ" panose="020B0604030504040204" pitchFamily="50" charset="-128"/>
+                <a:ea typeface="メイリオ" panose="020B0604030504040204" pitchFamily="50" charset="-128"/>
+                <a:cs typeface="メイリオ" panose="020B0604030504040204" pitchFamily="50" charset="-128"/>
+              </a:rPr>
+              <a:t>JSP</a:t>
             </a:r>
             <a:endParaRPr kumimoji="1" lang="ja-JP" altLang="en-US" sz="1400" dirty="0">
               <a:solidFill>
@@ -8307,8 +8063,8 @@
         </p:nvCxnSpPr>
         <p:spPr>
           <a:xfrm flipH="1">
-            <a:off x="5491644" y="1475654"/>
-            <a:ext cx="1551009" cy="685583"/>
+            <a:off x="5224360" y="1475654"/>
+            <a:ext cx="1818292" cy="1004042"/>
           </a:xfrm>
           <a:prstGeom prst="straightConnector1">
             <a:avLst/>
@@ -8345,8 +8101,8 @@
         </p:nvCxnSpPr>
         <p:spPr>
           <a:xfrm flipH="1" flipV="1">
-            <a:off x="2437279" y="2312919"/>
-            <a:ext cx="703718" cy="416115"/>
+            <a:off x="2307572" y="2806588"/>
+            <a:ext cx="539843" cy="514411"/>
           </a:xfrm>
           <a:prstGeom prst="straightConnector1">
             <a:avLst/>
@@ -8539,18 +8295,7 @@
                 <a:ea typeface="メイリオ" panose="020B0604030504040204" pitchFamily="50" charset="-128"/>
                 <a:cs typeface="メイリオ" panose="020B0604030504040204" pitchFamily="50" charset="-128"/>
               </a:rPr>
-              <a:t>・</a:t>
-            </a:r>
-            <a:r>
-              <a:rPr lang="ja-JP" altLang="en-US" sz="1100" dirty="0" smtClean="0">
-                <a:solidFill>
-                  <a:schemeClr val="tx1"/>
-                </a:solidFill>
-                <a:latin typeface="メイリオ" panose="020B0604030504040204" pitchFamily="50" charset="-128"/>
-                <a:ea typeface="メイリオ" panose="020B0604030504040204" pitchFamily="50" charset="-128"/>
-                <a:cs typeface="メイリオ" panose="020B0604030504040204" pitchFamily="50" charset="-128"/>
-              </a:rPr>
-              <a:t>自分</a:t>
+              <a:t>・自分</a:t>
             </a:r>
             <a:r>
               <a:rPr lang="ja-JP" altLang="en-US" sz="1100" dirty="0">
@@ -8808,21 +8553,19 @@
       </p:cxnSp>
       <p:cxnSp>
         <p:nvCxnSpPr>
-          <p:cNvPr id="74" name="直線矢印コネクタ 73"/>
+          <p:cNvPr id="101" name="直線矢印コネクタ 100"/>
           <p:cNvCxnSpPr>
-            <a:endCxn id="16" idx="0"/>
+            <a:endCxn id="7" idx="2"/>
           </p:cNvCxnSpPr>
           <p:nvPr/>
         </p:nvCxnSpPr>
         <p:spPr>
-          <a:xfrm rot="5400000">
-            <a:off x="1744525" y="2656663"/>
-            <a:ext cx="2926419" cy="919042"/>
-          </a:xfrm>
-          <a:prstGeom prst="bentConnector3">
-            <a:avLst>
-              <a:gd name="adj1" fmla="val -86"/>
-            </a:avLst>
+          <a:xfrm flipV="1">
+            <a:off x="6343683" y="2135543"/>
+            <a:ext cx="1753960" cy="2743904"/>
+          </a:xfrm>
+          <a:prstGeom prst="straightConnector1">
+            <a:avLst/>
           </a:prstGeom>
           <a:ln w="25400">
             <a:solidFill>
@@ -8850,19 +8593,17 @@
       </p:cxnSp>
       <p:cxnSp>
         <p:nvCxnSpPr>
-          <p:cNvPr id="84" name="直線矢印コネクタ 73"/>
+          <p:cNvPr id="114" name="直線矢印コネクタ 113"/>
           <p:cNvCxnSpPr/>
           <p:nvPr/>
         </p:nvCxnSpPr>
         <p:spPr>
-          <a:xfrm rot="5400000">
-            <a:off x="2008324" y="3175879"/>
-            <a:ext cx="2267466" cy="514141"/>
-          </a:xfrm>
-          <a:prstGeom prst="bentConnector3">
-            <a:avLst>
-              <a:gd name="adj1" fmla="val 184"/>
-            </a:avLst>
+          <a:xfrm>
+            <a:off x="5017089" y="2725358"/>
+            <a:ext cx="831972" cy="2129846"/>
+          </a:xfrm>
+          <a:prstGeom prst="straightConnector1">
+            <a:avLst/>
           </a:prstGeom>
           <a:ln w="25400">
             <a:solidFill>
@@ -8890,16 +8631,14 @@
       </p:cxnSp>
       <p:cxnSp>
         <p:nvCxnSpPr>
-          <p:cNvPr id="101" name="直線矢印コネクタ 100"/>
-          <p:cNvCxnSpPr>
-            <a:endCxn id="7" idx="2"/>
-          </p:cNvCxnSpPr>
+          <p:cNvPr id="118" name="直線矢印コネクタ 117"/>
+          <p:cNvCxnSpPr/>
           <p:nvPr/>
         </p:nvCxnSpPr>
         <p:spPr>
-          <a:xfrm flipV="1">
-            <a:off x="6343683" y="2135543"/>
-            <a:ext cx="1669126" cy="2743903"/>
+          <a:xfrm>
+            <a:off x="4404396" y="3561160"/>
+            <a:ext cx="699958" cy="1272814"/>
           </a:xfrm>
           <a:prstGeom prst="straightConnector1">
             <a:avLst/>
@@ -8928,120 +8667,6 @@
           </a:fontRef>
         </p:style>
       </p:cxnSp>
-      <p:cxnSp>
-        <p:nvCxnSpPr>
-          <p:cNvPr id="106" name="直線矢印コネクタ 105"/>
-          <p:cNvCxnSpPr/>
-          <p:nvPr/>
-        </p:nvCxnSpPr>
-        <p:spPr>
-          <a:xfrm flipH="1">
-            <a:off x="3252571" y="2999619"/>
-            <a:ext cx="25961" cy="1588341"/>
-          </a:xfrm>
-          <a:prstGeom prst="straightConnector1">
-            <a:avLst/>
-          </a:prstGeom>
-          <a:ln w="25400">
-            <a:solidFill>
-              <a:schemeClr val="tx1"/>
-            </a:solidFill>
-            <a:prstDash val="dash"/>
-            <a:headEnd type="triangle" w="lg" len="lg"/>
-            <a:tailEnd type="none" w="lg" len="lg"/>
-          </a:ln>
-        </p:spPr>
-        <p:style>
-          <a:lnRef idx="1">
-            <a:schemeClr val="accent1"/>
-          </a:lnRef>
-          <a:fillRef idx="0">
-            <a:schemeClr val="accent1"/>
-          </a:fillRef>
-          <a:effectRef idx="0">
-            <a:schemeClr val="accent1"/>
-          </a:effectRef>
-          <a:fontRef idx="minor">
-            <a:schemeClr val="tx1"/>
-          </a:fontRef>
-        </p:style>
-      </p:cxnSp>
-      <p:cxnSp>
-        <p:nvCxnSpPr>
-          <p:cNvPr id="114" name="直線矢印コネクタ 113"/>
-          <p:cNvCxnSpPr/>
-          <p:nvPr/>
-        </p:nvCxnSpPr>
-        <p:spPr>
-          <a:xfrm>
-            <a:off x="5344366" y="2421153"/>
-            <a:ext cx="504695" cy="2434051"/>
-          </a:xfrm>
-          <a:prstGeom prst="straightConnector1">
-            <a:avLst/>
-          </a:prstGeom>
-          <a:ln w="25400">
-            <a:solidFill>
-              <a:schemeClr val="tx1"/>
-            </a:solidFill>
-            <a:prstDash val="dash"/>
-            <a:headEnd type="triangle" w="lg" len="lg"/>
-            <a:tailEnd type="none" w="lg" len="lg"/>
-          </a:ln>
-        </p:spPr>
-        <p:style>
-          <a:lnRef idx="1">
-            <a:schemeClr val="accent1"/>
-          </a:lnRef>
-          <a:fillRef idx="0">
-            <a:schemeClr val="accent1"/>
-          </a:fillRef>
-          <a:effectRef idx="0">
-            <a:schemeClr val="accent1"/>
-          </a:effectRef>
-          <a:fontRef idx="minor">
-            <a:schemeClr val="tx1"/>
-          </a:fontRef>
-        </p:style>
-      </p:cxnSp>
-      <p:cxnSp>
-        <p:nvCxnSpPr>
-          <p:cNvPr id="118" name="直線矢印コネクタ 117"/>
-          <p:cNvCxnSpPr/>
-          <p:nvPr/>
-        </p:nvCxnSpPr>
-        <p:spPr>
-          <a:xfrm>
-            <a:off x="4718169" y="3017016"/>
-            <a:ext cx="386185" cy="1816958"/>
-          </a:xfrm>
-          <a:prstGeom prst="straightConnector1">
-            <a:avLst/>
-          </a:prstGeom>
-          <a:ln w="25400">
-            <a:solidFill>
-              <a:schemeClr val="tx1"/>
-            </a:solidFill>
-            <a:prstDash val="dash"/>
-            <a:headEnd type="triangle" w="lg" len="lg"/>
-            <a:tailEnd type="none" w="lg" len="lg"/>
-          </a:ln>
-        </p:spPr>
-        <p:style>
-          <a:lnRef idx="1">
-            <a:schemeClr val="accent1"/>
-          </a:lnRef>
-          <a:fillRef idx="0">
-            <a:schemeClr val="accent1"/>
-          </a:fillRef>
-          <a:effectRef idx="0">
-            <a:schemeClr val="accent1"/>
-          </a:effectRef>
-          <a:fontRef idx="minor">
-            <a:schemeClr val="tx1"/>
-          </a:fontRef>
-        </p:style>
-      </p:cxnSp>
       <p:sp>
         <p:nvSpPr>
           <p:cNvPr id="122" name="正方形/長方形 121"/>
@@ -9118,26 +8743,15 @@
               </a:rPr>
             </a:br>
             <a:r>
-              <a:rPr lang="ja-JP" altLang="en-US" sz="1400" dirty="0" smtClean="0">
-                <a:solidFill>
-                  <a:schemeClr val="tx1"/>
-                </a:solidFill>
-                <a:latin typeface="メイリオ" panose="020B0604030504040204" pitchFamily="50" charset="-128"/>
-                <a:ea typeface="メイリオ" panose="020B0604030504040204" pitchFamily="50" charset="-128"/>
-                <a:cs typeface="メイリオ" panose="020B0604030504040204" pitchFamily="50" charset="-128"/>
-              </a:rPr>
-              <a:t>クラス</a:t>
-            </a:r>
-            <a:r>
-              <a:rPr lang="ja-JP" altLang="en-US" sz="1400" dirty="0">
-                <a:solidFill>
-                  <a:schemeClr val="tx1"/>
-                </a:solidFill>
-                <a:latin typeface="メイリオ" panose="020B0604030504040204" pitchFamily="50" charset="-128"/>
-                <a:ea typeface="メイリオ" panose="020B0604030504040204" pitchFamily="50" charset="-128"/>
-                <a:cs typeface="メイリオ" panose="020B0604030504040204" pitchFamily="50" charset="-128"/>
-              </a:rPr>
-              <a:t>名</a:t>
+              <a:rPr lang="en-US" altLang="ja-JP" sz="1400" dirty="0" smtClean="0">
+                <a:solidFill>
+                  <a:schemeClr val="tx1"/>
+                </a:solidFill>
+                <a:latin typeface="メイリオ" panose="020B0604030504040204" pitchFamily="50" charset="-128"/>
+                <a:ea typeface="メイリオ" panose="020B0604030504040204" pitchFamily="50" charset="-128"/>
+                <a:cs typeface="メイリオ" panose="020B0604030504040204" pitchFamily="50" charset="-128"/>
+              </a:rPr>
+              <a:t>Common</a:t>
             </a:r>
             <a:r>
               <a:rPr lang="en-US" altLang="ja-JP" sz="1400" dirty="0" smtClean="0">
@@ -9182,18 +8796,91 @@
           </a:p>
         </p:txBody>
       </p:sp>
+      <p:sp>
+        <p:nvSpPr>
+          <p:cNvPr id="128" name="正方形/長方形 68"/>
+          <p:cNvSpPr/>
+          <p:nvPr/>
+        </p:nvSpPr>
+        <p:spPr>
+          <a:xfrm>
+            <a:off x="-467153" y="781328"/>
+            <a:ext cx="3474720" cy="331518"/>
+          </a:xfrm>
+          <a:prstGeom prst="rect">
+            <a:avLst/>
+          </a:prstGeom>
+          <a:noFill/>
+          <a:ln>
+            <a:noFill/>
+          </a:ln>
+        </p:spPr>
+        <p:style>
+          <a:lnRef idx="2">
+            <a:schemeClr val="accent1">
+              <a:shade val="50000"/>
+            </a:schemeClr>
+          </a:lnRef>
+          <a:fillRef idx="1">
+            <a:schemeClr val="accent1"/>
+          </a:fillRef>
+          <a:effectRef idx="0">
+            <a:schemeClr val="accent1"/>
+          </a:effectRef>
+          <a:fontRef idx="minor">
+            <a:schemeClr val="lt1"/>
+          </a:fontRef>
+        </p:style>
+        <p:txBody>
+          <a:bodyPr rtlCol="0" anchor="t"/>
+          <a:lstStyle/>
+          <a:p>
+            <a:pPr algn="ctr"/>
+            <a:r>
+              <a:rPr lang="ja-JP" altLang="en-US" sz="1600" b="1" dirty="0" smtClean="0">
+                <a:solidFill>
+                  <a:schemeClr val="tx1"/>
+                </a:solidFill>
+                <a:latin typeface="メイリオ" panose="020B0604030504040204" pitchFamily="50" charset="-128"/>
+                <a:ea typeface="メイリオ" panose="020B0604030504040204" pitchFamily="50" charset="-128"/>
+                <a:cs typeface="メイリオ" panose="020B0604030504040204" pitchFamily="50" charset="-128"/>
+              </a:rPr>
+              <a:t>ログイン・メイン・詳細</a:t>
+            </a:r>
+            <a:endParaRPr kumimoji="1" lang="en-US" altLang="ja-JP" sz="1600" b="1" dirty="0" smtClean="0">
+              <a:solidFill>
+                <a:schemeClr val="tx1"/>
+              </a:solidFill>
+              <a:latin typeface="メイリオ" panose="020B0604030504040204" pitchFamily="50" charset="-128"/>
+              <a:ea typeface="メイリオ" panose="020B0604030504040204" pitchFamily="50" charset="-128"/>
+              <a:cs typeface="メイリオ" panose="020B0604030504040204" pitchFamily="50" charset="-128"/>
+            </a:endParaRPr>
+          </a:p>
+          <a:p>
+            <a:pPr algn="ctr"/>
+            <a:endParaRPr kumimoji="1" lang="en-US" altLang="ja-JP" sz="1600" b="1" dirty="0" smtClean="0">
+              <a:solidFill>
+                <a:schemeClr val="tx1"/>
+              </a:solidFill>
+              <a:latin typeface="メイリオ" panose="020B0604030504040204" pitchFamily="50" charset="-128"/>
+              <a:ea typeface="メイリオ" panose="020B0604030504040204" pitchFamily="50" charset="-128"/>
+              <a:cs typeface="メイリオ" panose="020B0604030504040204" pitchFamily="50" charset="-128"/>
+            </a:endParaRPr>
+          </a:p>
+        </p:txBody>
+      </p:sp>
       <p:cxnSp>
         <p:nvCxnSpPr>
-          <p:cNvPr id="123" name="直線矢印コネクタ 122"/>
+          <p:cNvPr id="65" name="直線矢印コネクタ 64"/>
           <p:cNvCxnSpPr>
-            <a:stCxn id="122" idx="3"/>
+            <a:stCxn id="61" idx="3"/>
           </p:cNvCxnSpPr>
           <p:nvPr/>
         </p:nvCxnSpPr>
         <p:spPr>
-          <a:xfrm>
-            <a:off x="9166889" y="3432949"/>
-            <a:ext cx="330164" cy="0"/>
+          <a:xfrm flipV="1">
+            <a:off x="4939932" y="2951181"/>
+            <a:ext cx="4557121" cy="369818"/>
           </a:xfrm>
           <a:prstGeom prst="straightConnector1">
             <a:avLst/>
@@ -9221,79 +8908,45 @@
           </a:fontRef>
         </p:style>
       </p:cxnSp>
-      <p:sp>
-        <p:nvSpPr>
-          <p:cNvPr id="128" name="正方形/長方形 68"/>
-          <p:cNvSpPr/>
-          <p:nvPr/>
-        </p:nvSpPr>
-        <p:spPr>
-          <a:xfrm>
-            <a:off x="-467153" y="781328"/>
-            <a:ext cx="3474720" cy="331518"/>
-          </a:xfrm>
-          <a:prstGeom prst="rect">
-            <a:avLst/>
-          </a:prstGeom>
-          <a:noFill/>
-          <a:ln>
-            <a:noFill/>
-          </a:ln>
-        </p:spPr>
-        <p:style>
-          <a:lnRef idx="2">
-            <a:schemeClr val="accent1">
-              <a:shade val="50000"/>
-            </a:schemeClr>
-          </a:lnRef>
-          <a:fillRef idx="1">
-            <a:schemeClr val="accent1"/>
-          </a:fillRef>
-          <a:effectRef idx="0">
-            <a:schemeClr val="accent1"/>
-          </a:effectRef>
-          <a:fontRef idx="minor">
-            <a:schemeClr val="lt1"/>
-          </a:fontRef>
-        </p:style>
-        <p:txBody>
-          <a:bodyPr rtlCol="0" anchor="t"/>
-          <a:lstStyle/>
-          <a:p>
-            <a:pPr algn="ctr"/>
-            <a:r>
-              <a:rPr lang="ja-JP" altLang="en-US" sz="1600" b="1" dirty="0" smtClean="0">
-                <a:solidFill>
-                  <a:schemeClr val="tx1"/>
-                </a:solidFill>
-                <a:latin typeface="メイリオ" panose="020B0604030504040204" pitchFamily="50" charset="-128"/>
-                <a:ea typeface="メイリオ" panose="020B0604030504040204" pitchFamily="50" charset="-128"/>
-                <a:cs typeface="メイリオ" panose="020B0604030504040204" pitchFamily="50" charset="-128"/>
-              </a:rPr>
-              <a:t>ログイン・メイン・詳細</a:t>
-            </a:r>
-            <a:endParaRPr kumimoji="1" lang="en-US" altLang="ja-JP" sz="1600" b="1" dirty="0" smtClean="0">
-              <a:solidFill>
-                <a:schemeClr val="tx1"/>
-              </a:solidFill>
-              <a:latin typeface="メイリオ" panose="020B0604030504040204" pitchFamily="50" charset="-128"/>
-              <a:ea typeface="メイリオ" panose="020B0604030504040204" pitchFamily="50" charset="-128"/>
-              <a:cs typeface="メイリオ" panose="020B0604030504040204" pitchFamily="50" charset="-128"/>
-            </a:endParaRPr>
-          </a:p>
-          <a:p>
-            <a:pPr algn="ctr"/>
-            <a:endParaRPr kumimoji="1" lang="en-US" altLang="ja-JP" sz="1600" b="1" dirty="0" smtClean="0">
-              <a:solidFill>
-                <a:schemeClr val="tx1"/>
-              </a:solidFill>
-              <a:latin typeface="メイリオ" panose="020B0604030504040204" pitchFamily="50" charset="-128"/>
-              <a:ea typeface="メイリオ" panose="020B0604030504040204" pitchFamily="50" charset="-128"/>
-              <a:cs typeface="メイリオ" panose="020B0604030504040204" pitchFamily="50" charset="-128"/>
-            </a:endParaRPr>
-          </a:p>
-        </p:txBody>
-      </p:sp>
+      <p:cxnSp>
+        <p:nvCxnSpPr>
+          <p:cNvPr id="67" name="直線矢印コネクタ 66"/>
+          <p:cNvCxnSpPr>
+            <a:endCxn id="122" idx="3"/>
+          </p:cNvCxnSpPr>
+          <p:nvPr/>
+        </p:nvCxnSpPr>
+        <p:spPr>
+          <a:xfrm flipH="1">
+            <a:off x="9166889" y="3425780"/>
+            <a:ext cx="330164" cy="7169"/>
+          </a:xfrm>
+          <a:prstGeom prst="straightConnector1">
+            <a:avLst/>
+          </a:prstGeom>
+          <a:ln w="25400">
+            <a:solidFill>
+              <a:schemeClr val="tx1"/>
+            </a:solidFill>
+            <a:prstDash val="solid"/>
+            <a:tailEnd type="triangle" w="lg" len="lg"/>
+          </a:ln>
+        </p:spPr>
+        <p:style>
+          <a:lnRef idx="1">
+            <a:schemeClr val="accent1"/>
+          </a:lnRef>
+          <a:fillRef idx="0">
+            <a:schemeClr val="accent1"/>
+          </a:fillRef>
+          <a:effectRef idx="0">
+            <a:schemeClr val="accent1"/>
+          </a:effectRef>
+          <a:fontRef idx="minor">
+            <a:schemeClr val="tx1"/>
+          </a:fontRef>
+        </p:style>
+      </p:cxnSp>
     </p:spTree>
     <p:extLst>
       <p:ext uri="{BB962C8B-B14F-4D97-AF65-F5344CB8AC3E}">
@@ -9502,8 +9155,8 @@
         </p:nvSpPr>
         <p:spPr>
           <a:xfrm>
-            <a:off x="7042653" y="815764"/>
-            <a:ext cx="1940312" cy="1319779"/>
+            <a:off x="7042652" y="815764"/>
+            <a:ext cx="2082595" cy="1319779"/>
           </a:xfrm>
           <a:prstGeom prst="rect">
             <a:avLst/>
@@ -9538,7 +9191,7 @@
           <a:lstStyle/>
           <a:p>
             <a:r>
-              <a:rPr kumimoji="1" lang="en-US" altLang="ja-JP" sz="1400" dirty="0" smtClean="0">
+              <a:rPr lang="en-US" altLang="ja-JP" sz="1400" dirty="0">
                 <a:solidFill>
                   <a:schemeClr val="tx1"/>
                 </a:solidFill>
@@ -9548,48 +9201,18 @@
               </a:rPr>
               <a:t>Controller(Servlet)</a:t>
             </a:r>
-            <a:br>
-              <a:rPr kumimoji="1" lang="en-US" altLang="ja-JP" sz="1400" dirty="0" smtClean="0">
-                <a:solidFill>
-                  <a:schemeClr val="tx1"/>
-                </a:solidFill>
-                <a:latin typeface="メイリオ" panose="020B0604030504040204" pitchFamily="50" charset="-128"/>
-                <a:ea typeface="メイリオ" panose="020B0604030504040204" pitchFamily="50" charset="-128"/>
-                <a:cs typeface="メイリオ" panose="020B0604030504040204" pitchFamily="50" charset="-128"/>
-              </a:rPr>
-            </a:br>
-            <a:r>
-              <a:rPr lang="ja-JP" altLang="en-US" sz="1400" dirty="0">
-                <a:solidFill>
-                  <a:schemeClr val="tx1"/>
-                </a:solidFill>
-                <a:latin typeface="メイリオ" panose="020B0604030504040204" pitchFamily="50" charset="-128"/>
-                <a:ea typeface="メイリオ" panose="020B0604030504040204" pitchFamily="50" charset="-128"/>
-                <a:cs typeface="メイリオ" panose="020B0604030504040204" pitchFamily="50" charset="-128"/>
-              </a:rPr>
-              <a:t>クラ</a:t>
-            </a:r>
-            <a:r>
-              <a:rPr lang="ja-JP" altLang="en-US" sz="1400" dirty="0" smtClean="0">
-                <a:solidFill>
-                  <a:schemeClr val="tx1"/>
-                </a:solidFill>
-                <a:latin typeface="メイリオ" panose="020B0604030504040204" pitchFamily="50" charset="-128"/>
-                <a:ea typeface="メイリオ" panose="020B0604030504040204" pitchFamily="50" charset="-128"/>
-                <a:cs typeface="メイリオ" panose="020B0604030504040204" pitchFamily="50" charset="-128"/>
-              </a:rPr>
-              <a:t>ス名</a:t>
-            </a:r>
-            <a:r>
-              <a:rPr lang="en-US" altLang="ja-JP" sz="1400" dirty="0" smtClean="0">
-                <a:solidFill>
-                  <a:schemeClr val="tx1"/>
-                </a:solidFill>
-                <a:latin typeface="メイリオ" panose="020B0604030504040204" pitchFamily="50" charset="-128"/>
-                <a:ea typeface="メイリオ" panose="020B0604030504040204" pitchFamily="50" charset="-128"/>
-                <a:cs typeface="メイリオ" panose="020B0604030504040204" pitchFamily="50" charset="-128"/>
-              </a:rPr>
-              <a:t>.java</a:t>
+          </a:p>
+          <a:p>
+            <a:r>
+              <a:rPr lang="en-US" altLang="ja-JP" sz="1400" dirty="0">
+                <a:solidFill>
+                  <a:schemeClr val="tx1"/>
+                </a:solidFill>
+                <a:latin typeface="メイリオ" panose="020B0604030504040204" pitchFamily="50" charset="-128"/>
+                <a:ea typeface="メイリオ" panose="020B0604030504040204" pitchFamily="50" charset="-128"/>
+                <a:cs typeface="メイリオ" panose="020B0604030504040204" pitchFamily="50" charset="-128"/>
+              </a:rPr>
+              <a:t>EmployeeControl.java</a:t>
             </a:r>
           </a:p>
         </p:txBody>
@@ -9638,7 +9261,7 @@
           <a:lstStyle/>
           <a:p>
             <a:r>
-              <a:rPr lang="en-US" altLang="ja-JP" sz="1400" dirty="0" smtClean="0">
+              <a:rPr lang="en-US" altLang="ja-JP" sz="1400" dirty="0">
                 <a:solidFill>
                   <a:schemeClr val="tx1"/>
                 </a:solidFill>
@@ -9649,7 +9272,7 @@
               <a:t>Model(Logic)</a:t>
             </a:r>
             <a:br>
-              <a:rPr lang="en-US" altLang="ja-JP" sz="1400" dirty="0" smtClean="0">
+              <a:rPr lang="en-US" altLang="ja-JP" sz="1400" dirty="0">
                 <a:solidFill>
                   <a:schemeClr val="tx1"/>
                 </a:solidFill>
@@ -9659,28 +9282,17 @@
               </a:rPr>
             </a:br>
             <a:r>
-              <a:rPr lang="ja-JP" altLang="en-US" sz="1400" dirty="0" smtClean="0">
-                <a:solidFill>
-                  <a:schemeClr val="tx1"/>
-                </a:solidFill>
-                <a:latin typeface="メイリオ" panose="020B0604030504040204" pitchFamily="50" charset="-128"/>
-                <a:ea typeface="メイリオ" panose="020B0604030504040204" pitchFamily="50" charset="-128"/>
-                <a:cs typeface="メイリオ" panose="020B0604030504040204" pitchFamily="50" charset="-128"/>
-              </a:rPr>
-              <a:t>クラス名</a:t>
-            </a:r>
-            <a:r>
-              <a:rPr lang="en-US" altLang="ja-JP" sz="1400" dirty="0" smtClean="0">
-                <a:solidFill>
-                  <a:schemeClr val="tx1"/>
-                </a:solidFill>
-                <a:latin typeface="メイリオ" panose="020B0604030504040204" pitchFamily="50" charset="-128"/>
-                <a:ea typeface="メイリオ" panose="020B0604030504040204" pitchFamily="50" charset="-128"/>
-                <a:cs typeface="メイリオ" panose="020B0604030504040204" pitchFamily="50" charset="-128"/>
-              </a:rPr>
-              <a:t>.java</a:t>
-            </a:r>
-            <a:endParaRPr kumimoji="1" lang="ja-JP" altLang="en-US" sz="900" dirty="0">
+              <a:rPr lang="en-US" altLang="ja-JP" sz="1400" dirty="0">
+                <a:solidFill>
+                  <a:schemeClr val="tx1"/>
+                </a:solidFill>
+                <a:latin typeface="メイリオ" panose="020B0604030504040204" pitchFamily="50" charset="-128"/>
+                <a:ea typeface="メイリオ" panose="020B0604030504040204" pitchFamily="50" charset="-128"/>
+                <a:cs typeface="メイリオ" panose="020B0604030504040204" pitchFamily="50" charset="-128"/>
+              </a:rPr>
+              <a:t>ControlLogic.java</a:t>
+            </a:r>
+            <a:endParaRPr lang="ja-JP" altLang="en-US" sz="900" dirty="0">
               <a:solidFill>
                 <a:schemeClr val="tx1"/>
               </a:solidFill>
@@ -9735,6 +9347,38 @@
           <a:lstStyle/>
           <a:p>
             <a:r>
+              <a:rPr lang="en-US" altLang="ja-JP" sz="1400" dirty="0">
+                <a:solidFill>
+                  <a:schemeClr val="tx1"/>
+                </a:solidFill>
+                <a:latin typeface="メイリオ" panose="020B0604030504040204" pitchFamily="50" charset="-128"/>
+                <a:ea typeface="メイリオ" panose="020B0604030504040204" pitchFamily="50" charset="-128"/>
+                <a:cs typeface="メイリオ" panose="020B0604030504040204" pitchFamily="50" charset="-128"/>
+              </a:rPr>
+              <a:t>Model(Bean)</a:t>
+            </a:r>
+            <a:br>
+              <a:rPr lang="en-US" altLang="ja-JP" sz="1400" dirty="0">
+                <a:solidFill>
+                  <a:schemeClr val="tx1"/>
+                </a:solidFill>
+                <a:latin typeface="メイリオ" panose="020B0604030504040204" pitchFamily="50" charset="-128"/>
+                <a:ea typeface="メイリオ" panose="020B0604030504040204" pitchFamily="50" charset="-128"/>
+                <a:cs typeface="メイリオ" panose="020B0604030504040204" pitchFamily="50" charset="-128"/>
+              </a:rPr>
+            </a:br>
+            <a:r>
+              <a:rPr lang="en-US" altLang="ja-JP" sz="1400" dirty="0">
+                <a:solidFill>
+                  <a:schemeClr val="tx1"/>
+                </a:solidFill>
+                <a:latin typeface="メイリオ" panose="020B0604030504040204" pitchFamily="50" charset="-128"/>
+                <a:ea typeface="メイリオ" panose="020B0604030504040204" pitchFamily="50" charset="-128"/>
+                <a:cs typeface="メイリオ" panose="020B0604030504040204" pitchFamily="50" charset="-128"/>
+              </a:rPr>
+              <a:t>Employee.java</a:t>
+            </a:r>
+            <a:r>
               <a:rPr lang="en-US" altLang="ja-JP" sz="1400" dirty="0" smtClean="0">
                 <a:solidFill>
                   <a:schemeClr val="tx1"/>
@@ -9743,7 +9387,7 @@
                 <a:ea typeface="メイリオ" panose="020B0604030504040204" pitchFamily="50" charset="-128"/>
                 <a:cs typeface="メイリオ" panose="020B0604030504040204" pitchFamily="50" charset="-128"/>
               </a:rPr>
-              <a:t>Model(Bean)</a:t>
+              <a:t/>
             </a:r>
             <a:br>
               <a:rPr lang="en-US" altLang="ja-JP" sz="1400" dirty="0" smtClean="0">
@@ -9755,182 +9399,9 @@
                 <a:cs typeface="メイリオ" panose="020B0604030504040204" pitchFamily="50" charset="-128"/>
               </a:rPr>
             </a:br>
-            <a:r>
-              <a:rPr lang="ja-JP" altLang="en-US" sz="1400" dirty="0" smtClean="0">
-                <a:solidFill>
-                  <a:schemeClr val="tx1"/>
-                </a:solidFill>
-                <a:latin typeface="メイリオ" panose="020B0604030504040204" pitchFamily="50" charset="-128"/>
-                <a:ea typeface="メイリオ" panose="020B0604030504040204" pitchFamily="50" charset="-128"/>
-                <a:cs typeface="メイリオ" panose="020B0604030504040204" pitchFamily="50" charset="-128"/>
-              </a:rPr>
-              <a:t>クラス</a:t>
-            </a:r>
-            <a:r>
-              <a:rPr lang="ja-JP" altLang="en-US" sz="1400" dirty="0">
-                <a:solidFill>
-                  <a:schemeClr val="tx1"/>
-                </a:solidFill>
-                <a:latin typeface="メイリオ" panose="020B0604030504040204" pitchFamily="50" charset="-128"/>
-                <a:ea typeface="メイリオ" panose="020B0604030504040204" pitchFamily="50" charset="-128"/>
-                <a:cs typeface="メイリオ" panose="020B0604030504040204" pitchFamily="50" charset="-128"/>
-              </a:rPr>
-              <a:t>名</a:t>
-            </a:r>
-            <a:r>
-              <a:rPr lang="en-US" altLang="ja-JP" sz="1400" dirty="0" smtClean="0">
-                <a:solidFill>
-                  <a:schemeClr val="tx1"/>
-                </a:solidFill>
-                <a:latin typeface="メイリオ" panose="020B0604030504040204" pitchFamily="50" charset="-128"/>
-                <a:ea typeface="メイリオ" panose="020B0604030504040204" pitchFamily="50" charset="-128"/>
-                <a:cs typeface="メイリオ" panose="020B0604030504040204" pitchFamily="50" charset="-128"/>
-              </a:rPr>
-              <a:t>.java</a:t>
-            </a:r>
-            <a:br>
-              <a:rPr lang="en-US" altLang="ja-JP" sz="1400" dirty="0" smtClean="0">
-                <a:solidFill>
-                  <a:schemeClr val="tx1"/>
-                </a:solidFill>
-                <a:latin typeface="メイリオ" panose="020B0604030504040204" pitchFamily="50" charset="-128"/>
-                <a:ea typeface="メイリオ" panose="020B0604030504040204" pitchFamily="50" charset="-128"/>
-                <a:cs typeface="メイリオ" panose="020B0604030504040204" pitchFamily="50" charset="-128"/>
-              </a:rPr>
-            </a:br>
             <a:endParaRPr kumimoji="1" lang="ja-JP" altLang="en-US" sz="1400" dirty="0">
               <a:solidFill>
                 <a:schemeClr val="tx1"/>
-              </a:solidFill>
-              <a:latin typeface="メイリオ" panose="020B0604030504040204" pitchFamily="50" charset="-128"/>
-              <a:ea typeface="メイリオ" panose="020B0604030504040204" pitchFamily="50" charset="-128"/>
-              <a:cs typeface="メイリオ" panose="020B0604030504040204" pitchFamily="50" charset="-128"/>
-            </a:endParaRPr>
-          </a:p>
-        </p:txBody>
-      </p:sp>
-      <p:sp>
-        <p:nvSpPr>
-          <p:cNvPr id="16" name="角丸四角形 15"/>
-          <p:cNvSpPr/>
-          <p:nvPr/>
-        </p:nvSpPr>
-        <p:spPr>
-          <a:xfrm>
-            <a:off x="550685" y="4279341"/>
-            <a:ext cx="2407353" cy="1856352"/>
-          </a:xfrm>
-          <a:prstGeom prst="roundRect">
-            <a:avLst/>
-          </a:prstGeom>
-          <a:noFill/>
-          <a:ln>
-            <a:solidFill>
-              <a:schemeClr val="tx1"/>
-            </a:solidFill>
-          </a:ln>
-        </p:spPr>
-        <p:style>
-          <a:lnRef idx="2">
-            <a:schemeClr val="accent1">
-              <a:shade val="50000"/>
-            </a:schemeClr>
-          </a:lnRef>
-          <a:fillRef idx="1">
-            <a:schemeClr val="accent1"/>
-          </a:fillRef>
-          <a:effectRef idx="0">
-            <a:schemeClr val="accent1"/>
-          </a:effectRef>
-          <a:fontRef idx="minor">
-            <a:schemeClr val="lt1"/>
-          </a:fontRef>
-        </p:style>
-        <p:txBody>
-          <a:bodyPr rtlCol="0" anchor="t"/>
-          <a:lstStyle/>
-          <a:p>
-            <a:pPr algn="ctr"/>
-            <a:r>
-              <a:rPr lang="en-US" altLang="ja-JP" sz="1400" dirty="0" smtClean="0">
-                <a:solidFill>
-                  <a:srgbClr val="FF0000"/>
-                </a:solidFill>
-                <a:latin typeface="メイリオ" panose="020B0604030504040204" pitchFamily="50" charset="-128"/>
-                <a:ea typeface="メイリオ" panose="020B0604030504040204" pitchFamily="50" charset="-128"/>
-                <a:cs typeface="メイリオ" panose="020B0604030504040204" pitchFamily="50" charset="-128"/>
-              </a:rPr>
-              <a:t>request</a:t>
-            </a:r>
-            <a:r>
-              <a:rPr lang="ja-JP" altLang="en-US" sz="1400" dirty="0" smtClean="0">
-                <a:solidFill>
-                  <a:srgbClr val="FF0000"/>
-                </a:solidFill>
-                <a:latin typeface="メイリオ" panose="020B0604030504040204" pitchFamily="50" charset="-128"/>
-                <a:ea typeface="メイリオ" panose="020B0604030504040204" pitchFamily="50" charset="-128"/>
-                <a:cs typeface="メイリオ" panose="020B0604030504040204" pitchFamily="50" charset="-128"/>
-              </a:rPr>
-              <a:t>スコープ</a:t>
-            </a:r>
-            <a:endParaRPr lang="en-US" altLang="ja-JP" sz="1400" dirty="0" smtClean="0">
-              <a:solidFill>
-                <a:srgbClr val="FF0000"/>
-              </a:solidFill>
-              <a:latin typeface="メイリオ" panose="020B0604030504040204" pitchFamily="50" charset="-128"/>
-              <a:ea typeface="メイリオ" panose="020B0604030504040204" pitchFamily="50" charset="-128"/>
-              <a:cs typeface="メイリオ" panose="020B0604030504040204" pitchFamily="50" charset="-128"/>
-            </a:endParaRPr>
-          </a:p>
-          <a:p>
-            <a:pPr algn="ctr"/>
-            <a:endParaRPr kumimoji="1" lang="en-US" altLang="ja-JP" sz="1400" dirty="0">
-              <a:solidFill>
-                <a:srgbClr val="FF0000"/>
-              </a:solidFill>
-              <a:latin typeface="メイリオ" panose="020B0604030504040204" pitchFamily="50" charset="-128"/>
-              <a:ea typeface="メイリオ" panose="020B0604030504040204" pitchFamily="50" charset="-128"/>
-              <a:cs typeface="メイリオ" panose="020B0604030504040204" pitchFamily="50" charset="-128"/>
-            </a:endParaRPr>
-          </a:p>
-          <a:p>
-            <a:pPr algn="ctr"/>
-            <a:r>
-              <a:rPr lang="ja-JP" altLang="en-US" sz="1400" dirty="0" smtClean="0">
-                <a:solidFill>
-                  <a:srgbClr val="FF0000"/>
-                </a:solidFill>
-                <a:latin typeface="メイリオ" panose="020B0604030504040204" pitchFamily="50" charset="-128"/>
-                <a:ea typeface="メイリオ" panose="020B0604030504040204" pitchFamily="50" charset="-128"/>
-                <a:cs typeface="メイリオ" panose="020B0604030504040204" pitchFamily="50" charset="-128"/>
-              </a:rPr>
-              <a:t>？？</a:t>
-            </a:r>
-            <a:endParaRPr kumimoji="1" lang="en-US" altLang="ja-JP" sz="1400" dirty="0">
-              <a:solidFill>
-                <a:srgbClr val="FF0000"/>
-              </a:solidFill>
-              <a:latin typeface="メイリオ" panose="020B0604030504040204" pitchFamily="50" charset="-128"/>
-              <a:ea typeface="メイリオ" panose="020B0604030504040204" pitchFamily="50" charset="-128"/>
-              <a:cs typeface="メイリオ" panose="020B0604030504040204" pitchFamily="50" charset="-128"/>
-            </a:endParaRPr>
-          </a:p>
-          <a:p>
-            <a:pPr algn="ctr"/>
-            <a:r>
-              <a:rPr lang="en-US" altLang="ja-JP" sz="1400" dirty="0" smtClean="0">
-                <a:solidFill>
-                  <a:srgbClr val="FF0000"/>
-                </a:solidFill>
-                <a:latin typeface="メイリオ" panose="020B0604030504040204" pitchFamily="50" charset="-128"/>
-                <a:ea typeface="メイリオ" panose="020B0604030504040204" pitchFamily="50" charset="-128"/>
-                <a:cs typeface="メイリオ" panose="020B0604030504040204" pitchFamily="50" charset="-128"/>
-              </a:rPr>
-              <a:t>(Using Session Scope in the case that we go back from confirmation page)</a:t>
-            </a:r>
-            <a:endParaRPr kumimoji="1" lang="ja-JP" altLang="en-US" sz="1400" dirty="0">
-              <a:solidFill>
-                <a:srgbClr val="FF0000"/>
               </a:solidFill>
               <a:latin typeface="メイリオ" panose="020B0604030504040204" pitchFamily="50" charset="-128"/>
               <a:ea typeface="メイリオ" panose="020B0604030504040204" pitchFamily="50" charset="-128"/>
@@ -10098,8 +9569,8 @@
         </p:nvCxnSpPr>
         <p:spPr>
           <a:xfrm>
-            <a:off x="8982965" y="1813568"/>
-            <a:ext cx="514088" cy="417118"/>
+            <a:off x="9135168" y="1797976"/>
+            <a:ext cx="361885" cy="432710"/>
           </a:xfrm>
           <a:prstGeom prst="straightConnector1">
             <a:avLst/>
@@ -10929,17 +10400,6 @@
           <a:lstStyle/>
           <a:p>
             <a:r>
-              <a:rPr lang="en-US" altLang="ja-JP" sz="1400" dirty="0" smtClean="0">
-                <a:solidFill>
-                  <a:schemeClr val="tx1"/>
-                </a:solidFill>
-                <a:latin typeface="メイリオ" panose="020B0604030504040204" pitchFamily="50" charset="-128"/>
-                <a:ea typeface="メイリオ" panose="020B0604030504040204" pitchFamily="50" charset="-128"/>
-                <a:cs typeface="メイリオ" panose="020B0604030504040204" pitchFamily="50" charset="-128"/>
-              </a:rPr>
-              <a:t>Dao(Logic</a:t>
-            </a:r>
-            <a:r>
               <a:rPr lang="en-US" altLang="ja-JP" sz="1400" dirty="0">
                 <a:solidFill>
                   <a:schemeClr val="tx1"/>
@@ -10948,7 +10408,7 @@
                 <a:ea typeface="メイリオ" panose="020B0604030504040204" pitchFamily="50" charset="-128"/>
                 <a:cs typeface="メイリオ" panose="020B0604030504040204" pitchFamily="50" charset="-128"/>
               </a:rPr>
-              <a:t>)</a:t>
+              <a:t>Dao(Logic)</a:t>
             </a:r>
             <a:br>
               <a:rPr lang="en-US" altLang="ja-JP" sz="1400" dirty="0">
@@ -10961,28 +10421,6 @@
               </a:rPr>
             </a:br>
             <a:r>
-              <a:rPr lang="ja-JP" altLang="en-US" sz="1400" dirty="0" smtClean="0">
-                <a:solidFill>
-                  <a:schemeClr val="tx1"/>
-                </a:solidFill>
-                <a:latin typeface="メイリオ" panose="020B0604030504040204" pitchFamily="50" charset="-128"/>
-                <a:ea typeface="メイリオ" panose="020B0604030504040204" pitchFamily="50" charset="-128"/>
-                <a:cs typeface="メイリオ" panose="020B0604030504040204" pitchFamily="50" charset="-128"/>
-              </a:rPr>
-              <a:t>クラス</a:t>
-            </a:r>
-            <a:r>
-              <a:rPr lang="ja-JP" altLang="en-US" sz="1400" dirty="0">
-                <a:solidFill>
-                  <a:schemeClr val="tx1"/>
-                </a:solidFill>
-                <a:latin typeface="メイリオ" panose="020B0604030504040204" pitchFamily="50" charset="-128"/>
-                <a:ea typeface="メイリオ" panose="020B0604030504040204" pitchFamily="50" charset="-128"/>
-                <a:cs typeface="メイリオ" panose="020B0604030504040204" pitchFamily="50" charset="-128"/>
-              </a:rPr>
-              <a:t>名</a:t>
-            </a:r>
-            <a:r>
               <a:rPr lang="en-US" altLang="ja-JP" sz="1400" dirty="0" smtClean="0">
                 <a:solidFill>
                   <a:schemeClr val="tx1"/>
@@ -10991,8 +10429,16 @@
                 <a:ea typeface="メイリオ" panose="020B0604030504040204" pitchFamily="50" charset="-128"/>
                 <a:cs typeface="メイリオ" panose="020B0604030504040204" pitchFamily="50" charset="-128"/>
               </a:rPr>
-              <a:t>.java</a:t>
-            </a:r>
+              <a:t>EmployeeDAO.java</a:t>
+            </a:r>
+            <a:endParaRPr lang="en-US" altLang="ja-JP" sz="1400" dirty="0">
+              <a:solidFill>
+                <a:schemeClr val="tx1"/>
+              </a:solidFill>
+              <a:latin typeface="メイリオ" panose="020B0604030504040204" pitchFamily="50" charset="-128"/>
+              <a:ea typeface="メイリオ" panose="020B0604030504040204" pitchFamily="50" charset="-128"/>
+              <a:cs typeface="メイリオ" panose="020B0604030504040204" pitchFamily="50" charset="-128"/>
+            </a:endParaRPr>
           </a:p>
           <a:p>
             <a:r>
@@ -11390,7 +10836,7 @@
         <p:spPr>
           <a:xfrm flipH="1">
             <a:off x="5373527" y="1475654"/>
-            <a:ext cx="1669126" cy="1861196"/>
+            <a:ext cx="1669125" cy="1861196"/>
           </a:xfrm>
           <a:prstGeom prst="straightConnector1">
             <a:avLst/>
@@ -11417,81 +10863,6 @@
           </a:fontRef>
         </p:style>
       </p:cxnSp>
-      <p:sp>
-        <p:nvSpPr>
-          <p:cNvPr id="62" name="角丸四角形 61"/>
-          <p:cNvSpPr/>
-          <p:nvPr/>
-        </p:nvSpPr>
-        <p:spPr>
-          <a:xfrm>
-            <a:off x="4112118" y="4855204"/>
-            <a:ext cx="2407353" cy="1856352"/>
-          </a:xfrm>
-          <a:prstGeom prst="roundRect">
-            <a:avLst/>
-          </a:prstGeom>
-          <a:noFill/>
-          <a:ln>
-            <a:solidFill>
-              <a:schemeClr val="tx1"/>
-            </a:solidFill>
-          </a:ln>
-        </p:spPr>
-        <p:style>
-          <a:lnRef idx="2">
-            <a:schemeClr val="accent1">
-              <a:shade val="50000"/>
-            </a:schemeClr>
-          </a:lnRef>
-          <a:fillRef idx="1">
-            <a:schemeClr val="accent1"/>
-          </a:fillRef>
-          <a:effectRef idx="0">
-            <a:schemeClr val="accent1"/>
-          </a:effectRef>
-          <a:fontRef idx="minor">
-            <a:schemeClr val="lt1"/>
-          </a:fontRef>
-        </p:style>
-        <p:txBody>
-          <a:bodyPr rtlCol="0" anchor="t"/>
-          <a:lstStyle/>
-          <a:p>
-            <a:pPr algn="ctr"/>
-            <a:r>
-              <a:rPr lang="en-US" altLang="ja-JP" sz="1400" dirty="0" smtClean="0">
-                <a:solidFill>
-                  <a:schemeClr val="tx1"/>
-                </a:solidFill>
-                <a:latin typeface="メイリオ" panose="020B0604030504040204" pitchFamily="50" charset="-128"/>
-                <a:ea typeface="メイリオ" panose="020B0604030504040204" pitchFamily="50" charset="-128"/>
-                <a:cs typeface="メイリオ" panose="020B0604030504040204" pitchFamily="50" charset="-128"/>
-              </a:rPr>
-              <a:t>session</a:t>
-            </a:r>
-            <a:r>
-              <a:rPr lang="ja-JP" altLang="en-US" sz="1400" dirty="0" smtClean="0">
-                <a:solidFill>
-                  <a:schemeClr val="tx1"/>
-                </a:solidFill>
-                <a:latin typeface="メイリオ" panose="020B0604030504040204" pitchFamily="50" charset="-128"/>
-                <a:ea typeface="メイリオ" panose="020B0604030504040204" pitchFamily="50" charset="-128"/>
-                <a:cs typeface="メイリオ" panose="020B0604030504040204" pitchFamily="50" charset="-128"/>
-              </a:rPr>
-              <a:t>スコープ</a:t>
-            </a:r>
-            <a:endParaRPr kumimoji="1" lang="ja-JP" altLang="en-US" sz="1400" dirty="0">
-              <a:solidFill>
-                <a:schemeClr val="tx1"/>
-              </a:solidFill>
-              <a:latin typeface="メイリオ" panose="020B0604030504040204" pitchFamily="50" charset="-128"/>
-              <a:ea typeface="メイリオ" panose="020B0604030504040204" pitchFamily="50" charset="-128"/>
-              <a:cs typeface="メイリオ" panose="020B0604030504040204" pitchFamily="50" charset="-128"/>
-            </a:endParaRPr>
-          </a:p>
-        </p:txBody>
-      </p:sp>
       <p:cxnSp>
         <p:nvCxnSpPr>
           <p:cNvPr id="66" name="直線矢印コネクタ 65"/>
@@ -11540,7 +10911,7 @@
         <p:spPr>
           <a:xfrm flipV="1">
             <a:off x="6343683" y="2135543"/>
-            <a:ext cx="1669126" cy="2743903"/>
+            <a:ext cx="1740267" cy="2743904"/>
           </a:xfrm>
           <a:prstGeom prst="straightConnector1">
             <a:avLst/>
@@ -11651,17 +11022,6 @@
           <a:lstStyle/>
           <a:p>
             <a:r>
-              <a:rPr lang="en-US" altLang="ja-JP" sz="1400" dirty="0" smtClean="0">
-                <a:solidFill>
-                  <a:schemeClr val="tx1"/>
-                </a:solidFill>
-                <a:latin typeface="メイリオ" panose="020B0604030504040204" pitchFamily="50" charset="-128"/>
-                <a:ea typeface="メイリオ" panose="020B0604030504040204" pitchFamily="50" charset="-128"/>
-                <a:cs typeface="メイリオ" panose="020B0604030504040204" pitchFamily="50" charset="-128"/>
-              </a:rPr>
-              <a:t>Common(Logic</a:t>
-            </a:r>
-            <a:r>
               <a:rPr lang="en-US" altLang="ja-JP" sz="1400" dirty="0">
                 <a:solidFill>
                   <a:schemeClr val="tx1"/>
@@ -11670,7 +11030,7 @@
                 <a:ea typeface="メイリオ" panose="020B0604030504040204" pitchFamily="50" charset="-128"/>
                 <a:cs typeface="メイリオ" panose="020B0604030504040204" pitchFamily="50" charset="-128"/>
               </a:rPr>
-              <a:t>)</a:t>
+              <a:t>Common(Logic)</a:t>
             </a:r>
             <a:br>
               <a:rPr lang="en-US" altLang="ja-JP" sz="1400" dirty="0">
@@ -11683,40 +11043,16 @@
               </a:rPr>
             </a:br>
             <a:r>
-              <a:rPr lang="ja-JP" altLang="en-US" sz="1400" dirty="0" smtClean="0">
-                <a:solidFill>
-                  <a:schemeClr val="tx1"/>
-                </a:solidFill>
-                <a:latin typeface="メイリオ" panose="020B0604030504040204" pitchFamily="50" charset="-128"/>
-                <a:ea typeface="メイリオ" panose="020B0604030504040204" pitchFamily="50" charset="-128"/>
-                <a:cs typeface="メイリオ" panose="020B0604030504040204" pitchFamily="50" charset="-128"/>
-              </a:rPr>
-              <a:t>クラス</a:t>
-            </a:r>
-            <a:r>
-              <a:rPr lang="ja-JP" altLang="en-US" sz="1400" dirty="0">
-                <a:solidFill>
-                  <a:schemeClr val="tx1"/>
-                </a:solidFill>
-                <a:latin typeface="メイリオ" panose="020B0604030504040204" pitchFamily="50" charset="-128"/>
-                <a:ea typeface="メイリオ" panose="020B0604030504040204" pitchFamily="50" charset="-128"/>
-                <a:cs typeface="メイリオ" panose="020B0604030504040204" pitchFamily="50" charset="-128"/>
-              </a:rPr>
-              <a:t>名</a:t>
-            </a:r>
-            <a:r>
-              <a:rPr lang="en-US" altLang="ja-JP" sz="1400" dirty="0" smtClean="0">
-                <a:solidFill>
-                  <a:schemeClr val="tx1"/>
-                </a:solidFill>
-                <a:latin typeface="メイリオ" panose="020B0604030504040204" pitchFamily="50" charset="-128"/>
-                <a:ea typeface="メイリオ" panose="020B0604030504040204" pitchFamily="50" charset="-128"/>
-                <a:cs typeface="メイリオ" panose="020B0604030504040204" pitchFamily="50" charset="-128"/>
-              </a:rPr>
-              <a:t>.java</a:t>
-            </a:r>
-          </a:p>
-          <a:p>
+              <a:rPr lang="en-US" altLang="ja-JP" sz="1400" dirty="0">
+                <a:solidFill>
+                  <a:schemeClr val="tx1"/>
+                </a:solidFill>
+                <a:latin typeface="メイリオ" panose="020B0604030504040204" pitchFamily="50" charset="-128"/>
+                <a:ea typeface="メイリオ" panose="020B0604030504040204" pitchFamily="50" charset="-128"/>
+                <a:cs typeface="メイリオ" panose="020B0604030504040204" pitchFamily="50" charset="-128"/>
+              </a:rPr>
+              <a:t>Common.java</a:t>
+            </a:r>
             <a:r>
               <a:rPr lang="en-US" altLang="ja-JP" sz="900" dirty="0">
                 <a:solidFill>
@@ -11753,14 +11089,14 @@
         <p:nvCxnSpPr>
           <p:cNvPr id="123" name="直線矢印コネクタ 122"/>
           <p:cNvCxnSpPr>
-            <a:stCxn id="122" idx="3"/>
+            <a:endCxn id="122" idx="3"/>
           </p:cNvCxnSpPr>
           <p:nvPr/>
         </p:nvCxnSpPr>
         <p:spPr>
-          <a:xfrm>
+          <a:xfrm flipH="1" flipV="1">
             <a:off x="9166889" y="3432949"/>
-            <a:ext cx="330164" cy="0"/>
+            <a:ext cx="330164" cy="5710"/>
           </a:xfrm>
           <a:prstGeom prst="straightConnector1">
             <a:avLst/>
@@ -11889,6 +11225,189 @@
           <a:p>
             <a:pPr algn="ctr"/>
             <a:endParaRPr kumimoji="1" lang="en-US" altLang="ja-JP" sz="1600" b="1" dirty="0" smtClean="0">
+              <a:solidFill>
+                <a:schemeClr val="tx1"/>
+              </a:solidFill>
+              <a:latin typeface="メイリオ" panose="020B0604030504040204" pitchFamily="50" charset="-128"/>
+              <a:ea typeface="メイリオ" panose="020B0604030504040204" pitchFamily="50" charset="-128"/>
+              <a:cs typeface="メイリオ" panose="020B0604030504040204" pitchFamily="50" charset="-128"/>
+            </a:endParaRPr>
+          </a:p>
+        </p:txBody>
+      </p:sp>
+      <p:sp>
+        <p:nvSpPr>
+          <p:cNvPr id="51" name="角丸四角形 50"/>
+          <p:cNvSpPr/>
+          <p:nvPr/>
+        </p:nvSpPr>
+        <p:spPr>
+          <a:xfrm>
+            <a:off x="4136523" y="4847825"/>
+            <a:ext cx="2407353" cy="1856352"/>
+          </a:xfrm>
+          <a:prstGeom prst="roundRect">
+            <a:avLst/>
+          </a:prstGeom>
+          <a:noFill/>
+          <a:ln>
+            <a:solidFill>
+              <a:schemeClr val="tx1"/>
+            </a:solidFill>
+          </a:ln>
+        </p:spPr>
+        <p:style>
+          <a:lnRef idx="2">
+            <a:schemeClr val="accent1">
+              <a:shade val="50000"/>
+            </a:schemeClr>
+          </a:lnRef>
+          <a:fillRef idx="1">
+            <a:schemeClr val="accent1"/>
+          </a:fillRef>
+          <a:effectRef idx="0">
+            <a:schemeClr val="accent1"/>
+          </a:effectRef>
+          <a:fontRef idx="minor">
+            <a:schemeClr val="lt1"/>
+          </a:fontRef>
+        </p:style>
+        <p:txBody>
+          <a:bodyPr rtlCol="0" anchor="t"/>
+          <a:lstStyle/>
+          <a:p>
+            <a:pPr algn="ctr"/>
+            <a:r>
+              <a:rPr lang="en-US" altLang="ja-JP" sz="1400" dirty="0" smtClean="0">
+                <a:solidFill>
+                  <a:schemeClr val="tx1"/>
+                </a:solidFill>
+                <a:latin typeface="メイリオ" panose="020B0604030504040204" pitchFamily="50" charset="-128"/>
+                <a:ea typeface="メイリオ" panose="020B0604030504040204" pitchFamily="50" charset="-128"/>
+                <a:cs typeface="メイリオ" panose="020B0604030504040204" pitchFamily="50" charset="-128"/>
+              </a:rPr>
+              <a:t>session</a:t>
+            </a:r>
+            <a:r>
+              <a:rPr lang="ja-JP" altLang="en-US" sz="1400" dirty="0" smtClean="0">
+                <a:solidFill>
+                  <a:schemeClr val="tx1"/>
+                </a:solidFill>
+                <a:latin typeface="メイリオ" panose="020B0604030504040204" pitchFamily="50" charset="-128"/>
+                <a:ea typeface="メイリオ" panose="020B0604030504040204" pitchFamily="50" charset="-128"/>
+                <a:cs typeface="メイリオ" panose="020B0604030504040204" pitchFamily="50" charset="-128"/>
+              </a:rPr>
+              <a:t>スコープ</a:t>
+            </a:r>
+            <a:endParaRPr lang="en-US" altLang="ja-JP" sz="1400" dirty="0" smtClean="0">
+              <a:solidFill>
+                <a:schemeClr val="tx1"/>
+              </a:solidFill>
+              <a:latin typeface="メイリオ" panose="020B0604030504040204" pitchFamily="50" charset="-128"/>
+              <a:ea typeface="メイリオ" panose="020B0604030504040204" pitchFamily="50" charset="-128"/>
+              <a:cs typeface="メイリオ" panose="020B0604030504040204" pitchFamily="50" charset="-128"/>
+            </a:endParaRPr>
+          </a:p>
+          <a:p>
+            <a:pPr algn="ctr"/>
+            <a:endParaRPr kumimoji="1" lang="en-US" altLang="ja-JP" sz="1400" dirty="0">
+              <a:solidFill>
+                <a:schemeClr val="tx1"/>
+              </a:solidFill>
+              <a:latin typeface="メイリオ" panose="020B0604030504040204" pitchFamily="50" charset="-128"/>
+              <a:ea typeface="メイリオ" panose="020B0604030504040204" pitchFamily="50" charset="-128"/>
+              <a:cs typeface="メイリオ" panose="020B0604030504040204" pitchFamily="50" charset="-128"/>
+            </a:endParaRPr>
+          </a:p>
+          <a:p>
+            <a:pPr algn="ctr"/>
+            <a:r>
+              <a:rPr lang="ja-JP" altLang="en-US" sz="1100" dirty="0" smtClean="0">
+                <a:solidFill>
+                  <a:schemeClr val="tx1"/>
+                </a:solidFill>
+                <a:latin typeface="メイリオ" panose="020B0604030504040204" pitchFamily="50" charset="-128"/>
+                <a:ea typeface="メイリオ" panose="020B0604030504040204" pitchFamily="50" charset="-128"/>
+                <a:cs typeface="メイリオ" panose="020B0604030504040204" pitchFamily="50" charset="-128"/>
+              </a:rPr>
+              <a:t>・</a:t>
+            </a:r>
+            <a:r>
+              <a:rPr lang="ja-JP" altLang="en-US" sz="1100" dirty="0" smtClean="0">
+                <a:solidFill>
+                  <a:schemeClr val="tx1"/>
+                </a:solidFill>
+                <a:latin typeface="メイリオ" panose="020B0604030504040204" pitchFamily="50" charset="-128"/>
+                <a:ea typeface="メイリオ" panose="020B0604030504040204" pitchFamily="50" charset="-128"/>
+                <a:cs typeface="メイリオ" panose="020B0604030504040204" pitchFamily="50" charset="-128"/>
+              </a:rPr>
+              <a:t>社員情報</a:t>
+            </a:r>
+            <a:r>
+              <a:rPr lang="en-US" altLang="ja-JP" sz="1100" dirty="0" smtClean="0">
+                <a:solidFill>
+                  <a:schemeClr val="tx1"/>
+                </a:solidFill>
+                <a:latin typeface="メイリオ" panose="020B0604030504040204" pitchFamily="50" charset="-128"/>
+                <a:ea typeface="メイリオ" panose="020B0604030504040204" pitchFamily="50" charset="-128"/>
+                <a:cs typeface="メイリオ" panose="020B0604030504040204" pitchFamily="50" charset="-128"/>
+              </a:rPr>
+              <a:t>Bean</a:t>
+            </a:r>
+            <a:r>
+              <a:rPr lang="en-US" altLang="ja-JP" sz="1100" dirty="0" smtClean="0">
+                <a:solidFill>
+                  <a:schemeClr val="tx1"/>
+                </a:solidFill>
+                <a:latin typeface="メイリオ" panose="020B0604030504040204" pitchFamily="50" charset="-128"/>
+                <a:ea typeface="メイリオ" panose="020B0604030504040204" pitchFamily="50" charset="-128"/>
+                <a:cs typeface="メイリオ" panose="020B0604030504040204" pitchFamily="50" charset="-128"/>
+              </a:rPr>
+              <a:t/>
+            </a:r>
+            <a:br>
+              <a:rPr lang="en-US" altLang="ja-JP" sz="1100" dirty="0" smtClean="0">
+                <a:solidFill>
+                  <a:schemeClr val="tx1"/>
+                </a:solidFill>
+                <a:latin typeface="メイリオ" panose="020B0604030504040204" pitchFamily="50" charset="-128"/>
+                <a:ea typeface="メイリオ" panose="020B0604030504040204" pitchFamily="50" charset="-128"/>
+                <a:cs typeface="メイリオ" panose="020B0604030504040204" pitchFamily="50" charset="-128"/>
+              </a:rPr>
+            </a:br>
+            <a:endParaRPr lang="en-US" altLang="ja-JP" sz="1100" dirty="0" smtClean="0">
+              <a:solidFill>
+                <a:schemeClr val="tx1"/>
+              </a:solidFill>
+              <a:latin typeface="メイリオ" panose="020B0604030504040204" pitchFamily="50" charset="-128"/>
+              <a:ea typeface="メイリオ" panose="020B0604030504040204" pitchFamily="50" charset="-128"/>
+              <a:cs typeface="メイリオ" panose="020B0604030504040204" pitchFamily="50" charset="-128"/>
+            </a:endParaRPr>
+          </a:p>
+          <a:p>
+            <a:pPr algn="ctr"/>
+            <a:r>
+              <a:rPr lang="en-US" altLang="ja-JP" sz="1100" dirty="0">
+                <a:solidFill>
+                  <a:schemeClr val="tx1"/>
+                </a:solidFill>
+                <a:latin typeface="メイリオ" panose="020B0604030504040204" pitchFamily="50" charset="-128"/>
+                <a:ea typeface="メイリオ" panose="020B0604030504040204" pitchFamily="50" charset="-128"/>
+                <a:cs typeface="メイリオ" panose="020B0604030504040204" pitchFamily="50" charset="-128"/>
+              </a:rPr>
+              <a:t/>
+            </a:r>
+            <a:br>
+              <a:rPr lang="en-US" altLang="ja-JP" sz="1100" dirty="0">
+                <a:solidFill>
+                  <a:schemeClr val="tx1"/>
+                </a:solidFill>
+                <a:latin typeface="メイリオ" panose="020B0604030504040204" pitchFamily="50" charset="-128"/>
+                <a:ea typeface="メイリオ" panose="020B0604030504040204" pitchFamily="50" charset="-128"/>
+                <a:cs typeface="メイリオ" panose="020B0604030504040204" pitchFamily="50" charset="-128"/>
+              </a:rPr>
+            </a:br>
+            <a:endParaRPr kumimoji="1" lang="ja-JP" altLang="en-US" sz="1100" dirty="0">
               <a:solidFill>
                 <a:schemeClr val="tx1"/>
               </a:solidFill>
@@ -12108,7 +11627,7 @@
         <p:spPr>
           <a:xfrm>
             <a:off x="7042653" y="815764"/>
-            <a:ext cx="1940312" cy="1319779"/>
+            <a:ext cx="2080754" cy="1319779"/>
           </a:xfrm>
           <a:prstGeom prst="rect">
             <a:avLst/>
@@ -12143,7 +11662,7 @@
           <a:lstStyle/>
           <a:p>
             <a:r>
-              <a:rPr kumimoji="1" lang="en-US" altLang="ja-JP" sz="1400" dirty="0" smtClean="0">
+              <a:rPr lang="en-US" altLang="ja-JP" sz="1400" dirty="0">
                 <a:solidFill>
                   <a:schemeClr val="tx1"/>
                 </a:solidFill>
@@ -12153,48 +11672,18 @@
               </a:rPr>
               <a:t>Controller(Servlet)</a:t>
             </a:r>
-            <a:br>
-              <a:rPr kumimoji="1" lang="en-US" altLang="ja-JP" sz="1400" dirty="0" smtClean="0">
-                <a:solidFill>
-                  <a:schemeClr val="tx1"/>
-                </a:solidFill>
-                <a:latin typeface="メイリオ" panose="020B0604030504040204" pitchFamily="50" charset="-128"/>
-                <a:ea typeface="メイリオ" panose="020B0604030504040204" pitchFamily="50" charset="-128"/>
-                <a:cs typeface="メイリオ" panose="020B0604030504040204" pitchFamily="50" charset="-128"/>
-              </a:rPr>
-            </a:br>
-            <a:r>
-              <a:rPr lang="ja-JP" altLang="en-US" sz="1400" dirty="0">
-                <a:solidFill>
-                  <a:schemeClr val="tx1"/>
-                </a:solidFill>
-                <a:latin typeface="メイリオ" panose="020B0604030504040204" pitchFamily="50" charset="-128"/>
-                <a:ea typeface="メイリオ" panose="020B0604030504040204" pitchFamily="50" charset="-128"/>
-                <a:cs typeface="メイリオ" panose="020B0604030504040204" pitchFamily="50" charset="-128"/>
-              </a:rPr>
-              <a:t>クラ</a:t>
-            </a:r>
-            <a:r>
-              <a:rPr lang="ja-JP" altLang="en-US" sz="1400" dirty="0" smtClean="0">
-                <a:solidFill>
-                  <a:schemeClr val="tx1"/>
-                </a:solidFill>
-                <a:latin typeface="メイリオ" panose="020B0604030504040204" pitchFamily="50" charset="-128"/>
-                <a:ea typeface="メイリオ" panose="020B0604030504040204" pitchFamily="50" charset="-128"/>
-                <a:cs typeface="メイリオ" panose="020B0604030504040204" pitchFamily="50" charset="-128"/>
-              </a:rPr>
-              <a:t>ス名</a:t>
-            </a:r>
-            <a:r>
-              <a:rPr lang="en-US" altLang="ja-JP" sz="1400" dirty="0" smtClean="0">
-                <a:solidFill>
-                  <a:schemeClr val="tx1"/>
-                </a:solidFill>
-                <a:latin typeface="メイリオ" panose="020B0604030504040204" pitchFamily="50" charset="-128"/>
-                <a:ea typeface="メイリオ" panose="020B0604030504040204" pitchFamily="50" charset="-128"/>
-                <a:cs typeface="メイリオ" panose="020B0604030504040204" pitchFamily="50" charset="-128"/>
-              </a:rPr>
-              <a:t>.java</a:t>
+          </a:p>
+          <a:p>
+            <a:r>
+              <a:rPr lang="en-US" altLang="ja-JP" sz="1400" dirty="0">
+                <a:solidFill>
+                  <a:schemeClr val="tx1"/>
+                </a:solidFill>
+                <a:latin typeface="メイリオ" panose="020B0604030504040204" pitchFamily="50" charset="-128"/>
+                <a:ea typeface="メイリオ" panose="020B0604030504040204" pitchFamily="50" charset="-128"/>
+                <a:cs typeface="メイリオ" panose="020B0604030504040204" pitchFamily="50" charset="-128"/>
+              </a:rPr>
+              <a:t>EmployeeControl.java</a:t>
             </a:r>
           </a:p>
         </p:txBody>
@@ -12243,7 +11732,7 @@
           <a:lstStyle/>
           <a:p>
             <a:r>
-              <a:rPr lang="en-US" altLang="ja-JP" sz="1400" dirty="0" smtClean="0">
+              <a:rPr lang="en-US" altLang="ja-JP" sz="1400" dirty="0">
                 <a:solidFill>
                   <a:schemeClr val="tx1"/>
                 </a:solidFill>
@@ -12254,7 +11743,7 @@
               <a:t>Model(Logic)</a:t>
             </a:r>
             <a:br>
-              <a:rPr lang="en-US" altLang="ja-JP" sz="1400" dirty="0" smtClean="0">
+              <a:rPr lang="en-US" altLang="ja-JP" sz="1400" dirty="0">
                 <a:solidFill>
                   <a:schemeClr val="tx1"/>
                 </a:solidFill>
@@ -12264,28 +11753,17 @@
               </a:rPr>
             </a:br>
             <a:r>
-              <a:rPr lang="ja-JP" altLang="en-US" sz="1400" dirty="0" smtClean="0">
-                <a:solidFill>
-                  <a:schemeClr val="tx1"/>
-                </a:solidFill>
-                <a:latin typeface="メイリオ" panose="020B0604030504040204" pitchFamily="50" charset="-128"/>
-                <a:ea typeface="メイリオ" panose="020B0604030504040204" pitchFamily="50" charset="-128"/>
-                <a:cs typeface="メイリオ" panose="020B0604030504040204" pitchFamily="50" charset="-128"/>
-              </a:rPr>
-              <a:t>クラス名</a:t>
-            </a:r>
-            <a:r>
-              <a:rPr lang="en-US" altLang="ja-JP" sz="1400" dirty="0" smtClean="0">
-                <a:solidFill>
-                  <a:schemeClr val="tx1"/>
-                </a:solidFill>
-                <a:latin typeface="メイリオ" panose="020B0604030504040204" pitchFamily="50" charset="-128"/>
-                <a:ea typeface="メイリオ" panose="020B0604030504040204" pitchFamily="50" charset="-128"/>
-                <a:cs typeface="メイリオ" panose="020B0604030504040204" pitchFamily="50" charset="-128"/>
-              </a:rPr>
-              <a:t>.java</a:t>
-            </a:r>
-            <a:endParaRPr kumimoji="1" lang="ja-JP" altLang="en-US" sz="900" dirty="0">
+              <a:rPr lang="en-US" altLang="ja-JP" sz="1400" dirty="0">
+                <a:solidFill>
+                  <a:schemeClr val="tx1"/>
+                </a:solidFill>
+                <a:latin typeface="メイリオ" panose="020B0604030504040204" pitchFamily="50" charset="-128"/>
+                <a:ea typeface="メイリオ" panose="020B0604030504040204" pitchFamily="50" charset="-128"/>
+                <a:cs typeface="メイリオ" panose="020B0604030504040204" pitchFamily="50" charset="-128"/>
+              </a:rPr>
+              <a:t>ControlLogic.java</a:t>
+            </a:r>
+            <a:endParaRPr lang="ja-JP" altLang="en-US" sz="900" dirty="0">
               <a:solidFill>
                 <a:schemeClr val="tx1"/>
               </a:solidFill>
@@ -12340,6 +11818,38 @@
           <a:lstStyle/>
           <a:p>
             <a:r>
+              <a:rPr lang="en-US" altLang="ja-JP" sz="1400" dirty="0">
+                <a:solidFill>
+                  <a:schemeClr val="tx1"/>
+                </a:solidFill>
+                <a:latin typeface="メイリオ" panose="020B0604030504040204" pitchFamily="50" charset="-128"/>
+                <a:ea typeface="メイリオ" panose="020B0604030504040204" pitchFamily="50" charset="-128"/>
+                <a:cs typeface="メイリオ" panose="020B0604030504040204" pitchFamily="50" charset="-128"/>
+              </a:rPr>
+              <a:t>Model(Bean)</a:t>
+            </a:r>
+            <a:br>
+              <a:rPr lang="en-US" altLang="ja-JP" sz="1400" dirty="0">
+                <a:solidFill>
+                  <a:schemeClr val="tx1"/>
+                </a:solidFill>
+                <a:latin typeface="メイリオ" panose="020B0604030504040204" pitchFamily="50" charset="-128"/>
+                <a:ea typeface="メイリオ" panose="020B0604030504040204" pitchFamily="50" charset="-128"/>
+                <a:cs typeface="メイリオ" panose="020B0604030504040204" pitchFamily="50" charset="-128"/>
+              </a:rPr>
+            </a:br>
+            <a:r>
+              <a:rPr lang="en-US" altLang="ja-JP" sz="1400" dirty="0">
+                <a:solidFill>
+                  <a:schemeClr val="tx1"/>
+                </a:solidFill>
+                <a:latin typeface="メイリオ" panose="020B0604030504040204" pitchFamily="50" charset="-128"/>
+                <a:ea typeface="メイリオ" panose="020B0604030504040204" pitchFamily="50" charset="-128"/>
+                <a:cs typeface="メイリオ" panose="020B0604030504040204" pitchFamily="50" charset="-128"/>
+              </a:rPr>
+              <a:t>Employee.java</a:t>
+            </a:r>
+            <a:r>
               <a:rPr lang="en-US" altLang="ja-JP" sz="1400" dirty="0" smtClean="0">
                 <a:solidFill>
                   <a:schemeClr val="tx1"/>
@@ -12348,7 +11858,7 @@
                 <a:ea typeface="メイリオ" panose="020B0604030504040204" pitchFamily="50" charset="-128"/>
                 <a:cs typeface="メイリオ" panose="020B0604030504040204" pitchFamily="50" charset="-128"/>
               </a:rPr>
-              <a:t>Model(Bean)</a:t>
+              <a:t/>
             </a:r>
             <a:br>
               <a:rPr lang="en-US" altLang="ja-JP" sz="1400" dirty="0" smtClean="0">
@@ -12360,125 +11870,7 @@
                 <a:cs typeface="メイリオ" panose="020B0604030504040204" pitchFamily="50" charset="-128"/>
               </a:rPr>
             </a:br>
-            <a:r>
-              <a:rPr lang="ja-JP" altLang="en-US" sz="1400" dirty="0" smtClean="0">
-                <a:solidFill>
-                  <a:schemeClr val="tx1"/>
-                </a:solidFill>
-                <a:latin typeface="メイリオ" panose="020B0604030504040204" pitchFamily="50" charset="-128"/>
-                <a:ea typeface="メイリオ" panose="020B0604030504040204" pitchFamily="50" charset="-128"/>
-                <a:cs typeface="メイリオ" panose="020B0604030504040204" pitchFamily="50" charset="-128"/>
-              </a:rPr>
-              <a:t>クラス</a:t>
-            </a:r>
-            <a:r>
-              <a:rPr lang="ja-JP" altLang="en-US" sz="1400" dirty="0">
-                <a:solidFill>
-                  <a:schemeClr val="tx1"/>
-                </a:solidFill>
-                <a:latin typeface="メイリオ" panose="020B0604030504040204" pitchFamily="50" charset="-128"/>
-                <a:ea typeface="メイリオ" panose="020B0604030504040204" pitchFamily="50" charset="-128"/>
-                <a:cs typeface="メイリオ" panose="020B0604030504040204" pitchFamily="50" charset="-128"/>
-              </a:rPr>
-              <a:t>名</a:t>
-            </a:r>
-            <a:r>
-              <a:rPr lang="en-US" altLang="ja-JP" sz="1400" dirty="0" smtClean="0">
-                <a:solidFill>
-                  <a:schemeClr val="tx1"/>
-                </a:solidFill>
-                <a:latin typeface="メイリオ" panose="020B0604030504040204" pitchFamily="50" charset="-128"/>
-                <a:ea typeface="メイリオ" panose="020B0604030504040204" pitchFamily="50" charset="-128"/>
-                <a:cs typeface="メイリオ" panose="020B0604030504040204" pitchFamily="50" charset="-128"/>
-              </a:rPr>
-              <a:t>.java</a:t>
-            </a:r>
-            <a:br>
-              <a:rPr lang="en-US" altLang="ja-JP" sz="1400" dirty="0" smtClean="0">
-                <a:solidFill>
-                  <a:schemeClr val="tx1"/>
-                </a:solidFill>
-                <a:latin typeface="メイリオ" panose="020B0604030504040204" pitchFamily="50" charset="-128"/>
-                <a:ea typeface="メイリオ" panose="020B0604030504040204" pitchFamily="50" charset="-128"/>
-                <a:cs typeface="メイリオ" panose="020B0604030504040204" pitchFamily="50" charset="-128"/>
-              </a:rPr>
-            </a:br>
             <a:endParaRPr kumimoji="1" lang="ja-JP" altLang="en-US" sz="1400" dirty="0">
-              <a:solidFill>
-                <a:schemeClr val="tx1"/>
-              </a:solidFill>
-              <a:latin typeface="メイリオ" panose="020B0604030504040204" pitchFamily="50" charset="-128"/>
-              <a:ea typeface="メイリオ" panose="020B0604030504040204" pitchFamily="50" charset="-128"/>
-              <a:cs typeface="メイリオ" panose="020B0604030504040204" pitchFamily="50" charset="-128"/>
-            </a:endParaRPr>
-          </a:p>
-        </p:txBody>
-      </p:sp>
-      <p:sp>
-        <p:nvSpPr>
-          <p:cNvPr id="16" name="角丸四角形 15"/>
-          <p:cNvSpPr/>
-          <p:nvPr/>
-        </p:nvSpPr>
-        <p:spPr>
-          <a:xfrm>
-            <a:off x="968777" y="4436087"/>
-            <a:ext cx="2407353" cy="1856352"/>
-          </a:xfrm>
-          <a:prstGeom prst="roundRect">
-            <a:avLst/>
-          </a:prstGeom>
-          <a:noFill/>
-          <a:ln>
-            <a:solidFill>
-              <a:schemeClr val="tx1"/>
-            </a:solidFill>
-          </a:ln>
-        </p:spPr>
-        <p:style>
-          <a:lnRef idx="2">
-            <a:schemeClr val="accent1">
-              <a:shade val="50000"/>
-            </a:schemeClr>
-          </a:lnRef>
-          <a:fillRef idx="1">
-            <a:schemeClr val="accent1"/>
-          </a:fillRef>
-          <a:effectRef idx="0">
-            <a:schemeClr val="accent1"/>
-          </a:effectRef>
-          <a:fontRef idx="minor">
-            <a:schemeClr val="lt1"/>
-          </a:fontRef>
-        </p:style>
-        <p:txBody>
-          <a:bodyPr rtlCol="0" anchor="t"/>
-          <a:lstStyle/>
-          <a:p>
-            <a:pPr algn="ctr"/>
-            <a:r>
-              <a:rPr lang="en-US" altLang="ja-JP" sz="1400" dirty="0" smtClean="0">
-                <a:solidFill>
-                  <a:schemeClr val="tx1"/>
-                </a:solidFill>
-                <a:latin typeface="メイリオ" panose="020B0604030504040204" pitchFamily="50" charset="-128"/>
-                <a:ea typeface="メイリオ" panose="020B0604030504040204" pitchFamily="50" charset="-128"/>
-                <a:cs typeface="メイリオ" panose="020B0604030504040204" pitchFamily="50" charset="-128"/>
-              </a:rPr>
-              <a:t>request</a:t>
-            </a:r>
-            <a:r>
-              <a:rPr lang="ja-JP" altLang="en-US" sz="1400" dirty="0" smtClean="0">
-                <a:solidFill>
-                  <a:schemeClr val="tx1"/>
-                </a:solidFill>
-                <a:latin typeface="メイリオ" panose="020B0604030504040204" pitchFamily="50" charset="-128"/>
-                <a:ea typeface="メイリオ" panose="020B0604030504040204" pitchFamily="50" charset="-128"/>
-                <a:cs typeface="メイリオ" panose="020B0604030504040204" pitchFamily="50" charset="-128"/>
-              </a:rPr>
-              <a:t>スコープ</a:t>
-            </a:r>
-            <a:endParaRPr lang="en-US" altLang="ja-JP" sz="1400" dirty="0" smtClean="0">
               <a:solidFill>
                 <a:schemeClr val="tx1"/>
               </a:solidFill>
@@ -12648,8 +12040,8 @@
         </p:nvCxnSpPr>
         <p:spPr>
           <a:xfrm>
-            <a:off x="8982965" y="1813568"/>
-            <a:ext cx="514088" cy="417118"/>
+            <a:off x="9153630" y="1797976"/>
+            <a:ext cx="343423" cy="432710"/>
           </a:xfrm>
           <a:prstGeom prst="straightConnector1">
             <a:avLst/>
@@ -13479,17 +12871,6 @@
           <a:lstStyle/>
           <a:p>
             <a:r>
-              <a:rPr lang="en-US" altLang="ja-JP" sz="1400" dirty="0" smtClean="0">
-                <a:solidFill>
-                  <a:schemeClr val="tx1"/>
-                </a:solidFill>
-                <a:latin typeface="メイリオ" panose="020B0604030504040204" pitchFamily="50" charset="-128"/>
-                <a:ea typeface="メイリオ" panose="020B0604030504040204" pitchFamily="50" charset="-128"/>
-                <a:cs typeface="メイリオ" panose="020B0604030504040204" pitchFamily="50" charset="-128"/>
-              </a:rPr>
-              <a:t>Dao(Logic</a:t>
-            </a:r>
-            <a:r>
               <a:rPr lang="en-US" altLang="ja-JP" sz="1400" dirty="0">
                 <a:solidFill>
                   <a:schemeClr val="tx1"/>
@@ -13498,7 +12879,7 @@
                 <a:ea typeface="メイリオ" panose="020B0604030504040204" pitchFamily="50" charset="-128"/>
                 <a:cs typeface="メイリオ" panose="020B0604030504040204" pitchFamily="50" charset="-128"/>
               </a:rPr>
-              <a:t>)</a:t>
+              <a:t>Dao(Logic)</a:t>
             </a:r>
             <a:br>
               <a:rPr lang="en-US" altLang="ja-JP" sz="1400" dirty="0">
@@ -13511,28 +12892,6 @@
               </a:rPr>
             </a:br>
             <a:r>
-              <a:rPr lang="ja-JP" altLang="en-US" sz="1400" dirty="0" smtClean="0">
-                <a:solidFill>
-                  <a:schemeClr val="tx1"/>
-                </a:solidFill>
-                <a:latin typeface="メイリオ" panose="020B0604030504040204" pitchFamily="50" charset="-128"/>
-                <a:ea typeface="メイリオ" panose="020B0604030504040204" pitchFamily="50" charset="-128"/>
-                <a:cs typeface="メイリオ" panose="020B0604030504040204" pitchFamily="50" charset="-128"/>
-              </a:rPr>
-              <a:t>クラス</a:t>
-            </a:r>
-            <a:r>
-              <a:rPr lang="ja-JP" altLang="en-US" sz="1400" dirty="0">
-                <a:solidFill>
-                  <a:schemeClr val="tx1"/>
-                </a:solidFill>
-                <a:latin typeface="メイリオ" panose="020B0604030504040204" pitchFamily="50" charset="-128"/>
-                <a:ea typeface="メイリオ" panose="020B0604030504040204" pitchFamily="50" charset="-128"/>
-                <a:cs typeface="メイリオ" panose="020B0604030504040204" pitchFamily="50" charset="-128"/>
-              </a:rPr>
-              <a:t>名</a:t>
-            </a:r>
-            <a:r>
               <a:rPr lang="en-US" altLang="ja-JP" sz="1400" dirty="0" smtClean="0">
                 <a:solidFill>
                   <a:schemeClr val="tx1"/>
@@ -13541,10 +12900,8 @@
                 <a:ea typeface="メイリオ" panose="020B0604030504040204" pitchFamily="50" charset="-128"/>
                 <a:cs typeface="メイリオ" panose="020B0604030504040204" pitchFamily="50" charset="-128"/>
               </a:rPr>
-              <a:t>.java</a:t>
-            </a:r>
-          </a:p>
-          <a:p>
+              <a:t>EmployeeDAO.java</a:t>
+            </a:r>
             <a:r>
               <a:rPr lang="en-US" altLang="ja-JP" sz="900" dirty="0">
                 <a:solidFill>
@@ -13746,9 +13103,10 @@
           <a:lstStyle/>
           <a:p>
             <a:r>
-              <a:rPr lang="en-US" smtClean="0"/>
-              <a:t>2</a:t>
-            </a:r>
+              <a:rPr lang="en-US" dirty="0"/>
+              <a:t>3</a:t>
+            </a:r>
+            <a:endParaRPr lang="en-US" dirty="0" smtClean="0"/>
           </a:p>
         </p:txBody>
       </p:sp>
@@ -13967,81 +13325,6 @@
           </a:fontRef>
         </p:style>
       </p:cxnSp>
-      <p:sp>
-        <p:nvSpPr>
-          <p:cNvPr id="62" name="角丸四角形 61"/>
-          <p:cNvSpPr/>
-          <p:nvPr/>
-        </p:nvSpPr>
-        <p:spPr>
-          <a:xfrm>
-            <a:off x="4112118" y="4855204"/>
-            <a:ext cx="2407353" cy="1856352"/>
-          </a:xfrm>
-          <a:prstGeom prst="roundRect">
-            <a:avLst/>
-          </a:prstGeom>
-          <a:noFill/>
-          <a:ln>
-            <a:solidFill>
-              <a:schemeClr val="tx1"/>
-            </a:solidFill>
-          </a:ln>
-        </p:spPr>
-        <p:style>
-          <a:lnRef idx="2">
-            <a:schemeClr val="accent1">
-              <a:shade val="50000"/>
-            </a:schemeClr>
-          </a:lnRef>
-          <a:fillRef idx="1">
-            <a:schemeClr val="accent1"/>
-          </a:fillRef>
-          <a:effectRef idx="0">
-            <a:schemeClr val="accent1"/>
-          </a:effectRef>
-          <a:fontRef idx="minor">
-            <a:schemeClr val="lt1"/>
-          </a:fontRef>
-        </p:style>
-        <p:txBody>
-          <a:bodyPr rtlCol="0" anchor="t"/>
-          <a:lstStyle/>
-          <a:p>
-            <a:pPr algn="ctr"/>
-            <a:r>
-              <a:rPr lang="en-US" altLang="ja-JP" sz="1400" dirty="0" smtClean="0">
-                <a:solidFill>
-                  <a:schemeClr val="tx1"/>
-                </a:solidFill>
-                <a:latin typeface="メイリオ" panose="020B0604030504040204" pitchFamily="50" charset="-128"/>
-                <a:ea typeface="メイリオ" panose="020B0604030504040204" pitchFamily="50" charset="-128"/>
-                <a:cs typeface="メイリオ" panose="020B0604030504040204" pitchFamily="50" charset="-128"/>
-              </a:rPr>
-              <a:t>session</a:t>
-            </a:r>
-            <a:r>
-              <a:rPr lang="ja-JP" altLang="en-US" sz="1400" dirty="0" smtClean="0">
-                <a:solidFill>
-                  <a:schemeClr val="tx1"/>
-                </a:solidFill>
-                <a:latin typeface="メイリオ" panose="020B0604030504040204" pitchFamily="50" charset="-128"/>
-                <a:ea typeface="メイリオ" panose="020B0604030504040204" pitchFamily="50" charset="-128"/>
-                <a:cs typeface="メイリオ" panose="020B0604030504040204" pitchFamily="50" charset="-128"/>
-              </a:rPr>
-              <a:t>スコープ</a:t>
-            </a:r>
-            <a:endParaRPr kumimoji="1" lang="ja-JP" altLang="en-US" sz="1400" dirty="0">
-              <a:solidFill>
-                <a:schemeClr val="tx1"/>
-              </a:solidFill>
-              <a:latin typeface="メイリオ" panose="020B0604030504040204" pitchFamily="50" charset="-128"/>
-              <a:ea typeface="メイリオ" panose="020B0604030504040204" pitchFamily="50" charset="-128"/>
-              <a:cs typeface="メイリオ" panose="020B0604030504040204" pitchFamily="50" charset="-128"/>
-            </a:endParaRPr>
-          </a:p>
-        </p:txBody>
-      </p:sp>
       <p:cxnSp>
         <p:nvCxnSpPr>
           <p:cNvPr id="66" name="直線矢印コネクタ 65"/>
@@ -14090,7 +13373,7 @@
         <p:spPr>
           <a:xfrm flipV="1">
             <a:off x="6343683" y="2135543"/>
-            <a:ext cx="1669126" cy="2743903"/>
+            <a:ext cx="1739347" cy="2743904"/>
           </a:xfrm>
           <a:prstGeom prst="straightConnector1">
             <a:avLst/>
@@ -14201,17 +13484,6 @@
           <a:lstStyle/>
           <a:p>
             <a:r>
-              <a:rPr lang="en-US" altLang="ja-JP" sz="1400" dirty="0" smtClean="0">
-                <a:solidFill>
-                  <a:schemeClr val="tx1"/>
-                </a:solidFill>
-                <a:latin typeface="メイリオ" panose="020B0604030504040204" pitchFamily="50" charset="-128"/>
-                <a:ea typeface="メイリオ" panose="020B0604030504040204" pitchFamily="50" charset="-128"/>
-                <a:cs typeface="メイリオ" panose="020B0604030504040204" pitchFamily="50" charset="-128"/>
-              </a:rPr>
-              <a:t>Common(Logic</a:t>
-            </a:r>
-            <a:r>
               <a:rPr lang="en-US" altLang="ja-JP" sz="1400" dirty="0">
                 <a:solidFill>
                   <a:schemeClr val="tx1"/>
@@ -14220,7 +13492,7 @@
                 <a:ea typeface="メイリオ" panose="020B0604030504040204" pitchFamily="50" charset="-128"/>
                 <a:cs typeface="メイリオ" panose="020B0604030504040204" pitchFamily="50" charset="-128"/>
               </a:rPr>
-              <a:t>)</a:t>
+              <a:t>Common(Logic)</a:t>
             </a:r>
             <a:br>
               <a:rPr lang="en-US" altLang="ja-JP" sz="1400" dirty="0">
@@ -14233,40 +13505,16 @@
               </a:rPr>
             </a:br>
             <a:r>
-              <a:rPr lang="ja-JP" altLang="en-US" sz="1400" dirty="0" smtClean="0">
-                <a:solidFill>
-                  <a:schemeClr val="tx1"/>
-                </a:solidFill>
-                <a:latin typeface="メイリオ" panose="020B0604030504040204" pitchFamily="50" charset="-128"/>
-                <a:ea typeface="メイリオ" panose="020B0604030504040204" pitchFamily="50" charset="-128"/>
-                <a:cs typeface="メイリオ" panose="020B0604030504040204" pitchFamily="50" charset="-128"/>
-              </a:rPr>
-              <a:t>クラス</a:t>
-            </a:r>
-            <a:r>
-              <a:rPr lang="ja-JP" altLang="en-US" sz="1400" dirty="0">
-                <a:solidFill>
-                  <a:schemeClr val="tx1"/>
-                </a:solidFill>
-                <a:latin typeface="メイリオ" panose="020B0604030504040204" pitchFamily="50" charset="-128"/>
-                <a:ea typeface="メイリオ" panose="020B0604030504040204" pitchFamily="50" charset="-128"/>
-                <a:cs typeface="メイリオ" panose="020B0604030504040204" pitchFamily="50" charset="-128"/>
-              </a:rPr>
-              <a:t>名</a:t>
-            </a:r>
-            <a:r>
-              <a:rPr lang="en-US" altLang="ja-JP" sz="1400" dirty="0" smtClean="0">
-                <a:solidFill>
-                  <a:schemeClr val="tx1"/>
-                </a:solidFill>
-                <a:latin typeface="メイリオ" panose="020B0604030504040204" pitchFamily="50" charset="-128"/>
-                <a:ea typeface="メイリオ" panose="020B0604030504040204" pitchFamily="50" charset="-128"/>
-                <a:cs typeface="メイリオ" panose="020B0604030504040204" pitchFamily="50" charset="-128"/>
-              </a:rPr>
-              <a:t>.java</a:t>
-            </a:r>
-          </a:p>
-          <a:p>
+              <a:rPr lang="en-US" altLang="ja-JP" sz="1400" dirty="0">
+                <a:solidFill>
+                  <a:schemeClr val="tx1"/>
+                </a:solidFill>
+                <a:latin typeface="メイリオ" panose="020B0604030504040204" pitchFamily="50" charset="-128"/>
+                <a:ea typeface="メイリオ" panose="020B0604030504040204" pitchFamily="50" charset="-128"/>
+                <a:cs typeface="メイリオ" panose="020B0604030504040204" pitchFamily="50" charset="-128"/>
+              </a:rPr>
+              <a:t>Common.java</a:t>
+            </a:r>
             <a:r>
               <a:rPr lang="en-US" altLang="ja-JP" sz="900" dirty="0">
                 <a:solidFill>
@@ -14299,45 +13547,6 @@
           </a:p>
         </p:txBody>
       </p:sp>
-      <p:cxnSp>
-        <p:nvCxnSpPr>
-          <p:cNvPr id="123" name="直線矢印コネクタ 122"/>
-          <p:cNvCxnSpPr>
-            <a:stCxn id="122" idx="3"/>
-          </p:cNvCxnSpPr>
-          <p:nvPr/>
-        </p:nvCxnSpPr>
-        <p:spPr>
-          <a:xfrm>
-            <a:off x="9166889" y="3432949"/>
-            <a:ext cx="330164" cy="0"/>
-          </a:xfrm>
-          <a:prstGeom prst="straightConnector1">
-            <a:avLst/>
-          </a:prstGeom>
-          <a:ln w="25400">
-            <a:solidFill>
-              <a:schemeClr val="tx1"/>
-            </a:solidFill>
-            <a:prstDash val="solid"/>
-            <a:tailEnd type="triangle" w="lg" len="lg"/>
-          </a:ln>
-        </p:spPr>
-        <p:style>
-          <a:lnRef idx="1">
-            <a:schemeClr val="accent1"/>
-          </a:lnRef>
-          <a:fillRef idx="0">
-            <a:schemeClr val="accent1"/>
-          </a:fillRef>
-          <a:effectRef idx="0">
-            <a:schemeClr val="accent1"/>
-          </a:effectRef>
-          <a:fontRef idx="minor">
-            <a:schemeClr val="tx1"/>
-          </a:fontRef>
-        </p:style>
-      </p:cxnSp>
       <p:cxnSp>
         <p:nvCxnSpPr>
           <p:cNvPr id="65" name="直線矢印コネクタ 64"/>
@@ -14524,19 +13733,296 @@
           </a:fontRef>
         </p:style>
       </p:cxnSp>
+      <p:sp>
+        <p:nvSpPr>
+          <p:cNvPr id="49" name="角丸四角形 48"/>
+          <p:cNvSpPr/>
+          <p:nvPr/>
+        </p:nvSpPr>
+        <p:spPr>
+          <a:xfrm>
+            <a:off x="4112118" y="4855204"/>
+            <a:ext cx="2407353" cy="1856352"/>
+          </a:xfrm>
+          <a:prstGeom prst="roundRect">
+            <a:avLst/>
+          </a:prstGeom>
+          <a:noFill/>
+          <a:ln>
+            <a:solidFill>
+              <a:schemeClr val="tx1"/>
+            </a:solidFill>
+          </a:ln>
+        </p:spPr>
+        <p:style>
+          <a:lnRef idx="2">
+            <a:schemeClr val="accent1">
+              <a:shade val="50000"/>
+            </a:schemeClr>
+          </a:lnRef>
+          <a:fillRef idx="1">
+            <a:schemeClr val="accent1"/>
+          </a:fillRef>
+          <a:effectRef idx="0">
+            <a:schemeClr val="accent1"/>
+          </a:effectRef>
+          <a:fontRef idx="minor">
+            <a:schemeClr val="lt1"/>
+          </a:fontRef>
+        </p:style>
+        <p:txBody>
+          <a:bodyPr rtlCol="0" anchor="t"/>
+          <a:lstStyle/>
+          <a:p>
+            <a:pPr algn="ctr"/>
+            <a:r>
+              <a:rPr lang="en-US" altLang="ja-JP" sz="1400" dirty="0" smtClean="0">
+                <a:solidFill>
+                  <a:schemeClr val="tx1"/>
+                </a:solidFill>
+                <a:latin typeface="メイリオ" panose="020B0604030504040204" pitchFamily="50" charset="-128"/>
+                <a:ea typeface="メイリオ" panose="020B0604030504040204" pitchFamily="50" charset="-128"/>
+                <a:cs typeface="メイリオ" panose="020B0604030504040204" pitchFamily="50" charset="-128"/>
+              </a:rPr>
+              <a:t>session</a:t>
+            </a:r>
+            <a:r>
+              <a:rPr lang="ja-JP" altLang="en-US" sz="1400" dirty="0" smtClean="0">
+                <a:solidFill>
+                  <a:schemeClr val="tx1"/>
+                </a:solidFill>
+                <a:latin typeface="メイリオ" panose="020B0604030504040204" pitchFamily="50" charset="-128"/>
+                <a:ea typeface="メイリオ" panose="020B0604030504040204" pitchFamily="50" charset="-128"/>
+                <a:cs typeface="メイリオ" panose="020B0604030504040204" pitchFamily="50" charset="-128"/>
+              </a:rPr>
+              <a:t>スコープ</a:t>
+            </a:r>
+            <a:endParaRPr lang="en-US" altLang="ja-JP" sz="1400" dirty="0" smtClean="0">
+              <a:solidFill>
+                <a:schemeClr val="tx1"/>
+              </a:solidFill>
+              <a:latin typeface="メイリオ" panose="020B0604030504040204" pitchFamily="50" charset="-128"/>
+              <a:ea typeface="メイリオ" panose="020B0604030504040204" pitchFamily="50" charset="-128"/>
+              <a:cs typeface="メイリオ" panose="020B0604030504040204" pitchFamily="50" charset="-128"/>
+            </a:endParaRPr>
+          </a:p>
+          <a:p>
+            <a:pPr algn="ctr"/>
+            <a:r>
+              <a:rPr lang="en-US" altLang="ja-JP" sz="1100" dirty="0" smtClean="0">
+                <a:solidFill>
+                  <a:schemeClr val="tx1"/>
+                </a:solidFill>
+                <a:latin typeface="メイリオ" panose="020B0604030504040204" pitchFamily="50" charset="-128"/>
+                <a:ea typeface="メイリオ" panose="020B0604030504040204" pitchFamily="50" charset="-128"/>
+                <a:cs typeface="メイリオ" panose="020B0604030504040204" pitchFamily="50" charset="-128"/>
+              </a:rPr>
+              <a:t/>
+            </a:r>
+            <a:br>
+              <a:rPr lang="en-US" altLang="ja-JP" sz="1100" dirty="0" smtClean="0">
+                <a:solidFill>
+                  <a:schemeClr val="tx1"/>
+                </a:solidFill>
+                <a:latin typeface="メイリオ" panose="020B0604030504040204" pitchFamily="50" charset="-128"/>
+                <a:ea typeface="メイリオ" panose="020B0604030504040204" pitchFamily="50" charset="-128"/>
+                <a:cs typeface="メイリオ" panose="020B0604030504040204" pitchFamily="50" charset="-128"/>
+              </a:rPr>
+            </a:br>
+            <a:r>
+              <a:rPr lang="ja-JP" altLang="en-US" sz="1100" dirty="0" smtClean="0">
+                <a:solidFill>
+                  <a:schemeClr val="tx1"/>
+                </a:solidFill>
+                <a:latin typeface="メイリオ" panose="020B0604030504040204" pitchFamily="50" charset="-128"/>
+                <a:ea typeface="メイリオ" panose="020B0604030504040204" pitchFamily="50" charset="-128"/>
+                <a:cs typeface="メイリオ" panose="020B0604030504040204" pitchFamily="50" charset="-128"/>
+              </a:rPr>
+              <a:t>・</a:t>
+            </a:r>
+            <a:r>
+              <a:rPr lang="ja-JP" altLang="en-US" sz="1100" dirty="0" smtClean="0">
+                <a:solidFill>
+                  <a:schemeClr val="tx1"/>
+                </a:solidFill>
+                <a:latin typeface="メイリオ" panose="020B0604030504040204" pitchFamily="50" charset="-128"/>
+                <a:ea typeface="メイリオ" panose="020B0604030504040204" pitchFamily="50" charset="-128"/>
+                <a:cs typeface="メイリオ" panose="020B0604030504040204" pitchFamily="50" charset="-128"/>
+              </a:rPr>
+              <a:t>自分の</a:t>
+            </a:r>
+            <a:r>
+              <a:rPr lang="ja-JP" altLang="en-US" sz="1100" dirty="0" smtClean="0">
+                <a:solidFill>
+                  <a:schemeClr val="tx1"/>
+                </a:solidFill>
+                <a:latin typeface="メイリオ" panose="020B0604030504040204" pitchFamily="50" charset="-128"/>
+                <a:ea typeface="メイリオ" panose="020B0604030504040204" pitchFamily="50" charset="-128"/>
+                <a:cs typeface="メイリオ" panose="020B0604030504040204" pitchFamily="50" charset="-128"/>
+              </a:rPr>
+              <a:t>権限</a:t>
+            </a:r>
+            <a:endParaRPr kumimoji="1" lang="en-US" altLang="ja-JP" sz="1100" dirty="0">
+              <a:solidFill>
+                <a:schemeClr val="tx1"/>
+              </a:solidFill>
+              <a:latin typeface="メイリオ" panose="020B0604030504040204" pitchFamily="50" charset="-128"/>
+              <a:ea typeface="メイリオ" panose="020B0604030504040204" pitchFamily="50" charset="-128"/>
+              <a:cs typeface="メイリオ" panose="020B0604030504040204" pitchFamily="50" charset="-128"/>
+            </a:endParaRPr>
+          </a:p>
+          <a:p>
+            <a:pPr algn="ctr"/>
+            <a:r>
+              <a:rPr lang="ja-JP" altLang="en-US" sz="1100" dirty="0" smtClean="0">
+                <a:solidFill>
+                  <a:schemeClr val="tx1"/>
+                </a:solidFill>
+                <a:latin typeface="メイリオ" panose="020B0604030504040204" pitchFamily="50" charset="-128"/>
+                <a:ea typeface="メイリオ" panose="020B0604030504040204" pitchFamily="50" charset="-128"/>
+                <a:cs typeface="メイリオ" panose="020B0604030504040204" pitchFamily="50" charset="-128"/>
+              </a:rPr>
+              <a:t>・参照・編集している社員</a:t>
+            </a:r>
+            <a:r>
+              <a:rPr lang="en-US" altLang="ja-JP" sz="1100" dirty="0" smtClean="0">
+                <a:solidFill>
+                  <a:schemeClr val="tx1"/>
+                </a:solidFill>
+                <a:latin typeface="メイリオ" panose="020B0604030504040204" pitchFamily="50" charset="-128"/>
+                <a:ea typeface="メイリオ" panose="020B0604030504040204" pitchFamily="50" charset="-128"/>
+                <a:cs typeface="メイリオ" panose="020B0604030504040204" pitchFamily="50" charset="-128"/>
+              </a:rPr>
+              <a:t>ID</a:t>
+            </a:r>
+            <a:br>
+              <a:rPr lang="en-US" altLang="ja-JP" sz="1100" dirty="0" smtClean="0">
+                <a:solidFill>
+                  <a:schemeClr val="tx1"/>
+                </a:solidFill>
+                <a:latin typeface="メイリオ" panose="020B0604030504040204" pitchFamily="50" charset="-128"/>
+                <a:ea typeface="メイリオ" panose="020B0604030504040204" pitchFamily="50" charset="-128"/>
+                <a:cs typeface="メイリオ" panose="020B0604030504040204" pitchFamily="50" charset="-128"/>
+              </a:rPr>
+            </a:br>
+            <a:r>
+              <a:rPr lang="ja-JP" altLang="en-US" sz="1100" dirty="0" smtClean="0">
+                <a:solidFill>
+                  <a:schemeClr val="tx1"/>
+                </a:solidFill>
+                <a:latin typeface="メイリオ" panose="020B0604030504040204" pitchFamily="50" charset="-128"/>
+                <a:ea typeface="メイリオ" panose="020B0604030504040204" pitchFamily="50" charset="-128"/>
+                <a:cs typeface="メイリオ" panose="020B0604030504040204" pitchFamily="50" charset="-128"/>
+              </a:rPr>
+              <a:t>・前のページ</a:t>
+            </a:r>
+            <a:endParaRPr lang="en-US" altLang="ja-JP" sz="1100" dirty="0" smtClean="0">
+              <a:solidFill>
+                <a:schemeClr val="tx1"/>
+              </a:solidFill>
+              <a:latin typeface="メイリオ" panose="020B0604030504040204" pitchFamily="50" charset="-128"/>
+              <a:ea typeface="メイリオ" panose="020B0604030504040204" pitchFamily="50" charset="-128"/>
+              <a:cs typeface="メイリオ" panose="020B0604030504040204" pitchFamily="50" charset="-128"/>
+            </a:endParaRPr>
+          </a:p>
+          <a:p>
+            <a:pPr algn="ctr"/>
+            <a:r>
+              <a:rPr lang="ja-JP" altLang="en-US" sz="1100" dirty="0" smtClean="0">
+                <a:solidFill>
+                  <a:schemeClr val="tx1"/>
+                </a:solidFill>
+                <a:latin typeface="メイリオ" panose="020B0604030504040204" pitchFamily="50" charset="-128"/>
+                <a:ea typeface="メイリオ" panose="020B0604030504040204" pitchFamily="50" charset="-128"/>
+                <a:cs typeface="メイリオ" panose="020B0604030504040204" pitchFamily="50" charset="-128"/>
+              </a:rPr>
+              <a:t>・社員情報</a:t>
+            </a:r>
+            <a:r>
+              <a:rPr lang="en-US" altLang="ja-JP" sz="1100" dirty="0" smtClean="0">
+                <a:solidFill>
+                  <a:schemeClr val="tx1"/>
+                </a:solidFill>
+                <a:latin typeface="メイリオ" panose="020B0604030504040204" pitchFamily="50" charset="-128"/>
+                <a:ea typeface="メイリオ" panose="020B0604030504040204" pitchFamily="50" charset="-128"/>
+                <a:cs typeface="メイリオ" panose="020B0604030504040204" pitchFamily="50" charset="-128"/>
+              </a:rPr>
+              <a:t>Bean</a:t>
+            </a:r>
+            <a:r>
+              <a:rPr lang="en-US" altLang="ja-JP" sz="1100" dirty="0" smtClean="0">
+                <a:solidFill>
+                  <a:schemeClr val="tx1"/>
+                </a:solidFill>
+                <a:latin typeface="メイリオ" panose="020B0604030504040204" pitchFamily="50" charset="-128"/>
+                <a:ea typeface="メイリオ" panose="020B0604030504040204" pitchFamily="50" charset="-128"/>
+                <a:cs typeface="メイリオ" panose="020B0604030504040204" pitchFamily="50" charset="-128"/>
+              </a:rPr>
+              <a:t/>
+            </a:r>
+            <a:br>
+              <a:rPr lang="en-US" altLang="ja-JP" sz="1100" dirty="0" smtClean="0">
+                <a:solidFill>
+                  <a:schemeClr val="tx1"/>
+                </a:solidFill>
+                <a:latin typeface="メイリオ" panose="020B0604030504040204" pitchFamily="50" charset="-128"/>
+                <a:ea typeface="メイリオ" panose="020B0604030504040204" pitchFamily="50" charset="-128"/>
+                <a:cs typeface="メイリオ" panose="020B0604030504040204" pitchFamily="50" charset="-128"/>
+              </a:rPr>
+            </a:br>
+            <a:endParaRPr lang="en-US" altLang="ja-JP" sz="1100" dirty="0" smtClean="0">
+              <a:solidFill>
+                <a:schemeClr val="tx1"/>
+              </a:solidFill>
+              <a:latin typeface="メイリオ" panose="020B0604030504040204" pitchFamily="50" charset="-128"/>
+              <a:ea typeface="メイリオ" panose="020B0604030504040204" pitchFamily="50" charset="-128"/>
+              <a:cs typeface="メイリオ" panose="020B0604030504040204" pitchFamily="50" charset="-128"/>
+            </a:endParaRPr>
+          </a:p>
+          <a:p>
+            <a:pPr algn="ctr"/>
+            <a:r>
+              <a:rPr lang="en-US" altLang="ja-JP" sz="1100" dirty="0">
+                <a:solidFill>
+                  <a:schemeClr val="tx1"/>
+                </a:solidFill>
+                <a:latin typeface="メイリオ" panose="020B0604030504040204" pitchFamily="50" charset="-128"/>
+                <a:ea typeface="メイリオ" panose="020B0604030504040204" pitchFamily="50" charset="-128"/>
+                <a:cs typeface="メイリオ" panose="020B0604030504040204" pitchFamily="50" charset="-128"/>
+              </a:rPr>
+              <a:t/>
+            </a:r>
+            <a:br>
+              <a:rPr lang="en-US" altLang="ja-JP" sz="1100" dirty="0">
+                <a:solidFill>
+                  <a:schemeClr val="tx1"/>
+                </a:solidFill>
+                <a:latin typeface="メイリオ" panose="020B0604030504040204" pitchFamily="50" charset="-128"/>
+                <a:ea typeface="メイリオ" panose="020B0604030504040204" pitchFamily="50" charset="-128"/>
+                <a:cs typeface="メイリオ" panose="020B0604030504040204" pitchFamily="50" charset="-128"/>
+              </a:rPr>
+            </a:br>
+            <a:endParaRPr kumimoji="1" lang="ja-JP" altLang="en-US" sz="1100" dirty="0">
+              <a:solidFill>
+                <a:schemeClr val="tx1"/>
+              </a:solidFill>
+              <a:latin typeface="メイリオ" panose="020B0604030504040204" pitchFamily="50" charset="-128"/>
+              <a:ea typeface="メイリオ" panose="020B0604030504040204" pitchFamily="50" charset="-128"/>
+              <a:cs typeface="メイリオ" panose="020B0604030504040204" pitchFamily="50" charset="-128"/>
+            </a:endParaRPr>
+          </a:p>
+        </p:txBody>
+      </p:sp>
       <p:cxnSp>
         <p:nvCxnSpPr>
-          <p:cNvPr id="80" name="直線矢印コネクタ 79"/>
-          <p:cNvCxnSpPr>
-            <a:stCxn id="5" idx="1"/>
-            <a:endCxn id="16" idx="0"/>
-          </p:cNvCxnSpPr>
+          <p:cNvPr id="53" name="直線矢印コネクタ 52"/>
+          <p:cNvCxnSpPr/>
           <p:nvPr/>
         </p:nvCxnSpPr>
         <p:spPr>
           <a:xfrm flipH="1">
-            <a:off x="2172454" y="1923043"/>
-            <a:ext cx="1211171" cy="2513044"/>
+            <a:off x="9166889" y="3425780"/>
+            <a:ext cx="330164" cy="7169"/>
           </a:xfrm>
           <a:prstGeom prst="straightConnector1">
             <a:avLst/>
@@ -14545,47 +14031,8 @@
             <a:solidFill>
               <a:schemeClr val="tx1"/>
             </a:solidFill>
-            <a:prstDash val="dash"/>
-            <a:headEnd type="triangle" w="lg" len="lg"/>
-            <a:tailEnd type="none" w="lg" len="lg"/>
-          </a:ln>
-        </p:spPr>
-        <p:style>
-          <a:lnRef idx="1">
-            <a:schemeClr val="accent1"/>
-          </a:lnRef>
-          <a:fillRef idx="0">
-            <a:schemeClr val="accent1"/>
-          </a:fillRef>
-          <a:effectRef idx="0">
-            <a:schemeClr val="accent1"/>
-          </a:effectRef>
-          <a:fontRef idx="minor">
-            <a:schemeClr val="tx1"/>
-          </a:fontRef>
-        </p:style>
-      </p:cxnSp>
-      <p:cxnSp>
-        <p:nvCxnSpPr>
-          <p:cNvPr id="86" name="直線矢印コネクタ 85"/>
-          <p:cNvCxnSpPr/>
-          <p:nvPr/>
-        </p:nvCxnSpPr>
-        <p:spPr>
-          <a:xfrm flipV="1">
-            <a:off x="3381784" y="2160896"/>
-            <a:ext cx="3924690" cy="2867364"/>
-          </a:xfrm>
-          <a:prstGeom prst="straightConnector1">
-            <a:avLst/>
-          </a:prstGeom>
-          <a:ln w="25400">
-            <a:solidFill>
-              <a:schemeClr val="tx1"/>
-            </a:solidFill>
-            <a:prstDash val="dash"/>
-            <a:headEnd type="triangle" w="lg" len="lg"/>
-            <a:tailEnd type="none" w="lg" len="lg"/>
+            <a:prstDash val="solid"/>
+            <a:tailEnd type="triangle" w="lg" len="lg"/>
           </a:ln>
         </p:spPr>
         <p:style>
@@ -14811,8 +14258,8 @@
         </p:nvSpPr>
         <p:spPr>
           <a:xfrm>
-            <a:off x="7042653" y="815764"/>
-            <a:ext cx="1940312" cy="1319779"/>
+            <a:off x="7042652" y="815764"/>
+            <a:ext cx="2110977" cy="1319779"/>
           </a:xfrm>
           <a:prstGeom prst="rect">
             <a:avLst/>
@@ -14847,7 +14294,7 @@
           <a:lstStyle/>
           <a:p>
             <a:r>
-              <a:rPr kumimoji="1" lang="en-US" altLang="ja-JP" sz="1400" dirty="0" smtClean="0">
+              <a:rPr lang="en-US" altLang="ja-JP" sz="1400" dirty="0">
                 <a:solidFill>
                   <a:schemeClr val="tx1"/>
                 </a:solidFill>
@@ -14857,48 +14304,18 @@
               </a:rPr>
               <a:t>Controller(Servlet)</a:t>
             </a:r>
-            <a:br>
-              <a:rPr kumimoji="1" lang="en-US" altLang="ja-JP" sz="1400" dirty="0" smtClean="0">
-                <a:solidFill>
-                  <a:schemeClr val="tx1"/>
-                </a:solidFill>
-                <a:latin typeface="メイリオ" panose="020B0604030504040204" pitchFamily="50" charset="-128"/>
-                <a:ea typeface="メイリオ" panose="020B0604030504040204" pitchFamily="50" charset="-128"/>
-                <a:cs typeface="メイリオ" panose="020B0604030504040204" pitchFamily="50" charset="-128"/>
-              </a:rPr>
-            </a:br>
-            <a:r>
-              <a:rPr lang="ja-JP" altLang="en-US" sz="1400" dirty="0">
-                <a:solidFill>
-                  <a:schemeClr val="tx1"/>
-                </a:solidFill>
-                <a:latin typeface="メイリオ" panose="020B0604030504040204" pitchFamily="50" charset="-128"/>
-                <a:ea typeface="メイリオ" panose="020B0604030504040204" pitchFamily="50" charset="-128"/>
-                <a:cs typeface="メイリオ" panose="020B0604030504040204" pitchFamily="50" charset="-128"/>
-              </a:rPr>
-              <a:t>クラ</a:t>
-            </a:r>
-            <a:r>
-              <a:rPr lang="ja-JP" altLang="en-US" sz="1400" dirty="0" smtClean="0">
-                <a:solidFill>
-                  <a:schemeClr val="tx1"/>
-                </a:solidFill>
-                <a:latin typeface="メイリオ" panose="020B0604030504040204" pitchFamily="50" charset="-128"/>
-                <a:ea typeface="メイリオ" panose="020B0604030504040204" pitchFamily="50" charset="-128"/>
-                <a:cs typeface="メイリオ" panose="020B0604030504040204" pitchFamily="50" charset="-128"/>
-              </a:rPr>
-              <a:t>ス名</a:t>
-            </a:r>
-            <a:r>
-              <a:rPr lang="en-US" altLang="ja-JP" sz="1400" dirty="0" smtClean="0">
-                <a:solidFill>
-                  <a:schemeClr val="tx1"/>
-                </a:solidFill>
-                <a:latin typeface="メイリオ" panose="020B0604030504040204" pitchFamily="50" charset="-128"/>
-                <a:ea typeface="メイリオ" panose="020B0604030504040204" pitchFamily="50" charset="-128"/>
-                <a:cs typeface="メイリオ" panose="020B0604030504040204" pitchFamily="50" charset="-128"/>
-              </a:rPr>
-              <a:t>.java</a:t>
+          </a:p>
+          <a:p>
+            <a:r>
+              <a:rPr lang="en-US" altLang="ja-JP" sz="1400" dirty="0">
+                <a:solidFill>
+                  <a:schemeClr val="tx1"/>
+                </a:solidFill>
+                <a:latin typeface="メイリオ" panose="020B0604030504040204" pitchFamily="50" charset="-128"/>
+                <a:ea typeface="メイリオ" panose="020B0604030504040204" pitchFamily="50" charset="-128"/>
+                <a:cs typeface="メイリオ" panose="020B0604030504040204" pitchFamily="50" charset="-128"/>
+              </a:rPr>
+              <a:t>EmployeeControl.java</a:t>
             </a:r>
           </a:p>
         </p:txBody>
@@ -14947,7 +14364,7 @@
           <a:lstStyle/>
           <a:p>
             <a:r>
-              <a:rPr lang="en-US" altLang="ja-JP" sz="1400" dirty="0" smtClean="0">
+              <a:rPr lang="en-US" altLang="ja-JP" sz="1400" dirty="0">
                 <a:solidFill>
                   <a:schemeClr val="tx1"/>
                 </a:solidFill>
@@ -14958,7 +14375,7 @@
               <a:t>Model(Logic)</a:t>
             </a:r>
             <a:br>
-              <a:rPr lang="en-US" altLang="ja-JP" sz="1400" dirty="0" smtClean="0">
+              <a:rPr lang="en-US" altLang="ja-JP" sz="1400" dirty="0">
                 <a:solidFill>
                   <a:schemeClr val="tx1"/>
                 </a:solidFill>
@@ -14968,28 +14385,17 @@
               </a:rPr>
             </a:br>
             <a:r>
-              <a:rPr lang="ja-JP" altLang="en-US" sz="1400" dirty="0" smtClean="0">
-                <a:solidFill>
-                  <a:schemeClr val="tx1"/>
-                </a:solidFill>
-                <a:latin typeface="メイリオ" panose="020B0604030504040204" pitchFamily="50" charset="-128"/>
-                <a:ea typeface="メイリオ" panose="020B0604030504040204" pitchFamily="50" charset="-128"/>
-                <a:cs typeface="メイリオ" panose="020B0604030504040204" pitchFamily="50" charset="-128"/>
-              </a:rPr>
-              <a:t>クラス名</a:t>
-            </a:r>
-            <a:r>
-              <a:rPr lang="en-US" altLang="ja-JP" sz="1400" dirty="0" smtClean="0">
-                <a:solidFill>
-                  <a:schemeClr val="tx1"/>
-                </a:solidFill>
-                <a:latin typeface="メイリオ" panose="020B0604030504040204" pitchFamily="50" charset="-128"/>
-                <a:ea typeface="メイリオ" panose="020B0604030504040204" pitchFamily="50" charset="-128"/>
-                <a:cs typeface="メイリオ" panose="020B0604030504040204" pitchFamily="50" charset="-128"/>
-              </a:rPr>
-              <a:t>.java</a:t>
-            </a:r>
-            <a:endParaRPr kumimoji="1" lang="ja-JP" altLang="en-US" sz="900" dirty="0">
+              <a:rPr lang="en-US" altLang="ja-JP" sz="1400" dirty="0">
+                <a:solidFill>
+                  <a:schemeClr val="tx1"/>
+                </a:solidFill>
+                <a:latin typeface="メイリオ" panose="020B0604030504040204" pitchFamily="50" charset="-128"/>
+                <a:ea typeface="メイリオ" panose="020B0604030504040204" pitchFamily="50" charset="-128"/>
+                <a:cs typeface="メイリオ" panose="020B0604030504040204" pitchFamily="50" charset="-128"/>
+              </a:rPr>
+              <a:t>ControlLogic.java</a:t>
+            </a:r>
+            <a:endParaRPr lang="ja-JP" altLang="en-US" sz="900" dirty="0">
               <a:solidFill>
                 <a:schemeClr val="tx1"/>
               </a:solidFill>
@@ -15044,6 +14450,38 @@
           <a:lstStyle/>
           <a:p>
             <a:r>
+              <a:rPr lang="en-US" altLang="ja-JP" sz="1400" dirty="0">
+                <a:solidFill>
+                  <a:schemeClr val="tx1"/>
+                </a:solidFill>
+                <a:latin typeface="メイリオ" panose="020B0604030504040204" pitchFamily="50" charset="-128"/>
+                <a:ea typeface="メイリオ" panose="020B0604030504040204" pitchFamily="50" charset="-128"/>
+                <a:cs typeface="メイリオ" panose="020B0604030504040204" pitchFamily="50" charset="-128"/>
+              </a:rPr>
+              <a:t>Model(Bean)</a:t>
+            </a:r>
+            <a:br>
+              <a:rPr lang="en-US" altLang="ja-JP" sz="1400" dirty="0">
+                <a:solidFill>
+                  <a:schemeClr val="tx1"/>
+                </a:solidFill>
+                <a:latin typeface="メイリオ" panose="020B0604030504040204" pitchFamily="50" charset="-128"/>
+                <a:ea typeface="メイリオ" panose="020B0604030504040204" pitchFamily="50" charset="-128"/>
+                <a:cs typeface="メイリオ" panose="020B0604030504040204" pitchFamily="50" charset="-128"/>
+              </a:rPr>
+            </a:br>
+            <a:r>
+              <a:rPr lang="en-US" altLang="ja-JP" sz="1400" dirty="0">
+                <a:solidFill>
+                  <a:schemeClr val="tx1"/>
+                </a:solidFill>
+                <a:latin typeface="メイリオ" panose="020B0604030504040204" pitchFamily="50" charset="-128"/>
+                <a:ea typeface="メイリオ" panose="020B0604030504040204" pitchFamily="50" charset="-128"/>
+                <a:cs typeface="メイリオ" panose="020B0604030504040204" pitchFamily="50" charset="-128"/>
+              </a:rPr>
+              <a:t>Employee.java</a:t>
+            </a:r>
+            <a:r>
               <a:rPr lang="en-US" altLang="ja-JP" sz="1400" dirty="0" smtClean="0">
                 <a:solidFill>
                   <a:schemeClr val="tx1"/>
@@ -15052,50 +14490,7 @@
                 <a:ea typeface="メイリオ" panose="020B0604030504040204" pitchFamily="50" charset="-128"/>
                 <a:cs typeface="メイリオ" panose="020B0604030504040204" pitchFamily="50" charset="-128"/>
               </a:rPr>
-              <a:t>Model(Bean)</a:t>
-            </a:r>
-            <a:br>
-              <a:rPr lang="en-US" altLang="ja-JP" sz="1400" dirty="0" smtClean="0">
-                <a:solidFill>
-                  <a:schemeClr val="tx1"/>
-                </a:solidFill>
-                <a:latin typeface="メイリオ" panose="020B0604030504040204" pitchFamily="50" charset="-128"/>
-                <a:ea typeface="メイリオ" panose="020B0604030504040204" pitchFamily="50" charset="-128"/>
-                <a:cs typeface="メイリオ" panose="020B0604030504040204" pitchFamily="50" charset="-128"/>
-              </a:rPr>
-            </a:br>
-            <a:r>
-              <a:rPr lang="ja-JP" altLang="en-US" sz="1400" dirty="0" smtClean="0">
-                <a:solidFill>
-                  <a:schemeClr val="tx1"/>
-                </a:solidFill>
-                <a:latin typeface="メイリオ" panose="020B0604030504040204" pitchFamily="50" charset="-128"/>
-                <a:ea typeface="メイリオ" panose="020B0604030504040204" pitchFamily="50" charset="-128"/>
-                <a:cs typeface="メイリオ" panose="020B0604030504040204" pitchFamily="50" charset="-128"/>
-              </a:rPr>
-              <a:t>クラス</a:t>
-            </a:r>
-            <a:r>
-              <a:rPr lang="ja-JP" altLang="en-US" sz="1400" dirty="0">
-                <a:solidFill>
-                  <a:schemeClr val="tx1"/>
-                </a:solidFill>
-                <a:latin typeface="メイリオ" panose="020B0604030504040204" pitchFamily="50" charset="-128"/>
-                <a:ea typeface="メイリオ" panose="020B0604030504040204" pitchFamily="50" charset="-128"/>
-                <a:cs typeface="メイリオ" panose="020B0604030504040204" pitchFamily="50" charset="-128"/>
-              </a:rPr>
-              <a:t>名</a:t>
-            </a:r>
-            <a:r>
-              <a:rPr lang="en-US" altLang="ja-JP" sz="1400" dirty="0" smtClean="0">
-                <a:solidFill>
-                  <a:schemeClr val="tx1"/>
-                </a:solidFill>
-                <a:latin typeface="メイリオ" panose="020B0604030504040204" pitchFamily="50" charset="-128"/>
-                <a:ea typeface="メイリオ" panose="020B0604030504040204" pitchFamily="50" charset="-128"/>
-                <a:cs typeface="メイリオ" panose="020B0604030504040204" pitchFamily="50" charset="-128"/>
-              </a:rPr>
-              <a:t>.java</a:t>
+              <a:t/>
             </a:r>
             <a:br>
               <a:rPr lang="en-US" altLang="ja-JP" sz="1400" dirty="0" smtClean="0">
@@ -15115,106 +14510,6 @@
               <a:ea typeface="メイリオ" panose="020B0604030504040204" pitchFamily="50" charset="-128"/>
               <a:cs typeface="メイリオ" panose="020B0604030504040204" pitchFamily="50" charset="-128"/>
             </a:endParaRPr>
-          </a:p>
-        </p:txBody>
-      </p:sp>
-      <p:sp>
-        <p:nvSpPr>
-          <p:cNvPr id="16" name="角丸四角形 15"/>
-          <p:cNvSpPr/>
-          <p:nvPr/>
-        </p:nvSpPr>
-        <p:spPr>
-          <a:xfrm>
-            <a:off x="968777" y="4436087"/>
-            <a:ext cx="2407353" cy="1856352"/>
-          </a:xfrm>
-          <a:prstGeom prst="roundRect">
-            <a:avLst/>
-          </a:prstGeom>
-          <a:noFill/>
-          <a:ln>
-            <a:solidFill>
-              <a:schemeClr val="tx1"/>
-            </a:solidFill>
-          </a:ln>
-        </p:spPr>
-        <p:style>
-          <a:lnRef idx="2">
-            <a:schemeClr val="accent1">
-              <a:shade val="50000"/>
-            </a:schemeClr>
-          </a:lnRef>
-          <a:fillRef idx="1">
-            <a:schemeClr val="accent1"/>
-          </a:fillRef>
-          <a:effectRef idx="0">
-            <a:schemeClr val="accent1"/>
-          </a:effectRef>
-          <a:fontRef idx="minor">
-            <a:schemeClr val="lt1"/>
-          </a:fontRef>
-        </p:style>
-        <p:txBody>
-          <a:bodyPr rtlCol="0" anchor="t"/>
-          <a:lstStyle/>
-          <a:p>
-            <a:pPr algn="ctr"/>
-            <a:r>
-              <a:rPr lang="en-US" altLang="ja-JP" sz="1400" dirty="0" smtClean="0">
-                <a:solidFill>
-                  <a:schemeClr val="tx1"/>
-                </a:solidFill>
-                <a:latin typeface="メイリオ" panose="020B0604030504040204" pitchFamily="50" charset="-128"/>
-                <a:ea typeface="メイリオ" panose="020B0604030504040204" pitchFamily="50" charset="-128"/>
-                <a:cs typeface="メイリオ" panose="020B0604030504040204" pitchFamily="50" charset="-128"/>
-              </a:rPr>
-              <a:t>request</a:t>
-            </a:r>
-            <a:r>
-              <a:rPr lang="ja-JP" altLang="en-US" sz="1400" dirty="0" smtClean="0">
-                <a:solidFill>
-                  <a:schemeClr val="tx1"/>
-                </a:solidFill>
-                <a:latin typeface="メイリオ" panose="020B0604030504040204" pitchFamily="50" charset="-128"/>
-                <a:ea typeface="メイリオ" panose="020B0604030504040204" pitchFamily="50" charset="-128"/>
-                <a:cs typeface="メイリオ" panose="020B0604030504040204" pitchFamily="50" charset="-128"/>
-              </a:rPr>
-              <a:t>スコープ</a:t>
-            </a:r>
-            <a:endParaRPr lang="en-US" altLang="ja-JP" sz="1400" dirty="0" smtClean="0">
-              <a:solidFill>
-                <a:schemeClr val="tx1"/>
-              </a:solidFill>
-              <a:latin typeface="メイリオ" panose="020B0604030504040204" pitchFamily="50" charset="-128"/>
-              <a:ea typeface="メイリオ" panose="020B0604030504040204" pitchFamily="50" charset="-128"/>
-              <a:cs typeface="メイリオ" panose="020B0604030504040204" pitchFamily="50" charset="-128"/>
-            </a:endParaRPr>
-          </a:p>
-          <a:p>
-            <a:pPr algn="ctr"/>
-            <a:endParaRPr lang="en-US" altLang="ja-JP" sz="1400" dirty="0">
-              <a:solidFill>
-                <a:schemeClr val="tx1"/>
-              </a:solidFill>
-              <a:latin typeface="メイリオ" panose="020B0604030504040204" pitchFamily="50" charset="-128"/>
-              <a:ea typeface="メイリオ" panose="020B0604030504040204" pitchFamily="50" charset="-128"/>
-              <a:cs typeface="メイリオ" panose="020B0604030504040204" pitchFamily="50" charset="-128"/>
-            </a:endParaRPr>
-          </a:p>
-          <a:p>
-            <a:pPr algn="ctr"/>
-            <a:r>
-              <a:rPr lang="en-US" altLang="ja-JP" sz="1400" dirty="0" smtClean="0">
-                <a:solidFill>
-                  <a:schemeClr val="tx1"/>
-                </a:solidFill>
-                <a:latin typeface="メイリオ" panose="020B0604030504040204" pitchFamily="50" charset="-128"/>
-                <a:ea typeface="メイリオ" panose="020B0604030504040204" pitchFamily="50" charset="-128"/>
-                <a:cs typeface="メイリオ" panose="020B0604030504040204" pitchFamily="50" charset="-128"/>
-              </a:rPr>
-              <a:t>Don’t use this?</a:t>
-            </a:r>
           </a:p>
         </p:txBody>
       </p:sp>
@@ -15338,47 +14633,8 @@
         </p:nvCxnSpPr>
         <p:spPr>
           <a:xfrm>
-            <a:off x="8982965" y="1813568"/>
-            <a:ext cx="514088" cy="417118"/>
-          </a:xfrm>
-          <a:prstGeom prst="straightConnector1">
-            <a:avLst/>
-          </a:prstGeom>
-          <a:ln w="25400">
-            <a:solidFill>
-              <a:schemeClr val="tx1"/>
-            </a:solidFill>
-            <a:prstDash val="solid"/>
-            <a:tailEnd type="triangle" w="lg" len="lg"/>
-          </a:ln>
-        </p:spPr>
-        <p:style>
-          <a:lnRef idx="1">
-            <a:schemeClr val="accent1"/>
-          </a:lnRef>
-          <a:fillRef idx="0">
-            <a:schemeClr val="accent1"/>
-          </a:fillRef>
-          <a:effectRef idx="0">
-            <a:schemeClr val="accent1"/>
-          </a:effectRef>
-          <a:fontRef idx="minor">
-            <a:schemeClr val="tx1"/>
-          </a:fontRef>
-        </p:style>
-      </p:cxnSp>
-      <p:cxnSp>
-        <p:nvCxnSpPr>
-          <p:cNvPr id="45" name="直線矢印コネクタ 44"/>
-          <p:cNvCxnSpPr>
-            <a:endCxn id="9" idx="0"/>
-          </p:cNvCxnSpPr>
-          <p:nvPr/>
-        </p:nvCxnSpPr>
-        <p:spPr>
-          <a:xfrm>
-            <a:off x="10862516" y="3738091"/>
-            <a:ext cx="0" cy="541250"/>
+            <a:off x="9162553" y="1797977"/>
+            <a:ext cx="334500" cy="432709"/>
           </a:xfrm>
           <a:prstGeom prst="straightConnector1">
             <a:avLst/>
@@ -16169,17 +15425,6 @@
           <a:lstStyle/>
           <a:p>
             <a:r>
-              <a:rPr lang="en-US" altLang="ja-JP" sz="1400" dirty="0" smtClean="0">
-                <a:solidFill>
-                  <a:schemeClr val="tx1"/>
-                </a:solidFill>
-                <a:latin typeface="メイリオ" panose="020B0604030504040204" pitchFamily="50" charset="-128"/>
-                <a:ea typeface="メイリオ" panose="020B0604030504040204" pitchFamily="50" charset="-128"/>
-                <a:cs typeface="メイリオ" panose="020B0604030504040204" pitchFamily="50" charset="-128"/>
-              </a:rPr>
-              <a:t>Dao(Logic</a:t>
-            </a:r>
-            <a:r>
               <a:rPr lang="en-US" altLang="ja-JP" sz="1400" dirty="0">
                 <a:solidFill>
                   <a:schemeClr val="tx1"/>
@@ -16188,7 +15433,7 @@
                 <a:ea typeface="メイリオ" panose="020B0604030504040204" pitchFamily="50" charset="-128"/>
                 <a:cs typeface="メイリオ" panose="020B0604030504040204" pitchFamily="50" charset="-128"/>
               </a:rPr>
-              <a:t>)</a:t>
+              <a:t>Dao(Logic)</a:t>
             </a:r>
             <a:br>
               <a:rPr lang="en-US" altLang="ja-JP" sz="1400" dirty="0">
@@ -16201,28 +15446,6 @@
               </a:rPr>
             </a:br>
             <a:r>
-              <a:rPr lang="ja-JP" altLang="en-US" sz="1400" dirty="0" smtClean="0">
-                <a:solidFill>
-                  <a:schemeClr val="tx1"/>
-                </a:solidFill>
-                <a:latin typeface="メイリオ" panose="020B0604030504040204" pitchFamily="50" charset="-128"/>
-                <a:ea typeface="メイリオ" panose="020B0604030504040204" pitchFamily="50" charset="-128"/>
-                <a:cs typeface="メイリオ" panose="020B0604030504040204" pitchFamily="50" charset="-128"/>
-              </a:rPr>
-              <a:t>クラス</a:t>
-            </a:r>
-            <a:r>
-              <a:rPr lang="ja-JP" altLang="en-US" sz="1400" dirty="0">
-                <a:solidFill>
-                  <a:schemeClr val="tx1"/>
-                </a:solidFill>
-                <a:latin typeface="メイリオ" panose="020B0604030504040204" pitchFamily="50" charset="-128"/>
-                <a:ea typeface="メイリオ" panose="020B0604030504040204" pitchFamily="50" charset="-128"/>
-                <a:cs typeface="メイリオ" panose="020B0604030504040204" pitchFamily="50" charset="-128"/>
-              </a:rPr>
-              <a:t>名</a:t>
-            </a:r>
-            <a:r>
               <a:rPr lang="en-US" altLang="ja-JP" sz="1400" dirty="0" smtClean="0">
                 <a:solidFill>
                   <a:schemeClr val="tx1"/>
@@ -16231,10 +15454,8 @@
                 <a:ea typeface="メイリオ" panose="020B0604030504040204" pitchFamily="50" charset="-128"/>
                 <a:cs typeface="メイリオ" panose="020B0604030504040204" pitchFamily="50" charset="-128"/>
               </a:rPr>
-              <a:t>.java</a:t>
-            </a:r>
-          </a:p>
-          <a:p>
+              <a:t>EmployeeDAO.java</a:t>
+            </a:r>
             <a:r>
               <a:rPr lang="en-US" altLang="ja-JP" sz="900" dirty="0">
                 <a:solidFill>
@@ -16436,9 +15657,10 @@
           <a:lstStyle/>
           <a:p>
             <a:r>
-              <a:rPr lang="en-US" smtClean="0"/>
-              <a:t>2</a:t>
-            </a:r>
+              <a:rPr lang="en-US" dirty="0"/>
+              <a:t>4</a:t>
+            </a:r>
+            <a:endParaRPr lang="en-US" dirty="0" smtClean="0"/>
           </a:p>
         </p:txBody>
       </p:sp>
@@ -16518,81 +15740,6 @@
               <a:t>日</a:t>
             </a:r>
             <a:endParaRPr lang="en-US" altLang="ja-JP" dirty="0" smtClean="0"/>
-          </a:p>
-        </p:txBody>
-      </p:sp>
-      <p:sp>
-        <p:nvSpPr>
-          <p:cNvPr id="62" name="角丸四角形 61"/>
-          <p:cNvSpPr/>
-          <p:nvPr/>
-        </p:nvSpPr>
-        <p:spPr>
-          <a:xfrm>
-            <a:off x="4112118" y="4855204"/>
-            <a:ext cx="2407353" cy="1856352"/>
-          </a:xfrm>
-          <a:prstGeom prst="roundRect">
-            <a:avLst/>
-          </a:prstGeom>
-          <a:noFill/>
-          <a:ln>
-            <a:solidFill>
-              <a:schemeClr val="tx1"/>
-            </a:solidFill>
-          </a:ln>
-        </p:spPr>
-        <p:style>
-          <a:lnRef idx="2">
-            <a:schemeClr val="accent1">
-              <a:shade val="50000"/>
-            </a:schemeClr>
-          </a:lnRef>
-          <a:fillRef idx="1">
-            <a:schemeClr val="accent1"/>
-          </a:fillRef>
-          <a:effectRef idx="0">
-            <a:schemeClr val="accent1"/>
-          </a:effectRef>
-          <a:fontRef idx="minor">
-            <a:schemeClr val="lt1"/>
-          </a:fontRef>
-        </p:style>
-        <p:txBody>
-          <a:bodyPr rtlCol="0" anchor="t"/>
-          <a:lstStyle/>
-          <a:p>
-            <a:pPr algn="ctr"/>
-            <a:r>
-              <a:rPr lang="en-US" altLang="ja-JP" sz="1400" dirty="0" smtClean="0">
-                <a:solidFill>
-                  <a:schemeClr val="tx1"/>
-                </a:solidFill>
-                <a:latin typeface="メイリオ" panose="020B0604030504040204" pitchFamily="50" charset="-128"/>
-                <a:ea typeface="メイリオ" panose="020B0604030504040204" pitchFamily="50" charset="-128"/>
-                <a:cs typeface="メイリオ" panose="020B0604030504040204" pitchFamily="50" charset="-128"/>
-              </a:rPr>
-              <a:t>session</a:t>
-            </a:r>
-            <a:r>
-              <a:rPr lang="ja-JP" altLang="en-US" sz="1400" dirty="0" smtClean="0">
-                <a:solidFill>
-                  <a:schemeClr val="tx1"/>
-                </a:solidFill>
-                <a:latin typeface="メイリオ" panose="020B0604030504040204" pitchFamily="50" charset="-128"/>
-                <a:ea typeface="メイリオ" panose="020B0604030504040204" pitchFamily="50" charset="-128"/>
-                <a:cs typeface="メイリオ" panose="020B0604030504040204" pitchFamily="50" charset="-128"/>
-              </a:rPr>
-              <a:t>スコープ</a:t>
-            </a:r>
-            <a:endParaRPr kumimoji="1" lang="ja-JP" altLang="en-US" sz="1400" dirty="0">
-              <a:solidFill>
-                <a:schemeClr val="tx1"/>
-              </a:solidFill>
-              <a:latin typeface="メイリオ" panose="020B0604030504040204" pitchFamily="50" charset="-128"/>
-              <a:ea typeface="メイリオ" panose="020B0604030504040204" pitchFamily="50" charset="-128"/>
-              <a:cs typeface="メイリオ" panose="020B0604030504040204" pitchFamily="50" charset="-128"/>
-            </a:endParaRPr>
           </a:p>
         </p:txBody>
       </p:sp>
@@ -16644,7 +15791,7 @@
         <p:spPr>
           <a:xfrm flipV="1">
             <a:off x="6343683" y="2135543"/>
-            <a:ext cx="1669126" cy="2743903"/>
+            <a:ext cx="1754458" cy="2743904"/>
           </a:xfrm>
           <a:prstGeom prst="straightConnector1">
             <a:avLst/>
@@ -16673,187 +15820,6 @@
           </a:fontRef>
         </p:style>
       </p:cxnSp>
-      <p:sp>
-        <p:nvSpPr>
-          <p:cNvPr id="122" name="正方形/長方形 121"/>
-          <p:cNvSpPr/>
-          <p:nvPr/>
-        </p:nvSpPr>
-        <p:spPr>
-          <a:xfrm>
-            <a:off x="7517462" y="3175035"/>
-            <a:ext cx="1649427" cy="515828"/>
-          </a:xfrm>
-          <a:prstGeom prst="rect">
-            <a:avLst/>
-          </a:prstGeom>
-          <a:solidFill>
-            <a:schemeClr val="bg1"/>
-          </a:solidFill>
-          <a:ln>
-            <a:solidFill>
-              <a:schemeClr val="tx1"/>
-            </a:solidFill>
-          </a:ln>
-        </p:spPr>
-        <p:style>
-          <a:lnRef idx="2">
-            <a:schemeClr val="accent1">
-              <a:shade val="50000"/>
-            </a:schemeClr>
-          </a:lnRef>
-          <a:fillRef idx="1">
-            <a:schemeClr val="accent1"/>
-          </a:fillRef>
-          <a:effectRef idx="0">
-            <a:schemeClr val="accent1"/>
-          </a:effectRef>
-          <a:fontRef idx="minor">
-            <a:schemeClr val="lt1"/>
-          </a:fontRef>
-        </p:style>
-        <p:txBody>
-          <a:bodyPr rtlCol="0" anchor="t"/>
-          <a:lstStyle/>
-          <a:p>
-            <a:r>
-              <a:rPr lang="en-US" altLang="ja-JP" sz="1400" dirty="0" smtClean="0">
-                <a:solidFill>
-                  <a:schemeClr val="tx1"/>
-                </a:solidFill>
-                <a:latin typeface="メイリオ" panose="020B0604030504040204" pitchFamily="50" charset="-128"/>
-                <a:ea typeface="メイリオ" panose="020B0604030504040204" pitchFamily="50" charset="-128"/>
-                <a:cs typeface="メイリオ" panose="020B0604030504040204" pitchFamily="50" charset="-128"/>
-              </a:rPr>
-              <a:t>Common(Logic</a:t>
-            </a:r>
-            <a:r>
-              <a:rPr lang="en-US" altLang="ja-JP" sz="1400" dirty="0">
-                <a:solidFill>
-                  <a:schemeClr val="tx1"/>
-                </a:solidFill>
-                <a:latin typeface="メイリオ" panose="020B0604030504040204" pitchFamily="50" charset="-128"/>
-                <a:ea typeface="メイリオ" panose="020B0604030504040204" pitchFamily="50" charset="-128"/>
-                <a:cs typeface="メイリオ" panose="020B0604030504040204" pitchFamily="50" charset="-128"/>
-              </a:rPr>
-              <a:t>)</a:t>
-            </a:r>
-            <a:br>
-              <a:rPr lang="en-US" altLang="ja-JP" sz="1400" dirty="0">
-                <a:solidFill>
-                  <a:schemeClr val="tx1"/>
-                </a:solidFill>
-                <a:latin typeface="メイリオ" panose="020B0604030504040204" pitchFamily="50" charset="-128"/>
-                <a:ea typeface="メイリオ" panose="020B0604030504040204" pitchFamily="50" charset="-128"/>
-                <a:cs typeface="メイリオ" panose="020B0604030504040204" pitchFamily="50" charset="-128"/>
-              </a:rPr>
-            </a:br>
-            <a:r>
-              <a:rPr lang="ja-JP" altLang="en-US" sz="1400" dirty="0" smtClean="0">
-                <a:solidFill>
-                  <a:schemeClr val="tx1"/>
-                </a:solidFill>
-                <a:latin typeface="メイリオ" panose="020B0604030504040204" pitchFamily="50" charset="-128"/>
-                <a:ea typeface="メイリオ" panose="020B0604030504040204" pitchFamily="50" charset="-128"/>
-                <a:cs typeface="メイリオ" panose="020B0604030504040204" pitchFamily="50" charset="-128"/>
-              </a:rPr>
-              <a:t>クラス</a:t>
-            </a:r>
-            <a:r>
-              <a:rPr lang="ja-JP" altLang="en-US" sz="1400" dirty="0">
-                <a:solidFill>
-                  <a:schemeClr val="tx1"/>
-                </a:solidFill>
-                <a:latin typeface="メイリオ" panose="020B0604030504040204" pitchFamily="50" charset="-128"/>
-                <a:ea typeface="メイリオ" panose="020B0604030504040204" pitchFamily="50" charset="-128"/>
-                <a:cs typeface="メイリオ" panose="020B0604030504040204" pitchFamily="50" charset="-128"/>
-              </a:rPr>
-              <a:t>名</a:t>
-            </a:r>
-            <a:r>
-              <a:rPr lang="en-US" altLang="ja-JP" sz="1400" dirty="0" smtClean="0">
-                <a:solidFill>
-                  <a:schemeClr val="tx1"/>
-                </a:solidFill>
-                <a:latin typeface="メイリオ" panose="020B0604030504040204" pitchFamily="50" charset="-128"/>
-                <a:ea typeface="メイリオ" panose="020B0604030504040204" pitchFamily="50" charset="-128"/>
-                <a:cs typeface="メイリオ" panose="020B0604030504040204" pitchFamily="50" charset="-128"/>
-              </a:rPr>
-              <a:t>.java</a:t>
-            </a:r>
-          </a:p>
-          <a:p>
-            <a:r>
-              <a:rPr lang="en-US" altLang="ja-JP" sz="900" dirty="0">
-                <a:solidFill>
-                  <a:schemeClr val="tx1"/>
-                </a:solidFill>
-                <a:latin typeface="メイリオ" panose="020B0604030504040204" pitchFamily="50" charset="-128"/>
-                <a:ea typeface="メイリオ" panose="020B0604030504040204" pitchFamily="50" charset="-128"/>
-                <a:cs typeface="メイリオ" panose="020B0604030504040204" pitchFamily="50" charset="-128"/>
-              </a:rPr>
-              <a:t/>
-            </a:r>
-            <a:br>
-              <a:rPr lang="en-US" altLang="ja-JP" sz="900" dirty="0">
-                <a:solidFill>
-                  <a:schemeClr val="tx1"/>
-                </a:solidFill>
-                <a:latin typeface="メイリオ" panose="020B0604030504040204" pitchFamily="50" charset="-128"/>
-                <a:ea typeface="メイリオ" panose="020B0604030504040204" pitchFamily="50" charset="-128"/>
-                <a:cs typeface="メイリオ" panose="020B0604030504040204" pitchFamily="50" charset="-128"/>
-              </a:rPr>
-            </a:br>
-            <a:endParaRPr kumimoji="1" lang="ja-JP" altLang="en-US" sz="900" dirty="0">
-              <a:solidFill>
-                <a:srgbClr val="FF0000"/>
-              </a:solidFill>
-              <a:latin typeface="メイリオ" panose="020B0604030504040204" pitchFamily="50" charset="-128"/>
-              <a:ea typeface="メイリオ" panose="020B0604030504040204" pitchFamily="50" charset="-128"/>
-              <a:cs typeface="メイリオ" panose="020B0604030504040204" pitchFamily="50" charset="-128"/>
-            </a:endParaRPr>
-          </a:p>
-        </p:txBody>
-      </p:sp>
-      <p:cxnSp>
-        <p:nvCxnSpPr>
-          <p:cNvPr id="123" name="直線矢印コネクタ 122"/>
-          <p:cNvCxnSpPr>
-            <a:stCxn id="122" idx="3"/>
-          </p:cNvCxnSpPr>
-          <p:nvPr/>
-        </p:nvCxnSpPr>
-        <p:spPr>
-          <a:xfrm>
-            <a:off x="9166889" y="3432949"/>
-            <a:ext cx="330164" cy="0"/>
-          </a:xfrm>
-          <a:prstGeom prst="straightConnector1">
-            <a:avLst/>
-          </a:prstGeom>
-          <a:ln w="25400">
-            <a:solidFill>
-              <a:schemeClr val="tx1"/>
-            </a:solidFill>
-            <a:prstDash val="solid"/>
-            <a:tailEnd type="triangle" w="lg" len="lg"/>
-          </a:ln>
-        </p:spPr>
-        <p:style>
-          <a:lnRef idx="1">
-            <a:schemeClr val="accent1"/>
-          </a:lnRef>
-          <a:fillRef idx="0">
-            <a:schemeClr val="accent1"/>
-          </a:fillRef>
-          <a:effectRef idx="0">
-            <a:schemeClr val="accent1"/>
-          </a:effectRef>
-          <a:fontRef idx="minor">
-            <a:schemeClr val="tx1"/>
-          </a:fontRef>
-        </p:style>
-      </p:cxnSp>
       <p:cxnSp>
         <p:nvCxnSpPr>
           <p:cNvPr id="65" name="直線矢印コネクタ 64"/>
@@ -17040,85 +16006,243 @@
           </a:fontRef>
         </p:style>
       </p:cxnSp>
-      <p:cxnSp>
-        <p:nvCxnSpPr>
-          <p:cNvPr id="80" name="直線矢印コネクタ 79"/>
-          <p:cNvCxnSpPr>
-            <a:stCxn id="5" idx="1"/>
-            <a:endCxn id="16" idx="0"/>
-          </p:cNvCxnSpPr>
-          <p:nvPr/>
-        </p:nvCxnSpPr>
-        <p:spPr>
-          <a:xfrm flipH="1">
-            <a:off x="2172454" y="1923043"/>
-            <a:ext cx="1211171" cy="2513044"/>
-          </a:xfrm>
-          <a:prstGeom prst="straightConnector1">
-            <a:avLst/>
-          </a:prstGeom>
-          <a:ln w="25400">
+      <p:sp>
+        <p:nvSpPr>
+          <p:cNvPr id="49" name="角丸四角形 48"/>
+          <p:cNvSpPr/>
+          <p:nvPr/>
+        </p:nvSpPr>
+        <p:spPr>
+          <a:xfrm>
+            <a:off x="4112118" y="4855204"/>
+            <a:ext cx="2407353" cy="1856352"/>
+          </a:xfrm>
+          <a:prstGeom prst="roundRect">
+            <a:avLst/>
+          </a:prstGeom>
+          <a:noFill/>
+          <a:ln>
             <a:solidFill>
               <a:schemeClr val="tx1"/>
             </a:solidFill>
-            <a:prstDash val="dash"/>
-            <a:headEnd type="triangle" w="lg" len="lg"/>
-            <a:tailEnd type="none" w="lg" len="lg"/>
-          </a:ln>
-        </p:spPr>
-        <p:style>
-          <a:lnRef idx="1">
-            <a:schemeClr val="accent1"/>
-          </a:lnRef>
-          <a:fillRef idx="0">
-            <a:schemeClr val="accent1"/>
-          </a:fillRef>
-          <a:effectRef idx="0">
-            <a:schemeClr val="accent1"/>
-          </a:effectRef>
-          <a:fontRef idx="minor">
-            <a:schemeClr val="tx1"/>
-          </a:fontRef>
-        </p:style>
-      </p:cxnSp>
-      <p:cxnSp>
-        <p:nvCxnSpPr>
-          <p:cNvPr id="86" name="直線矢印コネクタ 85"/>
-          <p:cNvCxnSpPr/>
-          <p:nvPr/>
-        </p:nvCxnSpPr>
-        <p:spPr>
-          <a:xfrm flipV="1">
-            <a:off x="3381784" y="2160896"/>
-            <a:ext cx="3924690" cy="2867364"/>
-          </a:xfrm>
-          <a:prstGeom prst="straightConnector1">
-            <a:avLst/>
-          </a:prstGeom>
-          <a:ln w="25400">
-            <a:solidFill>
-              <a:schemeClr val="tx1"/>
-            </a:solidFill>
-            <a:prstDash val="dash"/>
-            <a:headEnd type="triangle" w="lg" len="lg"/>
-            <a:tailEnd type="none" w="lg" len="lg"/>
-          </a:ln>
-        </p:spPr>
-        <p:style>
-          <a:lnRef idx="1">
-            <a:schemeClr val="accent1"/>
-          </a:lnRef>
-          <a:fillRef idx="0">
-            <a:schemeClr val="accent1"/>
-          </a:fillRef>
-          <a:effectRef idx="0">
-            <a:schemeClr val="accent1"/>
-          </a:effectRef>
-          <a:fontRef idx="minor">
-            <a:schemeClr val="tx1"/>
-          </a:fontRef>
-        </p:style>
-      </p:cxnSp>
+          </a:ln>
+        </p:spPr>
+        <p:style>
+          <a:lnRef idx="2">
+            <a:schemeClr val="accent1">
+              <a:shade val="50000"/>
+            </a:schemeClr>
+          </a:lnRef>
+          <a:fillRef idx="1">
+            <a:schemeClr val="accent1"/>
+          </a:fillRef>
+          <a:effectRef idx="0">
+            <a:schemeClr val="accent1"/>
+          </a:effectRef>
+          <a:fontRef idx="minor">
+            <a:schemeClr val="lt1"/>
+          </a:fontRef>
+        </p:style>
+        <p:txBody>
+          <a:bodyPr rtlCol="0" anchor="t"/>
+          <a:lstStyle/>
+          <a:p>
+            <a:pPr algn="ctr"/>
+            <a:r>
+              <a:rPr lang="en-US" altLang="ja-JP" sz="1400" dirty="0" smtClean="0">
+                <a:solidFill>
+                  <a:schemeClr val="tx1"/>
+                </a:solidFill>
+                <a:latin typeface="メイリオ" panose="020B0604030504040204" pitchFamily="50" charset="-128"/>
+                <a:ea typeface="メイリオ" panose="020B0604030504040204" pitchFamily="50" charset="-128"/>
+                <a:cs typeface="メイリオ" panose="020B0604030504040204" pitchFamily="50" charset="-128"/>
+              </a:rPr>
+              <a:t>session</a:t>
+            </a:r>
+            <a:r>
+              <a:rPr lang="ja-JP" altLang="en-US" sz="1400" dirty="0" smtClean="0">
+                <a:solidFill>
+                  <a:schemeClr val="tx1"/>
+                </a:solidFill>
+                <a:latin typeface="メイリオ" panose="020B0604030504040204" pitchFamily="50" charset="-128"/>
+                <a:ea typeface="メイリオ" panose="020B0604030504040204" pitchFamily="50" charset="-128"/>
+                <a:cs typeface="メイリオ" panose="020B0604030504040204" pitchFamily="50" charset="-128"/>
+              </a:rPr>
+              <a:t>スコープ</a:t>
+            </a:r>
+            <a:endParaRPr lang="en-US" altLang="ja-JP" sz="1400" dirty="0" smtClean="0">
+              <a:solidFill>
+                <a:schemeClr val="tx1"/>
+              </a:solidFill>
+              <a:latin typeface="メイリオ" panose="020B0604030504040204" pitchFamily="50" charset="-128"/>
+              <a:ea typeface="メイリオ" panose="020B0604030504040204" pitchFamily="50" charset="-128"/>
+              <a:cs typeface="メイリオ" panose="020B0604030504040204" pitchFamily="50" charset="-128"/>
+            </a:endParaRPr>
+          </a:p>
+          <a:p>
+            <a:pPr algn="ctr"/>
+            <a:endParaRPr kumimoji="1" lang="en-US" altLang="ja-JP" sz="1400" dirty="0">
+              <a:solidFill>
+                <a:schemeClr val="tx1"/>
+              </a:solidFill>
+              <a:latin typeface="メイリオ" panose="020B0604030504040204" pitchFamily="50" charset="-128"/>
+              <a:ea typeface="メイリオ" panose="020B0604030504040204" pitchFamily="50" charset="-128"/>
+              <a:cs typeface="メイリオ" panose="020B0604030504040204" pitchFamily="50" charset="-128"/>
+            </a:endParaRPr>
+          </a:p>
+          <a:p>
+            <a:pPr algn="ctr"/>
+            <a:r>
+              <a:rPr lang="ja-JP" altLang="en-US" sz="1100" dirty="0" smtClean="0">
+                <a:solidFill>
+                  <a:schemeClr val="tx1"/>
+                </a:solidFill>
+                <a:latin typeface="メイリオ" panose="020B0604030504040204" pitchFamily="50" charset="-128"/>
+                <a:ea typeface="メイリオ" panose="020B0604030504040204" pitchFamily="50" charset="-128"/>
+                <a:cs typeface="メイリオ" panose="020B0604030504040204" pitchFamily="50" charset="-128"/>
+              </a:rPr>
+              <a:t>・</a:t>
+            </a:r>
+            <a:r>
+              <a:rPr lang="ja-JP" altLang="en-US" sz="1100" dirty="0" smtClean="0">
+                <a:solidFill>
+                  <a:schemeClr val="tx1"/>
+                </a:solidFill>
+                <a:latin typeface="メイリオ" panose="020B0604030504040204" pitchFamily="50" charset="-128"/>
+                <a:ea typeface="メイリオ" panose="020B0604030504040204" pitchFamily="50" charset="-128"/>
+                <a:cs typeface="メイリオ" panose="020B0604030504040204" pitchFamily="50" charset="-128"/>
+              </a:rPr>
+              <a:t>参照・編集している社員</a:t>
+            </a:r>
+            <a:r>
+              <a:rPr lang="en-US" altLang="ja-JP" sz="1100" dirty="0" smtClean="0">
+                <a:solidFill>
+                  <a:schemeClr val="tx1"/>
+                </a:solidFill>
+                <a:latin typeface="メイリオ" panose="020B0604030504040204" pitchFamily="50" charset="-128"/>
+                <a:ea typeface="メイリオ" panose="020B0604030504040204" pitchFamily="50" charset="-128"/>
+                <a:cs typeface="メイリオ" panose="020B0604030504040204" pitchFamily="50" charset="-128"/>
+              </a:rPr>
+              <a:t>ID</a:t>
+            </a:r>
+            <a:br>
+              <a:rPr lang="en-US" altLang="ja-JP" sz="1100" dirty="0" smtClean="0">
+                <a:solidFill>
+                  <a:schemeClr val="tx1"/>
+                </a:solidFill>
+                <a:latin typeface="メイリオ" panose="020B0604030504040204" pitchFamily="50" charset="-128"/>
+                <a:ea typeface="メイリオ" panose="020B0604030504040204" pitchFamily="50" charset="-128"/>
+                <a:cs typeface="メイリオ" panose="020B0604030504040204" pitchFamily="50" charset="-128"/>
+              </a:rPr>
+            </a:br>
+            <a:r>
+              <a:rPr lang="ja-JP" altLang="en-US" sz="1100" dirty="0" smtClean="0">
+                <a:solidFill>
+                  <a:schemeClr val="tx1"/>
+                </a:solidFill>
+                <a:latin typeface="メイリオ" panose="020B0604030504040204" pitchFamily="50" charset="-128"/>
+                <a:ea typeface="メイリオ" panose="020B0604030504040204" pitchFamily="50" charset="-128"/>
+                <a:cs typeface="メイリオ" panose="020B0604030504040204" pitchFamily="50" charset="-128"/>
+              </a:rPr>
+              <a:t>・前のページ</a:t>
+            </a:r>
+            <a:endParaRPr lang="en-US" altLang="ja-JP" sz="1100" dirty="0" smtClean="0">
+              <a:solidFill>
+                <a:schemeClr val="tx1"/>
+              </a:solidFill>
+              <a:latin typeface="メイリオ" panose="020B0604030504040204" pitchFamily="50" charset="-128"/>
+              <a:ea typeface="メイリオ" panose="020B0604030504040204" pitchFamily="50" charset="-128"/>
+              <a:cs typeface="メイリオ" panose="020B0604030504040204" pitchFamily="50" charset="-128"/>
+            </a:endParaRPr>
+          </a:p>
+          <a:p>
+            <a:pPr algn="ctr"/>
+            <a:r>
+              <a:rPr lang="ja-JP" altLang="en-US" sz="1100" dirty="0" smtClean="0">
+                <a:solidFill>
+                  <a:schemeClr val="tx1"/>
+                </a:solidFill>
+                <a:latin typeface="メイリオ" panose="020B0604030504040204" pitchFamily="50" charset="-128"/>
+                <a:ea typeface="メイリオ" panose="020B0604030504040204" pitchFamily="50" charset="-128"/>
+                <a:cs typeface="メイリオ" panose="020B0604030504040204" pitchFamily="50" charset="-128"/>
+              </a:rPr>
+              <a:t>・社員情報</a:t>
+            </a:r>
+            <a:r>
+              <a:rPr lang="en-US" altLang="ja-JP" sz="1100" dirty="0" smtClean="0">
+                <a:solidFill>
+                  <a:schemeClr val="tx1"/>
+                </a:solidFill>
+                <a:latin typeface="メイリオ" panose="020B0604030504040204" pitchFamily="50" charset="-128"/>
+                <a:ea typeface="メイリオ" panose="020B0604030504040204" pitchFamily="50" charset="-128"/>
+                <a:cs typeface="メイリオ" panose="020B0604030504040204" pitchFamily="50" charset="-128"/>
+              </a:rPr>
+              <a:t>Bean</a:t>
+            </a:r>
+            <a:r>
+              <a:rPr lang="en-US" altLang="ja-JP" sz="1100" dirty="0" smtClean="0">
+                <a:solidFill>
+                  <a:schemeClr val="tx1"/>
+                </a:solidFill>
+                <a:latin typeface="メイリオ" panose="020B0604030504040204" pitchFamily="50" charset="-128"/>
+                <a:ea typeface="メイリオ" panose="020B0604030504040204" pitchFamily="50" charset="-128"/>
+                <a:cs typeface="メイリオ" panose="020B0604030504040204" pitchFamily="50" charset="-128"/>
+              </a:rPr>
+              <a:t/>
+            </a:r>
+            <a:br>
+              <a:rPr lang="en-US" altLang="ja-JP" sz="1100" dirty="0" smtClean="0">
+                <a:solidFill>
+                  <a:schemeClr val="tx1"/>
+                </a:solidFill>
+                <a:latin typeface="メイリオ" panose="020B0604030504040204" pitchFamily="50" charset="-128"/>
+                <a:ea typeface="メイリオ" panose="020B0604030504040204" pitchFamily="50" charset="-128"/>
+                <a:cs typeface="メイリオ" panose="020B0604030504040204" pitchFamily="50" charset="-128"/>
+              </a:rPr>
+            </a:br>
+            <a:endParaRPr lang="en-US" altLang="ja-JP" sz="1100" dirty="0" smtClean="0">
+              <a:solidFill>
+                <a:schemeClr val="tx1"/>
+              </a:solidFill>
+              <a:latin typeface="メイリオ" panose="020B0604030504040204" pitchFamily="50" charset="-128"/>
+              <a:ea typeface="メイリオ" panose="020B0604030504040204" pitchFamily="50" charset="-128"/>
+              <a:cs typeface="メイリオ" panose="020B0604030504040204" pitchFamily="50" charset="-128"/>
+            </a:endParaRPr>
+          </a:p>
+          <a:p>
+            <a:pPr algn="ctr"/>
+            <a:r>
+              <a:rPr lang="en-US" altLang="ja-JP" sz="1100" dirty="0">
+                <a:solidFill>
+                  <a:schemeClr val="tx1"/>
+                </a:solidFill>
+                <a:latin typeface="メイリオ" panose="020B0604030504040204" pitchFamily="50" charset="-128"/>
+                <a:ea typeface="メイリオ" panose="020B0604030504040204" pitchFamily="50" charset="-128"/>
+                <a:cs typeface="メイリオ" panose="020B0604030504040204" pitchFamily="50" charset="-128"/>
+              </a:rPr>
+              <a:t/>
+            </a:r>
+            <a:br>
+              <a:rPr lang="en-US" altLang="ja-JP" sz="1100" dirty="0">
+                <a:solidFill>
+                  <a:schemeClr val="tx1"/>
+                </a:solidFill>
+                <a:latin typeface="メイリオ" panose="020B0604030504040204" pitchFamily="50" charset="-128"/>
+                <a:ea typeface="メイリオ" panose="020B0604030504040204" pitchFamily="50" charset="-128"/>
+                <a:cs typeface="メイリオ" panose="020B0604030504040204" pitchFamily="50" charset="-128"/>
+              </a:rPr>
+            </a:br>
+            <a:endParaRPr kumimoji="1" lang="ja-JP" altLang="en-US" sz="1100" dirty="0">
+              <a:solidFill>
+                <a:schemeClr val="tx1"/>
+              </a:solidFill>
+              <a:latin typeface="メイリオ" panose="020B0604030504040204" pitchFamily="50" charset="-128"/>
+              <a:ea typeface="メイリオ" panose="020B0604030504040204" pitchFamily="50" charset="-128"/>
+              <a:cs typeface="メイリオ" panose="020B0604030504040204" pitchFamily="50" charset="-128"/>
+            </a:endParaRPr>
+          </a:p>
+        </p:txBody>
+      </p:sp>
     </p:spTree>
     <p:extLst>
       <p:ext uri="{BB962C8B-B14F-4D97-AF65-F5344CB8AC3E}">
@@ -18732,8 +17856,8 @@
         </p:nvSpPr>
         <p:spPr>
           <a:xfrm>
-            <a:off x="4627770" y="3269618"/>
-            <a:ext cx="2880274" cy="331518"/>
+            <a:off x="5007995" y="3102331"/>
+            <a:ext cx="1914698" cy="331518"/>
           </a:xfrm>
           <a:prstGeom prst="rect">
             <a:avLst/>
@@ -18806,7 +17930,7 @@
                 <a:ea typeface="メイリオ" panose="020B0604030504040204" pitchFamily="50" charset="-128"/>
                 <a:cs typeface="メイリオ" panose="020B0604030504040204" pitchFamily="50" charset="-128"/>
               </a:rPr>
-              <a:t>userVeiw</a:t>
+              <a:t>viewUser</a:t>
             </a:r>
             <a:r>
               <a:rPr lang="en-US" altLang="ja-JP" sz="1100" dirty="0" smtClean="0">
@@ -18817,7 +17941,29 @@
                 <a:ea typeface="メイリオ" panose="020B0604030504040204" pitchFamily="50" charset="-128"/>
                 <a:cs typeface="メイリオ" panose="020B0604030504040204" pitchFamily="50" charset="-128"/>
               </a:rPr>
-              <a:t>, user </a:t>
+              <a:t>, </a:t>
+            </a:r>
+            <a:r>
+              <a:rPr lang="en-US" altLang="ja-JP" sz="1100" dirty="0" err="1" smtClean="0">
+                <a:solidFill>
+                  <a:schemeClr val="tx1"/>
+                </a:solidFill>
+                <a:latin typeface="メイリオ" panose="020B0604030504040204" pitchFamily="50" charset="-128"/>
+                <a:ea typeface="メイリオ" panose="020B0604030504040204" pitchFamily="50" charset="-128"/>
+                <a:cs typeface="メイリオ" panose="020B0604030504040204" pitchFamily="50" charset="-128"/>
+              </a:rPr>
+              <a:t>selectedUser</a:t>
+            </a:r>
+            <a:r>
+              <a:rPr lang="en-US" altLang="ja-JP" sz="1100" dirty="0" smtClean="0">
+                <a:solidFill>
+                  <a:schemeClr val="tx1"/>
+                </a:solidFill>
+                <a:latin typeface="メイリオ" panose="020B0604030504040204" pitchFamily="50" charset="-128"/>
+                <a:ea typeface="メイリオ" panose="020B0604030504040204" pitchFamily="50" charset="-128"/>
+                <a:cs typeface="メイリオ" panose="020B0604030504040204" pitchFamily="50" charset="-128"/>
+              </a:rPr>
+              <a:t> </a:t>
             </a:r>
             <a:r>
               <a:rPr lang="en-US" altLang="ja-JP" sz="1100" dirty="0">
@@ -19226,14 +18372,14 @@
       </p:cxnSp>
       <p:sp>
         <p:nvSpPr>
-          <p:cNvPr id="88" name="正方形/長方形 56"/>
+          <p:cNvPr id="37" name="正方形/長方形 56"/>
           <p:cNvSpPr/>
           <p:nvPr/>
         </p:nvSpPr>
         <p:spPr>
           <a:xfrm>
-            <a:off x="4553797" y="4076731"/>
-            <a:ext cx="2880274" cy="331518"/>
+            <a:off x="5057825" y="4028172"/>
+            <a:ext cx="1914698" cy="331518"/>
           </a:xfrm>
           <a:prstGeom prst="rect">
             <a:avLst/>
@@ -19306,7 +18452,7 @@
                 <a:ea typeface="メイリオ" panose="020B0604030504040204" pitchFamily="50" charset="-128"/>
                 <a:cs typeface="メイリオ" panose="020B0604030504040204" pitchFamily="50" charset="-128"/>
               </a:rPr>
-              <a:t>userView</a:t>
+              <a:t>viewUser</a:t>
             </a:r>
             <a:r>
               <a:rPr lang="en-US" altLang="ja-JP" sz="1100" dirty="0" smtClean="0">
@@ -19317,7 +18463,29 @@
                 <a:ea typeface="メイリオ" panose="020B0604030504040204" pitchFamily="50" charset="-128"/>
                 <a:cs typeface="メイリオ" panose="020B0604030504040204" pitchFamily="50" charset="-128"/>
               </a:rPr>
-              <a:t>, user </a:t>
+              <a:t>, </a:t>
+            </a:r>
+            <a:r>
+              <a:rPr lang="en-US" altLang="ja-JP" sz="1100" dirty="0" err="1" smtClean="0">
+                <a:solidFill>
+                  <a:schemeClr val="tx1"/>
+                </a:solidFill>
+                <a:latin typeface="メイリオ" panose="020B0604030504040204" pitchFamily="50" charset="-128"/>
+                <a:ea typeface="メイリオ" panose="020B0604030504040204" pitchFamily="50" charset="-128"/>
+                <a:cs typeface="メイリオ" panose="020B0604030504040204" pitchFamily="50" charset="-128"/>
+              </a:rPr>
+              <a:t>selectedUser</a:t>
+            </a:r>
+            <a:r>
+              <a:rPr lang="en-US" altLang="ja-JP" sz="1100" dirty="0" smtClean="0">
+                <a:solidFill>
+                  <a:schemeClr val="tx1"/>
+                </a:solidFill>
+                <a:latin typeface="メイリオ" panose="020B0604030504040204" pitchFamily="50" charset="-128"/>
+                <a:ea typeface="メイリオ" panose="020B0604030504040204" pitchFamily="50" charset="-128"/>
+                <a:cs typeface="メイリオ" panose="020B0604030504040204" pitchFamily="50" charset="-128"/>
+              </a:rPr>
+              <a:t> </a:t>
             </a:r>
             <a:r>
               <a:rPr lang="en-US" altLang="ja-JP" sz="1100" dirty="0">
@@ -22154,7 +21322,7 @@
         </p:nvSpPr>
         <p:spPr>
           <a:xfrm>
-            <a:off x="6627731" y="4630373"/>
+            <a:off x="6940321" y="4530871"/>
             <a:ext cx="2058038" cy="331518"/>
           </a:xfrm>
           <a:prstGeom prst="rect">
@@ -22195,8 +21363,27 @@
                 <a:ea typeface="メイリオ" panose="020B0604030504040204" pitchFamily="50" charset="-128"/>
                 <a:cs typeface="メイリオ" panose="020B0604030504040204" pitchFamily="50" charset="-128"/>
               </a:rPr>
-              <a:t>POST action = createuser</a:t>
-            </a:r>
+              <a:t>POST action = </a:t>
+            </a:r>
+            <a:r>
+              <a:rPr lang="en-US" altLang="ja-JP" sz="1100" dirty="0" err="1" smtClean="0">
+                <a:solidFill>
+                  <a:schemeClr val="tx1"/>
+                </a:solidFill>
+                <a:latin typeface="メイリオ" panose="020B0604030504040204" pitchFamily="50" charset="-128"/>
+                <a:ea typeface="メイリオ" panose="020B0604030504040204" pitchFamily="50" charset="-128"/>
+                <a:cs typeface="メイリオ" panose="020B0604030504040204" pitchFamily="50" charset="-128"/>
+              </a:rPr>
+              <a:t>confirmNewUser</a:t>
+            </a:r>
+            <a:endParaRPr lang="en-US" altLang="ja-JP" sz="1100" dirty="0" smtClean="0">
+              <a:solidFill>
+                <a:schemeClr val="tx1"/>
+              </a:solidFill>
+              <a:latin typeface="メイリオ" panose="020B0604030504040204" pitchFamily="50" charset="-128"/>
+              <a:ea typeface="メイリオ" panose="020B0604030504040204" pitchFamily="50" charset="-128"/>
+              <a:cs typeface="メイリオ" panose="020B0604030504040204" pitchFamily="50" charset="-128"/>
+            </a:endParaRPr>
           </a:p>
           <a:p>
             <a:pPr algn="ctr"/>
@@ -25502,7 +24689,40 @@
                 <a:ea typeface="メイリオ" panose="020B0604030504040204" pitchFamily="50" charset="-128"/>
                 <a:cs typeface="メイリオ" panose="020B0604030504040204" pitchFamily="50" charset="-128"/>
               </a:rPr>
-              <a:t> = “”, user = </a:t>
+              <a:t> = “”, </a:t>
+            </a:r>
+            <a:r>
+              <a:rPr lang="en-US" altLang="ja-JP" sz="1100" dirty="0" err="1" smtClean="0">
+                <a:solidFill>
+                  <a:schemeClr val="tx1"/>
+                </a:solidFill>
+                <a:latin typeface="メイリオ" panose="020B0604030504040204" pitchFamily="50" charset="-128"/>
+                <a:ea typeface="メイリオ" panose="020B0604030504040204" pitchFamily="50" charset="-128"/>
+                <a:cs typeface="メイリオ" panose="020B0604030504040204" pitchFamily="50" charset="-128"/>
+              </a:rPr>
+              <a:t>selectedUser</a:t>
+            </a:r>
+            <a:r>
+              <a:rPr lang="en-US" altLang="ja-JP" sz="1100" dirty="0" smtClean="0">
+                <a:solidFill>
+                  <a:schemeClr val="tx1"/>
+                </a:solidFill>
+                <a:latin typeface="メイリオ" panose="020B0604030504040204" pitchFamily="50" charset="-128"/>
+                <a:ea typeface="メイリオ" panose="020B0604030504040204" pitchFamily="50" charset="-128"/>
+                <a:cs typeface="メイリオ" panose="020B0604030504040204" pitchFamily="50" charset="-128"/>
+              </a:rPr>
+              <a:t> </a:t>
+            </a:r>
+            <a:r>
+              <a:rPr lang="en-US" altLang="ja-JP" sz="1100" dirty="0" smtClean="0">
+                <a:solidFill>
+                  <a:schemeClr val="tx1"/>
+                </a:solidFill>
+                <a:latin typeface="メイリオ" panose="020B0604030504040204" pitchFamily="50" charset="-128"/>
+                <a:ea typeface="メイリオ" panose="020B0604030504040204" pitchFamily="50" charset="-128"/>
+                <a:cs typeface="メイリオ" panose="020B0604030504040204" pitchFamily="50" charset="-128"/>
+              </a:rPr>
+              <a:t>= </a:t>
             </a:r>
             <a:r>
               <a:rPr lang="ja-JP" altLang="en-US" sz="1100" dirty="0" smtClean="0">
@@ -25589,7 +24809,7 @@
         </p:nvSpPr>
         <p:spPr>
           <a:xfrm>
-            <a:off x="7513921" y="3985870"/>
+            <a:off x="7449737" y="3973072"/>
             <a:ext cx="2058038" cy="331518"/>
           </a:xfrm>
           <a:prstGeom prst="rect">
@@ -25630,8 +24850,27 @@
                 <a:ea typeface="メイリオ" panose="020B0604030504040204" pitchFamily="50" charset="-128"/>
                 <a:cs typeface="メイリオ" panose="020B0604030504040204" pitchFamily="50" charset="-128"/>
               </a:rPr>
-              <a:t>POST action = updateuser</a:t>
-            </a:r>
+              <a:t>POST action = </a:t>
+            </a:r>
+            <a:r>
+              <a:rPr lang="en-US" altLang="ja-JP" sz="1100" dirty="0" err="1" smtClean="0">
+                <a:solidFill>
+                  <a:schemeClr val="tx1"/>
+                </a:solidFill>
+                <a:latin typeface="メイリオ" panose="020B0604030504040204" pitchFamily="50" charset="-128"/>
+                <a:ea typeface="メイリオ" panose="020B0604030504040204" pitchFamily="50" charset="-128"/>
+                <a:cs typeface="メイリオ" panose="020B0604030504040204" pitchFamily="50" charset="-128"/>
+              </a:rPr>
+              <a:t>confirmUpdateUser</a:t>
+            </a:r>
+            <a:endParaRPr lang="en-US" altLang="ja-JP" sz="1100" dirty="0" smtClean="0">
+              <a:solidFill>
+                <a:schemeClr val="tx1"/>
+              </a:solidFill>
+              <a:latin typeface="メイリオ" panose="020B0604030504040204" pitchFamily="50" charset="-128"/>
+              <a:ea typeface="メイリオ" panose="020B0604030504040204" pitchFamily="50" charset="-128"/>
+              <a:cs typeface="メイリオ" panose="020B0604030504040204" pitchFamily="50" charset="-128"/>
+            </a:endParaRPr>
           </a:p>
         </p:txBody>
       </p:sp>
@@ -26622,7 +25861,7 @@
                 <a:ea typeface="メイリオ" panose="020B0604030504040204" pitchFamily="50" charset="-128"/>
                 <a:cs typeface="メイリオ" panose="020B0604030504040204" pitchFamily="50" charset="-128"/>
               </a:rPr>
-              <a:t>userVeiw</a:t>
+              <a:t>viewUser</a:t>
             </a:r>
             <a:r>
               <a:rPr kumimoji="1" lang="ja-JP" altLang="en-US" sz="1100" dirty="0" smtClean="0">
@@ -29211,7 +28450,7 @@
         </p:nvSpPr>
         <p:spPr>
           <a:xfrm>
-            <a:off x="4298524" y="2751392"/>
+            <a:off x="4298524" y="2698386"/>
             <a:ext cx="2880274" cy="331518"/>
           </a:xfrm>
           <a:prstGeom prst="rect">
@@ -29318,7 +28557,40 @@
                 <a:ea typeface="メイリオ" panose="020B0604030504040204" pitchFamily="50" charset="-128"/>
                 <a:cs typeface="メイリオ" panose="020B0604030504040204" pitchFamily="50" charset="-128"/>
               </a:rPr>
-              <a:t> = “”, user = </a:t>
+              <a:t> = “”, </a:t>
+            </a:r>
+            <a:r>
+              <a:rPr lang="en-US" altLang="ja-JP" sz="1100" dirty="0" err="1" smtClean="0">
+                <a:solidFill>
+                  <a:schemeClr val="tx1"/>
+                </a:solidFill>
+                <a:latin typeface="メイリオ" panose="020B0604030504040204" pitchFamily="50" charset="-128"/>
+                <a:ea typeface="メイリオ" panose="020B0604030504040204" pitchFamily="50" charset="-128"/>
+                <a:cs typeface="メイリオ" panose="020B0604030504040204" pitchFamily="50" charset="-128"/>
+              </a:rPr>
+              <a:t>selectedUser</a:t>
+            </a:r>
+            <a:r>
+              <a:rPr lang="en-US" altLang="ja-JP" sz="1100" dirty="0" smtClean="0">
+                <a:solidFill>
+                  <a:schemeClr val="tx1"/>
+                </a:solidFill>
+                <a:latin typeface="メイリオ" panose="020B0604030504040204" pitchFamily="50" charset="-128"/>
+                <a:ea typeface="メイリオ" panose="020B0604030504040204" pitchFamily="50" charset="-128"/>
+                <a:cs typeface="メイリオ" panose="020B0604030504040204" pitchFamily="50" charset="-128"/>
+              </a:rPr>
+              <a:t> </a:t>
+            </a:r>
+            <a:r>
+              <a:rPr lang="en-US" altLang="ja-JP" sz="1100" dirty="0" smtClean="0">
+                <a:solidFill>
+                  <a:schemeClr val="tx1"/>
+                </a:solidFill>
+                <a:latin typeface="メイリオ" panose="020B0604030504040204" pitchFamily="50" charset="-128"/>
+                <a:ea typeface="メイリオ" panose="020B0604030504040204" pitchFamily="50" charset="-128"/>
+                <a:cs typeface="メイリオ" panose="020B0604030504040204" pitchFamily="50" charset="-128"/>
+              </a:rPr>
+              <a:t>= </a:t>
             </a:r>
             <a:r>
               <a:rPr lang="ja-JP" altLang="en-US" sz="1100" dirty="0" smtClean="0">
@@ -30136,18 +29408,7 @@
                 <a:ea typeface="メイリオ" panose="020B0604030504040204" pitchFamily="50" charset="-128"/>
                 <a:cs typeface="メイリオ" panose="020B0604030504040204" pitchFamily="50" charset="-128"/>
               </a:rPr>
-              <a:t>GET action = </a:t>
-            </a:r>
-            <a:r>
-              <a:rPr lang="en-US" altLang="ja-JP" sz="1100" dirty="0" smtClean="0">
-                <a:solidFill>
-                  <a:srgbClr val="FF0000"/>
-                </a:solidFill>
-                <a:latin typeface="メイリオ" panose="020B0604030504040204" pitchFamily="50" charset="-128"/>
-                <a:ea typeface="メイリオ" panose="020B0604030504040204" pitchFamily="50" charset="-128"/>
-                <a:cs typeface="メイリオ" panose="020B0604030504040204" pitchFamily="50" charset="-128"/>
-              </a:rPr>
-              <a:t>delete</a:t>
+              <a:t>GET action = delete</a:t>
             </a:r>
           </a:p>
           <a:p>
@@ -31772,200 +31033,6 @@
       </p:cxnSp>
       <p:sp>
         <p:nvSpPr>
-          <p:cNvPr id="120" name="正方形/長方形 56"/>
-          <p:cNvSpPr/>
-          <p:nvPr/>
-        </p:nvSpPr>
-        <p:spPr>
-          <a:xfrm>
-            <a:off x="4627770" y="3269618"/>
-            <a:ext cx="2880274" cy="331518"/>
-          </a:xfrm>
-          <a:prstGeom prst="rect">
-            <a:avLst/>
-          </a:prstGeom>
-          <a:noFill/>
-          <a:ln>
-            <a:noFill/>
-          </a:ln>
-        </p:spPr>
-        <p:style>
-          <a:lnRef idx="2">
-            <a:schemeClr val="accent1">
-              <a:shade val="50000"/>
-            </a:schemeClr>
-          </a:lnRef>
-          <a:fillRef idx="1">
-            <a:schemeClr val="accent1"/>
-          </a:fillRef>
-          <a:effectRef idx="0">
-            <a:schemeClr val="accent1"/>
-          </a:effectRef>
-          <a:fontRef idx="minor">
-            <a:schemeClr val="lt1"/>
-          </a:fontRef>
-        </p:style>
-        <p:txBody>
-          <a:bodyPr rtlCol="0" anchor="t"/>
-          <a:lstStyle/>
-          <a:p>
-            <a:pPr algn="ctr"/>
-            <a:r>
-              <a:rPr kumimoji="1" lang="en-US" altLang="ja-JP" sz="1100" dirty="0" smtClean="0">
-                <a:solidFill>
-                  <a:schemeClr val="tx1"/>
-                </a:solidFill>
-                <a:latin typeface="メイリオ" panose="020B0604030504040204" pitchFamily="50" charset="-128"/>
-                <a:ea typeface="メイリオ" panose="020B0604030504040204" pitchFamily="50" charset="-128"/>
-                <a:cs typeface="メイリオ" panose="020B0604030504040204" pitchFamily="50" charset="-128"/>
-              </a:rPr>
-              <a:t>GET</a:t>
-            </a:r>
-            <a:r>
-              <a:rPr lang="ja-JP" altLang="en-US" sz="1100" dirty="0">
-                <a:solidFill>
-                  <a:schemeClr val="tx1"/>
-                </a:solidFill>
-                <a:latin typeface="メイリオ" panose="020B0604030504040204" pitchFamily="50" charset="-128"/>
-                <a:ea typeface="メイリオ" panose="020B0604030504040204" pitchFamily="50" charset="-128"/>
-                <a:cs typeface="メイリオ" panose="020B0604030504040204" pitchFamily="50" charset="-128"/>
-              </a:rPr>
-              <a:t> </a:t>
-            </a:r>
-            <a:r>
-              <a:rPr lang="en-US" altLang="ja-JP" sz="1100" dirty="0" smtClean="0">
-                <a:solidFill>
-                  <a:schemeClr val="tx1"/>
-                </a:solidFill>
-                <a:latin typeface="メイリオ" panose="020B0604030504040204" pitchFamily="50" charset="-128"/>
-                <a:ea typeface="メイリオ" panose="020B0604030504040204" pitchFamily="50" charset="-128"/>
-                <a:cs typeface="メイリオ" panose="020B0604030504040204" pitchFamily="50" charset="-128"/>
-              </a:rPr>
-              <a:t>page = </a:t>
-            </a:r>
-            <a:r>
-              <a:rPr lang="en-US" altLang="ja-JP" sz="1100" dirty="0" err="1" smtClean="0">
-                <a:solidFill>
-                  <a:schemeClr val="tx1"/>
-                </a:solidFill>
-                <a:latin typeface="メイリオ" panose="020B0604030504040204" pitchFamily="50" charset="-128"/>
-                <a:ea typeface="メイリオ" panose="020B0604030504040204" pitchFamily="50" charset="-128"/>
-                <a:cs typeface="メイリオ" panose="020B0604030504040204" pitchFamily="50" charset="-128"/>
-              </a:rPr>
-              <a:t>viewUser</a:t>
-            </a:r>
-            <a:r>
-              <a:rPr lang="en-US" altLang="ja-JP" sz="1100" dirty="0" smtClean="0">
-                <a:solidFill>
-                  <a:schemeClr val="tx1"/>
-                </a:solidFill>
-                <a:latin typeface="メイリオ" panose="020B0604030504040204" pitchFamily="50" charset="-128"/>
-                <a:ea typeface="メイリオ" panose="020B0604030504040204" pitchFamily="50" charset="-128"/>
-                <a:cs typeface="メイリオ" panose="020B0604030504040204" pitchFamily="50" charset="-128"/>
-              </a:rPr>
-              <a:t>, user </a:t>
-            </a:r>
-            <a:r>
-              <a:rPr lang="en-US" altLang="ja-JP" sz="1100" dirty="0" smtClean="0">
-                <a:solidFill>
-                  <a:schemeClr val="tx1"/>
-                </a:solidFill>
-                <a:latin typeface="メイリオ" panose="020B0604030504040204" pitchFamily="50" charset="-128"/>
-                <a:ea typeface="メイリオ" panose="020B0604030504040204" pitchFamily="50" charset="-128"/>
-                <a:cs typeface="メイリオ" panose="020B0604030504040204" pitchFamily="50" charset="-128"/>
-              </a:rPr>
-              <a:t>= </a:t>
-            </a:r>
-            <a:r>
-              <a:rPr lang="ja-JP" altLang="en-US" sz="1100" dirty="0" smtClean="0">
-                <a:solidFill>
-                  <a:schemeClr val="tx1"/>
-                </a:solidFill>
-                <a:latin typeface="メイリオ" panose="020B0604030504040204" pitchFamily="50" charset="-128"/>
-                <a:ea typeface="メイリオ" panose="020B0604030504040204" pitchFamily="50" charset="-128"/>
-                <a:cs typeface="メイリオ" panose="020B0604030504040204" pitchFamily="50" charset="-128"/>
-              </a:rPr>
-              <a:t>社員</a:t>
-            </a:r>
-            <a:r>
-              <a:rPr lang="en-US" altLang="ja-JP" sz="1100" dirty="0" smtClean="0">
-                <a:solidFill>
-                  <a:schemeClr val="tx1"/>
-                </a:solidFill>
-                <a:latin typeface="メイリオ" panose="020B0604030504040204" pitchFamily="50" charset="-128"/>
-                <a:ea typeface="メイリオ" panose="020B0604030504040204" pitchFamily="50" charset="-128"/>
-                <a:cs typeface="メイリオ" panose="020B0604030504040204" pitchFamily="50" charset="-128"/>
-              </a:rPr>
-              <a:t>ID</a:t>
-            </a:r>
-            <a:r>
-              <a:rPr kumimoji="1" lang="ja-JP" altLang="en-US" sz="1100" dirty="0" smtClean="0">
-                <a:solidFill>
-                  <a:schemeClr val="tx1"/>
-                </a:solidFill>
-                <a:latin typeface="メイリオ" panose="020B0604030504040204" pitchFamily="50" charset="-128"/>
-                <a:ea typeface="メイリオ" panose="020B0604030504040204" pitchFamily="50" charset="-128"/>
-                <a:cs typeface="メイリオ" panose="020B0604030504040204" pitchFamily="50" charset="-128"/>
-              </a:rPr>
-              <a:t> </a:t>
-            </a:r>
-            <a:endParaRPr kumimoji="1" lang="en-US" altLang="ja-JP" sz="1100" dirty="0" smtClean="0">
-              <a:solidFill>
-                <a:schemeClr val="tx1"/>
-              </a:solidFill>
-              <a:latin typeface="メイリオ" panose="020B0604030504040204" pitchFamily="50" charset="-128"/>
-              <a:ea typeface="メイリオ" panose="020B0604030504040204" pitchFamily="50" charset="-128"/>
-              <a:cs typeface="メイリオ" panose="020B0604030504040204" pitchFamily="50" charset="-128"/>
-            </a:endParaRPr>
-          </a:p>
-          <a:p>
-            <a:pPr algn="ctr"/>
-            <a:r>
-              <a:rPr kumimoji="1" lang="en-US" altLang="ja-JP" sz="1100" dirty="0" smtClean="0">
-                <a:solidFill>
-                  <a:schemeClr val="tx1"/>
-                </a:solidFill>
-                <a:latin typeface="メイリオ" panose="020B0604030504040204" pitchFamily="50" charset="-128"/>
-                <a:ea typeface="メイリオ" panose="020B0604030504040204" pitchFamily="50" charset="-128"/>
-                <a:cs typeface="メイリオ" panose="020B0604030504040204" pitchFamily="50" charset="-128"/>
-              </a:rPr>
-              <a:t>(</a:t>
-            </a:r>
-            <a:r>
-              <a:rPr kumimoji="1" lang="ja-JP" altLang="en-US" sz="1100" dirty="0" smtClean="0">
-                <a:solidFill>
-                  <a:schemeClr val="tx1"/>
-                </a:solidFill>
-                <a:latin typeface="メイリオ" panose="020B0604030504040204" pitchFamily="50" charset="-128"/>
-                <a:ea typeface="メイリオ" panose="020B0604030504040204" pitchFamily="50" charset="-128"/>
-                <a:cs typeface="メイリオ" panose="020B0604030504040204" pitchFamily="50" charset="-128"/>
-              </a:rPr>
-              <a:t>ハイパーリンク</a:t>
-            </a:r>
-            <a:r>
-              <a:rPr kumimoji="1" lang="en-US" altLang="ja-JP" sz="1100" dirty="0" smtClean="0">
-                <a:solidFill>
-                  <a:schemeClr val="tx1"/>
-                </a:solidFill>
-                <a:latin typeface="メイリオ" panose="020B0604030504040204" pitchFamily="50" charset="-128"/>
-                <a:ea typeface="メイリオ" panose="020B0604030504040204" pitchFamily="50" charset="-128"/>
-                <a:cs typeface="メイリオ" panose="020B0604030504040204" pitchFamily="50" charset="-128"/>
-              </a:rPr>
-              <a:t>)</a:t>
-            </a:r>
-            <a:endParaRPr kumimoji="1" lang="ja-JP" altLang="en-US" sz="1100" dirty="0">
-              <a:solidFill>
-                <a:schemeClr val="tx1"/>
-              </a:solidFill>
-              <a:latin typeface="メイリオ" panose="020B0604030504040204" pitchFamily="50" charset="-128"/>
-              <a:ea typeface="メイリオ" panose="020B0604030504040204" pitchFamily="50" charset="-128"/>
-              <a:cs typeface="メイリオ" panose="020B0604030504040204" pitchFamily="50" charset="-128"/>
-            </a:endParaRPr>
-          </a:p>
-        </p:txBody>
-      </p:sp>
-      <p:sp>
-        <p:nvSpPr>
           <p:cNvPr id="129" name="正方形/長方形 56"/>
           <p:cNvSpPr/>
           <p:nvPr/>
@@ -32341,14 +31408,14 @@
       </p:cxnSp>
       <p:sp>
         <p:nvSpPr>
-          <p:cNvPr id="88" name="正方形/長方形 56"/>
+          <p:cNvPr id="35" name="正方形/長方形 56"/>
           <p:cNvSpPr/>
           <p:nvPr/>
         </p:nvSpPr>
         <p:spPr>
           <a:xfrm>
-            <a:off x="4553797" y="4076731"/>
-            <a:ext cx="2880274" cy="331518"/>
+            <a:off x="5106845" y="3099536"/>
+            <a:ext cx="1914698" cy="331518"/>
           </a:xfrm>
           <a:prstGeom prst="rect">
             <a:avLst/>
@@ -32380,6 +31447,94 @@
           <a:p>
             <a:pPr algn="ctr"/>
             <a:r>
+              <a:rPr kumimoji="1" lang="en-US" altLang="ja-JP" sz="1100" dirty="0" smtClean="0">
+                <a:solidFill>
+                  <a:schemeClr val="tx1"/>
+                </a:solidFill>
+                <a:latin typeface="メイリオ" panose="020B0604030504040204" pitchFamily="50" charset="-128"/>
+                <a:ea typeface="メイリオ" panose="020B0604030504040204" pitchFamily="50" charset="-128"/>
+                <a:cs typeface="メイリオ" panose="020B0604030504040204" pitchFamily="50" charset="-128"/>
+              </a:rPr>
+              <a:t>GET</a:t>
+            </a:r>
+            <a:r>
+              <a:rPr lang="ja-JP" altLang="en-US" sz="1100" dirty="0">
+                <a:solidFill>
+                  <a:schemeClr val="tx1"/>
+                </a:solidFill>
+                <a:latin typeface="メイリオ" panose="020B0604030504040204" pitchFamily="50" charset="-128"/>
+                <a:ea typeface="メイリオ" panose="020B0604030504040204" pitchFamily="50" charset="-128"/>
+                <a:cs typeface="メイリオ" panose="020B0604030504040204" pitchFamily="50" charset="-128"/>
+              </a:rPr>
+              <a:t> </a:t>
+            </a:r>
+            <a:r>
+              <a:rPr lang="en-US" altLang="ja-JP" sz="1100" dirty="0" smtClean="0">
+                <a:solidFill>
+                  <a:schemeClr val="tx1"/>
+                </a:solidFill>
+                <a:latin typeface="メイリオ" panose="020B0604030504040204" pitchFamily="50" charset="-128"/>
+                <a:ea typeface="メイリオ" panose="020B0604030504040204" pitchFamily="50" charset="-128"/>
+                <a:cs typeface="メイリオ" panose="020B0604030504040204" pitchFamily="50" charset="-128"/>
+              </a:rPr>
+              <a:t>page = </a:t>
+            </a:r>
+            <a:r>
+              <a:rPr lang="en-US" altLang="ja-JP" sz="1100" dirty="0" err="1" smtClean="0">
+                <a:solidFill>
+                  <a:schemeClr val="tx1"/>
+                </a:solidFill>
+                <a:latin typeface="メイリオ" panose="020B0604030504040204" pitchFamily="50" charset="-128"/>
+                <a:ea typeface="メイリオ" panose="020B0604030504040204" pitchFamily="50" charset="-128"/>
+                <a:cs typeface="メイリオ" panose="020B0604030504040204" pitchFamily="50" charset="-128"/>
+              </a:rPr>
+              <a:t>v</a:t>
+            </a:r>
+            <a:r>
+              <a:rPr lang="en-US" altLang="ja-JP" sz="1100" dirty="0" err="1" smtClean="0">
+                <a:solidFill>
+                  <a:schemeClr val="tx1"/>
+                </a:solidFill>
+                <a:latin typeface="メイリオ" panose="020B0604030504040204" pitchFamily="50" charset="-128"/>
+                <a:ea typeface="メイリオ" panose="020B0604030504040204" pitchFamily="50" charset="-128"/>
+                <a:cs typeface="メイリオ" panose="020B0604030504040204" pitchFamily="50" charset="-128"/>
+              </a:rPr>
+              <a:t>eiwUser</a:t>
+            </a:r>
+            <a:r>
+              <a:rPr lang="en-US" altLang="ja-JP" sz="1100" dirty="0" smtClean="0">
+                <a:solidFill>
+                  <a:schemeClr val="tx1"/>
+                </a:solidFill>
+                <a:latin typeface="メイリオ" panose="020B0604030504040204" pitchFamily="50" charset="-128"/>
+                <a:ea typeface="メイリオ" panose="020B0604030504040204" pitchFamily="50" charset="-128"/>
+                <a:cs typeface="メイリオ" panose="020B0604030504040204" pitchFamily="50" charset="-128"/>
+              </a:rPr>
+              <a:t>, </a:t>
+            </a:r>
+            <a:r>
+              <a:rPr lang="en-US" altLang="ja-JP" sz="1100" dirty="0" err="1" smtClean="0">
+                <a:solidFill>
+                  <a:schemeClr val="tx1"/>
+                </a:solidFill>
+                <a:latin typeface="メイリオ" panose="020B0604030504040204" pitchFamily="50" charset="-128"/>
+                <a:ea typeface="メイリオ" panose="020B0604030504040204" pitchFamily="50" charset="-128"/>
+                <a:cs typeface="メイリオ" panose="020B0604030504040204" pitchFamily="50" charset="-128"/>
+              </a:rPr>
+              <a:t>selectedUser</a:t>
+            </a:r>
+            <a:r>
+              <a:rPr lang="en-US" altLang="ja-JP" sz="1100" dirty="0" smtClean="0">
+                <a:solidFill>
+                  <a:schemeClr val="tx1"/>
+                </a:solidFill>
+                <a:latin typeface="メイリオ" panose="020B0604030504040204" pitchFamily="50" charset="-128"/>
+                <a:ea typeface="メイリオ" panose="020B0604030504040204" pitchFamily="50" charset="-128"/>
+                <a:cs typeface="メイリオ" panose="020B0604030504040204" pitchFamily="50" charset="-128"/>
+              </a:rPr>
+              <a:t> </a:t>
+            </a:r>
+            <a:r>
               <a:rPr lang="en-US" altLang="ja-JP" sz="1100" dirty="0">
                 <a:solidFill>
                   <a:schemeClr val="tx1"/>
@@ -32388,7 +31543,7 @@
                 <a:ea typeface="メイリオ" panose="020B0604030504040204" pitchFamily="50" charset="-128"/>
                 <a:cs typeface="メイリオ" panose="020B0604030504040204" pitchFamily="50" charset="-128"/>
               </a:rPr>
-              <a:t>GET</a:t>
+              <a:t>= </a:t>
             </a:r>
             <a:r>
               <a:rPr lang="ja-JP" altLang="en-US" sz="1100" dirty="0">
@@ -32399,75 +31554,31 @@
                 <a:ea typeface="メイリオ" panose="020B0604030504040204" pitchFamily="50" charset="-128"/>
                 <a:cs typeface="メイリオ" panose="020B0604030504040204" pitchFamily="50" charset="-128"/>
               </a:rPr>
+              <a:t>社員</a:t>
+            </a:r>
+            <a:r>
+              <a:rPr lang="en-US" altLang="ja-JP" sz="1100" dirty="0" smtClean="0">
+                <a:solidFill>
+                  <a:schemeClr val="tx1"/>
+                </a:solidFill>
+                <a:latin typeface="メイリオ" panose="020B0604030504040204" pitchFamily="50" charset="-128"/>
+                <a:ea typeface="メイリオ" panose="020B0604030504040204" pitchFamily="50" charset="-128"/>
+                <a:cs typeface="メイリオ" panose="020B0604030504040204" pitchFamily="50" charset="-128"/>
+              </a:rPr>
+              <a:t>ID</a:t>
+            </a:r>
+            <a:r>
+              <a:rPr kumimoji="1" lang="ja-JP" altLang="en-US" sz="1100" dirty="0" smtClean="0">
+                <a:solidFill>
+                  <a:schemeClr val="tx1"/>
+                </a:solidFill>
+                <a:latin typeface="メイリオ" panose="020B0604030504040204" pitchFamily="50" charset="-128"/>
+                <a:ea typeface="メイリオ" panose="020B0604030504040204" pitchFamily="50" charset="-128"/>
+                <a:cs typeface="メイリオ" panose="020B0604030504040204" pitchFamily="50" charset="-128"/>
+              </a:rPr>
               <a:t> </a:t>
             </a:r>
-            <a:r>
-              <a:rPr lang="en-US" altLang="ja-JP" sz="1100" dirty="0">
-                <a:solidFill>
-                  <a:schemeClr val="tx1"/>
-                </a:solidFill>
-                <a:latin typeface="メイリオ" panose="020B0604030504040204" pitchFamily="50" charset="-128"/>
-                <a:ea typeface="メイリオ" panose="020B0604030504040204" pitchFamily="50" charset="-128"/>
-                <a:cs typeface="メイリオ" panose="020B0604030504040204" pitchFamily="50" charset="-128"/>
-              </a:rPr>
-              <a:t>page = </a:t>
-            </a:r>
-            <a:r>
-              <a:rPr lang="en-US" altLang="ja-JP" sz="1100" dirty="0" err="1">
-                <a:solidFill>
-                  <a:schemeClr val="tx1"/>
-                </a:solidFill>
-                <a:latin typeface="メイリオ" panose="020B0604030504040204" pitchFamily="50" charset="-128"/>
-                <a:ea typeface="メイリオ" panose="020B0604030504040204" pitchFamily="50" charset="-128"/>
-                <a:cs typeface="メイリオ" panose="020B0604030504040204" pitchFamily="50" charset="-128"/>
-              </a:rPr>
-              <a:t>viewUser</a:t>
-            </a:r>
-            <a:r>
-              <a:rPr lang="en-US" altLang="ja-JP" sz="1100" dirty="0">
-                <a:solidFill>
-                  <a:schemeClr val="tx1"/>
-                </a:solidFill>
-                <a:latin typeface="メイリオ" panose="020B0604030504040204" pitchFamily="50" charset="-128"/>
-                <a:ea typeface="メイリオ" panose="020B0604030504040204" pitchFamily="50" charset="-128"/>
-                <a:cs typeface="メイリオ" panose="020B0604030504040204" pitchFamily="50" charset="-128"/>
-              </a:rPr>
-              <a:t>, user = </a:t>
-            </a:r>
-            <a:r>
-              <a:rPr lang="ja-JP" altLang="en-US" sz="1100" dirty="0">
-                <a:solidFill>
-                  <a:schemeClr val="tx1"/>
-                </a:solidFill>
-                <a:latin typeface="メイリオ" panose="020B0604030504040204" pitchFamily="50" charset="-128"/>
-                <a:ea typeface="メイリオ" panose="020B0604030504040204" pitchFamily="50" charset="-128"/>
-                <a:cs typeface="メイリオ" panose="020B0604030504040204" pitchFamily="50" charset="-128"/>
-              </a:rPr>
-              <a:t>社員</a:t>
-            </a:r>
-            <a:r>
-              <a:rPr lang="en-US" altLang="ja-JP" sz="1100" dirty="0">
-                <a:solidFill>
-                  <a:schemeClr val="tx1"/>
-                </a:solidFill>
-                <a:latin typeface="メイリオ" panose="020B0604030504040204" pitchFamily="50" charset="-128"/>
-                <a:ea typeface="メイリオ" panose="020B0604030504040204" pitchFamily="50" charset="-128"/>
-                <a:cs typeface="メイリオ" panose="020B0604030504040204" pitchFamily="50" charset="-128"/>
-              </a:rPr>
-              <a:t>ID</a:t>
-            </a:r>
-            <a:r>
-              <a:rPr lang="ja-JP" altLang="en-US" sz="1100" dirty="0">
-                <a:solidFill>
-                  <a:schemeClr val="tx1"/>
-                </a:solidFill>
-                <a:latin typeface="メイリオ" panose="020B0604030504040204" pitchFamily="50" charset="-128"/>
-                <a:ea typeface="メイリオ" panose="020B0604030504040204" pitchFamily="50" charset="-128"/>
-                <a:cs typeface="メイリオ" panose="020B0604030504040204" pitchFamily="50" charset="-128"/>
-              </a:rPr>
-              <a:t> </a:t>
-            </a:r>
-            <a:endParaRPr lang="en-US" altLang="ja-JP" sz="1100" dirty="0">
+            <a:endParaRPr kumimoji="1" lang="en-US" altLang="ja-JP" sz="1100" dirty="0" smtClean="0">
               <a:solidFill>
                 <a:schemeClr val="tx1"/>
               </a:solidFill>
@@ -32479,6 +31590,178 @@
           <a:p>
             <a:pPr algn="ctr"/>
             <a:r>
+              <a:rPr kumimoji="1" lang="en-US" altLang="ja-JP" sz="1100" dirty="0" smtClean="0">
+                <a:solidFill>
+                  <a:schemeClr val="tx1"/>
+                </a:solidFill>
+                <a:latin typeface="メイリオ" panose="020B0604030504040204" pitchFamily="50" charset="-128"/>
+                <a:ea typeface="メイリオ" panose="020B0604030504040204" pitchFamily="50" charset="-128"/>
+                <a:cs typeface="メイリオ" panose="020B0604030504040204" pitchFamily="50" charset="-128"/>
+              </a:rPr>
+              <a:t>(</a:t>
+            </a:r>
+            <a:r>
+              <a:rPr kumimoji="1" lang="ja-JP" altLang="en-US" sz="1100" dirty="0" smtClean="0">
+                <a:solidFill>
+                  <a:schemeClr val="tx1"/>
+                </a:solidFill>
+                <a:latin typeface="メイリオ" panose="020B0604030504040204" pitchFamily="50" charset="-128"/>
+                <a:ea typeface="メイリオ" panose="020B0604030504040204" pitchFamily="50" charset="-128"/>
+                <a:cs typeface="メイリオ" panose="020B0604030504040204" pitchFamily="50" charset="-128"/>
+              </a:rPr>
+              <a:t>ハイパーリンク</a:t>
+            </a:r>
+            <a:r>
+              <a:rPr kumimoji="1" lang="en-US" altLang="ja-JP" sz="1100" dirty="0" smtClean="0">
+                <a:solidFill>
+                  <a:schemeClr val="tx1"/>
+                </a:solidFill>
+                <a:latin typeface="メイリオ" panose="020B0604030504040204" pitchFamily="50" charset="-128"/>
+                <a:ea typeface="メイリオ" panose="020B0604030504040204" pitchFamily="50" charset="-128"/>
+                <a:cs typeface="メイリオ" panose="020B0604030504040204" pitchFamily="50" charset="-128"/>
+              </a:rPr>
+              <a:t>)</a:t>
+            </a:r>
+            <a:endParaRPr kumimoji="1" lang="ja-JP" altLang="en-US" sz="1100" dirty="0">
+              <a:solidFill>
+                <a:schemeClr val="tx1"/>
+              </a:solidFill>
+              <a:latin typeface="メイリオ" panose="020B0604030504040204" pitchFamily="50" charset="-128"/>
+              <a:ea typeface="メイリオ" panose="020B0604030504040204" pitchFamily="50" charset="-128"/>
+              <a:cs typeface="メイリオ" panose="020B0604030504040204" pitchFamily="50" charset="-128"/>
+            </a:endParaRPr>
+          </a:p>
+        </p:txBody>
+      </p:sp>
+      <p:sp>
+        <p:nvSpPr>
+          <p:cNvPr id="36" name="正方形/長方形 56"/>
+          <p:cNvSpPr/>
+          <p:nvPr/>
+        </p:nvSpPr>
+        <p:spPr>
+          <a:xfrm>
+            <a:off x="5075379" y="4062118"/>
+            <a:ext cx="1914698" cy="331518"/>
+          </a:xfrm>
+          <a:prstGeom prst="rect">
+            <a:avLst/>
+          </a:prstGeom>
+          <a:noFill/>
+          <a:ln>
+            <a:noFill/>
+          </a:ln>
+        </p:spPr>
+        <p:style>
+          <a:lnRef idx="2">
+            <a:schemeClr val="accent1">
+              <a:shade val="50000"/>
+            </a:schemeClr>
+          </a:lnRef>
+          <a:fillRef idx="1">
+            <a:schemeClr val="accent1"/>
+          </a:fillRef>
+          <a:effectRef idx="0">
+            <a:schemeClr val="accent1"/>
+          </a:effectRef>
+          <a:fontRef idx="minor">
+            <a:schemeClr val="lt1"/>
+          </a:fontRef>
+        </p:style>
+        <p:txBody>
+          <a:bodyPr rtlCol="0" anchor="t"/>
+          <a:lstStyle/>
+          <a:p>
+            <a:pPr algn="ctr"/>
+            <a:r>
+              <a:rPr kumimoji="1" lang="en-US" altLang="ja-JP" sz="1100" dirty="0" smtClean="0">
+                <a:solidFill>
+                  <a:schemeClr val="tx1"/>
+                </a:solidFill>
+                <a:latin typeface="メイリオ" panose="020B0604030504040204" pitchFamily="50" charset="-128"/>
+                <a:ea typeface="メイリオ" panose="020B0604030504040204" pitchFamily="50" charset="-128"/>
+                <a:cs typeface="メイリオ" panose="020B0604030504040204" pitchFamily="50" charset="-128"/>
+              </a:rPr>
+              <a:t>GET</a:t>
+            </a:r>
+            <a:r>
+              <a:rPr lang="ja-JP" altLang="en-US" sz="1100" dirty="0">
+                <a:solidFill>
+                  <a:schemeClr val="tx1"/>
+                </a:solidFill>
+                <a:latin typeface="メイリオ" panose="020B0604030504040204" pitchFamily="50" charset="-128"/>
+                <a:ea typeface="メイリオ" panose="020B0604030504040204" pitchFamily="50" charset="-128"/>
+                <a:cs typeface="メイリオ" panose="020B0604030504040204" pitchFamily="50" charset="-128"/>
+              </a:rPr>
+              <a:t> </a:t>
+            </a:r>
+            <a:r>
+              <a:rPr lang="en-US" altLang="ja-JP" sz="1100" dirty="0" smtClean="0">
+                <a:solidFill>
+                  <a:schemeClr val="tx1"/>
+                </a:solidFill>
+                <a:latin typeface="メイリオ" panose="020B0604030504040204" pitchFamily="50" charset="-128"/>
+                <a:ea typeface="メイリオ" panose="020B0604030504040204" pitchFamily="50" charset="-128"/>
+                <a:cs typeface="メイリオ" panose="020B0604030504040204" pitchFamily="50" charset="-128"/>
+              </a:rPr>
+              <a:t>page = </a:t>
+            </a:r>
+            <a:r>
+              <a:rPr lang="en-US" altLang="ja-JP" sz="1100" dirty="0" err="1" smtClean="0">
+                <a:solidFill>
+                  <a:schemeClr val="tx1"/>
+                </a:solidFill>
+                <a:latin typeface="メイリオ" panose="020B0604030504040204" pitchFamily="50" charset="-128"/>
+                <a:ea typeface="メイリオ" panose="020B0604030504040204" pitchFamily="50" charset="-128"/>
+                <a:cs typeface="メイリオ" panose="020B0604030504040204" pitchFamily="50" charset="-128"/>
+              </a:rPr>
+              <a:t>v</a:t>
+            </a:r>
+            <a:r>
+              <a:rPr lang="en-US" altLang="ja-JP" sz="1100" dirty="0" err="1" smtClean="0">
+                <a:solidFill>
+                  <a:schemeClr val="tx1"/>
+                </a:solidFill>
+                <a:latin typeface="メイリオ" panose="020B0604030504040204" pitchFamily="50" charset="-128"/>
+                <a:ea typeface="メイリオ" panose="020B0604030504040204" pitchFamily="50" charset="-128"/>
+                <a:cs typeface="メイリオ" panose="020B0604030504040204" pitchFamily="50" charset="-128"/>
+              </a:rPr>
+              <a:t>eiwUser</a:t>
+            </a:r>
+            <a:r>
+              <a:rPr lang="en-US" altLang="ja-JP" sz="1100" dirty="0" smtClean="0">
+                <a:solidFill>
+                  <a:schemeClr val="tx1"/>
+                </a:solidFill>
+                <a:latin typeface="メイリオ" panose="020B0604030504040204" pitchFamily="50" charset="-128"/>
+                <a:ea typeface="メイリオ" panose="020B0604030504040204" pitchFamily="50" charset="-128"/>
+                <a:cs typeface="メイリオ" panose="020B0604030504040204" pitchFamily="50" charset="-128"/>
+              </a:rPr>
+              <a:t>, </a:t>
+            </a:r>
+            <a:r>
+              <a:rPr lang="en-US" altLang="ja-JP" sz="1100" dirty="0" err="1" smtClean="0">
+                <a:solidFill>
+                  <a:schemeClr val="tx1"/>
+                </a:solidFill>
+                <a:latin typeface="メイリオ" panose="020B0604030504040204" pitchFamily="50" charset="-128"/>
+                <a:ea typeface="メイリオ" panose="020B0604030504040204" pitchFamily="50" charset="-128"/>
+                <a:cs typeface="メイリオ" panose="020B0604030504040204" pitchFamily="50" charset="-128"/>
+              </a:rPr>
+              <a:t>selectedUser</a:t>
+            </a:r>
+            <a:r>
+              <a:rPr lang="en-US" altLang="ja-JP" sz="1100" dirty="0" smtClean="0">
+                <a:solidFill>
+                  <a:schemeClr val="tx1"/>
+                </a:solidFill>
+                <a:latin typeface="メイリオ" panose="020B0604030504040204" pitchFamily="50" charset="-128"/>
+                <a:ea typeface="メイリオ" panose="020B0604030504040204" pitchFamily="50" charset="-128"/>
+                <a:cs typeface="メイリオ" panose="020B0604030504040204" pitchFamily="50" charset="-128"/>
+              </a:rPr>
+              <a:t> </a:t>
+            </a:r>
+            <a:r>
               <a:rPr lang="en-US" altLang="ja-JP" sz="1100" dirty="0">
                 <a:solidFill>
                   <a:schemeClr val="tx1"/>
@@ -32487,10 +31770,65 @@
                 <a:ea typeface="メイリオ" panose="020B0604030504040204" pitchFamily="50" charset="-128"/>
                 <a:cs typeface="メイリオ" panose="020B0604030504040204" pitchFamily="50" charset="-128"/>
               </a:rPr>
+              <a:t>= </a:t>
+            </a:r>
+            <a:r>
+              <a:rPr lang="ja-JP" altLang="en-US" sz="1100" dirty="0">
+                <a:solidFill>
+                  <a:schemeClr val="tx1"/>
+                </a:solidFill>
+                <a:latin typeface="メイリオ" panose="020B0604030504040204" pitchFamily="50" charset="-128"/>
+                <a:ea typeface="メイリオ" panose="020B0604030504040204" pitchFamily="50" charset="-128"/>
+                <a:cs typeface="メイリオ" panose="020B0604030504040204" pitchFamily="50" charset="-128"/>
+              </a:rPr>
+              <a:t>社員</a:t>
+            </a:r>
+            <a:r>
+              <a:rPr lang="en-US" altLang="ja-JP" sz="1100" dirty="0" smtClean="0">
+                <a:solidFill>
+                  <a:schemeClr val="tx1"/>
+                </a:solidFill>
+                <a:latin typeface="メイリオ" panose="020B0604030504040204" pitchFamily="50" charset="-128"/>
+                <a:ea typeface="メイリオ" panose="020B0604030504040204" pitchFamily="50" charset="-128"/>
+                <a:cs typeface="メイリオ" panose="020B0604030504040204" pitchFamily="50" charset="-128"/>
+              </a:rPr>
+              <a:t>ID</a:t>
+            </a:r>
+            <a:r>
+              <a:rPr kumimoji="1" lang="ja-JP" altLang="en-US" sz="1100" dirty="0" smtClean="0">
+                <a:solidFill>
+                  <a:schemeClr val="tx1"/>
+                </a:solidFill>
+                <a:latin typeface="メイリオ" panose="020B0604030504040204" pitchFamily="50" charset="-128"/>
+                <a:ea typeface="メイリオ" panose="020B0604030504040204" pitchFamily="50" charset="-128"/>
+                <a:cs typeface="メイリオ" panose="020B0604030504040204" pitchFamily="50" charset="-128"/>
+              </a:rPr>
+              <a:t> </a:t>
+            </a:r>
+            <a:endParaRPr kumimoji="1" lang="en-US" altLang="ja-JP" sz="1100" dirty="0" smtClean="0">
+              <a:solidFill>
+                <a:schemeClr val="tx1"/>
+              </a:solidFill>
+              <a:latin typeface="メイリオ" panose="020B0604030504040204" pitchFamily="50" charset="-128"/>
+              <a:ea typeface="メイリオ" panose="020B0604030504040204" pitchFamily="50" charset="-128"/>
+              <a:cs typeface="メイリオ" panose="020B0604030504040204" pitchFamily="50" charset="-128"/>
+            </a:endParaRPr>
+          </a:p>
+          <a:p>
+            <a:pPr algn="ctr"/>
+            <a:r>
+              <a:rPr kumimoji="1" lang="en-US" altLang="ja-JP" sz="1100" dirty="0" smtClean="0">
+                <a:solidFill>
+                  <a:schemeClr val="tx1"/>
+                </a:solidFill>
+                <a:latin typeface="メイリオ" panose="020B0604030504040204" pitchFamily="50" charset="-128"/>
+                <a:ea typeface="メイリオ" panose="020B0604030504040204" pitchFamily="50" charset="-128"/>
+                <a:cs typeface="メイリオ" panose="020B0604030504040204" pitchFamily="50" charset="-128"/>
+              </a:rPr>
               <a:t>(</a:t>
             </a:r>
             <a:r>
-              <a:rPr lang="ja-JP" altLang="en-US" sz="1100" dirty="0">
+              <a:rPr kumimoji="1" lang="ja-JP" altLang="en-US" sz="1100" dirty="0" smtClean="0">
                 <a:solidFill>
                   <a:schemeClr val="tx1"/>
                 </a:solidFill>
@@ -32501,7 +31839,7 @@
               <a:t>ハイパーリンク</a:t>
             </a:r>
             <a:r>
-              <a:rPr lang="en-US" altLang="ja-JP" sz="1100" dirty="0">
+              <a:rPr kumimoji="1" lang="en-US" altLang="ja-JP" sz="1100" dirty="0" smtClean="0">
                 <a:solidFill>
                   <a:schemeClr val="tx1"/>
                 </a:solidFill>
@@ -32511,7 +31849,7 @@
               </a:rPr>
               <a:t>)</a:t>
             </a:r>
-            <a:endParaRPr lang="ja-JP" altLang="en-US" sz="1100" dirty="0">
+            <a:endParaRPr kumimoji="1" lang="ja-JP" altLang="en-US" sz="1100" dirty="0">
               <a:solidFill>
                 <a:schemeClr val="tx1"/>
               </a:solidFill>
@@ -35273,79 +34611,6 @@
           </a:p>
         </p:txBody>
       </p:sp>
-      <p:sp>
-        <p:nvSpPr>
-          <p:cNvPr id="132" name="正方形/長方形 59"/>
-          <p:cNvSpPr/>
-          <p:nvPr/>
-        </p:nvSpPr>
-        <p:spPr>
-          <a:xfrm>
-            <a:off x="7462341" y="3158042"/>
-            <a:ext cx="2058038" cy="331518"/>
-          </a:xfrm>
-          <a:prstGeom prst="rect">
-            <a:avLst/>
-          </a:prstGeom>
-          <a:noFill/>
-          <a:ln>
-            <a:noFill/>
-          </a:ln>
-        </p:spPr>
-        <p:style>
-          <a:lnRef idx="2">
-            <a:schemeClr val="accent1">
-              <a:shade val="50000"/>
-            </a:schemeClr>
-          </a:lnRef>
-          <a:fillRef idx="1">
-            <a:schemeClr val="accent1"/>
-          </a:fillRef>
-          <a:effectRef idx="0">
-            <a:schemeClr val="accent1"/>
-          </a:effectRef>
-          <a:fontRef idx="minor">
-            <a:schemeClr val="lt1"/>
-          </a:fontRef>
-        </p:style>
-        <p:txBody>
-          <a:bodyPr rtlCol="0" anchor="t"/>
-          <a:lstStyle/>
-          <a:p>
-            <a:pPr algn="ctr"/>
-            <a:r>
-              <a:rPr lang="en-US" altLang="ja-JP" sz="1100" dirty="0" smtClean="0">
-                <a:solidFill>
-                  <a:schemeClr val="tx1"/>
-                </a:solidFill>
-                <a:latin typeface="メイリオ" panose="020B0604030504040204" pitchFamily="50" charset="-128"/>
-                <a:ea typeface="メイリオ" panose="020B0604030504040204" pitchFamily="50" charset="-128"/>
-                <a:cs typeface="メイリオ" panose="020B0604030504040204" pitchFamily="50" charset="-128"/>
-              </a:rPr>
-              <a:t>POST action = </a:t>
-            </a:r>
-            <a:r>
-              <a:rPr lang="en-US" altLang="ja-JP" sz="1100" dirty="0" err="1" smtClean="0">
-                <a:solidFill>
-                  <a:schemeClr val="tx1"/>
-                </a:solidFill>
-                <a:latin typeface="メイリオ" panose="020B0604030504040204" pitchFamily="50" charset="-128"/>
-                <a:ea typeface="メイリオ" panose="020B0604030504040204" pitchFamily="50" charset="-128"/>
-                <a:cs typeface="メイリオ" panose="020B0604030504040204" pitchFamily="50" charset="-128"/>
-              </a:rPr>
-              <a:t>updateuser</a:t>
-            </a:r>
-            <a:endParaRPr lang="en-US" altLang="ja-JP" sz="1100" dirty="0" smtClean="0">
-              <a:solidFill>
-                <a:schemeClr val="tx1"/>
-              </a:solidFill>
-              <a:latin typeface="メイリオ" panose="020B0604030504040204" pitchFamily="50" charset="-128"/>
-              <a:ea typeface="メイリオ" panose="020B0604030504040204" pitchFamily="50" charset="-128"/>
-              <a:cs typeface="メイリオ" panose="020B0604030504040204" pitchFamily="50" charset="-128"/>
-            </a:endParaRPr>
-          </a:p>
-        </p:txBody>
-      </p:sp>
       <p:cxnSp>
         <p:nvCxnSpPr>
           <p:cNvPr id="133" name="直線矢印コネクタ 40"/>
@@ -35780,18 +35045,7 @@
                 <a:ea typeface="メイリオ" panose="020B0604030504040204" pitchFamily="50" charset="-128"/>
                 <a:cs typeface="メイリオ" panose="020B0604030504040204" pitchFamily="50" charset="-128"/>
               </a:rPr>
-              <a:t>GET action = </a:t>
-            </a:r>
-            <a:r>
-              <a:rPr lang="en-US" altLang="ja-JP" sz="1100" dirty="0" smtClean="0">
-                <a:solidFill>
-                  <a:srgbClr val="FF0000"/>
-                </a:solidFill>
-                <a:latin typeface="メイリオ" panose="020B0604030504040204" pitchFamily="50" charset="-128"/>
-                <a:ea typeface="メイリオ" panose="020B0604030504040204" pitchFamily="50" charset="-128"/>
-                <a:cs typeface="メイリオ" panose="020B0604030504040204" pitchFamily="50" charset="-128"/>
-              </a:rPr>
-              <a:t>update</a:t>
+              <a:t>GET action = update</a:t>
             </a:r>
             <a:r>
               <a:rPr lang="en-US" altLang="ja-JP" sz="1100" dirty="0">
@@ -35894,6 +35148,79 @@
             <a:endParaRPr kumimoji="1" lang="ja-JP" altLang="en-US" sz="1100" dirty="0">
               <a:solidFill>
                 <a:srgbClr val="FF0000"/>
+              </a:solidFill>
+              <a:latin typeface="メイリオ" panose="020B0604030504040204" pitchFamily="50" charset="-128"/>
+              <a:ea typeface="メイリオ" panose="020B0604030504040204" pitchFamily="50" charset="-128"/>
+              <a:cs typeface="メイリオ" panose="020B0604030504040204" pitchFamily="50" charset="-128"/>
+            </a:endParaRPr>
+          </a:p>
+        </p:txBody>
+      </p:sp>
+      <p:sp>
+        <p:nvSpPr>
+          <p:cNvPr id="56" name="正方形/長方形 59"/>
+          <p:cNvSpPr/>
+          <p:nvPr/>
+        </p:nvSpPr>
+        <p:spPr>
+          <a:xfrm>
+            <a:off x="7281624" y="3124137"/>
+            <a:ext cx="2058038" cy="331518"/>
+          </a:xfrm>
+          <a:prstGeom prst="rect">
+            <a:avLst/>
+          </a:prstGeom>
+          <a:noFill/>
+          <a:ln>
+            <a:noFill/>
+          </a:ln>
+        </p:spPr>
+        <p:style>
+          <a:lnRef idx="2">
+            <a:schemeClr val="accent1">
+              <a:shade val="50000"/>
+            </a:schemeClr>
+          </a:lnRef>
+          <a:fillRef idx="1">
+            <a:schemeClr val="accent1"/>
+          </a:fillRef>
+          <a:effectRef idx="0">
+            <a:schemeClr val="accent1"/>
+          </a:effectRef>
+          <a:fontRef idx="minor">
+            <a:schemeClr val="lt1"/>
+          </a:fontRef>
+        </p:style>
+        <p:txBody>
+          <a:bodyPr rtlCol="0" anchor="t"/>
+          <a:lstStyle/>
+          <a:p>
+            <a:pPr algn="ctr"/>
+            <a:r>
+              <a:rPr lang="en-US" altLang="ja-JP" sz="1100" dirty="0" smtClean="0">
+                <a:solidFill>
+                  <a:schemeClr val="tx1"/>
+                </a:solidFill>
+                <a:latin typeface="メイリオ" panose="020B0604030504040204" pitchFamily="50" charset="-128"/>
+                <a:ea typeface="メイリオ" panose="020B0604030504040204" pitchFamily="50" charset="-128"/>
+                <a:cs typeface="メイリオ" panose="020B0604030504040204" pitchFamily="50" charset="-128"/>
+              </a:rPr>
+              <a:t>POST action = </a:t>
+            </a:r>
+            <a:r>
+              <a:rPr lang="en-US" altLang="ja-JP" sz="1100" dirty="0" err="1" smtClean="0">
+                <a:solidFill>
+                  <a:schemeClr val="tx1"/>
+                </a:solidFill>
+                <a:latin typeface="メイリオ" panose="020B0604030504040204" pitchFamily="50" charset="-128"/>
+                <a:ea typeface="メイリオ" panose="020B0604030504040204" pitchFamily="50" charset="-128"/>
+                <a:cs typeface="メイリオ" panose="020B0604030504040204" pitchFamily="50" charset="-128"/>
+              </a:rPr>
+              <a:t>confirmUpdateUser</a:t>
+            </a:r>
+            <a:endParaRPr lang="en-US" altLang="ja-JP" sz="1100" dirty="0" smtClean="0">
+              <a:solidFill>
+                <a:schemeClr val="tx1"/>
               </a:solidFill>
               <a:latin typeface="メイリオ" panose="020B0604030504040204" pitchFamily="50" charset="-128"/>
               <a:ea typeface="メイリオ" panose="020B0604030504040204" pitchFamily="50" charset="-128"/>
@@ -37768,6 +37095,14 @@
 <file path=ppt/slides/slide9.xml><?xml version="1.0" encoding="utf-8"?>
 <p:sld xmlns:a="http://schemas.openxmlformats.org/drawingml/2006/main" xmlns:r="http://schemas.openxmlformats.org/officeDocument/2006/relationships" xmlns:p="http://schemas.openxmlformats.org/presentationml/2006/main">
   <p:cSld>
+    <p:bg>
+      <p:bgPr>
+        <a:solidFill>
+          <a:schemeClr val="tx1"/>
+        </a:solidFill>
+        <a:effectLst/>
+      </p:bgPr>
+    </p:bg>
     <p:spTree>
       <p:nvGrpSpPr>
         <p:cNvPr id="1" name=""/>
@@ -37792,6 +37127,13 @@
   <p:clrMapOvr>
     <a:masterClrMapping/>
   </p:clrMapOvr>
+  <p:timing>
+    <p:tnLst>
+      <p:par>
+        <p:cTn id="1" dur="indefinite" restart="never" nodeType="tmRoot"/>
+      </p:par>
+    </p:tnLst>
+  </p:timing>
 </p:sld>
 </file>
 

--- a/総合演習資料/2.外部設計/画面・状態遷移図_DB.pptx
+++ b/総合演習資料/2.外部設計/画面・状態遷移図_DB.pptx
@@ -6180,18 +6180,7 @@
                 <a:ea typeface="メイリオ" panose="020B0604030504040204" pitchFamily="50" charset="-128"/>
                 <a:cs typeface="メイリオ" panose="020B0604030504040204" pitchFamily="50" charset="-128"/>
               </a:rPr>
-              <a:t>login</a:t>
-            </a:r>
-            <a:r>
-              <a:rPr lang="en-US" altLang="ja-JP" sz="1400" dirty="0" err="1" smtClean="0">
-                <a:solidFill>
-                  <a:schemeClr val="tx1"/>
-                </a:solidFill>
-                <a:latin typeface="メイリオ" panose="020B0604030504040204" pitchFamily="50" charset="-128"/>
-                <a:ea typeface="メイリオ" panose="020B0604030504040204" pitchFamily="50" charset="-128"/>
-                <a:cs typeface="メイリオ" panose="020B0604030504040204" pitchFamily="50" charset="-128"/>
-              </a:rPr>
-              <a:t>.JSP</a:t>
+              <a:t>login.JSP</a:t>
             </a:r>
             <a:endParaRPr kumimoji="1" lang="ja-JP" altLang="en-US" sz="1400" dirty="0">
               <a:solidFill>
@@ -6277,7 +6266,7 @@
                 <a:ea typeface="メイリオ" panose="020B0604030504040204" pitchFamily="50" charset="-128"/>
                 <a:cs typeface="メイリオ" panose="020B0604030504040204" pitchFamily="50" charset="-128"/>
               </a:rPr>
-              <a:t>EmployeeControl.java</a:t>
+              <a:t>EmployeeSystem.java</a:t>
             </a:r>
             <a:endParaRPr lang="en-US" altLang="ja-JP" sz="1400" dirty="0" smtClean="0">
               <a:solidFill>
@@ -6342,18 +6331,7 @@
                 <a:ea typeface="メイリオ" panose="020B0604030504040204" pitchFamily="50" charset="-128"/>
                 <a:cs typeface="メイリオ" panose="020B0604030504040204" pitchFamily="50" charset="-128"/>
               </a:rPr>
-              <a:t>Model(Logic</a:t>
-            </a:r>
-            <a:r>
-              <a:rPr lang="en-US" altLang="ja-JP" sz="1400" dirty="0" smtClean="0">
-                <a:solidFill>
-                  <a:schemeClr val="tx1"/>
-                </a:solidFill>
-                <a:latin typeface="メイリオ" panose="020B0604030504040204" pitchFamily="50" charset="-128"/>
-                <a:ea typeface="メイリオ" panose="020B0604030504040204" pitchFamily="50" charset="-128"/>
-                <a:cs typeface="メイリオ" panose="020B0604030504040204" pitchFamily="50" charset="-128"/>
-              </a:rPr>
-              <a:t>)</a:t>
+              <a:t>Model(Logic)</a:t>
             </a:r>
             <a:br>
               <a:rPr lang="en-US" altLang="ja-JP" sz="1400" dirty="0" smtClean="0">
@@ -6374,7 +6352,18 @@
                 <a:ea typeface="メイリオ" panose="020B0604030504040204" pitchFamily="50" charset="-128"/>
                 <a:cs typeface="メイリオ" panose="020B0604030504040204" pitchFamily="50" charset="-128"/>
               </a:rPr>
-              <a:t>ControlLogic.java</a:t>
+              <a:t>System</a:t>
+            </a:r>
+            <a:r>
+              <a:rPr lang="en-US" altLang="ja-JP" sz="1400" dirty="0" smtClean="0">
+                <a:solidFill>
+                  <a:schemeClr val="tx1"/>
+                </a:solidFill>
+                <a:latin typeface="メイリオ" panose="020B0604030504040204" pitchFamily="50" charset="-128"/>
+                <a:ea typeface="メイリオ" panose="020B0604030504040204" pitchFamily="50" charset="-128"/>
+                <a:cs typeface="メイリオ" panose="020B0604030504040204" pitchFamily="50" charset="-128"/>
+              </a:rPr>
+              <a:t>Logic.java</a:t>
             </a:r>
             <a:endParaRPr kumimoji="1" lang="ja-JP" altLang="en-US" sz="900" dirty="0">
               <a:solidFill>
@@ -6396,7 +6385,7 @@
         <p:spPr>
           <a:xfrm>
             <a:off x="10047225" y="4279341"/>
-            <a:ext cx="1630582" cy="600105"/>
+            <a:ext cx="1906074" cy="600105"/>
           </a:xfrm>
           <a:prstGeom prst="rect">
             <a:avLst/>
@@ -6460,40 +6449,8 @@
                 <a:ea typeface="メイリオ" panose="020B0604030504040204" pitchFamily="50" charset="-128"/>
                 <a:cs typeface="メイリオ" panose="020B0604030504040204" pitchFamily="50" charset="-128"/>
               </a:rPr>
-              <a:t>Employee</a:t>
-            </a:r>
-            <a:r>
-              <a:rPr lang="en-US" altLang="ja-JP" sz="1400" dirty="0" smtClean="0">
-                <a:solidFill>
-                  <a:schemeClr val="tx1"/>
-                </a:solidFill>
-                <a:latin typeface="メイリオ" panose="020B0604030504040204" pitchFamily="50" charset="-128"/>
-                <a:ea typeface="メイリオ" panose="020B0604030504040204" pitchFamily="50" charset="-128"/>
-                <a:cs typeface="メイリオ" panose="020B0604030504040204" pitchFamily="50" charset="-128"/>
-              </a:rPr>
-              <a:t>.java</a:t>
-            </a:r>
-            <a:r>
-              <a:rPr lang="en-US" altLang="ja-JP" sz="1400" dirty="0" smtClean="0">
-                <a:solidFill>
-                  <a:schemeClr val="tx1"/>
-                </a:solidFill>
-                <a:latin typeface="メイリオ" panose="020B0604030504040204" pitchFamily="50" charset="-128"/>
-                <a:ea typeface="メイリオ" panose="020B0604030504040204" pitchFamily="50" charset="-128"/>
-                <a:cs typeface="メイリオ" panose="020B0604030504040204" pitchFamily="50" charset="-128"/>
-              </a:rPr>
-              <a:t/>
-            </a:r>
-            <a:br>
-              <a:rPr lang="en-US" altLang="ja-JP" sz="1400" dirty="0" smtClean="0">
-                <a:solidFill>
-                  <a:schemeClr val="tx1"/>
-                </a:solidFill>
-                <a:latin typeface="メイリオ" panose="020B0604030504040204" pitchFamily="50" charset="-128"/>
-                <a:ea typeface="メイリオ" panose="020B0604030504040204" pitchFamily="50" charset="-128"/>
-                <a:cs typeface="メイリオ" panose="020B0604030504040204" pitchFamily="50" charset="-128"/>
-              </a:rPr>
-            </a:br>
+              <a:t>EmployeeBean.java</a:t>
+            </a:r>
             <a:endParaRPr kumimoji="1" lang="ja-JP" altLang="en-US" sz="1400" dirty="0">
               <a:solidFill>
                 <a:schemeClr val="tx1"/>
@@ -6627,7 +6584,7 @@
         <p:spPr>
           <a:xfrm flipH="1" flipV="1">
             <a:off x="2437279" y="1966724"/>
-            <a:ext cx="694564" cy="512972"/>
+            <a:ext cx="284428" cy="512972"/>
           </a:xfrm>
           <a:prstGeom prst="straightConnector1">
             <a:avLst/>
@@ -7537,29 +7494,10 @@
                 <a:ea typeface="メイリオ" panose="020B0604030504040204" pitchFamily="50" charset="-128"/>
                 <a:cs typeface="メイリオ" panose="020B0604030504040204" pitchFamily="50" charset="-128"/>
               </a:rPr>
-              <a:t>Dao(Logic</a:t>
-            </a:r>
-            <a:r>
-              <a:rPr lang="en-US" altLang="ja-JP" sz="1400" dirty="0">
-                <a:solidFill>
-                  <a:schemeClr val="tx1"/>
-                </a:solidFill>
-                <a:latin typeface="メイリオ" panose="020B0604030504040204" pitchFamily="50" charset="-128"/>
-                <a:ea typeface="メイリオ" panose="020B0604030504040204" pitchFamily="50" charset="-128"/>
-                <a:cs typeface="メイリオ" panose="020B0604030504040204" pitchFamily="50" charset="-128"/>
-              </a:rPr>
-              <a:t>)</a:t>
-            </a:r>
-            <a:br>
-              <a:rPr lang="en-US" altLang="ja-JP" sz="1400" dirty="0">
-                <a:solidFill>
-                  <a:schemeClr val="tx1"/>
-                </a:solidFill>
-                <a:latin typeface="メイリオ" panose="020B0604030504040204" pitchFamily="50" charset="-128"/>
-                <a:ea typeface="メイリオ" panose="020B0604030504040204" pitchFamily="50" charset="-128"/>
-                <a:cs typeface="メイリオ" panose="020B0604030504040204" pitchFamily="50" charset="-128"/>
-              </a:rPr>
-            </a:br>
+              <a:t>Dao(Logic)</a:t>
+            </a:r>
+          </a:p>
+          <a:p>
             <a:r>
               <a:rPr lang="en-US" altLang="ja-JP" sz="1400" dirty="0" smtClean="0">
                 <a:solidFill>
@@ -7569,7 +7507,18 @@
                 <a:ea typeface="メイリオ" panose="020B0604030504040204" pitchFamily="50" charset="-128"/>
                 <a:cs typeface="メイリオ" panose="020B0604030504040204" pitchFamily="50" charset="-128"/>
               </a:rPr>
-              <a:t>EmployeeDAO.java</a:t>
+              <a:t>EmployeeSystem</a:t>
+            </a:r>
+            <a:r>
+              <a:rPr lang="en-US" altLang="ja-JP" sz="1400" dirty="0" smtClean="0">
+                <a:solidFill>
+                  <a:schemeClr val="tx1"/>
+                </a:solidFill>
+                <a:latin typeface="メイリオ" panose="020B0604030504040204" pitchFamily="50" charset="-128"/>
+                <a:ea typeface="メイリオ" panose="020B0604030504040204" pitchFamily="50" charset="-128"/>
+                <a:cs typeface="メイリオ" panose="020B0604030504040204" pitchFamily="50" charset="-128"/>
+              </a:rPr>
+              <a:t>DAO.java</a:t>
             </a:r>
             <a:endParaRPr lang="en-US" altLang="ja-JP" sz="1400" dirty="0" smtClean="0">
               <a:solidFill>
@@ -7844,8 +7793,8 @@
         </p:nvSpPr>
         <p:spPr>
           <a:xfrm>
-            <a:off x="3131843" y="2241147"/>
-            <a:ext cx="2092517" cy="477097"/>
+            <a:off x="2721707" y="2241147"/>
+            <a:ext cx="2502653" cy="477097"/>
           </a:xfrm>
           <a:prstGeom prst="rect">
             <a:avLst/>
@@ -7901,6 +7850,17 @@
               </a:rPr>
               <a:t>(JSP)</a:t>
             </a:r>
+            <a:r>
+              <a:rPr lang="en-US" altLang="ja-JP" sz="1400" dirty="0" smtClean="0">
+                <a:solidFill>
+                  <a:schemeClr val="tx1"/>
+                </a:solidFill>
+                <a:latin typeface="メイリオ" panose="020B0604030504040204" pitchFamily="50" charset="-128"/>
+                <a:ea typeface="メイリオ" panose="020B0604030504040204" pitchFamily="50" charset="-128"/>
+                <a:cs typeface="メイリオ" panose="020B0604030504040204" pitchFamily="50" charset="-128"/>
+              </a:rPr>
+              <a:t/>
+            </a:r>
             <a:br>
               <a:rPr lang="en-US" altLang="ja-JP" sz="1400" dirty="0" smtClean="0">
                 <a:solidFill>
@@ -7912,15 +7872,26 @@
               </a:rPr>
             </a:br>
             <a:r>
-              <a:rPr lang="en-US" altLang="ja-JP" sz="1400" dirty="0" err="1" smtClean="0">
-                <a:solidFill>
-                  <a:schemeClr val="tx1"/>
-                </a:solidFill>
-                <a:latin typeface="メイリオ" panose="020B0604030504040204" pitchFamily="50" charset="-128"/>
-                <a:ea typeface="メイリオ" panose="020B0604030504040204" pitchFamily="50" charset="-128"/>
-                <a:cs typeface="メイリオ" panose="020B0604030504040204" pitchFamily="50" charset="-128"/>
-              </a:rPr>
-              <a:t>mainPage.JSP</a:t>
+              <a:rPr lang="en-US" altLang="ja-JP" sz="1400" dirty="0" smtClean="0">
+                <a:solidFill>
+                  <a:schemeClr val="tx1"/>
+                </a:solidFill>
+                <a:latin typeface="メイリオ" panose="020B0604030504040204" pitchFamily="50" charset="-128"/>
+                <a:ea typeface="メイリオ" panose="020B0604030504040204" pitchFamily="50" charset="-128"/>
+                <a:cs typeface="メイリオ" panose="020B0604030504040204" pitchFamily="50" charset="-128"/>
+              </a:rPr>
+              <a:t>employeeSystemMain</a:t>
+            </a:r>
+            <a:r>
+              <a:rPr lang="en-US" altLang="ja-JP" sz="1400" dirty="0" smtClean="0">
+                <a:solidFill>
+                  <a:schemeClr val="tx1"/>
+                </a:solidFill>
+                <a:latin typeface="メイリオ" panose="020B0604030504040204" pitchFamily="50" charset="-128"/>
+                <a:ea typeface="メイリオ" panose="020B0604030504040204" pitchFamily="50" charset="-128"/>
+                <a:cs typeface="メイリオ" panose="020B0604030504040204" pitchFamily="50" charset="-128"/>
+              </a:rPr>
+              <a:t>.JSP</a:t>
             </a:r>
             <a:endParaRPr kumimoji="1" lang="ja-JP" altLang="en-US" sz="1400" dirty="0">
               <a:solidFill>
@@ -8009,37 +7980,15 @@
               </a:rPr>
             </a:br>
             <a:r>
-              <a:rPr lang="en-US" altLang="ja-JP" sz="1400" dirty="0" err="1" smtClean="0">
-                <a:solidFill>
-                  <a:schemeClr val="tx1"/>
-                </a:solidFill>
-                <a:latin typeface="メイリオ" panose="020B0604030504040204" pitchFamily="50" charset="-128"/>
-                <a:ea typeface="メイリオ" panose="020B0604030504040204" pitchFamily="50" charset="-128"/>
-                <a:cs typeface="メイリオ" panose="020B0604030504040204" pitchFamily="50" charset="-128"/>
-              </a:rPr>
-              <a:t>individual</a:t>
-            </a:r>
-            <a:r>
-              <a:rPr lang="en-US" altLang="ja-JP" sz="1400" dirty="0" err="1" smtClean="0">
-                <a:solidFill>
-                  <a:schemeClr val="tx1"/>
-                </a:solidFill>
-                <a:latin typeface="メイリオ" panose="020B0604030504040204" pitchFamily="50" charset="-128"/>
-                <a:ea typeface="メイリオ" panose="020B0604030504040204" pitchFamily="50" charset="-128"/>
-                <a:cs typeface="メイリオ" panose="020B0604030504040204" pitchFamily="50" charset="-128"/>
-              </a:rPr>
-              <a:t>View.</a:t>
-            </a:r>
-            <a:r>
-              <a:rPr lang="en-US" altLang="ja-JP" sz="1400" dirty="0" err="1" smtClean="0">
-                <a:solidFill>
-                  <a:schemeClr val="tx1"/>
-                </a:solidFill>
-                <a:latin typeface="メイリオ" panose="020B0604030504040204" pitchFamily="50" charset="-128"/>
-                <a:ea typeface="メイリオ" panose="020B0604030504040204" pitchFamily="50" charset="-128"/>
-                <a:cs typeface="メイリオ" panose="020B0604030504040204" pitchFamily="50" charset="-128"/>
-              </a:rPr>
-              <a:t>JSP</a:t>
+              <a:rPr lang="en-US" altLang="ja-JP" sz="1400" dirty="0" smtClean="0">
+                <a:solidFill>
+                  <a:schemeClr val="tx1"/>
+                </a:solidFill>
+                <a:latin typeface="メイリオ" panose="020B0604030504040204" pitchFamily="50" charset="-128"/>
+                <a:ea typeface="メイリオ" panose="020B0604030504040204" pitchFamily="50" charset="-128"/>
+                <a:cs typeface="メイリオ" panose="020B0604030504040204" pitchFamily="50" charset="-128"/>
+              </a:rPr>
+              <a:t>employeeViewer.JSP</a:t>
             </a:r>
             <a:endParaRPr kumimoji="1" lang="ja-JP" altLang="en-US" sz="1400" dirty="0">
               <a:solidFill>
@@ -8140,7 +8089,7 @@
         <p:spPr>
           <a:xfrm flipV="1">
             <a:off x="8599663" y="4579394"/>
-            <a:ext cx="1447562" cy="815881"/>
+            <a:ext cx="1447562" cy="815882"/>
           </a:xfrm>
           <a:prstGeom prst="straightConnector1">
             <a:avLst/>
@@ -8719,7 +8668,18 @@
                 <a:ea typeface="メイリオ" panose="020B0604030504040204" pitchFamily="50" charset="-128"/>
                 <a:cs typeface="メイリオ" panose="020B0604030504040204" pitchFamily="50" charset="-128"/>
               </a:rPr>
-              <a:t>Common(Logic</a:t>
+              <a:t>Model</a:t>
+            </a:r>
+            <a:r>
+              <a:rPr lang="en-US" altLang="ja-JP" sz="1400" dirty="0" smtClean="0">
+                <a:solidFill>
+                  <a:schemeClr val="tx1"/>
+                </a:solidFill>
+                <a:latin typeface="メイリオ" panose="020B0604030504040204" pitchFamily="50" charset="-128"/>
+                <a:ea typeface="メイリオ" panose="020B0604030504040204" pitchFamily="50" charset="-128"/>
+                <a:cs typeface="メイリオ" panose="020B0604030504040204" pitchFamily="50" charset="-128"/>
+              </a:rPr>
+              <a:t>(Logic</a:t>
             </a:r>
             <a:r>
               <a:rPr lang="en-US" altLang="ja-JP" sz="1400" dirty="0">
@@ -8751,18 +8711,7 @@
                 <a:ea typeface="メイリオ" panose="020B0604030504040204" pitchFamily="50" charset="-128"/>
                 <a:cs typeface="メイリオ" panose="020B0604030504040204" pitchFamily="50" charset="-128"/>
               </a:rPr>
-              <a:t>Common</a:t>
-            </a:r>
-            <a:r>
-              <a:rPr lang="en-US" altLang="ja-JP" sz="1400" dirty="0" smtClean="0">
-                <a:solidFill>
-                  <a:schemeClr val="tx1"/>
-                </a:solidFill>
-                <a:latin typeface="メイリオ" panose="020B0604030504040204" pitchFamily="50" charset="-128"/>
-                <a:ea typeface="メイリオ" panose="020B0604030504040204" pitchFamily="50" charset="-128"/>
-                <a:cs typeface="メイリオ" panose="020B0604030504040204" pitchFamily="50" charset="-128"/>
-              </a:rPr>
-              <a:t>.java</a:t>
+              <a:t>Common.java</a:t>
             </a:r>
             <a:r>
               <a:rPr lang="en-US" altLang="ja-JP" sz="900" dirty="0">
@@ -9156,7 +9105,7 @@
         <p:spPr>
           <a:xfrm>
             <a:off x="7042652" y="815764"/>
-            <a:ext cx="2082595" cy="1319779"/>
+            <a:ext cx="2119902" cy="1319779"/>
           </a:xfrm>
           <a:prstGeom prst="rect">
             <a:avLst/>
@@ -9212,7 +9161,7 @@
                 <a:ea typeface="メイリオ" panose="020B0604030504040204" pitchFamily="50" charset="-128"/>
                 <a:cs typeface="メイリオ" panose="020B0604030504040204" pitchFamily="50" charset="-128"/>
               </a:rPr>
-              <a:t>EmployeeControl.java</a:t>
+              <a:t>EmployeeSystem.java</a:t>
             </a:r>
           </a:p>
         </p:txBody>
@@ -9290,7 +9239,7 @@
                 <a:ea typeface="メイリオ" panose="020B0604030504040204" pitchFamily="50" charset="-128"/>
                 <a:cs typeface="メイリオ" panose="020B0604030504040204" pitchFamily="50" charset="-128"/>
               </a:rPr>
-              <a:t>ControlLogic.java</a:t>
+              <a:t>SystemLogic.java</a:t>
             </a:r>
             <a:endParaRPr lang="ja-JP" altLang="en-US" sz="900" dirty="0">
               <a:solidFill>
@@ -9312,7 +9261,7 @@
         <p:spPr>
           <a:xfrm>
             <a:off x="10047225" y="4279341"/>
-            <a:ext cx="1630582" cy="600105"/>
+            <a:ext cx="1906074" cy="600105"/>
           </a:xfrm>
           <a:prstGeom prst="rect">
             <a:avLst/>
@@ -9376,30 +9325,9 @@
                 <a:ea typeface="メイリオ" panose="020B0604030504040204" pitchFamily="50" charset="-128"/>
                 <a:cs typeface="メイリオ" panose="020B0604030504040204" pitchFamily="50" charset="-128"/>
               </a:rPr>
-              <a:t>Employee.java</a:t>
-            </a:r>
-            <a:r>
-              <a:rPr lang="en-US" altLang="ja-JP" sz="1400" dirty="0" smtClean="0">
-                <a:solidFill>
-                  <a:schemeClr val="tx1"/>
-                </a:solidFill>
-                <a:latin typeface="メイリオ" panose="020B0604030504040204" pitchFamily="50" charset="-128"/>
-                <a:ea typeface="メイリオ" panose="020B0604030504040204" pitchFamily="50" charset="-128"/>
-                <a:cs typeface="メイリオ" panose="020B0604030504040204" pitchFamily="50" charset="-128"/>
-              </a:rPr>
-              <a:t/>
-            </a:r>
-            <a:br>
-              <a:rPr lang="en-US" altLang="ja-JP" sz="1400" dirty="0" smtClean="0">
-                <a:solidFill>
-                  <a:schemeClr val="tx1"/>
-                </a:solidFill>
-                <a:latin typeface="メイリオ" panose="020B0604030504040204" pitchFamily="50" charset="-128"/>
-                <a:ea typeface="メイリオ" panose="020B0604030504040204" pitchFamily="50" charset="-128"/>
-                <a:cs typeface="メイリオ" panose="020B0604030504040204" pitchFamily="50" charset="-128"/>
-              </a:rPr>
-            </a:br>
-            <a:endParaRPr kumimoji="1" lang="ja-JP" altLang="en-US" sz="1400" dirty="0">
+              <a:t>EmployeeBean.java</a:t>
+            </a:r>
+            <a:endParaRPr lang="ja-JP" altLang="en-US" sz="1400" dirty="0">
               <a:solidFill>
                 <a:schemeClr val="tx1"/>
               </a:solidFill>
@@ -9569,8 +9497,8 @@
         </p:nvCxnSpPr>
         <p:spPr>
           <a:xfrm>
-            <a:off x="9135168" y="1797976"/>
-            <a:ext cx="361885" cy="432710"/>
+            <a:off x="9153630" y="1797976"/>
+            <a:ext cx="343423" cy="432710"/>
           </a:xfrm>
           <a:prstGeom prst="straightConnector1">
             <a:avLst/>
@@ -9609,7 +9537,7 @@
         <p:spPr>
           <a:xfrm>
             <a:off x="10862516" y="3738091"/>
-            <a:ext cx="0" cy="541250"/>
+            <a:ext cx="137746" cy="541250"/>
           </a:xfrm>
           <a:prstGeom prst="straightConnector1">
             <a:avLst/>
@@ -10429,7 +10357,7 @@
                 <a:ea typeface="メイリオ" panose="020B0604030504040204" pitchFamily="50" charset="-128"/>
                 <a:cs typeface="メイリオ" panose="020B0604030504040204" pitchFamily="50" charset="-128"/>
               </a:rPr>
-              <a:t>EmployeeDAO.java</a:t>
+              <a:t>EmployeeSystemDAO.java</a:t>
             </a:r>
             <a:endParaRPr lang="en-US" altLang="ja-JP" sz="1400" dirty="0">
               <a:solidFill>
@@ -10911,7 +10839,7 @@
         <p:spPr>
           <a:xfrm flipV="1">
             <a:off x="6343683" y="2135543"/>
-            <a:ext cx="1740267" cy="2743904"/>
+            <a:ext cx="1758920" cy="2743904"/>
           </a:xfrm>
           <a:prstGeom prst="straightConnector1">
             <a:avLst/>
@@ -11022,6 +10950,28 @@
           <a:lstStyle/>
           <a:p>
             <a:r>
+              <a:rPr lang="en-US" altLang="ja-JP" sz="1400" dirty="0" smtClean="0">
+                <a:solidFill>
+                  <a:schemeClr val="tx1"/>
+                </a:solidFill>
+                <a:latin typeface="メイリオ" panose="020B0604030504040204" pitchFamily="50" charset="-128"/>
+                <a:ea typeface="メイリオ" panose="020B0604030504040204" pitchFamily="50" charset="-128"/>
+                <a:cs typeface="メイリオ" panose="020B0604030504040204" pitchFamily="50" charset="-128"/>
+              </a:rPr>
+              <a:t>Model</a:t>
+            </a:r>
+            <a:r>
+              <a:rPr lang="en-US" altLang="ja-JP" sz="1400" dirty="0" smtClean="0">
+                <a:solidFill>
+                  <a:schemeClr val="tx1"/>
+                </a:solidFill>
+                <a:latin typeface="メイリオ" panose="020B0604030504040204" pitchFamily="50" charset="-128"/>
+                <a:ea typeface="メイリオ" panose="020B0604030504040204" pitchFamily="50" charset="-128"/>
+                <a:cs typeface="メイリオ" panose="020B0604030504040204" pitchFamily="50" charset="-128"/>
+              </a:rPr>
+              <a:t>(Logic</a:t>
+            </a:r>
+            <a:r>
               <a:rPr lang="en-US" altLang="ja-JP" sz="1400" dirty="0">
                 <a:solidFill>
                   <a:schemeClr val="tx1"/>
@@ -11030,7 +10980,7 @@
                 <a:ea typeface="メイリオ" panose="020B0604030504040204" pitchFamily="50" charset="-128"/>
                 <a:cs typeface="メイリオ" panose="020B0604030504040204" pitchFamily="50" charset="-128"/>
               </a:rPr>
-              <a:t>Common(Logic)</a:t>
+              <a:t>)</a:t>
             </a:r>
             <a:br>
               <a:rPr lang="en-US" altLang="ja-JP" sz="1400" dirty="0">
@@ -11330,18 +11280,7 @@
                 <a:ea typeface="メイリオ" panose="020B0604030504040204" pitchFamily="50" charset="-128"/>
                 <a:cs typeface="メイリオ" panose="020B0604030504040204" pitchFamily="50" charset="-128"/>
               </a:rPr>
-              <a:t>・</a:t>
-            </a:r>
-            <a:r>
-              <a:rPr lang="ja-JP" altLang="en-US" sz="1100" dirty="0" smtClean="0">
-                <a:solidFill>
-                  <a:schemeClr val="tx1"/>
-                </a:solidFill>
-                <a:latin typeface="メイリオ" panose="020B0604030504040204" pitchFamily="50" charset="-128"/>
-                <a:ea typeface="メイリオ" panose="020B0604030504040204" pitchFamily="50" charset="-128"/>
-                <a:cs typeface="メイリオ" panose="020B0604030504040204" pitchFamily="50" charset="-128"/>
-              </a:rPr>
-              <a:t>社員情報</a:t>
+              <a:t>・社員情報</a:t>
             </a:r>
             <a:r>
               <a:rPr lang="en-US" altLang="ja-JP" sz="1100" dirty="0" smtClean="0">
@@ -11353,17 +11292,6 @@
                 <a:cs typeface="メイリオ" panose="020B0604030504040204" pitchFamily="50" charset="-128"/>
               </a:rPr>
               <a:t>Bean</a:t>
-            </a:r>
-            <a:r>
-              <a:rPr lang="en-US" altLang="ja-JP" sz="1100" dirty="0" smtClean="0">
-                <a:solidFill>
-                  <a:schemeClr val="tx1"/>
-                </a:solidFill>
-                <a:latin typeface="メイリオ" panose="020B0604030504040204" pitchFamily="50" charset="-128"/>
-                <a:ea typeface="メイリオ" panose="020B0604030504040204" pitchFamily="50" charset="-128"/>
-                <a:cs typeface="メイリオ" panose="020B0604030504040204" pitchFamily="50" charset="-128"/>
-              </a:rPr>
-              <a:t/>
             </a:r>
             <a:br>
               <a:rPr lang="en-US" altLang="ja-JP" sz="1100" dirty="0" smtClean="0">
@@ -11626,8 +11554,8 @@
         </p:nvSpPr>
         <p:spPr>
           <a:xfrm>
-            <a:off x="7042653" y="815764"/>
-            <a:ext cx="2080754" cy="1319779"/>
+            <a:off x="7042652" y="815764"/>
+            <a:ext cx="2138363" cy="1319779"/>
           </a:xfrm>
           <a:prstGeom prst="rect">
             <a:avLst/>
@@ -11683,7 +11611,7 @@
                 <a:ea typeface="メイリオ" panose="020B0604030504040204" pitchFamily="50" charset="-128"/>
                 <a:cs typeface="メイリオ" panose="020B0604030504040204" pitchFamily="50" charset="-128"/>
               </a:rPr>
-              <a:t>EmployeeControl.java</a:t>
+              <a:t>EmployeeSystem.java</a:t>
             </a:r>
           </a:p>
         </p:txBody>
@@ -11761,7 +11689,7 @@
                 <a:ea typeface="メイリオ" panose="020B0604030504040204" pitchFamily="50" charset="-128"/>
                 <a:cs typeface="メイリオ" panose="020B0604030504040204" pitchFamily="50" charset="-128"/>
               </a:rPr>
-              <a:t>ControlLogic.java</a:t>
+              <a:t>SystemLogic.java</a:t>
             </a:r>
             <a:endParaRPr lang="ja-JP" altLang="en-US" sz="900" dirty="0">
               <a:solidFill>
@@ -11783,7 +11711,7 @@
         <p:spPr>
           <a:xfrm>
             <a:off x="10047225" y="4279341"/>
-            <a:ext cx="1630582" cy="600105"/>
+            <a:ext cx="1945732" cy="600105"/>
           </a:xfrm>
           <a:prstGeom prst="rect">
             <a:avLst/>
@@ -11847,30 +11775,9 @@
                 <a:ea typeface="メイリオ" panose="020B0604030504040204" pitchFamily="50" charset="-128"/>
                 <a:cs typeface="メイリオ" panose="020B0604030504040204" pitchFamily="50" charset="-128"/>
               </a:rPr>
-              <a:t>Employee.java</a:t>
-            </a:r>
-            <a:r>
-              <a:rPr lang="en-US" altLang="ja-JP" sz="1400" dirty="0" smtClean="0">
-                <a:solidFill>
-                  <a:schemeClr val="tx1"/>
-                </a:solidFill>
-                <a:latin typeface="メイリオ" panose="020B0604030504040204" pitchFamily="50" charset="-128"/>
-                <a:ea typeface="メイリオ" panose="020B0604030504040204" pitchFamily="50" charset="-128"/>
-                <a:cs typeface="メイリオ" panose="020B0604030504040204" pitchFamily="50" charset="-128"/>
-              </a:rPr>
-              <a:t/>
-            </a:r>
-            <a:br>
-              <a:rPr lang="en-US" altLang="ja-JP" sz="1400" dirty="0" smtClean="0">
-                <a:solidFill>
-                  <a:schemeClr val="tx1"/>
-                </a:solidFill>
-                <a:latin typeface="メイリオ" panose="020B0604030504040204" pitchFamily="50" charset="-128"/>
-                <a:ea typeface="メイリオ" panose="020B0604030504040204" pitchFamily="50" charset="-128"/>
-                <a:cs typeface="メイリオ" panose="020B0604030504040204" pitchFamily="50" charset="-128"/>
-              </a:rPr>
-            </a:br>
-            <a:endParaRPr kumimoji="1" lang="ja-JP" altLang="en-US" sz="1400" dirty="0">
+              <a:t>EmployeeBean.java</a:t>
+            </a:r>
+            <a:endParaRPr lang="ja-JP" altLang="en-US" sz="1400" dirty="0">
               <a:solidFill>
                 <a:schemeClr val="tx1"/>
               </a:solidFill>
@@ -12040,8 +11947,8 @@
         </p:nvCxnSpPr>
         <p:spPr>
           <a:xfrm>
-            <a:off x="9153630" y="1797976"/>
-            <a:ext cx="343423" cy="432710"/>
+            <a:off x="9181015" y="1797976"/>
+            <a:ext cx="316038" cy="432710"/>
           </a:xfrm>
           <a:prstGeom prst="straightConnector1">
             <a:avLst/>
@@ -12080,7 +11987,7 @@
         <p:spPr>
           <a:xfrm>
             <a:off x="10862516" y="3738091"/>
-            <a:ext cx="0" cy="541250"/>
+            <a:ext cx="157575" cy="541250"/>
           </a:xfrm>
           <a:prstGeom prst="straightConnector1">
             <a:avLst/>
@@ -12900,7 +12807,7 @@
                 <a:ea typeface="メイリオ" panose="020B0604030504040204" pitchFamily="50" charset="-128"/>
                 <a:cs typeface="メイリオ" panose="020B0604030504040204" pitchFamily="50" charset="-128"/>
               </a:rPr>
-              <a:t>EmployeeDAO.java</a:t>
+              <a:t>EmployeeSystemDAO.java</a:t>
             </a:r>
             <a:r>
               <a:rPr lang="en-US" altLang="ja-JP" sz="900" dirty="0">
@@ -13298,7 +13205,7 @@
         <p:spPr>
           <a:xfrm flipH="1">
             <a:off x="5346552" y="1475654"/>
-            <a:ext cx="1696101" cy="1450550"/>
+            <a:ext cx="1696100" cy="1450550"/>
           </a:xfrm>
           <a:prstGeom prst="straightConnector1">
             <a:avLst/>
@@ -13373,7 +13280,7 @@
         <p:spPr>
           <a:xfrm flipV="1">
             <a:off x="6343683" y="2135543"/>
-            <a:ext cx="1739347" cy="2743904"/>
+            <a:ext cx="1768151" cy="2743904"/>
           </a:xfrm>
           <a:prstGeom prst="straightConnector1">
             <a:avLst/>
@@ -13484,6 +13391,17 @@
           <a:lstStyle/>
           <a:p>
             <a:r>
+              <a:rPr lang="en-US" altLang="ja-JP" sz="1400" dirty="0" smtClean="0">
+                <a:solidFill>
+                  <a:schemeClr val="tx1"/>
+                </a:solidFill>
+                <a:latin typeface="メイリオ" panose="020B0604030504040204" pitchFamily="50" charset="-128"/>
+                <a:ea typeface="メイリオ" panose="020B0604030504040204" pitchFamily="50" charset="-128"/>
+                <a:cs typeface="メイリオ" panose="020B0604030504040204" pitchFamily="50" charset="-128"/>
+              </a:rPr>
+              <a:t>Model(Logic</a:t>
+            </a:r>
+            <a:r>
               <a:rPr lang="en-US" altLang="ja-JP" sz="1400" dirty="0">
                 <a:solidFill>
                   <a:schemeClr val="tx1"/>
@@ -13492,7 +13410,7 @@
                 <a:ea typeface="メイリオ" panose="020B0604030504040204" pitchFamily="50" charset="-128"/>
                 <a:cs typeface="メイリオ" panose="020B0604030504040204" pitchFamily="50" charset="-128"/>
               </a:rPr>
-              <a:t>Common(Logic)</a:t>
+              <a:t>)</a:t>
             </a:r>
             <a:br>
               <a:rPr lang="en-US" altLang="ja-JP" sz="1400" dirty="0">
@@ -13669,7 +13587,7 @@
         <p:spPr>
           <a:xfrm flipV="1">
             <a:off x="8982965" y="4579394"/>
-            <a:ext cx="1064260" cy="815881"/>
+            <a:ext cx="1064260" cy="815882"/>
           </a:xfrm>
           <a:prstGeom prst="straightConnector1">
             <a:avLst/>
@@ -13838,29 +13756,7 @@
                 <a:ea typeface="メイリオ" panose="020B0604030504040204" pitchFamily="50" charset="-128"/>
                 <a:cs typeface="メイリオ" panose="020B0604030504040204" pitchFamily="50" charset="-128"/>
               </a:rPr>
-              <a:t>・</a:t>
-            </a:r>
-            <a:r>
-              <a:rPr lang="ja-JP" altLang="en-US" sz="1100" dirty="0" smtClean="0">
-                <a:solidFill>
-                  <a:schemeClr val="tx1"/>
-                </a:solidFill>
-                <a:latin typeface="メイリオ" panose="020B0604030504040204" pitchFamily="50" charset="-128"/>
-                <a:ea typeface="メイリオ" panose="020B0604030504040204" pitchFamily="50" charset="-128"/>
-                <a:cs typeface="メイリオ" panose="020B0604030504040204" pitchFamily="50" charset="-128"/>
-              </a:rPr>
-              <a:t>自分の</a:t>
-            </a:r>
-            <a:r>
-              <a:rPr lang="ja-JP" altLang="en-US" sz="1100" dirty="0" smtClean="0">
-                <a:solidFill>
-                  <a:schemeClr val="tx1"/>
-                </a:solidFill>
-                <a:latin typeface="メイリオ" panose="020B0604030504040204" pitchFamily="50" charset="-128"/>
-                <a:ea typeface="メイリオ" panose="020B0604030504040204" pitchFamily="50" charset="-128"/>
-                <a:cs typeface="メイリオ" panose="020B0604030504040204" pitchFamily="50" charset="-128"/>
-              </a:rPr>
-              <a:t>権限</a:t>
+              <a:t>・自分の権限</a:t>
             </a:r>
             <a:endParaRPr kumimoji="1" lang="en-US" altLang="ja-JP" sz="1100" dirty="0">
               <a:solidFill>
@@ -13948,17 +13844,6 @@
                 <a:cs typeface="メイリオ" panose="020B0604030504040204" pitchFamily="50" charset="-128"/>
               </a:rPr>
               <a:t>Bean</a:t>
-            </a:r>
-            <a:r>
-              <a:rPr lang="en-US" altLang="ja-JP" sz="1100" dirty="0" smtClean="0">
-                <a:solidFill>
-                  <a:schemeClr val="tx1"/>
-                </a:solidFill>
-                <a:latin typeface="メイリオ" panose="020B0604030504040204" pitchFamily="50" charset="-128"/>
-                <a:ea typeface="メイリオ" panose="020B0604030504040204" pitchFamily="50" charset="-128"/>
-                <a:cs typeface="メイリオ" panose="020B0604030504040204" pitchFamily="50" charset="-128"/>
-              </a:rPr>
-              <a:t/>
             </a:r>
             <a:br>
               <a:rPr lang="en-US" altLang="ja-JP" sz="1100" dirty="0" smtClean="0">
@@ -14315,7 +14200,7 @@
                 <a:ea typeface="メイリオ" panose="020B0604030504040204" pitchFamily="50" charset="-128"/>
                 <a:cs typeface="メイリオ" panose="020B0604030504040204" pitchFamily="50" charset="-128"/>
               </a:rPr>
-              <a:t>EmployeeControl.java</a:t>
+              <a:t>EmployeeSystem.java</a:t>
             </a:r>
           </a:p>
         </p:txBody>
@@ -14393,7 +14278,7 @@
                 <a:ea typeface="メイリオ" panose="020B0604030504040204" pitchFamily="50" charset="-128"/>
                 <a:cs typeface="メイリオ" panose="020B0604030504040204" pitchFamily="50" charset="-128"/>
               </a:rPr>
-              <a:t>ControlLogic.java</a:t>
+              <a:t>SystemLogic.java</a:t>
             </a:r>
             <a:endParaRPr lang="ja-JP" altLang="en-US" sz="900" dirty="0">
               <a:solidFill>
@@ -14415,7 +14300,7 @@
         <p:spPr>
           <a:xfrm>
             <a:off x="10047225" y="4279341"/>
-            <a:ext cx="1630582" cy="600105"/>
+            <a:ext cx="1945732" cy="600105"/>
           </a:xfrm>
           <a:prstGeom prst="rect">
             <a:avLst/>
@@ -14479,30 +14364,9 @@
                 <a:ea typeface="メイリオ" panose="020B0604030504040204" pitchFamily="50" charset="-128"/>
                 <a:cs typeface="メイリオ" panose="020B0604030504040204" pitchFamily="50" charset="-128"/>
               </a:rPr>
-              <a:t>Employee.java</a:t>
-            </a:r>
-            <a:r>
-              <a:rPr lang="en-US" altLang="ja-JP" sz="1400" dirty="0" smtClean="0">
-                <a:solidFill>
-                  <a:schemeClr val="tx1"/>
-                </a:solidFill>
-                <a:latin typeface="メイリオ" panose="020B0604030504040204" pitchFamily="50" charset="-128"/>
-                <a:ea typeface="メイリオ" panose="020B0604030504040204" pitchFamily="50" charset="-128"/>
-                <a:cs typeface="メイリオ" panose="020B0604030504040204" pitchFamily="50" charset="-128"/>
-              </a:rPr>
-              <a:t/>
-            </a:r>
-            <a:br>
-              <a:rPr lang="en-US" altLang="ja-JP" sz="1400" dirty="0" smtClean="0">
-                <a:solidFill>
-                  <a:schemeClr val="tx1"/>
-                </a:solidFill>
-                <a:latin typeface="メイリオ" panose="020B0604030504040204" pitchFamily="50" charset="-128"/>
-                <a:ea typeface="メイリオ" panose="020B0604030504040204" pitchFamily="50" charset="-128"/>
-                <a:cs typeface="メイリオ" panose="020B0604030504040204" pitchFamily="50" charset="-128"/>
-              </a:rPr>
-            </a:br>
-            <a:endParaRPr kumimoji="1" lang="ja-JP" altLang="en-US" sz="1400" dirty="0">
+              <a:t>EmployeeBean.java</a:t>
+            </a:r>
+            <a:endParaRPr lang="ja-JP" altLang="en-US" sz="1400" dirty="0">
               <a:solidFill>
                 <a:schemeClr val="tx1"/>
               </a:solidFill>
@@ -15454,7 +15318,7 @@
                 <a:ea typeface="メイリオ" panose="020B0604030504040204" pitchFamily="50" charset="-128"/>
                 <a:cs typeface="メイリオ" panose="020B0604030504040204" pitchFamily="50" charset="-128"/>
               </a:rPr>
-              <a:t>EmployeeDAO.java</a:t>
+              <a:t>EmployeeSystemDAO.java</a:t>
             </a:r>
             <a:r>
               <a:rPr lang="en-US" altLang="ja-JP" sz="900" dirty="0">
@@ -15942,7 +15806,7 @@
         <p:spPr>
           <a:xfrm flipV="1">
             <a:off x="8982965" y="4579394"/>
-            <a:ext cx="1064260" cy="815881"/>
+            <a:ext cx="1064260" cy="815882"/>
           </a:xfrm>
           <a:prstGeom prst="straightConnector1">
             <a:avLst/>
@@ -16101,18 +15965,7 @@
                 <a:ea typeface="メイリオ" panose="020B0604030504040204" pitchFamily="50" charset="-128"/>
                 <a:cs typeface="メイリオ" panose="020B0604030504040204" pitchFamily="50" charset="-128"/>
               </a:rPr>
-              <a:t>・</a:t>
-            </a:r>
-            <a:r>
-              <a:rPr lang="ja-JP" altLang="en-US" sz="1100" dirty="0" smtClean="0">
-                <a:solidFill>
-                  <a:schemeClr val="tx1"/>
-                </a:solidFill>
-                <a:latin typeface="メイリオ" panose="020B0604030504040204" pitchFamily="50" charset="-128"/>
-                <a:ea typeface="メイリオ" panose="020B0604030504040204" pitchFamily="50" charset="-128"/>
-                <a:cs typeface="メイリオ" panose="020B0604030504040204" pitchFamily="50" charset="-128"/>
-              </a:rPr>
-              <a:t>参照・編集している社員</a:t>
+              <a:t>・参照・編集している社員</a:t>
             </a:r>
             <a:r>
               <a:rPr lang="en-US" altLang="ja-JP" sz="1100" dirty="0" smtClean="0">
@@ -16178,17 +16031,6 @@
                 <a:cs typeface="メイリオ" panose="020B0604030504040204" pitchFamily="50" charset="-128"/>
               </a:rPr>
               <a:t>Bean</a:t>
-            </a:r>
-            <a:r>
-              <a:rPr lang="en-US" altLang="ja-JP" sz="1100" dirty="0" smtClean="0">
-                <a:solidFill>
-                  <a:schemeClr val="tx1"/>
-                </a:solidFill>
-                <a:latin typeface="メイリオ" panose="020B0604030504040204" pitchFamily="50" charset="-128"/>
-                <a:ea typeface="メイリオ" panose="020B0604030504040204" pitchFamily="50" charset="-128"/>
-                <a:cs typeface="メイリオ" panose="020B0604030504040204" pitchFamily="50" charset="-128"/>
-              </a:rPr>
-              <a:t/>
             </a:r>
             <a:br>
               <a:rPr lang="en-US" altLang="ja-JP" sz="1100" dirty="0" smtClean="0">
@@ -24711,18 +24553,7 @@
                 <a:ea typeface="メイリオ" panose="020B0604030504040204" pitchFamily="50" charset="-128"/>
                 <a:cs typeface="メイリオ" panose="020B0604030504040204" pitchFamily="50" charset="-128"/>
               </a:rPr>
-              <a:t> </a:t>
-            </a:r>
-            <a:r>
-              <a:rPr lang="en-US" altLang="ja-JP" sz="1100" dirty="0" smtClean="0">
-                <a:solidFill>
-                  <a:schemeClr val="tx1"/>
-                </a:solidFill>
-                <a:latin typeface="メイリオ" panose="020B0604030504040204" pitchFamily="50" charset="-128"/>
-                <a:ea typeface="メイリオ" panose="020B0604030504040204" pitchFamily="50" charset="-128"/>
-                <a:cs typeface="メイリオ" panose="020B0604030504040204" pitchFamily="50" charset="-128"/>
-              </a:rPr>
-              <a:t>= </a:t>
+              <a:t> = </a:t>
             </a:r>
             <a:r>
               <a:rPr lang="ja-JP" altLang="en-US" sz="1100" dirty="0" smtClean="0">
@@ -28579,18 +28410,7 @@
                 <a:ea typeface="メイリオ" panose="020B0604030504040204" pitchFamily="50" charset="-128"/>
                 <a:cs typeface="メイリオ" panose="020B0604030504040204" pitchFamily="50" charset="-128"/>
               </a:rPr>
-              <a:t> </a:t>
-            </a:r>
-            <a:r>
-              <a:rPr lang="en-US" altLang="ja-JP" sz="1100" dirty="0" smtClean="0">
-                <a:solidFill>
-                  <a:schemeClr val="tx1"/>
-                </a:solidFill>
-                <a:latin typeface="メイリオ" panose="020B0604030504040204" pitchFamily="50" charset="-128"/>
-                <a:ea typeface="メイリオ" panose="020B0604030504040204" pitchFamily="50" charset="-128"/>
-                <a:cs typeface="メイリオ" panose="020B0604030504040204" pitchFamily="50" charset="-128"/>
-              </a:rPr>
-              <a:t>= </a:t>
+              <a:t> = </a:t>
             </a:r>
             <a:r>
               <a:rPr lang="ja-JP" altLang="en-US" sz="1100" dirty="0" smtClean="0">
@@ -31488,18 +31308,7 @@
                 <a:ea typeface="メイリオ" panose="020B0604030504040204" pitchFamily="50" charset="-128"/>
                 <a:cs typeface="メイリオ" panose="020B0604030504040204" pitchFamily="50" charset="-128"/>
               </a:rPr>
-              <a:t>v</a:t>
-            </a:r>
-            <a:r>
-              <a:rPr lang="en-US" altLang="ja-JP" sz="1100" dirty="0" err="1" smtClean="0">
-                <a:solidFill>
-                  <a:schemeClr val="tx1"/>
-                </a:solidFill>
-                <a:latin typeface="メイリオ" panose="020B0604030504040204" pitchFamily="50" charset="-128"/>
-                <a:ea typeface="メイリオ" panose="020B0604030504040204" pitchFamily="50" charset="-128"/>
-                <a:cs typeface="メイリオ" panose="020B0604030504040204" pitchFamily="50" charset="-128"/>
-              </a:rPr>
-              <a:t>eiwUser</a:t>
+              <a:t>veiwUser</a:t>
             </a:r>
             <a:r>
               <a:rPr lang="en-US" altLang="ja-JP" sz="1100" dirty="0" smtClean="0">
@@ -31715,18 +31524,7 @@
                 <a:ea typeface="メイリオ" panose="020B0604030504040204" pitchFamily="50" charset="-128"/>
                 <a:cs typeface="メイリオ" panose="020B0604030504040204" pitchFamily="50" charset="-128"/>
               </a:rPr>
-              <a:t>v</a:t>
-            </a:r>
-            <a:r>
-              <a:rPr lang="en-US" altLang="ja-JP" sz="1100" dirty="0" err="1" smtClean="0">
-                <a:solidFill>
-                  <a:schemeClr val="tx1"/>
-                </a:solidFill>
-                <a:latin typeface="メイリオ" panose="020B0604030504040204" pitchFamily="50" charset="-128"/>
-                <a:ea typeface="メイリオ" panose="020B0604030504040204" pitchFamily="50" charset="-128"/>
-                <a:cs typeface="メイリオ" panose="020B0604030504040204" pitchFamily="50" charset="-128"/>
-              </a:rPr>
-              <a:t>eiwUser</a:t>
+              <a:t>veiwUser</a:t>
             </a:r>
             <a:r>
               <a:rPr lang="en-US" altLang="ja-JP" sz="1100" dirty="0" smtClean="0">

--- a/総合演習資料/2.外部設計/画面・状態遷移図_DB.pptx
+++ b/総合演習資料/2.外部設計/画面・状態遷移図_DB.pptx
@@ -255,7 +255,7 @@
           <a:p>
             <a:fld id="{931ADCC0-89D4-47E2-A51B-3DB9029B3371}" type="datetimeFigureOut">
               <a:rPr kumimoji="1" lang="ja-JP" altLang="en-US" smtClean="0"/>
-              <a:t>2017/10/25</a:t>
+              <a:t>2017/10/26</a:t>
             </a:fld>
             <a:endParaRPr kumimoji="1" lang="ja-JP" altLang="en-US"/>
           </a:p>
@@ -457,7 +457,7 @@
           <a:p>
             <a:fld id="{931ADCC0-89D4-47E2-A51B-3DB9029B3371}" type="datetimeFigureOut">
               <a:rPr kumimoji="1" lang="ja-JP" altLang="en-US" smtClean="0"/>
-              <a:t>2017/10/25</a:t>
+              <a:t>2017/10/26</a:t>
             </a:fld>
             <a:endParaRPr kumimoji="1" lang="ja-JP" altLang="en-US"/>
           </a:p>
@@ -669,7 +669,7 @@
           <a:p>
             <a:fld id="{931ADCC0-89D4-47E2-A51B-3DB9029B3371}" type="datetimeFigureOut">
               <a:rPr kumimoji="1" lang="ja-JP" altLang="en-US" smtClean="0"/>
-              <a:t>2017/10/25</a:t>
+              <a:t>2017/10/26</a:t>
             </a:fld>
             <a:endParaRPr kumimoji="1" lang="ja-JP" altLang="en-US"/>
           </a:p>
@@ -871,7 +871,7 @@
           <a:p>
             <a:fld id="{931ADCC0-89D4-47E2-A51B-3DB9029B3371}" type="datetimeFigureOut">
               <a:rPr kumimoji="1" lang="ja-JP" altLang="en-US" smtClean="0"/>
-              <a:t>2017/10/25</a:t>
+              <a:t>2017/10/26</a:t>
             </a:fld>
             <a:endParaRPr kumimoji="1" lang="ja-JP" altLang="en-US"/>
           </a:p>
@@ -1117,7 +1117,7 @@
           <a:p>
             <a:fld id="{931ADCC0-89D4-47E2-A51B-3DB9029B3371}" type="datetimeFigureOut">
               <a:rPr kumimoji="1" lang="ja-JP" altLang="en-US" smtClean="0"/>
-              <a:t>2017/10/25</a:t>
+              <a:t>2017/10/26</a:t>
             </a:fld>
             <a:endParaRPr kumimoji="1" lang="ja-JP" altLang="en-US"/>
           </a:p>
@@ -1413,7 +1413,7 @@
           <a:p>
             <a:fld id="{931ADCC0-89D4-47E2-A51B-3DB9029B3371}" type="datetimeFigureOut">
               <a:rPr kumimoji="1" lang="ja-JP" altLang="en-US" smtClean="0"/>
-              <a:t>2017/10/25</a:t>
+              <a:t>2017/10/26</a:t>
             </a:fld>
             <a:endParaRPr kumimoji="1" lang="ja-JP" altLang="en-US"/>
           </a:p>
@@ -1844,7 +1844,7 @@
           <a:p>
             <a:fld id="{931ADCC0-89D4-47E2-A51B-3DB9029B3371}" type="datetimeFigureOut">
               <a:rPr kumimoji="1" lang="ja-JP" altLang="en-US" smtClean="0"/>
-              <a:t>2017/10/25</a:t>
+              <a:t>2017/10/26</a:t>
             </a:fld>
             <a:endParaRPr kumimoji="1" lang="ja-JP" altLang="en-US"/>
           </a:p>
@@ -1962,7 +1962,7 @@
           <a:p>
             <a:fld id="{931ADCC0-89D4-47E2-A51B-3DB9029B3371}" type="datetimeFigureOut">
               <a:rPr kumimoji="1" lang="ja-JP" altLang="en-US" smtClean="0"/>
-              <a:t>2017/10/25</a:t>
+              <a:t>2017/10/26</a:t>
             </a:fld>
             <a:endParaRPr kumimoji="1" lang="ja-JP" altLang="en-US"/>
           </a:p>
@@ -2057,7 +2057,7 @@
           <a:p>
             <a:fld id="{931ADCC0-89D4-47E2-A51B-3DB9029B3371}" type="datetimeFigureOut">
               <a:rPr kumimoji="1" lang="ja-JP" altLang="en-US" smtClean="0"/>
-              <a:t>2017/10/25</a:t>
+              <a:t>2017/10/26</a:t>
             </a:fld>
             <a:endParaRPr kumimoji="1" lang="ja-JP" altLang="en-US"/>
           </a:p>
@@ -2366,7 +2366,7 @@
           <a:p>
             <a:fld id="{931ADCC0-89D4-47E2-A51B-3DB9029B3371}" type="datetimeFigureOut">
               <a:rPr kumimoji="1" lang="ja-JP" altLang="en-US" smtClean="0"/>
-              <a:t>2017/10/25</a:t>
+              <a:t>2017/10/26</a:t>
             </a:fld>
             <a:endParaRPr kumimoji="1" lang="ja-JP" altLang="en-US"/>
           </a:p>
@@ -2619,7 +2619,7 @@
           <a:p>
             <a:fld id="{931ADCC0-89D4-47E2-A51B-3DB9029B3371}" type="datetimeFigureOut">
               <a:rPr kumimoji="1" lang="ja-JP" altLang="en-US" smtClean="0"/>
-              <a:t>2017/10/25</a:t>
+              <a:t>2017/10/26</a:t>
             </a:fld>
             <a:endParaRPr kumimoji="1" lang="ja-JP" altLang="en-US"/>
           </a:p>
@@ -2864,7 +2864,7 @@
           <a:p>
             <a:fld id="{931ADCC0-89D4-47E2-A51B-3DB9029B3371}" type="datetimeFigureOut">
               <a:rPr kumimoji="1" lang="ja-JP" altLang="en-US" smtClean="0"/>
-              <a:t>2017/10/25</a:t>
+              <a:t>2017/10/26</a:t>
             </a:fld>
             <a:endParaRPr kumimoji="1" lang="ja-JP" altLang="en-US"/>
           </a:p>
@@ -6180,7 +6180,7 @@
                 <a:ea typeface="メイリオ" panose="020B0604030504040204" pitchFamily="50" charset="-128"/>
                 <a:cs typeface="メイリオ" panose="020B0604030504040204" pitchFamily="50" charset="-128"/>
               </a:rPr>
-              <a:t>login.JSP</a:t>
+              <a:t>login.jsp</a:t>
             </a:r>
             <a:endParaRPr kumimoji="1" lang="ja-JP" altLang="en-US" sz="1400" dirty="0">
               <a:solidFill>
@@ -6268,14 +6268,6 @@
               </a:rPr>
               <a:t>EmployeeSystem.java</a:t>
             </a:r>
-            <a:endParaRPr lang="en-US" altLang="ja-JP" sz="1400" dirty="0" smtClean="0">
-              <a:solidFill>
-                <a:schemeClr val="tx1"/>
-              </a:solidFill>
-              <a:latin typeface="メイリオ" panose="020B0604030504040204" pitchFamily="50" charset="-128"/>
-              <a:ea typeface="メイリオ" panose="020B0604030504040204" pitchFamily="50" charset="-128"/>
-              <a:cs typeface="メイリオ" panose="020B0604030504040204" pitchFamily="50" charset="-128"/>
-            </a:endParaRPr>
           </a:p>
         </p:txBody>
       </p:sp>
@@ -6352,18 +6344,7 @@
                 <a:ea typeface="メイリオ" panose="020B0604030504040204" pitchFamily="50" charset="-128"/>
                 <a:cs typeface="メイリオ" panose="020B0604030504040204" pitchFamily="50" charset="-128"/>
               </a:rPr>
-              <a:t>System</a:t>
-            </a:r>
-            <a:r>
-              <a:rPr lang="en-US" altLang="ja-JP" sz="1400" dirty="0" smtClean="0">
-                <a:solidFill>
-                  <a:schemeClr val="tx1"/>
-                </a:solidFill>
-                <a:latin typeface="メイリオ" panose="020B0604030504040204" pitchFamily="50" charset="-128"/>
-                <a:ea typeface="メイリオ" panose="020B0604030504040204" pitchFamily="50" charset="-128"/>
-                <a:cs typeface="メイリオ" panose="020B0604030504040204" pitchFamily="50" charset="-128"/>
-              </a:rPr>
-              <a:t>Logic.java</a:t>
+              <a:t>SystemLogic.java</a:t>
             </a:r>
             <a:endParaRPr kumimoji="1" lang="ja-JP" altLang="en-US" sz="900" dirty="0">
               <a:solidFill>
@@ -7507,27 +7488,8 @@
                 <a:ea typeface="メイリオ" panose="020B0604030504040204" pitchFamily="50" charset="-128"/>
                 <a:cs typeface="メイリオ" panose="020B0604030504040204" pitchFamily="50" charset="-128"/>
               </a:rPr>
-              <a:t>EmployeeSystem</a:t>
-            </a:r>
-            <a:r>
-              <a:rPr lang="en-US" altLang="ja-JP" sz="1400" dirty="0" smtClean="0">
-                <a:solidFill>
-                  <a:schemeClr val="tx1"/>
-                </a:solidFill>
-                <a:latin typeface="メイリオ" panose="020B0604030504040204" pitchFamily="50" charset="-128"/>
-                <a:ea typeface="メイリオ" panose="020B0604030504040204" pitchFamily="50" charset="-128"/>
-                <a:cs typeface="メイリオ" panose="020B0604030504040204" pitchFamily="50" charset="-128"/>
-              </a:rPr>
-              <a:t>DAO.java</a:t>
-            </a:r>
-            <a:endParaRPr lang="en-US" altLang="ja-JP" sz="1400" dirty="0" smtClean="0">
-              <a:solidFill>
-                <a:schemeClr val="tx1"/>
-              </a:solidFill>
-              <a:latin typeface="メイリオ" panose="020B0604030504040204" pitchFamily="50" charset="-128"/>
-              <a:ea typeface="メイリオ" panose="020B0604030504040204" pitchFamily="50" charset="-128"/>
-              <a:cs typeface="メイリオ" panose="020B0604030504040204" pitchFamily="50" charset="-128"/>
-            </a:endParaRPr>
+              <a:t>EmployeeSystemDAO.java</a:t>
+            </a:r>
           </a:p>
         </p:txBody>
       </p:sp>
@@ -7850,17 +7812,6 @@
               </a:rPr>
               <a:t>(JSP)</a:t>
             </a:r>
-            <a:r>
-              <a:rPr lang="en-US" altLang="ja-JP" sz="1400" dirty="0" smtClean="0">
-                <a:solidFill>
-                  <a:schemeClr val="tx1"/>
-                </a:solidFill>
-                <a:latin typeface="メイリオ" panose="020B0604030504040204" pitchFamily="50" charset="-128"/>
-                <a:ea typeface="メイリオ" panose="020B0604030504040204" pitchFamily="50" charset="-128"/>
-                <a:cs typeface="メイリオ" panose="020B0604030504040204" pitchFamily="50" charset="-128"/>
-              </a:rPr>
-              <a:t/>
-            </a:r>
             <a:br>
               <a:rPr lang="en-US" altLang="ja-JP" sz="1400" dirty="0" smtClean="0">
                 <a:solidFill>
@@ -7872,26 +7823,15 @@
               </a:rPr>
             </a:br>
             <a:r>
-              <a:rPr lang="en-US" altLang="ja-JP" sz="1400" dirty="0" smtClean="0">
-                <a:solidFill>
-                  <a:schemeClr val="tx1"/>
-                </a:solidFill>
-                <a:latin typeface="メイリオ" panose="020B0604030504040204" pitchFamily="50" charset="-128"/>
-                <a:ea typeface="メイリオ" panose="020B0604030504040204" pitchFamily="50" charset="-128"/>
-                <a:cs typeface="メイリオ" panose="020B0604030504040204" pitchFamily="50" charset="-128"/>
-              </a:rPr>
-              <a:t>employeeSystemMain</a:t>
-            </a:r>
-            <a:r>
-              <a:rPr lang="en-US" altLang="ja-JP" sz="1400" dirty="0" smtClean="0">
-                <a:solidFill>
-                  <a:schemeClr val="tx1"/>
-                </a:solidFill>
-                <a:latin typeface="メイリオ" panose="020B0604030504040204" pitchFamily="50" charset="-128"/>
-                <a:ea typeface="メイリオ" panose="020B0604030504040204" pitchFamily="50" charset="-128"/>
-                <a:cs typeface="メイリオ" panose="020B0604030504040204" pitchFamily="50" charset="-128"/>
-              </a:rPr>
-              <a:t>.JSP</a:t>
+              <a:rPr lang="en-US" altLang="ja-JP" sz="1400" dirty="0" err="1" smtClean="0">
+                <a:solidFill>
+                  <a:schemeClr val="tx1"/>
+                </a:solidFill>
+                <a:latin typeface="メイリオ" panose="020B0604030504040204" pitchFamily="50" charset="-128"/>
+                <a:ea typeface="メイリオ" panose="020B0604030504040204" pitchFamily="50" charset="-128"/>
+                <a:cs typeface="メイリオ" panose="020B0604030504040204" pitchFamily="50" charset="-128"/>
+              </a:rPr>
+              <a:t>employeeSystemMain.jsp</a:t>
             </a:r>
             <a:endParaRPr kumimoji="1" lang="ja-JP" altLang="en-US" sz="1400" dirty="0">
               <a:solidFill>
@@ -7980,15 +7920,15 @@
               </a:rPr>
             </a:br>
             <a:r>
-              <a:rPr lang="en-US" altLang="ja-JP" sz="1400" dirty="0" smtClean="0">
-                <a:solidFill>
-                  <a:schemeClr val="tx1"/>
-                </a:solidFill>
-                <a:latin typeface="メイリオ" panose="020B0604030504040204" pitchFamily="50" charset="-128"/>
-                <a:ea typeface="メイリオ" panose="020B0604030504040204" pitchFamily="50" charset="-128"/>
-                <a:cs typeface="メイリオ" panose="020B0604030504040204" pitchFamily="50" charset="-128"/>
-              </a:rPr>
-              <a:t>employeeViewer.JSP</a:t>
+              <a:rPr lang="en-US" altLang="ja-JP" sz="1400" dirty="0" err="1" smtClean="0">
+                <a:solidFill>
+                  <a:schemeClr val="tx1"/>
+                </a:solidFill>
+                <a:latin typeface="メイリオ" panose="020B0604030504040204" pitchFamily="50" charset="-128"/>
+                <a:ea typeface="メイリオ" panose="020B0604030504040204" pitchFamily="50" charset="-128"/>
+                <a:cs typeface="メイリオ" panose="020B0604030504040204" pitchFamily="50" charset="-128"/>
+              </a:rPr>
+              <a:t>employeeViewer.jsp</a:t>
             </a:r>
             <a:endParaRPr kumimoji="1" lang="ja-JP" altLang="en-US" sz="1400" dirty="0">
               <a:solidFill>
@@ -8668,18 +8608,7 @@
                 <a:ea typeface="メイリオ" panose="020B0604030504040204" pitchFamily="50" charset="-128"/>
                 <a:cs typeface="メイリオ" panose="020B0604030504040204" pitchFamily="50" charset="-128"/>
               </a:rPr>
-              <a:t>Model</a:t>
-            </a:r>
-            <a:r>
-              <a:rPr lang="en-US" altLang="ja-JP" sz="1400" dirty="0" smtClean="0">
-                <a:solidFill>
-                  <a:schemeClr val="tx1"/>
-                </a:solidFill>
-                <a:latin typeface="メイリオ" panose="020B0604030504040204" pitchFamily="50" charset="-128"/>
-                <a:ea typeface="メイリオ" panose="020B0604030504040204" pitchFamily="50" charset="-128"/>
-                <a:cs typeface="メイリオ" panose="020B0604030504040204" pitchFamily="50" charset="-128"/>
-              </a:rPr>
-              <a:t>(Logic</a:t>
+              <a:t>Model(Logic</a:t>
             </a:r>
             <a:r>
               <a:rPr lang="en-US" altLang="ja-JP" sz="1400" dirty="0">
@@ -9083,7 +9012,7 @@
                 <a:ea typeface="メイリオ" panose="020B0604030504040204" pitchFamily="50" charset="-128"/>
                 <a:cs typeface="メイリオ" panose="020B0604030504040204" pitchFamily="50" charset="-128"/>
               </a:rPr>
-              <a:t>registerUser.JSP</a:t>
+              <a:t>registerUser.jsp</a:t>
             </a:r>
             <a:endParaRPr kumimoji="1" lang="ja-JP" altLang="en-US" sz="1400" dirty="0">
               <a:solidFill>
@@ -10739,7 +10668,7 @@
                 <a:ea typeface="メイリオ" panose="020B0604030504040204" pitchFamily="50" charset="-128"/>
                 <a:cs typeface="メイリオ" panose="020B0604030504040204" pitchFamily="50" charset="-128"/>
               </a:rPr>
-              <a:t>confirmRegisterUser.JSP</a:t>
+              <a:t>confirmRegisterUser.jsp</a:t>
             </a:r>
             <a:endParaRPr kumimoji="1" lang="ja-JP" altLang="en-US" sz="1400" dirty="0">
               <a:solidFill>
@@ -10958,18 +10887,7 @@
                 <a:ea typeface="メイリオ" panose="020B0604030504040204" pitchFamily="50" charset="-128"/>
                 <a:cs typeface="メイリオ" panose="020B0604030504040204" pitchFamily="50" charset="-128"/>
               </a:rPr>
-              <a:t>Model</a:t>
-            </a:r>
-            <a:r>
-              <a:rPr lang="en-US" altLang="ja-JP" sz="1400" dirty="0" smtClean="0">
-                <a:solidFill>
-                  <a:schemeClr val="tx1"/>
-                </a:solidFill>
-                <a:latin typeface="メイリオ" panose="020B0604030504040204" pitchFamily="50" charset="-128"/>
-                <a:ea typeface="メイリオ" panose="020B0604030504040204" pitchFamily="50" charset="-128"/>
-                <a:cs typeface="メイリオ" panose="020B0604030504040204" pitchFamily="50" charset="-128"/>
-              </a:rPr>
-              <a:t>(Logic</a:t>
+              <a:t>Model(Logic</a:t>
             </a:r>
             <a:r>
               <a:rPr lang="en-US" altLang="ja-JP" sz="1400" dirty="0">
@@ -11533,7 +11451,7 @@
                 <a:ea typeface="メイリオ" panose="020B0604030504040204" pitchFamily="50" charset="-128"/>
                 <a:cs typeface="メイリオ" panose="020B0604030504040204" pitchFamily="50" charset="-128"/>
               </a:rPr>
-              <a:t>updateUser.JSP</a:t>
+              <a:t>updateUser.jsp</a:t>
             </a:r>
             <a:endParaRPr kumimoji="1" lang="ja-JP" altLang="en-US" sz="1400" dirty="0">
               <a:solidFill>
@@ -13180,7 +13098,7 @@
                 <a:ea typeface="メイリオ" panose="020B0604030504040204" pitchFamily="50" charset="-128"/>
                 <a:cs typeface="メイリオ" panose="020B0604030504040204" pitchFamily="50" charset="-128"/>
               </a:rPr>
-              <a:t>confirmUpdateUser.JSP</a:t>
+              <a:t>confirmUpdateUser.jsp</a:t>
             </a:r>
             <a:endParaRPr kumimoji="1" lang="ja-JP" altLang="en-US" sz="1400" dirty="0">
               <a:solidFill>
@@ -14122,7 +14040,7 @@
                 <a:ea typeface="メイリオ" panose="020B0604030504040204" pitchFamily="50" charset="-128"/>
                 <a:cs typeface="メイリオ" panose="020B0604030504040204" pitchFamily="50" charset="-128"/>
               </a:rPr>
-              <a:t>confirmDeleteUser.JSP</a:t>
+              <a:t>confirmDeleteUser.jsp</a:t>
             </a:r>
             <a:endParaRPr kumimoji="1" lang="ja-JP" altLang="en-US" sz="1400" dirty="0">
               <a:solidFill>

--- a/総合演習資料/2.外部設計/画面・状態遷移図_DB.pptx
+++ b/総合演習資料/2.外部設計/画面・状態遷移図_DB.pptx
@@ -14032,15 +14032,15 @@
               </a:rPr>
             </a:br>
             <a:r>
-              <a:rPr lang="en-US" altLang="ja-JP" sz="1400" dirty="0" err="1" smtClean="0">
-                <a:solidFill>
-                  <a:schemeClr val="tx1"/>
-                </a:solidFill>
-                <a:latin typeface="メイリオ" panose="020B0604030504040204" pitchFamily="50" charset="-128"/>
-                <a:ea typeface="メイリオ" panose="020B0604030504040204" pitchFamily="50" charset="-128"/>
-                <a:cs typeface="メイリオ" panose="020B0604030504040204" pitchFamily="50" charset="-128"/>
-              </a:rPr>
-              <a:t>confirmDeleteUser.jsp</a:t>
+              <a:rPr lang="en-US" altLang="ja-JP" sz="1400" dirty="0" smtClean="0">
+                <a:solidFill>
+                  <a:schemeClr val="tx1"/>
+                </a:solidFill>
+                <a:latin typeface="メイリオ" panose="020B0604030504040204" pitchFamily="50" charset="-128"/>
+                <a:ea typeface="メイリオ" panose="020B0604030504040204" pitchFamily="50" charset="-128"/>
+                <a:cs typeface="メイリオ" panose="020B0604030504040204" pitchFamily="50" charset="-128"/>
+              </a:rPr>
+              <a:t>	</a:t>
             </a:r>
             <a:endParaRPr kumimoji="1" lang="ja-JP" altLang="en-US" sz="1400" dirty="0">
               <a:solidFill>

--- a/総合演習資料/2.外部設計/画面・状態遷移図_DB.pptx
+++ b/総合演習資料/2.外部設計/画面・状態遷移図_DB.pptx
@@ -6279,8 +6279,8 @@
         </p:nvSpPr>
         <p:spPr>
           <a:xfrm>
-            <a:off x="9497053" y="860106"/>
-            <a:ext cx="2430488" cy="2864814"/>
+            <a:off x="9370603" y="860106"/>
+            <a:ext cx="2556938" cy="2864814"/>
           </a:xfrm>
           <a:prstGeom prst="rect">
             <a:avLst/>
@@ -6344,7 +6344,7 @@
                 <a:ea typeface="メイリオ" panose="020B0604030504040204" pitchFamily="50" charset="-128"/>
                 <a:cs typeface="メイリオ" panose="020B0604030504040204" pitchFamily="50" charset="-128"/>
               </a:rPr>
-              <a:t>SystemLogic.java</a:t>
+              <a:t>EmployeeSystemLogic.java</a:t>
             </a:r>
             <a:endParaRPr kumimoji="1" lang="ja-JP" altLang="en-US" sz="900" dirty="0">
               <a:solidFill>
@@ -6676,7 +6676,7 @@
         <p:spPr>
           <a:xfrm>
             <a:off x="5245663" y="2603123"/>
-            <a:ext cx="4251390" cy="188791"/>
+            <a:ext cx="4124940" cy="122235"/>
           </a:xfrm>
           <a:prstGeom prst="straightConnector1">
             <a:avLst/>
@@ -8757,8 +8757,8 @@
         </p:nvCxnSpPr>
         <p:spPr>
           <a:xfrm flipV="1">
-            <a:off x="4939932" y="2951181"/>
-            <a:ext cx="4557121" cy="369818"/>
+            <a:off x="4939932" y="2958353"/>
+            <a:ext cx="4430671" cy="362646"/>
           </a:xfrm>
           <a:prstGeom prst="straightConnector1">
             <a:avLst/>
@@ -8795,9 +8795,9 @@
           <p:nvPr/>
         </p:nvCxnSpPr>
         <p:spPr>
-          <a:xfrm flipH="1">
-            <a:off x="9166889" y="3425780"/>
-            <a:ext cx="330164" cy="7169"/>
+          <a:xfrm flipH="1" flipV="1">
+            <a:off x="9166889" y="3432949"/>
+            <a:ext cx="203714" cy="9498"/>
           </a:xfrm>
           <a:prstGeom prst="straightConnector1">
             <a:avLst/>
@@ -13965,7 +13965,7 @@
         <p:spPr>
           <a:xfrm>
             <a:off x="3383625" y="1684494"/>
-            <a:ext cx="2129820" cy="477097"/>
+            <a:ext cx="2129820" cy="749424"/>
           </a:xfrm>
           <a:prstGeom prst="rect">
             <a:avLst/>
@@ -14019,9 +14019,9 @@
                 <a:ea typeface="メイリオ" panose="020B0604030504040204" pitchFamily="50" charset="-128"/>
                 <a:cs typeface="メイリオ" panose="020B0604030504040204" pitchFamily="50" charset="-128"/>
               </a:rPr>
-              <a:t>(JSP)</a:t>
-            </a:r>
-            <a:br>
+              <a:t>(JSP</a:t>
+            </a:r>
+            <a:r>
               <a:rPr lang="en-US" altLang="ja-JP" sz="1400" dirty="0" smtClean="0">
                 <a:solidFill>
                   <a:schemeClr val="tx1"/>
@@ -14030,17 +14030,20 @@
                 <a:ea typeface="メイリオ" panose="020B0604030504040204" pitchFamily="50" charset="-128"/>
                 <a:cs typeface="メイリオ" panose="020B0604030504040204" pitchFamily="50" charset="-128"/>
               </a:rPr>
-            </a:br>
-            <a:r>
-              <a:rPr lang="en-US" altLang="ja-JP" sz="1400" dirty="0" smtClean="0">
-                <a:solidFill>
-                  <a:schemeClr val="tx1"/>
-                </a:solidFill>
-                <a:latin typeface="メイリオ" panose="020B0604030504040204" pitchFamily="50" charset="-128"/>
-                <a:ea typeface="メイリオ" panose="020B0604030504040204" pitchFamily="50" charset="-128"/>
-                <a:cs typeface="メイリオ" panose="020B0604030504040204" pitchFamily="50" charset="-128"/>
-              </a:rPr>
-              <a:t>	</a:t>
+              <a:t>)</a:t>
+            </a:r>
+          </a:p>
+          <a:p>
+            <a:r>
+              <a:rPr lang="en-US" altLang="ja-JP" sz="1400" dirty="0" err="1" smtClean="0">
+                <a:solidFill>
+                  <a:schemeClr val="tx1"/>
+                </a:solidFill>
+                <a:latin typeface="メイリオ" panose="020B0604030504040204" pitchFamily="50" charset="-128"/>
+                <a:ea typeface="メイリオ" panose="020B0604030504040204" pitchFamily="50" charset="-128"/>
+                <a:cs typeface="メイリオ" panose="020B0604030504040204" pitchFamily="50" charset="-128"/>
+              </a:rPr>
+              <a:t>confirmDeleteUser.jsp</a:t>
             </a:r>
             <a:endParaRPr kumimoji="1" lang="ja-JP" altLang="en-US" sz="1400" dirty="0">
               <a:solidFill>
@@ -14342,7 +14345,7 @@
         <p:spPr>
           <a:xfrm flipH="1">
             <a:off x="5513445" y="1300238"/>
-            <a:ext cx="1519288" cy="622805"/>
+            <a:ext cx="1519288" cy="758968"/>
           </a:xfrm>
           <a:prstGeom prst="straightConnector1">
             <a:avLst/>
@@ -14379,8 +14382,8 @@
         </p:nvCxnSpPr>
         <p:spPr>
           <a:xfrm flipH="1" flipV="1">
-            <a:off x="2437279" y="1797977"/>
-            <a:ext cx="946346" cy="125066"/>
+            <a:off x="2437279" y="1797978"/>
+            <a:ext cx="946346" cy="261228"/>
           </a:xfrm>
           <a:prstGeom prst="straightConnector1">
             <a:avLst/>

--- a/総合演習資料/2.外部設計/画面・状態遷移図_DB.pptx
+++ b/総合演習資料/2.外部設計/画面・状態遷移図_DB.pptx
@@ -14019,18 +14019,7 @@
                 <a:ea typeface="メイリオ" panose="020B0604030504040204" pitchFamily="50" charset="-128"/>
                 <a:cs typeface="メイリオ" panose="020B0604030504040204" pitchFamily="50" charset="-128"/>
               </a:rPr>
-              <a:t>(JSP</a:t>
-            </a:r>
-            <a:r>
-              <a:rPr lang="en-US" altLang="ja-JP" sz="1400" dirty="0" smtClean="0">
-                <a:solidFill>
-                  <a:schemeClr val="tx1"/>
-                </a:solidFill>
-                <a:latin typeface="メイリオ" panose="020B0604030504040204" pitchFamily="50" charset="-128"/>
-                <a:ea typeface="メイリオ" panose="020B0604030504040204" pitchFamily="50" charset="-128"/>
-                <a:cs typeface="メイリオ" panose="020B0604030504040204" pitchFamily="50" charset="-128"/>
-              </a:rPr>
-              <a:t>)</a:t>
+              <a:t>(JSP)</a:t>
             </a:r>
           </a:p>
           <a:p>
@@ -18349,6 +18338,566 @@
           </a:p>
         </p:txBody>
       </p:sp>
+      <p:cxnSp>
+        <p:nvCxnSpPr>
+          <p:cNvPr id="36" name="直線矢印コネクタ 40"/>
+          <p:cNvCxnSpPr>
+            <a:endCxn id="68" idx="1"/>
+          </p:cNvCxnSpPr>
+          <p:nvPr/>
+        </p:nvCxnSpPr>
+        <p:spPr>
+          <a:xfrm>
+            <a:off x="1729030" y="4028172"/>
+            <a:ext cx="1296102" cy="12917"/>
+          </a:xfrm>
+          <a:prstGeom prst="straightConnector1">
+            <a:avLst/>
+          </a:prstGeom>
+          <a:ln w="38100">
+            <a:solidFill>
+              <a:srgbClr val="FF0000"/>
+            </a:solidFill>
+            <a:prstDash val="solid"/>
+            <a:headEnd type="none" w="med" len="med"/>
+            <a:tailEnd type="none" w="med" len="med"/>
+          </a:ln>
+        </p:spPr>
+        <p:style>
+          <a:lnRef idx="1">
+            <a:schemeClr val="accent1"/>
+          </a:lnRef>
+          <a:fillRef idx="0">
+            <a:schemeClr val="accent1"/>
+          </a:fillRef>
+          <a:effectRef idx="0">
+            <a:schemeClr val="accent1"/>
+          </a:effectRef>
+          <a:fontRef idx="minor">
+            <a:schemeClr val="tx1"/>
+          </a:fontRef>
+        </p:style>
+      </p:cxnSp>
+      <p:cxnSp>
+        <p:nvCxnSpPr>
+          <p:cNvPr id="40" name="直線矢印コネクタ 40"/>
+          <p:cNvCxnSpPr/>
+          <p:nvPr/>
+        </p:nvCxnSpPr>
+        <p:spPr>
+          <a:xfrm flipH="1" flipV="1">
+            <a:off x="1735323" y="3886505"/>
+            <a:ext cx="2037" cy="141666"/>
+          </a:xfrm>
+          <a:prstGeom prst="straightConnector1">
+            <a:avLst/>
+          </a:prstGeom>
+          <a:ln w="38100">
+            <a:solidFill>
+              <a:srgbClr val="FF0000"/>
+            </a:solidFill>
+            <a:prstDash val="solid"/>
+            <a:headEnd type="none" w="med" len="med"/>
+            <a:tailEnd type="none" w="med" len="med"/>
+          </a:ln>
+        </p:spPr>
+        <p:style>
+          <a:lnRef idx="1">
+            <a:schemeClr val="accent1"/>
+          </a:lnRef>
+          <a:fillRef idx="0">
+            <a:schemeClr val="accent1"/>
+          </a:fillRef>
+          <a:effectRef idx="0">
+            <a:schemeClr val="accent1"/>
+          </a:effectRef>
+          <a:fontRef idx="minor">
+            <a:schemeClr val="tx1"/>
+          </a:fontRef>
+        </p:style>
+      </p:cxnSp>
+      <p:cxnSp>
+        <p:nvCxnSpPr>
+          <p:cNvPr id="44" name="直線矢印コネクタ 29"/>
+          <p:cNvCxnSpPr/>
+          <p:nvPr/>
+        </p:nvCxnSpPr>
+        <p:spPr>
+          <a:xfrm flipV="1">
+            <a:off x="1743653" y="3886504"/>
+            <a:ext cx="227814" cy="1918"/>
+          </a:xfrm>
+          <a:prstGeom prst="straightConnector1">
+            <a:avLst/>
+          </a:prstGeom>
+          <a:ln w="38100">
+            <a:solidFill>
+              <a:srgbClr val="FF0000"/>
+            </a:solidFill>
+            <a:prstDash val="solid"/>
+            <a:tailEnd type="triangle" w="lg" len="lg"/>
+          </a:ln>
+        </p:spPr>
+        <p:style>
+          <a:lnRef idx="1">
+            <a:schemeClr val="accent1"/>
+          </a:lnRef>
+          <a:fillRef idx="0">
+            <a:schemeClr val="accent1"/>
+          </a:fillRef>
+          <a:effectRef idx="0">
+            <a:schemeClr val="accent1"/>
+          </a:effectRef>
+          <a:fontRef idx="minor">
+            <a:schemeClr val="tx1"/>
+          </a:fontRef>
+        </p:style>
+      </p:cxnSp>
+      <p:cxnSp>
+        <p:nvCxnSpPr>
+          <p:cNvPr id="48" name="直線矢印コネクタ 40"/>
+          <p:cNvCxnSpPr>
+            <a:endCxn id="94" idx="1"/>
+          </p:cNvCxnSpPr>
+          <p:nvPr/>
+        </p:nvCxnSpPr>
+        <p:spPr>
+          <a:xfrm>
+            <a:off x="1679200" y="3670441"/>
+            <a:ext cx="309626" cy="1"/>
+          </a:xfrm>
+          <a:prstGeom prst="straightConnector1">
+            <a:avLst/>
+          </a:prstGeom>
+          <a:ln w="38100">
+            <a:solidFill>
+              <a:srgbClr val="FF0000"/>
+            </a:solidFill>
+            <a:prstDash val="solid"/>
+            <a:headEnd type="none" w="med" len="med"/>
+            <a:tailEnd type="none" w="med" len="med"/>
+          </a:ln>
+        </p:spPr>
+        <p:style>
+          <a:lnRef idx="1">
+            <a:schemeClr val="accent1"/>
+          </a:lnRef>
+          <a:fillRef idx="0">
+            <a:schemeClr val="accent1"/>
+          </a:fillRef>
+          <a:effectRef idx="0">
+            <a:schemeClr val="accent1"/>
+          </a:effectRef>
+          <a:fontRef idx="minor">
+            <a:schemeClr val="tx1"/>
+          </a:fontRef>
+        </p:style>
+      </p:cxnSp>
+      <p:cxnSp>
+        <p:nvCxnSpPr>
+          <p:cNvPr id="49" name="直線矢印コネクタ 40"/>
+          <p:cNvCxnSpPr/>
+          <p:nvPr/>
+        </p:nvCxnSpPr>
+        <p:spPr>
+          <a:xfrm>
+            <a:off x="1679200" y="3224058"/>
+            <a:ext cx="0" cy="446383"/>
+          </a:xfrm>
+          <a:prstGeom prst="straightConnector1">
+            <a:avLst/>
+          </a:prstGeom>
+          <a:ln w="38100">
+            <a:solidFill>
+              <a:srgbClr val="FF0000"/>
+            </a:solidFill>
+            <a:prstDash val="solid"/>
+            <a:headEnd type="none" w="med" len="med"/>
+            <a:tailEnd type="none" w="med" len="med"/>
+          </a:ln>
+        </p:spPr>
+        <p:style>
+          <a:lnRef idx="1">
+            <a:schemeClr val="accent1"/>
+          </a:lnRef>
+          <a:fillRef idx="0">
+            <a:schemeClr val="accent1"/>
+          </a:fillRef>
+          <a:effectRef idx="0">
+            <a:schemeClr val="accent1"/>
+          </a:effectRef>
+          <a:fontRef idx="minor">
+            <a:schemeClr val="tx1"/>
+          </a:fontRef>
+        </p:style>
+      </p:cxnSp>
+      <p:cxnSp>
+        <p:nvCxnSpPr>
+          <p:cNvPr id="53" name="直線矢印コネクタ 29"/>
+          <p:cNvCxnSpPr/>
+          <p:nvPr/>
+        </p:nvCxnSpPr>
+        <p:spPr>
+          <a:xfrm flipV="1">
+            <a:off x="1668550" y="3200405"/>
+            <a:ext cx="302917" cy="12458"/>
+          </a:xfrm>
+          <a:prstGeom prst="straightConnector1">
+            <a:avLst/>
+          </a:prstGeom>
+          <a:ln w="38100">
+            <a:solidFill>
+              <a:srgbClr val="FF0000"/>
+            </a:solidFill>
+            <a:prstDash val="solid"/>
+            <a:tailEnd type="triangle" w="lg" len="lg"/>
+          </a:ln>
+        </p:spPr>
+        <p:style>
+          <a:lnRef idx="1">
+            <a:schemeClr val="accent1"/>
+          </a:lnRef>
+          <a:fillRef idx="0">
+            <a:schemeClr val="accent1"/>
+          </a:fillRef>
+          <a:effectRef idx="0">
+            <a:schemeClr val="accent1"/>
+          </a:effectRef>
+          <a:fontRef idx="minor">
+            <a:schemeClr val="tx1"/>
+          </a:fontRef>
+        </p:style>
+      </p:cxnSp>
+      <p:sp>
+        <p:nvSpPr>
+          <p:cNvPr id="20" name="Rectangle 19"/>
+          <p:cNvSpPr/>
+          <p:nvPr/>
+        </p:nvSpPr>
+        <p:spPr>
+          <a:xfrm>
+            <a:off x="695355" y="4059608"/>
+            <a:ext cx="2126185" cy="600164"/>
+          </a:xfrm>
+          <a:prstGeom prst="rect">
+            <a:avLst/>
+          </a:prstGeom>
+        </p:spPr>
+        <p:txBody>
+          <a:bodyPr wrap="square">
+            <a:spAutoFit/>
+          </a:bodyPr>
+          <a:lstStyle/>
+          <a:p>
+            <a:pPr algn="ctr"/>
+            <a:r>
+              <a:rPr lang="en-US" altLang="ja-JP" sz="1100" dirty="0">
+                <a:solidFill>
+                  <a:srgbClr val="FF0000"/>
+                </a:solidFill>
+                <a:latin typeface="メイリオ" panose="020B0604030504040204" pitchFamily="50" charset="-128"/>
+                <a:ea typeface="メイリオ" panose="020B0604030504040204" pitchFamily="50" charset="-128"/>
+                <a:cs typeface="メイリオ" panose="020B0604030504040204" pitchFamily="50" charset="-128"/>
+              </a:rPr>
+              <a:t>GET</a:t>
+            </a:r>
+            <a:r>
+              <a:rPr lang="ja-JP" altLang="en-US" sz="1100" dirty="0">
+                <a:solidFill>
+                  <a:srgbClr val="FF0000"/>
+                </a:solidFill>
+                <a:latin typeface="メイリオ" panose="020B0604030504040204" pitchFamily="50" charset="-128"/>
+                <a:ea typeface="メイリオ" panose="020B0604030504040204" pitchFamily="50" charset="-128"/>
+                <a:cs typeface="メイリオ" panose="020B0604030504040204" pitchFamily="50" charset="-128"/>
+              </a:rPr>
+              <a:t> </a:t>
+            </a:r>
+            <a:r>
+              <a:rPr lang="en-US" altLang="ja-JP" sz="1100" dirty="0">
+                <a:solidFill>
+                  <a:srgbClr val="FF0000"/>
+                </a:solidFill>
+                <a:latin typeface="メイリオ" panose="020B0604030504040204" pitchFamily="50" charset="-128"/>
+                <a:ea typeface="メイリオ" panose="020B0604030504040204" pitchFamily="50" charset="-128"/>
+                <a:cs typeface="メイリオ" panose="020B0604030504040204" pitchFamily="50" charset="-128"/>
+              </a:rPr>
+              <a:t>page = viewUser, selectedUser = </a:t>
+            </a:r>
+            <a:r>
+              <a:rPr lang="ja-JP" altLang="en-US" sz="1100" dirty="0">
+                <a:solidFill>
+                  <a:srgbClr val="FF0000"/>
+                </a:solidFill>
+                <a:latin typeface="メイリオ" panose="020B0604030504040204" pitchFamily="50" charset="-128"/>
+                <a:ea typeface="メイリオ" panose="020B0604030504040204" pitchFamily="50" charset="-128"/>
+                <a:cs typeface="メイリオ" panose="020B0604030504040204" pitchFamily="50" charset="-128"/>
+              </a:rPr>
+              <a:t>社員</a:t>
+            </a:r>
+            <a:r>
+              <a:rPr lang="en-US" altLang="ja-JP" sz="1100" dirty="0">
+                <a:solidFill>
+                  <a:srgbClr val="FF0000"/>
+                </a:solidFill>
+                <a:latin typeface="メイリオ" panose="020B0604030504040204" pitchFamily="50" charset="-128"/>
+                <a:ea typeface="メイリオ" panose="020B0604030504040204" pitchFamily="50" charset="-128"/>
+                <a:cs typeface="メイリオ" panose="020B0604030504040204" pitchFamily="50" charset="-128"/>
+              </a:rPr>
+              <a:t>ID</a:t>
+            </a:r>
+            <a:r>
+              <a:rPr lang="ja-JP" altLang="en-US" sz="1100" dirty="0">
+                <a:solidFill>
+                  <a:srgbClr val="FF0000"/>
+                </a:solidFill>
+                <a:latin typeface="メイリオ" panose="020B0604030504040204" pitchFamily="50" charset="-128"/>
+                <a:ea typeface="メイリオ" panose="020B0604030504040204" pitchFamily="50" charset="-128"/>
+                <a:cs typeface="メイリオ" panose="020B0604030504040204" pitchFamily="50" charset="-128"/>
+              </a:rPr>
+              <a:t> </a:t>
+            </a:r>
+            <a:endParaRPr lang="en-US" altLang="ja-JP" sz="1100" dirty="0">
+              <a:solidFill>
+                <a:srgbClr val="FF0000"/>
+              </a:solidFill>
+              <a:latin typeface="メイリオ" panose="020B0604030504040204" pitchFamily="50" charset="-128"/>
+              <a:ea typeface="メイリオ" panose="020B0604030504040204" pitchFamily="50" charset="-128"/>
+              <a:cs typeface="メイリオ" panose="020B0604030504040204" pitchFamily="50" charset="-128"/>
+            </a:endParaRPr>
+          </a:p>
+          <a:p>
+            <a:pPr algn="ctr"/>
+            <a:r>
+              <a:rPr lang="en-US" altLang="ja-JP" sz="1100" dirty="0">
+                <a:solidFill>
+                  <a:srgbClr val="FF0000"/>
+                </a:solidFill>
+                <a:latin typeface="メイリオ" panose="020B0604030504040204" pitchFamily="50" charset="-128"/>
+                <a:ea typeface="メイリオ" panose="020B0604030504040204" pitchFamily="50" charset="-128"/>
+                <a:cs typeface="メイリオ" panose="020B0604030504040204" pitchFamily="50" charset="-128"/>
+              </a:rPr>
+              <a:t>(</a:t>
+            </a:r>
+            <a:r>
+              <a:rPr lang="ja-JP" altLang="en-US" sz="1100" dirty="0">
+                <a:solidFill>
+                  <a:srgbClr val="FF0000"/>
+                </a:solidFill>
+                <a:latin typeface="メイリオ" panose="020B0604030504040204" pitchFamily="50" charset="-128"/>
+                <a:ea typeface="メイリオ" panose="020B0604030504040204" pitchFamily="50" charset="-128"/>
+                <a:cs typeface="メイリオ" panose="020B0604030504040204" pitchFamily="50" charset="-128"/>
+              </a:rPr>
+              <a:t>ハイパーリンク</a:t>
+            </a:r>
+            <a:r>
+              <a:rPr lang="en-US" altLang="ja-JP" sz="1100" dirty="0" smtClean="0">
+                <a:solidFill>
+                  <a:srgbClr val="FF0000"/>
+                </a:solidFill>
+                <a:latin typeface="メイリオ" panose="020B0604030504040204" pitchFamily="50" charset="-128"/>
+                <a:ea typeface="メイリオ" panose="020B0604030504040204" pitchFamily="50" charset="-128"/>
+                <a:cs typeface="メイリオ" panose="020B0604030504040204" pitchFamily="50" charset="-128"/>
+              </a:rPr>
+              <a:t>)(</a:t>
+            </a:r>
+            <a:r>
+              <a:rPr lang="ja-JP" altLang="en-US" sz="1100" dirty="0" smtClean="0">
+                <a:solidFill>
+                  <a:srgbClr val="FF0000"/>
+                </a:solidFill>
+                <a:latin typeface="メイリオ" panose="020B0604030504040204" pitchFamily="50" charset="-128"/>
+                <a:ea typeface="メイリオ" panose="020B0604030504040204" pitchFamily="50" charset="-128"/>
+                <a:cs typeface="メイリオ" panose="020B0604030504040204" pitchFamily="50" charset="-128"/>
+              </a:rPr>
+              <a:t>失敗</a:t>
+            </a:r>
+            <a:r>
+              <a:rPr lang="en-US" altLang="ja-JP" sz="1100" dirty="0" smtClean="0">
+                <a:solidFill>
+                  <a:srgbClr val="FF0000"/>
+                </a:solidFill>
+                <a:latin typeface="メイリオ" panose="020B0604030504040204" pitchFamily="50" charset="-128"/>
+                <a:ea typeface="メイリオ" panose="020B0604030504040204" pitchFamily="50" charset="-128"/>
+                <a:cs typeface="メイリオ" panose="020B0604030504040204" pitchFamily="50" charset="-128"/>
+              </a:rPr>
+              <a:t>)</a:t>
+            </a:r>
+            <a:endParaRPr lang="ja-JP" altLang="en-US" sz="1100" dirty="0">
+              <a:solidFill>
+                <a:srgbClr val="FF0000"/>
+              </a:solidFill>
+              <a:latin typeface="メイリオ" panose="020B0604030504040204" pitchFamily="50" charset="-128"/>
+              <a:ea typeface="メイリオ" panose="020B0604030504040204" pitchFamily="50" charset="-128"/>
+              <a:cs typeface="メイリオ" panose="020B0604030504040204" pitchFamily="50" charset="-128"/>
+            </a:endParaRPr>
+          </a:p>
+        </p:txBody>
+      </p:sp>
+      <p:sp>
+        <p:nvSpPr>
+          <p:cNvPr id="56" name="Rectangle 55"/>
+          <p:cNvSpPr/>
+          <p:nvPr/>
+        </p:nvSpPr>
+        <p:spPr>
+          <a:xfrm>
+            <a:off x="391505" y="2524432"/>
+            <a:ext cx="2126185" cy="600164"/>
+          </a:xfrm>
+          <a:prstGeom prst="rect">
+            <a:avLst/>
+          </a:prstGeom>
+        </p:spPr>
+        <p:txBody>
+          <a:bodyPr wrap="square">
+            <a:spAutoFit/>
+          </a:bodyPr>
+          <a:lstStyle/>
+          <a:p>
+            <a:pPr algn="ctr"/>
+            <a:r>
+              <a:rPr lang="en-US" altLang="ja-JP" sz="1100" dirty="0">
+                <a:solidFill>
+                  <a:srgbClr val="FF0000"/>
+                </a:solidFill>
+                <a:latin typeface="メイリオ" panose="020B0604030504040204" pitchFamily="50" charset="-128"/>
+                <a:ea typeface="メイリオ" panose="020B0604030504040204" pitchFamily="50" charset="-128"/>
+                <a:cs typeface="メイリオ" panose="020B0604030504040204" pitchFamily="50" charset="-128"/>
+              </a:rPr>
+              <a:t>GET</a:t>
+            </a:r>
+            <a:r>
+              <a:rPr lang="ja-JP" altLang="en-US" sz="1100" dirty="0">
+                <a:solidFill>
+                  <a:srgbClr val="FF0000"/>
+                </a:solidFill>
+                <a:latin typeface="メイリオ" panose="020B0604030504040204" pitchFamily="50" charset="-128"/>
+                <a:ea typeface="メイリオ" panose="020B0604030504040204" pitchFamily="50" charset="-128"/>
+                <a:cs typeface="メイリオ" panose="020B0604030504040204" pitchFamily="50" charset="-128"/>
+              </a:rPr>
+              <a:t> </a:t>
+            </a:r>
+            <a:r>
+              <a:rPr lang="en-US" altLang="ja-JP" sz="1100" dirty="0">
+                <a:solidFill>
+                  <a:srgbClr val="FF0000"/>
+                </a:solidFill>
+                <a:latin typeface="メイリオ" panose="020B0604030504040204" pitchFamily="50" charset="-128"/>
+                <a:ea typeface="メイリオ" panose="020B0604030504040204" pitchFamily="50" charset="-128"/>
+                <a:cs typeface="メイリオ" panose="020B0604030504040204" pitchFamily="50" charset="-128"/>
+              </a:rPr>
+              <a:t>page = viewUser, selectedUser = </a:t>
+            </a:r>
+            <a:r>
+              <a:rPr lang="ja-JP" altLang="en-US" sz="1100" dirty="0">
+                <a:solidFill>
+                  <a:srgbClr val="FF0000"/>
+                </a:solidFill>
+                <a:latin typeface="メイリオ" panose="020B0604030504040204" pitchFamily="50" charset="-128"/>
+                <a:ea typeface="メイリオ" panose="020B0604030504040204" pitchFamily="50" charset="-128"/>
+                <a:cs typeface="メイリオ" panose="020B0604030504040204" pitchFamily="50" charset="-128"/>
+              </a:rPr>
+              <a:t>社員</a:t>
+            </a:r>
+            <a:r>
+              <a:rPr lang="en-US" altLang="ja-JP" sz="1100" dirty="0">
+                <a:solidFill>
+                  <a:srgbClr val="FF0000"/>
+                </a:solidFill>
+                <a:latin typeface="メイリオ" panose="020B0604030504040204" pitchFamily="50" charset="-128"/>
+                <a:ea typeface="メイリオ" panose="020B0604030504040204" pitchFamily="50" charset="-128"/>
+                <a:cs typeface="メイリオ" panose="020B0604030504040204" pitchFamily="50" charset="-128"/>
+              </a:rPr>
+              <a:t>ID</a:t>
+            </a:r>
+            <a:r>
+              <a:rPr lang="ja-JP" altLang="en-US" sz="1100" dirty="0">
+                <a:solidFill>
+                  <a:srgbClr val="FF0000"/>
+                </a:solidFill>
+                <a:latin typeface="メイリオ" panose="020B0604030504040204" pitchFamily="50" charset="-128"/>
+                <a:ea typeface="メイリオ" panose="020B0604030504040204" pitchFamily="50" charset="-128"/>
+                <a:cs typeface="メイリオ" panose="020B0604030504040204" pitchFamily="50" charset="-128"/>
+              </a:rPr>
+              <a:t> </a:t>
+            </a:r>
+            <a:endParaRPr lang="en-US" altLang="ja-JP" sz="1100" dirty="0">
+              <a:solidFill>
+                <a:srgbClr val="FF0000"/>
+              </a:solidFill>
+              <a:latin typeface="メイリオ" panose="020B0604030504040204" pitchFamily="50" charset="-128"/>
+              <a:ea typeface="メイリオ" panose="020B0604030504040204" pitchFamily="50" charset="-128"/>
+              <a:cs typeface="メイリオ" panose="020B0604030504040204" pitchFamily="50" charset="-128"/>
+            </a:endParaRPr>
+          </a:p>
+          <a:p>
+            <a:pPr algn="ctr"/>
+            <a:r>
+              <a:rPr lang="en-US" altLang="ja-JP" sz="1100" dirty="0">
+                <a:solidFill>
+                  <a:srgbClr val="FF0000"/>
+                </a:solidFill>
+                <a:latin typeface="メイリオ" panose="020B0604030504040204" pitchFamily="50" charset="-128"/>
+                <a:ea typeface="メイリオ" panose="020B0604030504040204" pitchFamily="50" charset="-128"/>
+                <a:cs typeface="メイリオ" panose="020B0604030504040204" pitchFamily="50" charset="-128"/>
+              </a:rPr>
+              <a:t>(</a:t>
+            </a:r>
+            <a:r>
+              <a:rPr lang="ja-JP" altLang="en-US" sz="1100" dirty="0">
+                <a:solidFill>
+                  <a:srgbClr val="FF0000"/>
+                </a:solidFill>
+                <a:latin typeface="メイリオ" panose="020B0604030504040204" pitchFamily="50" charset="-128"/>
+                <a:ea typeface="メイリオ" panose="020B0604030504040204" pitchFamily="50" charset="-128"/>
+                <a:cs typeface="メイリオ" panose="020B0604030504040204" pitchFamily="50" charset="-128"/>
+              </a:rPr>
+              <a:t>ハイパーリンク</a:t>
+            </a:r>
+            <a:r>
+              <a:rPr lang="en-US" altLang="ja-JP" sz="1100" dirty="0" smtClean="0">
+                <a:solidFill>
+                  <a:srgbClr val="FF0000"/>
+                </a:solidFill>
+                <a:latin typeface="メイリオ" panose="020B0604030504040204" pitchFamily="50" charset="-128"/>
+                <a:ea typeface="メイリオ" panose="020B0604030504040204" pitchFamily="50" charset="-128"/>
+                <a:cs typeface="メイリオ" panose="020B0604030504040204" pitchFamily="50" charset="-128"/>
+              </a:rPr>
+              <a:t>)(</a:t>
+            </a:r>
+            <a:r>
+              <a:rPr lang="ja-JP" altLang="en-US" sz="1100" dirty="0" smtClean="0">
+                <a:solidFill>
+                  <a:srgbClr val="FF0000"/>
+                </a:solidFill>
+                <a:latin typeface="メイリオ" panose="020B0604030504040204" pitchFamily="50" charset="-128"/>
+                <a:ea typeface="メイリオ" panose="020B0604030504040204" pitchFamily="50" charset="-128"/>
+                <a:cs typeface="メイリオ" panose="020B0604030504040204" pitchFamily="50" charset="-128"/>
+              </a:rPr>
+              <a:t>失敗</a:t>
+            </a:r>
+            <a:r>
+              <a:rPr lang="en-US" altLang="ja-JP" sz="1100" dirty="0" smtClean="0">
+                <a:solidFill>
+                  <a:srgbClr val="FF0000"/>
+                </a:solidFill>
+                <a:latin typeface="メイリオ" panose="020B0604030504040204" pitchFamily="50" charset="-128"/>
+                <a:ea typeface="メイリオ" panose="020B0604030504040204" pitchFamily="50" charset="-128"/>
+                <a:cs typeface="メイリオ" panose="020B0604030504040204" pitchFamily="50" charset="-128"/>
+              </a:rPr>
+              <a:t>)</a:t>
+            </a:r>
+            <a:endParaRPr lang="ja-JP" altLang="en-US" sz="1100" dirty="0">
+              <a:solidFill>
+                <a:srgbClr val="FF0000"/>
+              </a:solidFill>
+              <a:latin typeface="メイリオ" panose="020B0604030504040204" pitchFamily="50" charset="-128"/>
+              <a:ea typeface="メイリオ" panose="020B0604030504040204" pitchFamily="50" charset="-128"/>
+              <a:cs typeface="メイリオ" panose="020B0604030504040204" pitchFamily="50" charset="-128"/>
+            </a:endParaRPr>
+          </a:p>
+        </p:txBody>
+      </p:sp>
     </p:spTree>
     <p:extLst>
       <p:ext uri="{BB962C8B-B14F-4D97-AF65-F5344CB8AC3E}">
@@ -31579,6 +32128,562 @@
           </a:p>
         </p:txBody>
       </p:sp>
+      <p:cxnSp>
+        <p:nvCxnSpPr>
+          <p:cNvPr id="37" name="直線矢印コネクタ 40"/>
+          <p:cNvCxnSpPr/>
+          <p:nvPr/>
+        </p:nvCxnSpPr>
+        <p:spPr>
+          <a:xfrm>
+            <a:off x="1679200" y="3670441"/>
+            <a:ext cx="309626" cy="1"/>
+          </a:xfrm>
+          <a:prstGeom prst="straightConnector1">
+            <a:avLst/>
+          </a:prstGeom>
+          <a:ln w="38100">
+            <a:solidFill>
+              <a:srgbClr val="FF0000"/>
+            </a:solidFill>
+            <a:prstDash val="solid"/>
+            <a:headEnd type="none" w="med" len="med"/>
+            <a:tailEnd type="none" w="med" len="med"/>
+          </a:ln>
+        </p:spPr>
+        <p:style>
+          <a:lnRef idx="1">
+            <a:schemeClr val="accent1"/>
+          </a:lnRef>
+          <a:fillRef idx="0">
+            <a:schemeClr val="accent1"/>
+          </a:fillRef>
+          <a:effectRef idx="0">
+            <a:schemeClr val="accent1"/>
+          </a:effectRef>
+          <a:fontRef idx="minor">
+            <a:schemeClr val="tx1"/>
+          </a:fontRef>
+        </p:style>
+      </p:cxnSp>
+      <p:cxnSp>
+        <p:nvCxnSpPr>
+          <p:cNvPr id="38" name="直線矢印コネクタ 40"/>
+          <p:cNvCxnSpPr/>
+          <p:nvPr/>
+        </p:nvCxnSpPr>
+        <p:spPr>
+          <a:xfrm>
+            <a:off x="1679200" y="3224058"/>
+            <a:ext cx="0" cy="446383"/>
+          </a:xfrm>
+          <a:prstGeom prst="straightConnector1">
+            <a:avLst/>
+          </a:prstGeom>
+          <a:ln w="38100">
+            <a:solidFill>
+              <a:srgbClr val="FF0000"/>
+            </a:solidFill>
+            <a:prstDash val="solid"/>
+            <a:headEnd type="none" w="med" len="med"/>
+            <a:tailEnd type="none" w="med" len="med"/>
+          </a:ln>
+        </p:spPr>
+        <p:style>
+          <a:lnRef idx="1">
+            <a:schemeClr val="accent1"/>
+          </a:lnRef>
+          <a:fillRef idx="0">
+            <a:schemeClr val="accent1"/>
+          </a:fillRef>
+          <a:effectRef idx="0">
+            <a:schemeClr val="accent1"/>
+          </a:effectRef>
+          <a:fontRef idx="minor">
+            <a:schemeClr val="tx1"/>
+          </a:fontRef>
+        </p:style>
+      </p:cxnSp>
+      <p:cxnSp>
+        <p:nvCxnSpPr>
+          <p:cNvPr id="39" name="直線矢印コネクタ 29"/>
+          <p:cNvCxnSpPr/>
+          <p:nvPr/>
+        </p:nvCxnSpPr>
+        <p:spPr>
+          <a:xfrm flipV="1">
+            <a:off x="1668550" y="3200405"/>
+            <a:ext cx="302917" cy="12458"/>
+          </a:xfrm>
+          <a:prstGeom prst="straightConnector1">
+            <a:avLst/>
+          </a:prstGeom>
+          <a:ln w="38100">
+            <a:solidFill>
+              <a:srgbClr val="FF0000"/>
+            </a:solidFill>
+            <a:prstDash val="solid"/>
+            <a:tailEnd type="triangle" w="lg" len="lg"/>
+          </a:ln>
+        </p:spPr>
+        <p:style>
+          <a:lnRef idx="1">
+            <a:schemeClr val="accent1"/>
+          </a:lnRef>
+          <a:fillRef idx="0">
+            <a:schemeClr val="accent1"/>
+          </a:fillRef>
+          <a:effectRef idx="0">
+            <a:schemeClr val="accent1"/>
+          </a:effectRef>
+          <a:fontRef idx="minor">
+            <a:schemeClr val="tx1"/>
+          </a:fontRef>
+        </p:style>
+      </p:cxnSp>
+      <p:sp>
+        <p:nvSpPr>
+          <p:cNvPr id="40" name="Rectangle 39"/>
+          <p:cNvSpPr/>
+          <p:nvPr/>
+        </p:nvSpPr>
+        <p:spPr>
+          <a:xfrm>
+            <a:off x="391505" y="2524432"/>
+            <a:ext cx="2126185" cy="600164"/>
+          </a:xfrm>
+          <a:prstGeom prst="rect">
+            <a:avLst/>
+          </a:prstGeom>
+        </p:spPr>
+        <p:txBody>
+          <a:bodyPr wrap="square">
+            <a:spAutoFit/>
+          </a:bodyPr>
+          <a:lstStyle/>
+          <a:p>
+            <a:pPr algn="ctr"/>
+            <a:r>
+              <a:rPr lang="en-US" altLang="ja-JP" sz="1100" dirty="0">
+                <a:solidFill>
+                  <a:srgbClr val="FF0000"/>
+                </a:solidFill>
+                <a:latin typeface="メイリオ" panose="020B0604030504040204" pitchFamily="50" charset="-128"/>
+                <a:ea typeface="メイリオ" panose="020B0604030504040204" pitchFamily="50" charset="-128"/>
+                <a:cs typeface="メイリオ" panose="020B0604030504040204" pitchFamily="50" charset="-128"/>
+              </a:rPr>
+              <a:t>GET</a:t>
+            </a:r>
+            <a:r>
+              <a:rPr lang="ja-JP" altLang="en-US" sz="1100" dirty="0">
+                <a:solidFill>
+                  <a:srgbClr val="FF0000"/>
+                </a:solidFill>
+                <a:latin typeface="メイリオ" panose="020B0604030504040204" pitchFamily="50" charset="-128"/>
+                <a:ea typeface="メイリオ" panose="020B0604030504040204" pitchFamily="50" charset="-128"/>
+                <a:cs typeface="メイリオ" panose="020B0604030504040204" pitchFamily="50" charset="-128"/>
+              </a:rPr>
+              <a:t> </a:t>
+            </a:r>
+            <a:r>
+              <a:rPr lang="en-US" altLang="ja-JP" sz="1100" dirty="0">
+                <a:solidFill>
+                  <a:srgbClr val="FF0000"/>
+                </a:solidFill>
+                <a:latin typeface="メイリオ" panose="020B0604030504040204" pitchFamily="50" charset="-128"/>
+                <a:ea typeface="メイリオ" panose="020B0604030504040204" pitchFamily="50" charset="-128"/>
+                <a:cs typeface="メイリオ" panose="020B0604030504040204" pitchFamily="50" charset="-128"/>
+              </a:rPr>
+              <a:t>page = viewUser, selectedUser = </a:t>
+            </a:r>
+            <a:r>
+              <a:rPr lang="ja-JP" altLang="en-US" sz="1100" dirty="0">
+                <a:solidFill>
+                  <a:srgbClr val="FF0000"/>
+                </a:solidFill>
+                <a:latin typeface="メイリオ" panose="020B0604030504040204" pitchFamily="50" charset="-128"/>
+                <a:ea typeface="メイリオ" panose="020B0604030504040204" pitchFamily="50" charset="-128"/>
+                <a:cs typeface="メイリオ" panose="020B0604030504040204" pitchFamily="50" charset="-128"/>
+              </a:rPr>
+              <a:t>社員</a:t>
+            </a:r>
+            <a:r>
+              <a:rPr lang="en-US" altLang="ja-JP" sz="1100" dirty="0">
+                <a:solidFill>
+                  <a:srgbClr val="FF0000"/>
+                </a:solidFill>
+                <a:latin typeface="メイリオ" panose="020B0604030504040204" pitchFamily="50" charset="-128"/>
+                <a:ea typeface="メイリオ" panose="020B0604030504040204" pitchFamily="50" charset="-128"/>
+                <a:cs typeface="メイリオ" panose="020B0604030504040204" pitchFamily="50" charset="-128"/>
+              </a:rPr>
+              <a:t>ID</a:t>
+            </a:r>
+            <a:r>
+              <a:rPr lang="ja-JP" altLang="en-US" sz="1100" dirty="0">
+                <a:solidFill>
+                  <a:srgbClr val="FF0000"/>
+                </a:solidFill>
+                <a:latin typeface="メイリオ" panose="020B0604030504040204" pitchFamily="50" charset="-128"/>
+                <a:ea typeface="メイリオ" panose="020B0604030504040204" pitchFamily="50" charset="-128"/>
+                <a:cs typeface="メイリオ" panose="020B0604030504040204" pitchFamily="50" charset="-128"/>
+              </a:rPr>
+              <a:t> </a:t>
+            </a:r>
+            <a:endParaRPr lang="en-US" altLang="ja-JP" sz="1100" dirty="0">
+              <a:solidFill>
+                <a:srgbClr val="FF0000"/>
+              </a:solidFill>
+              <a:latin typeface="メイリオ" panose="020B0604030504040204" pitchFamily="50" charset="-128"/>
+              <a:ea typeface="メイリオ" panose="020B0604030504040204" pitchFamily="50" charset="-128"/>
+              <a:cs typeface="メイリオ" panose="020B0604030504040204" pitchFamily="50" charset="-128"/>
+            </a:endParaRPr>
+          </a:p>
+          <a:p>
+            <a:pPr algn="ctr"/>
+            <a:r>
+              <a:rPr lang="en-US" altLang="ja-JP" sz="1100" dirty="0">
+                <a:solidFill>
+                  <a:srgbClr val="FF0000"/>
+                </a:solidFill>
+                <a:latin typeface="メイリオ" panose="020B0604030504040204" pitchFamily="50" charset="-128"/>
+                <a:ea typeface="メイリオ" panose="020B0604030504040204" pitchFamily="50" charset="-128"/>
+                <a:cs typeface="メイリオ" panose="020B0604030504040204" pitchFamily="50" charset="-128"/>
+              </a:rPr>
+              <a:t>(</a:t>
+            </a:r>
+            <a:r>
+              <a:rPr lang="ja-JP" altLang="en-US" sz="1100" dirty="0">
+                <a:solidFill>
+                  <a:srgbClr val="FF0000"/>
+                </a:solidFill>
+                <a:latin typeface="メイリオ" panose="020B0604030504040204" pitchFamily="50" charset="-128"/>
+                <a:ea typeface="メイリオ" panose="020B0604030504040204" pitchFamily="50" charset="-128"/>
+                <a:cs typeface="メイリオ" panose="020B0604030504040204" pitchFamily="50" charset="-128"/>
+              </a:rPr>
+              <a:t>ハイパーリンク</a:t>
+            </a:r>
+            <a:r>
+              <a:rPr lang="en-US" altLang="ja-JP" sz="1100" dirty="0" smtClean="0">
+                <a:solidFill>
+                  <a:srgbClr val="FF0000"/>
+                </a:solidFill>
+                <a:latin typeface="メイリオ" panose="020B0604030504040204" pitchFamily="50" charset="-128"/>
+                <a:ea typeface="メイリオ" panose="020B0604030504040204" pitchFamily="50" charset="-128"/>
+                <a:cs typeface="メイリオ" panose="020B0604030504040204" pitchFamily="50" charset="-128"/>
+              </a:rPr>
+              <a:t>)(</a:t>
+            </a:r>
+            <a:r>
+              <a:rPr lang="ja-JP" altLang="en-US" sz="1100" dirty="0" smtClean="0">
+                <a:solidFill>
+                  <a:srgbClr val="FF0000"/>
+                </a:solidFill>
+                <a:latin typeface="メイリオ" panose="020B0604030504040204" pitchFamily="50" charset="-128"/>
+                <a:ea typeface="メイリオ" panose="020B0604030504040204" pitchFamily="50" charset="-128"/>
+                <a:cs typeface="メイリオ" panose="020B0604030504040204" pitchFamily="50" charset="-128"/>
+              </a:rPr>
+              <a:t>失敗</a:t>
+            </a:r>
+            <a:r>
+              <a:rPr lang="en-US" altLang="ja-JP" sz="1100" dirty="0" smtClean="0">
+                <a:solidFill>
+                  <a:srgbClr val="FF0000"/>
+                </a:solidFill>
+                <a:latin typeface="メイリオ" panose="020B0604030504040204" pitchFamily="50" charset="-128"/>
+                <a:ea typeface="メイリオ" panose="020B0604030504040204" pitchFamily="50" charset="-128"/>
+                <a:cs typeface="メイリオ" panose="020B0604030504040204" pitchFamily="50" charset="-128"/>
+              </a:rPr>
+              <a:t>)</a:t>
+            </a:r>
+            <a:endParaRPr lang="ja-JP" altLang="en-US" sz="1100" dirty="0">
+              <a:solidFill>
+                <a:srgbClr val="FF0000"/>
+              </a:solidFill>
+              <a:latin typeface="メイリオ" panose="020B0604030504040204" pitchFamily="50" charset="-128"/>
+              <a:ea typeface="メイリオ" panose="020B0604030504040204" pitchFamily="50" charset="-128"/>
+              <a:cs typeface="メイリオ" panose="020B0604030504040204" pitchFamily="50" charset="-128"/>
+            </a:endParaRPr>
+          </a:p>
+        </p:txBody>
+      </p:sp>
+      <p:cxnSp>
+        <p:nvCxnSpPr>
+          <p:cNvPr id="41" name="直線矢印コネクタ 40"/>
+          <p:cNvCxnSpPr/>
+          <p:nvPr/>
+        </p:nvCxnSpPr>
+        <p:spPr>
+          <a:xfrm>
+            <a:off x="1729030" y="4028172"/>
+            <a:ext cx="1296102" cy="12917"/>
+          </a:xfrm>
+          <a:prstGeom prst="straightConnector1">
+            <a:avLst/>
+          </a:prstGeom>
+          <a:ln w="38100">
+            <a:solidFill>
+              <a:srgbClr val="FF0000"/>
+            </a:solidFill>
+            <a:prstDash val="solid"/>
+            <a:headEnd type="none" w="med" len="med"/>
+            <a:tailEnd type="none" w="med" len="med"/>
+          </a:ln>
+        </p:spPr>
+        <p:style>
+          <a:lnRef idx="1">
+            <a:schemeClr val="accent1"/>
+          </a:lnRef>
+          <a:fillRef idx="0">
+            <a:schemeClr val="accent1"/>
+          </a:fillRef>
+          <a:effectRef idx="0">
+            <a:schemeClr val="accent1"/>
+          </a:effectRef>
+          <a:fontRef idx="minor">
+            <a:schemeClr val="tx1"/>
+          </a:fontRef>
+        </p:style>
+      </p:cxnSp>
+      <p:cxnSp>
+        <p:nvCxnSpPr>
+          <p:cNvPr id="42" name="直線矢印コネクタ 40"/>
+          <p:cNvCxnSpPr/>
+          <p:nvPr/>
+        </p:nvCxnSpPr>
+        <p:spPr>
+          <a:xfrm flipH="1" flipV="1">
+            <a:off x="1735323" y="3886505"/>
+            <a:ext cx="2037" cy="141666"/>
+          </a:xfrm>
+          <a:prstGeom prst="straightConnector1">
+            <a:avLst/>
+          </a:prstGeom>
+          <a:ln w="38100">
+            <a:solidFill>
+              <a:srgbClr val="FF0000"/>
+            </a:solidFill>
+            <a:prstDash val="solid"/>
+            <a:headEnd type="none" w="med" len="med"/>
+            <a:tailEnd type="none" w="med" len="med"/>
+          </a:ln>
+        </p:spPr>
+        <p:style>
+          <a:lnRef idx="1">
+            <a:schemeClr val="accent1"/>
+          </a:lnRef>
+          <a:fillRef idx="0">
+            <a:schemeClr val="accent1"/>
+          </a:fillRef>
+          <a:effectRef idx="0">
+            <a:schemeClr val="accent1"/>
+          </a:effectRef>
+          <a:fontRef idx="minor">
+            <a:schemeClr val="tx1"/>
+          </a:fontRef>
+        </p:style>
+      </p:cxnSp>
+      <p:cxnSp>
+        <p:nvCxnSpPr>
+          <p:cNvPr id="43" name="直線矢印コネクタ 29"/>
+          <p:cNvCxnSpPr/>
+          <p:nvPr/>
+        </p:nvCxnSpPr>
+        <p:spPr>
+          <a:xfrm flipV="1">
+            <a:off x="1743653" y="3886504"/>
+            <a:ext cx="227814" cy="1918"/>
+          </a:xfrm>
+          <a:prstGeom prst="straightConnector1">
+            <a:avLst/>
+          </a:prstGeom>
+          <a:ln w="38100">
+            <a:solidFill>
+              <a:srgbClr val="FF0000"/>
+            </a:solidFill>
+            <a:prstDash val="solid"/>
+            <a:tailEnd type="triangle" w="lg" len="lg"/>
+          </a:ln>
+        </p:spPr>
+        <p:style>
+          <a:lnRef idx="1">
+            <a:schemeClr val="accent1"/>
+          </a:lnRef>
+          <a:fillRef idx="0">
+            <a:schemeClr val="accent1"/>
+          </a:fillRef>
+          <a:effectRef idx="0">
+            <a:schemeClr val="accent1"/>
+          </a:effectRef>
+          <a:fontRef idx="minor">
+            <a:schemeClr val="tx1"/>
+          </a:fontRef>
+        </p:style>
+      </p:cxnSp>
+      <p:sp>
+        <p:nvSpPr>
+          <p:cNvPr id="44" name="Rectangle 43"/>
+          <p:cNvSpPr/>
+          <p:nvPr/>
+        </p:nvSpPr>
+        <p:spPr>
+          <a:xfrm>
+            <a:off x="695355" y="4059608"/>
+            <a:ext cx="2126185" cy="600164"/>
+          </a:xfrm>
+          <a:prstGeom prst="rect">
+            <a:avLst/>
+          </a:prstGeom>
+        </p:spPr>
+        <p:txBody>
+          <a:bodyPr wrap="square">
+            <a:spAutoFit/>
+          </a:bodyPr>
+          <a:lstStyle/>
+          <a:p>
+            <a:pPr algn="ctr"/>
+            <a:r>
+              <a:rPr lang="en-US" altLang="ja-JP" sz="1100" dirty="0">
+                <a:solidFill>
+                  <a:srgbClr val="FF0000"/>
+                </a:solidFill>
+                <a:latin typeface="メイリオ" panose="020B0604030504040204" pitchFamily="50" charset="-128"/>
+                <a:ea typeface="メイリオ" panose="020B0604030504040204" pitchFamily="50" charset="-128"/>
+                <a:cs typeface="メイリオ" panose="020B0604030504040204" pitchFamily="50" charset="-128"/>
+              </a:rPr>
+              <a:t>GET</a:t>
+            </a:r>
+            <a:r>
+              <a:rPr lang="ja-JP" altLang="en-US" sz="1100" dirty="0">
+                <a:solidFill>
+                  <a:srgbClr val="FF0000"/>
+                </a:solidFill>
+                <a:latin typeface="メイリオ" panose="020B0604030504040204" pitchFamily="50" charset="-128"/>
+                <a:ea typeface="メイリオ" panose="020B0604030504040204" pitchFamily="50" charset="-128"/>
+                <a:cs typeface="メイリオ" panose="020B0604030504040204" pitchFamily="50" charset="-128"/>
+              </a:rPr>
+              <a:t> </a:t>
+            </a:r>
+            <a:r>
+              <a:rPr lang="en-US" altLang="ja-JP" sz="1100" dirty="0">
+                <a:solidFill>
+                  <a:srgbClr val="FF0000"/>
+                </a:solidFill>
+                <a:latin typeface="メイリオ" panose="020B0604030504040204" pitchFamily="50" charset="-128"/>
+                <a:ea typeface="メイリオ" panose="020B0604030504040204" pitchFamily="50" charset="-128"/>
+                <a:cs typeface="メイリオ" panose="020B0604030504040204" pitchFamily="50" charset="-128"/>
+              </a:rPr>
+              <a:t>page = viewUser, selectedUser = </a:t>
+            </a:r>
+            <a:r>
+              <a:rPr lang="ja-JP" altLang="en-US" sz="1100" dirty="0">
+                <a:solidFill>
+                  <a:srgbClr val="FF0000"/>
+                </a:solidFill>
+                <a:latin typeface="メイリオ" panose="020B0604030504040204" pitchFamily="50" charset="-128"/>
+                <a:ea typeface="メイリオ" panose="020B0604030504040204" pitchFamily="50" charset="-128"/>
+                <a:cs typeface="メイリオ" panose="020B0604030504040204" pitchFamily="50" charset="-128"/>
+              </a:rPr>
+              <a:t>社員</a:t>
+            </a:r>
+            <a:r>
+              <a:rPr lang="en-US" altLang="ja-JP" sz="1100" dirty="0">
+                <a:solidFill>
+                  <a:srgbClr val="FF0000"/>
+                </a:solidFill>
+                <a:latin typeface="メイリオ" panose="020B0604030504040204" pitchFamily="50" charset="-128"/>
+                <a:ea typeface="メイリオ" panose="020B0604030504040204" pitchFamily="50" charset="-128"/>
+                <a:cs typeface="メイリオ" panose="020B0604030504040204" pitchFamily="50" charset="-128"/>
+              </a:rPr>
+              <a:t>ID</a:t>
+            </a:r>
+            <a:r>
+              <a:rPr lang="ja-JP" altLang="en-US" sz="1100" dirty="0">
+                <a:solidFill>
+                  <a:srgbClr val="FF0000"/>
+                </a:solidFill>
+                <a:latin typeface="メイリオ" panose="020B0604030504040204" pitchFamily="50" charset="-128"/>
+                <a:ea typeface="メイリオ" panose="020B0604030504040204" pitchFamily="50" charset="-128"/>
+                <a:cs typeface="メイリオ" panose="020B0604030504040204" pitchFamily="50" charset="-128"/>
+              </a:rPr>
+              <a:t> </a:t>
+            </a:r>
+            <a:endParaRPr lang="en-US" altLang="ja-JP" sz="1100" dirty="0">
+              <a:solidFill>
+                <a:srgbClr val="FF0000"/>
+              </a:solidFill>
+              <a:latin typeface="メイリオ" panose="020B0604030504040204" pitchFamily="50" charset="-128"/>
+              <a:ea typeface="メイリオ" panose="020B0604030504040204" pitchFamily="50" charset="-128"/>
+              <a:cs typeface="メイリオ" panose="020B0604030504040204" pitchFamily="50" charset="-128"/>
+            </a:endParaRPr>
+          </a:p>
+          <a:p>
+            <a:pPr algn="ctr"/>
+            <a:r>
+              <a:rPr lang="en-US" altLang="ja-JP" sz="1100" dirty="0">
+                <a:solidFill>
+                  <a:srgbClr val="FF0000"/>
+                </a:solidFill>
+                <a:latin typeface="メイリオ" panose="020B0604030504040204" pitchFamily="50" charset="-128"/>
+                <a:ea typeface="メイリオ" panose="020B0604030504040204" pitchFamily="50" charset="-128"/>
+                <a:cs typeface="メイリオ" panose="020B0604030504040204" pitchFamily="50" charset="-128"/>
+              </a:rPr>
+              <a:t>(</a:t>
+            </a:r>
+            <a:r>
+              <a:rPr lang="ja-JP" altLang="en-US" sz="1100" dirty="0">
+                <a:solidFill>
+                  <a:srgbClr val="FF0000"/>
+                </a:solidFill>
+                <a:latin typeface="メイリオ" panose="020B0604030504040204" pitchFamily="50" charset="-128"/>
+                <a:ea typeface="メイリオ" panose="020B0604030504040204" pitchFamily="50" charset="-128"/>
+                <a:cs typeface="メイリオ" panose="020B0604030504040204" pitchFamily="50" charset="-128"/>
+              </a:rPr>
+              <a:t>ハイパーリンク</a:t>
+            </a:r>
+            <a:r>
+              <a:rPr lang="en-US" altLang="ja-JP" sz="1100" dirty="0" smtClean="0">
+                <a:solidFill>
+                  <a:srgbClr val="FF0000"/>
+                </a:solidFill>
+                <a:latin typeface="メイリオ" panose="020B0604030504040204" pitchFamily="50" charset="-128"/>
+                <a:ea typeface="メイリオ" panose="020B0604030504040204" pitchFamily="50" charset="-128"/>
+                <a:cs typeface="メイリオ" panose="020B0604030504040204" pitchFamily="50" charset="-128"/>
+              </a:rPr>
+              <a:t>)(</a:t>
+            </a:r>
+            <a:r>
+              <a:rPr lang="ja-JP" altLang="en-US" sz="1100" dirty="0" smtClean="0">
+                <a:solidFill>
+                  <a:srgbClr val="FF0000"/>
+                </a:solidFill>
+                <a:latin typeface="メイリオ" panose="020B0604030504040204" pitchFamily="50" charset="-128"/>
+                <a:ea typeface="メイリオ" panose="020B0604030504040204" pitchFamily="50" charset="-128"/>
+                <a:cs typeface="メイリオ" panose="020B0604030504040204" pitchFamily="50" charset="-128"/>
+              </a:rPr>
+              <a:t>失敗</a:t>
+            </a:r>
+            <a:r>
+              <a:rPr lang="en-US" altLang="ja-JP" sz="1100" dirty="0" smtClean="0">
+                <a:solidFill>
+                  <a:srgbClr val="FF0000"/>
+                </a:solidFill>
+                <a:latin typeface="メイリオ" panose="020B0604030504040204" pitchFamily="50" charset="-128"/>
+                <a:ea typeface="メイリオ" panose="020B0604030504040204" pitchFamily="50" charset="-128"/>
+                <a:cs typeface="メイリオ" panose="020B0604030504040204" pitchFamily="50" charset="-128"/>
+              </a:rPr>
+              <a:t>)</a:t>
+            </a:r>
+            <a:endParaRPr lang="ja-JP" altLang="en-US" sz="1100" dirty="0">
+              <a:solidFill>
+                <a:srgbClr val="FF0000"/>
+              </a:solidFill>
+              <a:latin typeface="メイリオ" panose="020B0604030504040204" pitchFamily="50" charset="-128"/>
+              <a:ea typeface="メイリオ" panose="020B0604030504040204" pitchFamily="50" charset="-128"/>
+              <a:cs typeface="メイリオ" panose="020B0604030504040204" pitchFamily="50" charset="-128"/>
+            </a:endParaRPr>
+          </a:p>
+        </p:txBody>
+      </p:sp>
     </p:spTree>
     <p:extLst>
       <p:ext uri="{BB962C8B-B14F-4D97-AF65-F5344CB8AC3E}">
@@ -35280,9 +36385,9 @@
           <p:nvPr/>
         </p:nvCxnSpPr>
         <p:spPr>
-          <a:xfrm flipV="1">
-            <a:off x="3642425" y="4129526"/>
-            <a:ext cx="3046061" cy="321202"/>
+          <a:xfrm>
+            <a:off x="3642425" y="4450728"/>
+            <a:ext cx="3105481" cy="1104414"/>
           </a:xfrm>
           <a:prstGeom prst="straightConnector1">
             <a:avLst/>
@@ -35317,9 +36422,9 @@
           <p:nvPr/>
         </p:nvSpPr>
         <p:spPr>
-          <a:xfrm rot="21172497">
-            <a:off x="4405803" y="4335577"/>
-            <a:ext cx="2036954" cy="331518"/>
+          <a:xfrm rot="20129280">
+            <a:off x="4453743" y="3609761"/>
+            <a:ext cx="2141592" cy="331518"/>
           </a:xfrm>
           <a:prstGeom prst="rect">
             <a:avLst/>
@@ -35353,7 +36458,7 @@
             <a:r>
               <a:rPr lang="en-US" altLang="ja-JP" sz="1100" dirty="0" smtClean="0">
                 <a:solidFill>
-                  <a:schemeClr val="tx1"/>
+                  <a:srgbClr val="FF0000"/>
                 </a:solidFill>
                 <a:latin typeface="メイリオ" panose="020B0604030504040204" pitchFamily="50" charset="-128"/>
                 <a:ea typeface="メイリオ" panose="020B0604030504040204" pitchFamily="50" charset="-128"/>
@@ -35367,7 +36472,7 @@
             <a:r>
               <a:rPr lang="en-US" altLang="ja-JP" sz="1100" dirty="0" smtClean="0">
                 <a:solidFill>
-                  <a:schemeClr val="tx1"/>
+                  <a:srgbClr val="FF0000"/>
                 </a:solidFill>
                 <a:latin typeface="メイリオ" panose="020B0604030504040204" pitchFamily="50" charset="-128"/>
                 <a:ea typeface="メイリオ" panose="020B0604030504040204" pitchFamily="50" charset="-128"/>
@@ -35378,7 +36483,7 @@
             <a:r>
               <a:rPr lang="ja-JP" altLang="en-US" sz="1100" dirty="0" smtClean="0">
                 <a:solidFill>
-                  <a:schemeClr val="tx1"/>
+                  <a:srgbClr val="FF0000"/>
                 </a:solidFill>
                 <a:latin typeface="メイリオ" panose="020B0604030504040204" pitchFamily="50" charset="-128"/>
                 <a:ea typeface="メイリオ" panose="020B0604030504040204" pitchFamily="50" charset="-128"/>
@@ -35389,14 +36494,44 @@
             <a:r>
               <a:rPr lang="en-US" altLang="ja-JP" sz="1100" dirty="0" smtClean="0">
                 <a:solidFill>
-                  <a:schemeClr val="tx1"/>
-                </a:solidFill>
-                <a:latin typeface="メイリオ" panose="020B0604030504040204" pitchFamily="50" charset="-128"/>
-                <a:ea typeface="メイリオ" panose="020B0604030504040204" pitchFamily="50" charset="-128"/>
-                <a:cs typeface="メイリオ" panose="020B0604030504040204" pitchFamily="50" charset="-128"/>
-              </a:rPr>
-              <a:t>ID</a:t>
-            </a:r>
+                  <a:srgbClr val="FF0000"/>
+                </a:solidFill>
+                <a:latin typeface="メイリオ" panose="020B0604030504040204" pitchFamily="50" charset="-128"/>
+                <a:ea typeface="メイリオ" panose="020B0604030504040204" pitchFamily="50" charset="-128"/>
+                <a:cs typeface="メイリオ" panose="020B0604030504040204" pitchFamily="50" charset="-128"/>
+              </a:rPr>
+              <a:t>ID (</a:t>
+            </a:r>
+            <a:r>
+              <a:rPr lang="ja-JP" altLang="en-US" sz="1100" dirty="0" smtClean="0">
+                <a:solidFill>
+                  <a:srgbClr val="FF0000"/>
+                </a:solidFill>
+                <a:latin typeface="メイリオ" panose="020B0604030504040204" pitchFamily="50" charset="-128"/>
+                <a:ea typeface="メイリオ" panose="020B0604030504040204" pitchFamily="50" charset="-128"/>
+                <a:cs typeface="メイリオ" panose="020B0604030504040204" pitchFamily="50" charset="-128"/>
+              </a:rPr>
+              <a:t>失敗</a:t>
+            </a:r>
+            <a:r>
+              <a:rPr lang="en-US" altLang="ja-JP" sz="1100" dirty="0" smtClean="0">
+                <a:solidFill>
+                  <a:srgbClr val="FF0000"/>
+                </a:solidFill>
+                <a:latin typeface="メイリオ" panose="020B0604030504040204" pitchFamily="50" charset="-128"/>
+                <a:ea typeface="メイリオ" panose="020B0604030504040204" pitchFamily="50" charset="-128"/>
+                <a:cs typeface="メイリオ" panose="020B0604030504040204" pitchFamily="50" charset="-128"/>
+              </a:rPr>
+              <a:t>)</a:t>
+            </a:r>
+            <a:endParaRPr lang="en-US" altLang="ja-JP" sz="1100" dirty="0" smtClean="0">
+              <a:solidFill>
+                <a:srgbClr val="FF0000"/>
+              </a:solidFill>
+              <a:latin typeface="メイリオ" panose="020B0604030504040204" pitchFamily="50" charset="-128"/>
+              <a:ea typeface="メイリオ" panose="020B0604030504040204" pitchFamily="50" charset="-128"/>
+              <a:cs typeface="メイリオ" panose="020B0604030504040204" pitchFamily="50" charset="-128"/>
+            </a:endParaRPr>
           </a:p>
         </p:txBody>
       </p:sp>
@@ -36682,7 +37817,7 @@
         </p:nvSpPr>
         <p:spPr>
           <a:xfrm>
-            <a:off x="6688486" y="3366527"/>
+            <a:off x="6747906" y="4792143"/>
             <a:ext cx="2858385" cy="1525998"/>
           </a:xfrm>
           <a:prstGeom prst="rect">
@@ -36737,7 +37872,7 @@
         </p:nvSpPr>
         <p:spPr>
           <a:xfrm>
-            <a:off x="7148793" y="3406297"/>
+            <a:off x="7208213" y="4831913"/>
             <a:ext cx="2036954" cy="331518"/>
           </a:xfrm>
           <a:prstGeom prst="rect">
@@ -36788,6 +37923,253 @@
               <a:ea typeface="メイリオ" panose="020B0604030504040204" pitchFamily="50" charset="-128"/>
               <a:cs typeface="メイリオ" panose="020B0604030504040204" pitchFamily="50" charset="-128"/>
             </a:endParaRPr>
+          </a:p>
+        </p:txBody>
+      </p:sp>
+      <p:sp>
+        <p:nvSpPr>
+          <p:cNvPr id="34" name="正方形/長方形 14"/>
+          <p:cNvSpPr/>
+          <p:nvPr/>
+        </p:nvSpPr>
+        <p:spPr>
+          <a:xfrm>
+            <a:off x="6691077" y="2355991"/>
+            <a:ext cx="2858385" cy="1356518"/>
+          </a:xfrm>
+          <a:prstGeom prst="rect">
+            <a:avLst/>
+          </a:prstGeom>
+          <a:solidFill>
+            <a:schemeClr val="bg1"/>
+          </a:solidFill>
+          <a:ln>
+            <a:solidFill>
+              <a:schemeClr val="tx1"/>
+            </a:solidFill>
+          </a:ln>
+        </p:spPr>
+        <p:style>
+          <a:lnRef idx="2">
+            <a:schemeClr val="accent1">
+              <a:shade val="50000"/>
+            </a:schemeClr>
+          </a:lnRef>
+          <a:fillRef idx="1">
+            <a:schemeClr val="accent1"/>
+          </a:fillRef>
+          <a:effectRef idx="0">
+            <a:schemeClr val="accent1"/>
+          </a:effectRef>
+          <a:fontRef idx="minor">
+            <a:schemeClr val="lt1"/>
+          </a:fontRef>
+        </p:style>
+        <p:txBody>
+          <a:bodyPr rtlCol="0" anchor="ctr"/>
+          <a:lstStyle/>
+          <a:p>
+            <a:pPr algn="ctr"/>
+            <a:endParaRPr kumimoji="1" lang="ja-JP" altLang="en-US" sz="1400" dirty="0">
+              <a:solidFill>
+                <a:schemeClr val="tx1"/>
+              </a:solidFill>
+              <a:latin typeface="メイリオ" panose="020B0604030504040204" pitchFamily="50" charset="-128"/>
+              <a:ea typeface="メイリオ" panose="020B0604030504040204" pitchFamily="50" charset="-128"/>
+              <a:cs typeface="メイリオ" panose="020B0604030504040204" pitchFamily="50" charset="-128"/>
+            </a:endParaRPr>
+          </a:p>
+        </p:txBody>
+      </p:sp>
+      <p:sp>
+        <p:nvSpPr>
+          <p:cNvPr id="35" name="正方形/長方形 15"/>
+          <p:cNvSpPr/>
+          <p:nvPr/>
+        </p:nvSpPr>
+        <p:spPr>
+          <a:xfrm>
+            <a:off x="7151384" y="2395761"/>
+            <a:ext cx="2036954" cy="331518"/>
+          </a:xfrm>
+          <a:prstGeom prst="rect">
+            <a:avLst/>
+          </a:prstGeom>
+          <a:noFill/>
+          <a:ln>
+            <a:noFill/>
+          </a:ln>
+        </p:spPr>
+        <p:style>
+          <a:lnRef idx="2">
+            <a:schemeClr val="accent1">
+              <a:shade val="50000"/>
+            </a:schemeClr>
+          </a:lnRef>
+          <a:fillRef idx="1">
+            <a:schemeClr val="accent1"/>
+          </a:fillRef>
+          <a:effectRef idx="0">
+            <a:schemeClr val="accent1"/>
+          </a:effectRef>
+          <a:fontRef idx="minor">
+            <a:schemeClr val="lt1"/>
+          </a:fontRef>
+        </p:style>
+        <p:txBody>
+          <a:bodyPr rtlCol="0" anchor="t"/>
+          <a:lstStyle/>
+          <a:p>
+            <a:pPr algn="ctr"/>
+            <a:r>
+              <a:rPr kumimoji="1" lang="ja-JP" altLang="en-US" sz="1400" dirty="0" smtClean="0">
+                <a:solidFill>
+                  <a:schemeClr val="tx1"/>
+                </a:solidFill>
+                <a:latin typeface="メイリオ" panose="020B0604030504040204" pitchFamily="50" charset="-128"/>
+                <a:ea typeface="メイリオ" panose="020B0604030504040204" pitchFamily="50" charset="-128"/>
+                <a:cs typeface="メイリオ" panose="020B0604030504040204" pitchFamily="50" charset="-128"/>
+              </a:rPr>
+              <a:t>社員情報管理</a:t>
+            </a:r>
+            <a:endParaRPr kumimoji="1" lang="en-US" altLang="ja-JP" sz="1400" dirty="0" smtClean="0">
+              <a:solidFill>
+                <a:schemeClr val="tx1"/>
+              </a:solidFill>
+              <a:latin typeface="メイリオ" panose="020B0604030504040204" pitchFamily="50" charset="-128"/>
+              <a:ea typeface="メイリオ" panose="020B0604030504040204" pitchFamily="50" charset="-128"/>
+              <a:cs typeface="メイリオ" panose="020B0604030504040204" pitchFamily="50" charset="-128"/>
+            </a:endParaRPr>
+          </a:p>
+        </p:txBody>
+      </p:sp>
+      <p:cxnSp>
+        <p:nvCxnSpPr>
+          <p:cNvPr id="37" name="直線矢印コネクタ 29"/>
+          <p:cNvCxnSpPr>
+            <a:stCxn id="27" idx="3"/>
+            <a:endCxn id="34" idx="1"/>
+          </p:cNvCxnSpPr>
+          <p:nvPr/>
+        </p:nvCxnSpPr>
+        <p:spPr>
+          <a:xfrm flipV="1">
+            <a:off x="3642425" y="3034250"/>
+            <a:ext cx="3048652" cy="1416478"/>
+          </a:xfrm>
+          <a:prstGeom prst="straightConnector1">
+            <a:avLst/>
+          </a:prstGeom>
+          <a:ln w="38100">
+            <a:solidFill>
+              <a:srgbClr val="FF0000"/>
+            </a:solidFill>
+            <a:prstDash val="solid"/>
+            <a:tailEnd type="triangle" w="lg" len="lg"/>
+          </a:ln>
+        </p:spPr>
+        <p:style>
+          <a:lnRef idx="1">
+            <a:schemeClr val="accent1"/>
+          </a:lnRef>
+          <a:fillRef idx="0">
+            <a:schemeClr val="accent1"/>
+          </a:fillRef>
+          <a:effectRef idx="0">
+            <a:schemeClr val="accent1"/>
+          </a:effectRef>
+          <a:fontRef idx="minor">
+            <a:schemeClr val="tx1"/>
+          </a:fontRef>
+        </p:style>
+      </p:cxnSp>
+      <p:sp>
+        <p:nvSpPr>
+          <p:cNvPr id="40" name="正方形/長方形 59"/>
+          <p:cNvSpPr/>
+          <p:nvPr/>
+        </p:nvSpPr>
+        <p:spPr>
+          <a:xfrm rot="1189798">
+            <a:off x="4397167" y="5217951"/>
+            <a:ext cx="2036954" cy="331518"/>
+          </a:xfrm>
+          <a:prstGeom prst="rect">
+            <a:avLst/>
+          </a:prstGeom>
+          <a:noFill/>
+          <a:ln>
+            <a:noFill/>
+          </a:ln>
+        </p:spPr>
+        <p:style>
+          <a:lnRef idx="2">
+            <a:schemeClr val="accent1">
+              <a:shade val="50000"/>
+            </a:schemeClr>
+          </a:lnRef>
+          <a:fillRef idx="1">
+            <a:schemeClr val="accent1"/>
+          </a:fillRef>
+          <a:effectRef idx="0">
+            <a:schemeClr val="accent1"/>
+          </a:effectRef>
+          <a:fontRef idx="minor">
+            <a:schemeClr val="lt1"/>
+          </a:fontRef>
+        </p:style>
+        <p:txBody>
+          <a:bodyPr rtlCol="0" anchor="t"/>
+          <a:lstStyle/>
+          <a:p>
+            <a:pPr algn="ctr"/>
+            <a:r>
+              <a:rPr lang="en-US" altLang="ja-JP" sz="1100" dirty="0" smtClean="0">
+                <a:solidFill>
+                  <a:schemeClr val="tx1"/>
+                </a:solidFill>
+                <a:latin typeface="メイリオ" panose="020B0604030504040204" pitchFamily="50" charset="-128"/>
+                <a:ea typeface="メイリオ" panose="020B0604030504040204" pitchFamily="50" charset="-128"/>
+                <a:cs typeface="メイリオ" panose="020B0604030504040204" pitchFamily="50" charset="-128"/>
+              </a:rPr>
+              <a:t>POST action = login,</a:t>
+            </a:r>
+          </a:p>
+          <a:p>
+            <a:pPr algn="ctr"/>
+            <a:r>
+              <a:rPr lang="en-US" altLang="ja-JP" sz="1100" dirty="0" smtClean="0">
+                <a:solidFill>
+                  <a:schemeClr val="tx1"/>
+                </a:solidFill>
+                <a:latin typeface="メイリオ" panose="020B0604030504040204" pitchFamily="50" charset="-128"/>
+                <a:ea typeface="メイリオ" panose="020B0604030504040204" pitchFamily="50" charset="-128"/>
+                <a:cs typeface="メイリオ" panose="020B0604030504040204" pitchFamily="50" charset="-128"/>
+              </a:rPr>
+              <a:t> hidden user = </a:t>
+            </a:r>
+            <a:r>
+              <a:rPr lang="ja-JP" altLang="en-US" sz="1100" dirty="0" smtClean="0">
+                <a:solidFill>
+                  <a:schemeClr val="tx1"/>
+                </a:solidFill>
+                <a:latin typeface="メイリオ" panose="020B0604030504040204" pitchFamily="50" charset="-128"/>
+                <a:ea typeface="メイリオ" panose="020B0604030504040204" pitchFamily="50" charset="-128"/>
+                <a:cs typeface="メイリオ" panose="020B0604030504040204" pitchFamily="50" charset="-128"/>
+              </a:rPr>
+              <a:t>社員</a:t>
+            </a:r>
+            <a:r>
+              <a:rPr lang="en-US" altLang="ja-JP" sz="1100" dirty="0" smtClean="0">
+                <a:solidFill>
+                  <a:schemeClr val="tx1"/>
+                </a:solidFill>
+                <a:latin typeface="メイリオ" panose="020B0604030504040204" pitchFamily="50" charset="-128"/>
+                <a:ea typeface="メイリオ" panose="020B0604030504040204" pitchFamily="50" charset="-128"/>
+                <a:cs typeface="メイリオ" panose="020B0604030504040204" pitchFamily="50" charset="-128"/>
+              </a:rPr>
+              <a:t>ID</a:t>
+            </a:r>
           </a:p>
         </p:txBody>
       </p:sp>
